--- a/doc/presentation_vizathon.pptx
+++ b/doc/presentation_vizathon.pptx
@@ -5,7 +5,7 @@
     <p:sldMasterId id="2147483648" r:id="rId1"/>
   </p:sldMasterIdLst>
   <p:notesMasterIdLst>
-    <p:notesMasterId r:id="rId37"/>
+    <p:notesMasterId r:id="rId40"/>
   </p:notesMasterIdLst>
   <p:sldIdLst>
     <p:sldId id="256" r:id="rId2"/>
@@ -20,29 +20,32 @@
     <p:sldId id="266" r:id="rId11"/>
     <p:sldId id="262" r:id="rId12"/>
     <p:sldId id="268" r:id="rId13"/>
-    <p:sldId id="306" r:id="rId14"/>
-    <p:sldId id="269" r:id="rId15"/>
-    <p:sldId id="270" r:id="rId16"/>
-    <p:sldId id="271" r:id="rId17"/>
-    <p:sldId id="272" r:id="rId18"/>
-    <p:sldId id="273" r:id="rId19"/>
-    <p:sldId id="274" r:id="rId20"/>
-    <p:sldId id="307" r:id="rId21"/>
-    <p:sldId id="275" r:id="rId22"/>
-    <p:sldId id="276" r:id="rId23"/>
-    <p:sldId id="277" r:id="rId24"/>
-    <p:sldId id="278" r:id="rId25"/>
-    <p:sldId id="280" r:id="rId26"/>
-    <p:sldId id="282" r:id="rId27"/>
-    <p:sldId id="279" r:id="rId28"/>
-    <p:sldId id="283" r:id="rId29"/>
-    <p:sldId id="285" r:id="rId30"/>
-    <p:sldId id="284" r:id="rId31"/>
-    <p:sldId id="286" r:id="rId32"/>
-    <p:sldId id="288" r:id="rId33"/>
-    <p:sldId id="291" r:id="rId34"/>
-    <p:sldId id="292" r:id="rId35"/>
-    <p:sldId id="293" r:id="rId36"/>
+    <p:sldId id="309" r:id="rId14"/>
+    <p:sldId id="306" r:id="rId15"/>
+    <p:sldId id="269" r:id="rId16"/>
+    <p:sldId id="270" r:id="rId17"/>
+    <p:sldId id="271" r:id="rId18"/>
+    <p:sldId id="272" r:id="rId19"/>
+    <p:sldId id="273" r:id="rId20"/>
+    <p:sldId id="274" r:id="rId21"/>
+    <p:sldId id="307" r:id="rId22"/>
+    <p:sldId id="275" r:id="rId23"/>
+    <p:sldId id="276" r:id="rId24"/>
+    <p:sldId id="277" r:id="rId25"/>
+    <p:sldId id="278" r:id="rId26"/>
+    <p:sldId id="280" r:id="rId27"/>
+    <p:sldId id="282" r:id="rId28"/>
+    <p:sldId id="279" r:id="rId29"/>
+    <p:sldId id="283" r:id="rId30"/>
+    <p:sldId id="285" r:id="rId31"/>
+    <p:sldId id="284" r:id="rId32"/>
+    <p:sldId id="286" r:id="rId33"/>
+    <p:sldId id="288" r:id="rId34"/>
+    <p:sldId id="313" r:id="rId35"/>
+    <p:sldId id="291" r:id="rId36"/>
+    <p:sldId id="292" r:id="rId37"/>
+    <p:sldId id="293" r:id="rId38"/>
+    <p:sldId id="308" r:id="rId39"/>
   </p:sldIdLst>
   <p:sldSz cx="12192000" cy="6858000"/>
   <p:notesSz cx="6858000" cy="9144000"/>
@@ -5448,7 +5451,7 @@
           <p:cNvPr id="2" name="Title 1">
             <a:extLst>
               <a:ext uri="{FF2B5EF4-FFF2-40B4-BE49-F238E27FC236}">
-                <a16:creationId xmlns:a16="http://schemas.microsoft.com/office/drawing/2014/main" id="{2042D36A-0346-4EAC-9C56-4B8E222526B6}"/>
+                <a16:creationId xmlns:a16="http://schemas.microsoft.com/office/drawing/2014/main" id="{E0F32E11-B82C-413C-9195-530CBDB1E1E6}"/>
               </a:ext>
             </a:extLst>
           </p:cNvPr>
@@ -5466,33 +5469,121 @@
           <a:p>
             <a:r>
               <a:rPr lang="en-US" dirty="0"/>
-              <a:t>2. Webpage Basics - JavaScript</a:t>
-            </a:r>
-          </a:p>
-        </p:txBody>
-      </p:sp>
-      <p:sp>
-        <p:nvSpPr>
-          <p:cNvPr id="3" name="Text Placeholder 2">
-            <a:extLst>
-              <a:ext uri="{FF2B5EF4-FFF2-40B4-BE49-F238E27FC236}">
-                <a16:creationId xmlns:a16="http://schemas.microsoft.com/office/drawing/2014/main" id="{0C3128F7-0C1E-4469-823B-C5B0CBA01BD9}"/>
-              </a:ext>
-            </a:extLst>
-          </p:cNvPr>
-          <p:cNvSpPr>
-            <a:spLocks noGrp="1"/>
-          </p:cNvSpPr>
-          <p:nvPr>
-            <p:ph type="body" idx="1"/>
-          </p:nvPr>
-        </p:nvSpPr>
-        <p:spPr/>
-        <p:txBody>
-          <a:bodyPr/>
-          <a:lstStyle/>
-          <a:p>
-            <a:endParaRPr lang="en-US"/>
+              <a:t>HTML head and body</a:t>
+            </a:r>
+          </a:p>
+        </p:txBody>
+      </p:sp>
+      <p:sp>
+        <p:nvSpPr>
+          <p:cNvPr id="3" name="Content Placeholder 2">
+            <a:extLst>
+              <a:ext uri="{FF2B5EF4-FFF2-40B4-BE49-F238E27FC236}">
+                <a16:creationId xmlns:a16="http://schemas.microsoft.com/office/drawing/2014/main" id="{AE9098FD-FFAB-479A-B357-6625DF82394F}"/>
+              </a:ext>
+            </a:extLst>
+          </p:cNvPr>
+          <p:cNvSpPr>
+            <a:spLocks noGrp="1"/>
+          </p:cNvSpPr>
+          <p:nvPr>
+            <p:ph idx="1"/>
+          </p:nvPr>
+        </p:nvSpPr>
+        <p:spPr/>
+        <p:txBody>
+          <a:bodyPr/>
+          <a:lstStyle/>
+          <a:p>
+            <a:pPr marL="0" indent="0">
+              <a:buNone/>
+            </a:pPr>
+            <a:r>
+              <a:rPr lang="en-US" dirty="0"/>
+              <a:t>Just like your bones, HTML can be divided into </a:t>
+            </a:r>
+            <a:r>
+              <a:rPr lang="en-US" dirty="0">
+                <a:solidFill>
+                  <a:srgbClr val="FF0000"/>
+                </a:solidFill>
+              </a:rPr>
+              <a:t>head part </a:t>
+            </a:r>
+            <a:r>
+              <a:rPr lang="en-US" dirty="0"/>
+              <a:t>and </a:t>
+            </a:r>
+            <a:r>
+              <a:rPr lang="en-US" dirty="0">
+                <a:solidFill>
+                  <a:srgbClr val="FF0000"/>
+                </a:solidFill>
+              </a:rPr>
+              <a:t>body part</a:t>
+            </a:r>
+          </a:p>
+          <a:p>
+            <a:r>
+              <a:rPr lang="en-US" dirty="0"/>
+              <a:t>Head part: include metadata, necessary libraries (JS and CSS, discussed later), and your other files</a:t>
+            </a:r>
+          </a:p>
+          <a:p>
+            <a:r>
+              <a:rPr lang="en-US" dirty="0"/>
+              <a:t>Body part: actual HTML elements you see on the screen</a:t>
+            </a:r>
+          </a:p>
+          <a:p>
+            <a:pPr marL="0" indent="0">
+              <a:buNone/>
+            </a:pPr>
+            <a:endParaRPr lang="en-US" dirty="0"/>
+          </a:p>
+          <a:p>
+            <a:pPr marL="0" indent="0">
+              <a:buNone/>
+            </a:pPr>
+            <a:r>
+              <a:rPr lang="en-US" dirty="0"/>
+              <a:t>Head part can usually be reused</a:t>
+            </a:r>
+          </a:p>
+        </p:txBody>
+      </p:sp>
+      <p:sp>
+        <p:nvSpPr>
+          <p:cNvPr id="4" name="Footer Placeholder 3">
+            <a:extLst>
+              <a:ext uri="{FF2B5EF4-FFF2-40B4-BE49-F238E27FC236}">
+                <a16:creationId xmlns:a16="http://schemas.microsoft.com/office/drawing/2014/main" id="{26C60CEE-120F-4AF6-A1C3-9ADDD805F205}"/>
+              </a:ext>
+            </a:extLst>
+          </p:cNvPr>
+          <p:cNvSpPr>
+            <a:spLocks noGrp="1"/>
+          </p:cNvSpPr>
+          <p:nvPr>
+            <p:ph type="ftr" sz="quarter" idx="11"/>
+          </p:nvPr>
+        </p:nvSpPr>
+        <p:spPr/>
+        <p:txBody>
+          <a:bodyPr/>
+          <a:lstStyle/>
+          <a:p>
+            <a:r>
+              <a:rPr lang="en-US"/>
+              <a:t>Copyright © 2021 Luyu Liu,</a:t>
+            </a:r>
+          </a:p>
+          <a:p>
+            <a:r>
+              <a:rPr lang="en-US"/>
+              <a:t>Liu.6544@osu.edu</a:t>
+            </a:r>
+            <a:endParaRPr lang="en-US" dirty="0"/>
           </a:p>
         </p:txBody>
       </p:sp>
@@ -5501,7 +5592,7 @@
           <p:cNvPr id="5" name="Slide Number Placeholder 4">
             <a:extLst>
               <a:ext uri="{FF2B5EF4-FFF2-40B4-BE49-F238E27FC236}">
-                <a16:creationId xmlns:a16="http://schemas.microsoft.com/office/drawing/2014/main" id="{2B6A6761-8FDE-4A75-ABDD-8ECA6BE83B32}"/>
+                <a16:creationId xmlns:a16="http://schemas.microsoft.com/office/drawing/2014/main" id="{DBF89F70-288C-48A8-BB65-416A3C73AFAE}"/>
               </a:ext>
             </a:extLst>
           </p:cNvPr>
@@ -5525,39 +5616,10 @@
           </a:p>
         </p:txBody>
       </p:sp>
-      <p:sp>
-        <p:nvSpPr>
-          <p:cNvPr id="6" name="Footer Placeholder 5">
-            <a:extLst>
-              <a:ext uri="{FF2B5EF4-FFF2-40B4-BE49-F238E27FC236}">
-                <a16:creationId xmlns:a16="http://schemas.microsoft.com/office/drawing/2014/main" id="{74CD9FA1-2431-4BAA-9B65-9278BFF9BF6A}"/>
-              </a:ext>
-            </a:extLst>
-          </p:cNvPr>
-          <p:cNvSpPr>
-            <a:spLocks noGrp="1"/>
-          </p:cNvSpPr>
-          <p:nvPr>
-            <p:ph type="ftr" sz="quarter" idx="11"/>
-          </p:nvPr>
-        </p:nvSpPr>
-        <p:spPr/>
-        <p:txBody>
-          <a:bodyPr/>
-          <a:lstStyle/>
-          <a:p>
-            <a:r>
-              <a:rPr lang="en-US"/>
-              <a:t>Copyright © 2021 Luyu Liu, Liu.6544@osu.edu</a:t>
-            </a:r>
-            <a:endParaRPr lang="en-US" dirty="0"/>
-          </a:p>
-        </p:txBody>
-      </p:sp>
     </p:spTree>
     <p:extLst>
       <p:ext uri="{BB962C8B-B14F-4D97-AF65-F5344CB8AC3E}">
-        <p14:creationId xmlns:p14="http://schemas.microsoft.com/office/powerpoint/2010/main" val="904581738"/>
+        <p14:creationId xmlns:p14="http://schemas.microsoft.com/office/powerpoint/2010/main" val="2159481947"/>
       </p:ext>
     </p:extLst>
   </p:cSld>
@@ -5589,7 +5651,7 @@
           <p:cNvPr id="2" name="Title 1">
             <a:extLst>
               <a:ext uri="{FF2B5EF4-FFF2-40B4-BE49-F238E27FC236}">
-                <a16:creationId xmlns:a16="http://schemas.microsoft.com/office/drawing/2014/main" id="{8A9E72D5-A7F7-4A56-92AA-AA9609058B4D}"/>
+                <a16:creationId xmlns:a16="http://schemas.microsoft.com/office/drawing/2014/main" id="{2042D36A-0346-4EAC-9C56-4B8E222526B6}"/>
               </a:ext>
             </a:extLst>
           </p:cNvPr>
@@ -5607,130 +5669,33 @@
           <a:p>
             <a:r>
               <a:rPr lang="en-US" dirty="0"/>
-              <a:t>JavaScript – Muscles and Senses</a:t>
-            </a:r>
-          </a:p>
-        </p:txBody>
-      </p:sp>
-      <p:sp>
-        <p:nvSpPr>
-          <p:cNvPr id="3" name="Content Placeholder 2">
-            <a:extLst>
-              <a:ext uri="{FF2B5EF4-FFF2-40B4-BE49-F238E27FC236}">
-                <a16:creationId xmlns:a16="http://schemas.microsoft.com/office/drawing/2014/main" id="{B45645C8-8920-43AB-9247-6F9C50DD5D49}"/>
-              </a:ext>
-            </a:extLst>
-          </p:cNvPr>
-          <p:cNvSpPr>
-            <a:spLocks noGrp="1"/>
-          </p:cNvSpPr>
-          <p:nvPr>
-            <p:ph idx="1"/>
-          </p:nvPr>
-        </p:nvSpPr>
-        <p:spPr/>
-        <p:txBody>
-          <a:bodyPr>
-            <a:normAutofit/>
-          </a:bodyPr>
-          <a:lstStyle/>
-          <a:p>
-            <a:pPr marL="0" indent="0">
-              <a:buNone/>
-            </a:pPr>
-            <a:r>
-              <a:rPr lang="en-US" dirty="0"/>
-              <a:t>JavaScript (JS) is a </a:t>
-            </a:r>
-            <a:r>
-              <a:rPr lang="en-US" dirty="0">
-                <a:solidFill>
-                  <a:srgbClr val="C00000"/>
-                </a:solidFill>
-              </a:rPr>
-              <a:t>programming language</a:t>
-            </a:r>
-            <a:endParaRPr lang="en-US" dirty="0">
-              <a:solidFill>
-                <a:schemeClr val="tx1"/>
-              </a:solidFill>
-            </a:endParaRPr>
-          </a:p>
-          <a:p>
-            <a:pPr marL="457200" indent="-457200">
-              <a:buFont typeface="Arial" panose="020B0604020202020204" pitchFamily="34" charset="0"/>
-              <a:buChar char="•"/>
-            </a:pPr>
-            <a:r>
-              <a:rPr lang="en-US" dirty="0"/>
-              <a:t>To support and manipulate HTML</a:t>
-            </a:r>
-          </a:p>
-          <a:p>
-            <a:pPr marL="457200" indent="-457200">
-              <a:buFont typeface="Arial" panose="020B0604020202020204" pitchFamily="34" charset="0"/>
-              <a:buChar char="•"/>
-            </a:pPr>
-            <a:r>
-              <a:rPr lang="en-US" dirty="0">
-                <a:solidFill>
-                  <a:srgbClr val="C00000"/>
-                </a:solidFill>
-              </a:rPr>
-              <a:t>Actions</a:t>
-            </a:r>
-            <a:r>
-              <a:rPr lang="en-US" dirty="0"/>
-              <a:t> (functions)</a:t>
-            </a:r>
-          </a:p>
-          <a:p>
-            <a:pPr marL="914400" lvl="1" indent="-457200"/>
-            <a:r>
-              <a:rPr lang="en-US" dirty="0"/>
-              <a:t>Can change contents</a:t>
-            </a:r>
-          </a:p>
-          <a:p>
-            <a:pPr marL="457200" indent="-457200">
-              <a:buFont typeface="Arial" panose="020B0604020202020204" pitchFamily="34" charset="0"/>
-              <a:buChar char="•"/>
-            </a:pPr>
-            <a:r>
-              <a:rPr lang="en-US" dirty="0">
-                <a:solidFill>
-                  <a:srgbClr val="C00000"/>
-                </a:solidFill>
-              </a:rPr>
-              <a:t>Reactions</a:t>
-            </a:r>
-            <a:r>
-              <a:rPr lang="en-US" dirty="0"/>
-              <a:t> (events)</a:t>
-            </a:r>
-          </a:p>
-          <a:p>
-            <a:pPr marL="914400" lvl="1" indent="-457200"/>
-            <a:r>
-              <a:rPr lang="en-US" dirty="0"/>
-              <a:t>Can detect and react to a change or input</a:t>
-            </a:r>
-          </a:p>
-          <a:p>
-            <a:pPr marL="914400" lvl="1" indent="-457200"/>
-            <a:r>
-              <a:rPr lang="en-US" dirty="0"/>
-              <a:t>e.g.: background change after click a button</a:t>
-            </a:r>
-          </a:p>
-          <a:p>
-            <a:endParaRPr lang="en-US" dirty="0"/>
-          </a:p>
-          <a:p>
-            <a:pPr marL="0" indent="0">
-              <a:buNone/>
-            </a:pPr>
-            <a:endParaRPr lang="en-US" dirty="0"/>
+              <a:t>2. Webpage Basics - JavaScript</a:t>
+            </a:r>
+          </a:p>
+        </p:txBody>
+      </p:sp>
+      <p:sp>
+        <p:nvSpPr>
+          <p:cNvPr id="3" name="Text Placeholder 2">
+            <a:extLst>
+              <a:ext uri="{FF2B5EF4-FFF2-40B4-BE49-F238E27FC236}">
+                <a16:creationId xmlns:a16="http://schemas.microsoft.com/office/drawing/2014/main" id="{0C3128F7-0C1E-4469-823B-C5B0CBA01BD9}"/>
+              </a:ext>
+            </a:extLst>
+          </p:cNvPr>
+          <p:cNvSpPr>
+            <a:spLocks noGrp="1"/>
+          </p:cNvSpPr>
+          <p:nvPr>
+            <p:ph type="body" idx="1"/>
+          </p:nvPr>
+        </p:nvSpPr>
+        <p:spPr/>
+        <p:txBody>
+          <a:bodyPr/>
+          <a:lstStyle/>
+          <a:p>
+            <a:endParaRPr lang="en-US"/>
           </a:p>
         </p:txBody>
       </p:sp>
@@ -5739,7 +5704,7 @@
           <p:cNvPr id="5" name="Slide Number Placeholder 4">
             <a:extLst>
               <a:ext uri="{FF2B5EF4-FFF2-40B4-BE49-F238E27FC236}">
-                <a16:creationId xmlns:a16="http://schemas.microsoft.com/office/drawing/2014/main" id="{3F130FB8-B2E9-44D9-995C-052E84C2C7B6}"/>
+                <a16:creationId xmlns:a16="http://schemas.microsoft.com/office/drawing/2014/main" id="{2B6A6761-8FDE-4A75-ABDD-8ECA6BE83B32}"/>
               </a:ext>
             </a:extLst>
           </p:cNvPr>
@@ -5765,55 +5730,10 @@
       </p:sp>
       <p:sp>
         <p:nvSpPr>
-          <p:cNvPr id="7" name="TextBox 6">
-            <a:extLst>
-              <a:ext uri="{FF2B5EF4-FFF2-40B4-BE49-F238E27FC236}">
-                <a16:creationId xmlns:a16="http://schemas.microsoft.com/office/drawing/2014/main" id="{0433619D-1E69-4790-B7A2-3623A332057D}"/>
-              </a:ext>
-            </a:extLst>
-          </p:cNvPr>
-          <p:cNvSpPr txBox="1"/>
-          <p:nvPr/>
-        </p:nvSpPr>
-        <p:spPr>
-          <a:xfrm>
-            <a:off x="5467927" y="5622965"/>
-            <a:ext cx="6096000" cy="553998"/>
-          </a:xfrm>
-          <a:prstGeom prst="rect">
-            <a:avLst/>
-          </a:prstGeom>
-          <a:noFill/>
-        </p:spPr>
-        <p:txBody>
-          <a:bodyPr wrap="square">
-            <a:spAutoFit/>
-          </a:bodyPr>
-          <a:lstStyle/>
-          <a:p>
-            <a:pPr marL="0" indent="0">
-              <a:buNone/>
-            </a:pPr>
-            <a:r>
-              <a:rPr lang="en-US" dirty="0"/>
-              <a:t>“JavaScript is not Java, just like ham is not hamster”</a:t>
-            </a:r>
-          </a:p>
-          <a:p>
-            <a:pPr algn="r"/>
-            <a:r>
-              <a:rPr lang="en-US" sz="1200" dirty="0"/>
-              <a:t>More on: http://javascriptisnotjava.com/</a:t>
-            </a:r>
-          </a:p>
-        </p:txBody>
-      </p:sp>
-      <p:sp>
-        <p:nvSpPr>
-          <p:cNvPr id="8" name="Footer Placeholder 7">
-            <a:extLst>
-              <a:ext uri="{FF2B5EF4-FFF2-40B4-BE49-F238E27FC236}">
-                <a16:creationId xmlns:a16="http://schemas.microsoft.com/office/drawing/2014/main" id="{EBA95F17-520E-473C-B457-C64A886B02FE}"/>
+          <p:cNvPr id="6" name="Footer Placeholder 5">
+            <a:extLst>
+              <a:ext uri="{FF2B5EF4-FFF2-40B4-BE49-F238E27FC236}">
+                <a16:creationId xmlns:a16="http://schemas.microsoft.com/office/drawing/2014/main" id="{74CD9FA1-2431-4BAA-9B65-9278BFF9BF6A}"/>
               </a:ext>
             </a:extLst>
           </p:cNvPr>
@@ -5831,13 +5751,7 @@
           <a:p>
             <a:r>
               <a:rPr lang="en-US"/>
-              <a:t>Copyright © 2021 Luyu Liu,</a:t>
-            </a:r>
-          </a:p>
-          <a:p>
-            <a:r>
-              <a:rPr lang="en-US"/>
-              <a:t>Liu.6544@osu.edu</a:t>
+              <a:t>Copyright © 2021 Luyu Liu, Liu.6544@osu.edu</a:t>
             </a:r>
             <a:endParaRPr lang="en-US" dirty="0"/>
           </a:p>
@@ -5846,7 +5760,7 @@
     </p:spTree>
     <p:extLst>
       <p:ext uri="{BB962C8B-B14F-4D97-AF65-F5344CB8AC3E}">
-        <p14:creationId xmlns:p14="http://schemas.microsoft.com/office/powerpoint/2010/main" val="2863256606"/>
+        <p14:creationId xmlns:p14="http://schemas.microsoft.com/office/powerpoint/2010/main" val="904581738"/>
       </p:ext>
     </p:extLst>
   </p:cSld>
@@ -5878,7 +5792,7 @@
           <p:cNvPr id="2" name="Title 1">
             <a:extLst>
               <a:ext uri="{FF2B5EF4-FFF2-40B4-BE49-F238E27FC236}">
-                <a16:creationId xmlns:a16="http://schemas.microsoft.com/office/drawing/2014/main" id="{21EF2111-6CE6-443D-B9A0-6695728B4562}"/>
+                <a16:creationId xmlns:a16="http://schemas.microsoft.com/office/drawing/2014/main" id="{8A9E72D5-A7F7-4A56-92AA-AA9609058B4D}"/>
               </a:ext>
             </a:extLst>
           </p:cNvPr>
@@ -5896,7 +5810,7 @@
           <a:p>
             <a:r>
               <a:rPr lang="en-US" dirty="0"/>
-              <a:t>JS – Basic Grammar</a:t>
+              <a:t>JavaScript – Muscles and Senses</a:t>
             </a:r>
           </a:p>
         </p:txBody>
@@ -5906,7 +5820,7 @@
           <p:cNvPr id="3" name="Content Placeholder 2">
             <a:extLst>
               <a:ext uri="{FF2B5EF4-FFF2-40B4-BE49-F238E27FC236}">
-                <a16:creationId xmlns:a16="http://schemas.microsoft.com/office/drawing/2014/main" id="{6CA6F285-C09F-4E29-8F0A-9CDC887A66E7}"/>
+                <a16:creationId xmlns:a16="http://schemas.microsoft.com/office/drawing/2014/main" id="{B45645C8-8920-43AB-9247-6F9C50DD5D49}"/>
               </a:ext>
             </a:extLst>
           </p:cNvPr>
@@ -5917,62 +5831,33 @@
             <p:ph idx="1"/>
           </p:nvPr>
         </p:nvSpPr>
-        <p:spPr>
-          <a:xfrm>
-            <a:off x="838200" y="2238873"/>
-            <a:ext cx="6948922" cy="3938089"/>
-          </a:xfrm>
-        </p:spPr>
+        <p:spPr/>
         <p:txBody>
           <a:bodyPr>
             <a:normAutofit/>
           </a:bodyPr>
           <a:lstStyle/>
           <a:p>
-            <a:pPr marL="457200" indent="-457200">
-              <a:buFont typeface="Arial" panose="020B0604020202020204" pitchFamily="34" charset="0"/>
-              <a:buChar char="•"/>
+            <a:pPr marL="0" indent="0">
+              <a:buNone/>
             </a:pPr>
+            <a:r>
+              <a:rPr lang="en-US" dirty="0"/>
+              <a:t>JavaScript (JS) is a </a:t>
+            </a:r>
             <a:r>
               <a:rPr lang="en-US" dirty="0">
                 <a:solidFill>
                   <a:srgbClr val="C00000"/>
                 </a:solidFill>
               </a:rPr>
-              <a:t>‘</a:t>
-            </a:r>
-            <a:r>
-              <a:rPr lang="en-US" i="1" dirty="0">
-                <a:solidFill>
-                  <a:srgbClr val="C00000"/>
-                </a:solidFill>
-              </a:rPr>
-              <a:t>var’</a:t>
-            </a:r>
-            <a:r>
-              <a:rPr lang="en-US" i="1" dirty="0"/>
-              <a:t> </a:t>
-            </a:r>
-            <a:r>
-              <a:rPr lang="en-US" dirty="0"/>
-              <a:t>or</a:t>
-            </a:r>
-            <a:r>
-              <a:rPr lang="en-US" i="1" dirty="0"/>
-              <a:t> </a:t>
-            </a:r>
-            <a:r>
-              <a:rPr lang="en-US" i="1" dirty="0">
-                <a:solidFill>
-                  <a:srgbClr val="C00000"/>
-                </a:solidFill>
-              </a:rPr>
-              <a:t>‘let’: </a:t>
-            </a:r>
-            <a:r>
-              <a:rPr lang="en-US" dirty="0"/>
-              <a:t>declare a variable</a:t>
-            </a:r>
+              <a:t>programming language</a:t>
+            </a:r>
+            <a:endParaRPr lang="en-US" dirty="0">
+              <a:solidFill>
+                <a:schemeClr val="tx1"/>
+              </a:solidFill>
+            </a:endParaRPr>
           </a:p>
           <a:p>
             <a:pPr marL="457200" indent="-457200">
@@ -5980,52 +5865,8 @@
               <a:buChar char="•"/>
             </a:pPr>
             <a:r>
-              <a:rPr lang="en-US" i="1" dirty="0">
-                <a:solidFill>
-                  <a:srgbClr val="C00000"/>
-                </a:solidFill>
-              </a:rPr>
-              <a:t>‘if’: </a:t>
-            </a:r>
-            <a:r>
-              <a:rPr lang="en-US" dirty="0"/>
-              <a:t>conditional clause</a:t>
-            </a:r>
-          </a:p>
-          <a:p>
-            <a:pPr marL="457200" indent="-457200">
-              <a:buFont typeface="Arial" panose="020B0604020202020204" pitchFamily="34" charset="0"/>
-              <a:buChar char="•"/>
-            </a:pPr>
-            <a:r>
-              <a:rPr lang="en-US" i="1" dirty="0">
-                <a:solidFill>
-                  <a:srgbClr val="C00000"/>
-                </a:solidFill>
-              </a:rPr>
-              <a:t>‘function foo()’: </a:t>
-            </a:r>
-            <a:r>
-              <a:rPr lang="en-US" dirty="0"/>
-              <a:t>define a function</a:t>
-            </a:r>
-          </a:p>
-          <a:p>
-            <a:pPr marL="457200" indent="-457200">
-              <a:buFont typeface="Arial" panose="020B0604020202020204" pitchFamily="34" charset="0"/>
-              <a:buChar char="•"/>
-            </a:pPr>
-            <a:r>
-              <a:rPr lang="en-US" i="1" dirty="0">
-                <a:solidFill>
-                  <a:srgbClr val="C00000"/>
-                </a:solidFill>
-              </a:rPr>
-              <a:t>‘foo()’: </a:t>
-            </a:r>
-            <a:r>
-              <a:rPr lang="en-US" dirty="0"/>
-              <a:t>execute a function </a:t>
+              <a:rPr lang="en-US" dirty="0"/>
+              <a:t>To support and manipulate HTML</a:t>
             </a:r>
           </a:p>
           <a:p>
@@ -6039,11 +5880,18 @@
                   <a:srgbClr val="C00000"/>
                 </a:solidFill>
               </a:rPr>
-              <a:t>Semicolon</a:t>
-            </a:r>
-            <a:r>
-              <a:rPr lang="en-US" dirty="0"/>
-              <a:t>: recommended, but not necessary</a:t>
+              <a:t>Actions</a:t>
+            </a:r>
+            <a:r>
+              <a:rPr lang="en-US" dirty="0"/>
+              <a:t> (functions)</a:t>
+            </a:r>
+          </a:p>
+          <a:p>
+            <a:pPr marL="914400" lvl="1" indent="-457200"/>
+            <a:r>
+              <a:rPr lang="en-US" dirty="0"/>
+              <a:t>Can change contents</a:t>
             </a:r>
           </a:p>
           <a:p>
@@ -6051,34 +5899,35 @@
               <a:buFont typeface="Arial" panose="020B0604020202020204" pitchFamily="34" charset="0"/>
               <a:buChar char="•"/>
             </a:pPr>
-            <a:r>
-              <a:rPr lang="en-US" dirty="0"/>
-              <a:t>Comment: </a:t>
-            </a:r>
             <a:r>
               <a:rPr lang="en-US" dirty="0">
                 <a:solidFill>
                   <a:srgbClr val="C00000"/>
                 </a:solidFill>
               </a:rPr>
-              <a:t>‘//’ </a:t>
-            </a:r>
-            <a:r>
-              <a:rPr lang="en-US" dirty="0"/>
-              <a:t>(for a line) or </a:t>
-            </a:r>
-            <a:r>
-              <a:rPr lang="en-US" dirty="0">
-                <a:solidFill>
-                  <a:srgbClr val="C00000"/>
-                </a:solidFill>
-              </a:rPr>
-              <a:t>‘/* */’ </a:t>
-            </a:r>
-            <a:r>
-              <a:rPr lang="en-US" dirty="0"/>
-              <a:t>(for many lines)</a:t>
-            </a:r>
+              <a:t>Reactions</a:t>
+            </a:r>
+            <a:r>
+              <a:rPr lang="en-US" dirty="0"/>
+              <a:t> (events)</a:t>
+            </a:r>
+          </a:p>
+          <a:p>
+            <a:pPr marL="914400" lvl="1" indent="-457200"/>
+            <a:r>
+              <a:rPr lang="en-US" dirty="0"/>
+              <a:t>Can detect and react to a change or input</a:t>
+            </a:r>
+          </a:p>
+          <a:p>
+            <a:pPr marL="914400" lvl="1" indent="-457200"/>
+            <a:r>
+              <a:rPr lang="en-US" dirty="0"/>
+              <a:t>e.g.: background change after click a button</a:t>
+            </a:r>
+          </a:p>
+          <a:p>
+            <a:endParaRPr lang="en-US" dirty="0"/>
           </a:p>
           <a:p>
             <a:pPr marL="0" indent="0">
@@ -6093,7 +5942,7 @@
           <p:cNvPr id="5" name="Slide Number Placeholder 4">
             <a:extLst>
               <a:ext uri="{FF2B5EF4-FFF2-40B4-BE49-F238E27FC236}">
-                <a16:creationId xmlns:a16="http://schemas.microsoft.com/office/drawing/2014/main" id="{70D8FA66-8A8B-4F16-A07C-3C1BE4D0FF6B}"/>
+                <a16:creationId xmlns:a16="http://schemas.microsoft.com/office/drawing/2014/main" id="{3F130FB8-B2E9-44D9-995C-052E84C2C7B6}"/>
               </a:ext>
             </a:extLst>
           </p:cNvPr>
@@ -6117,82 +5966,22 @@
           </a:p>
         </p:txBody>
       </p:sp>
-      <p:pic>
-        <p:nvPicPr>
-          <p:cNvPr id="6" name="Picture 5">
-            <a:extLst>
-              <a:ext uri="{FF2B5EF4-FFF2-40B4-BE49-F238E27FC236}">
-                <a16:creationId xmlns:a16="http://schemas.microsoft.com/office/drawing/2014/main" id="{B92BB2D0-71B8-42DD-9105-5C199A6A50BB}"/>
-              </a:ext>
-            </a:extLst>
-          </p:cNvPr>
-          <p:cNvPicPr>
-            <a:picLocks noChangeAspect="1"/>
-          </p:cNvPicPr>
+      <p:sp>
+        <p:nvSpPr>
+          <p:cNvPr id="7" name="TextBox 6">
+            <a:extLst>
+              <a:ext uri="{FF2B5EF4-FFF2-40B4-BE49-F238E27FC236}">
+                <a16:creationId xmlns:a16="http://schemas.microsoft.com/office/drawing/2014/main" id="{0433619D-1E69-4790-B7A2-3623A332057D}"/>
+              </a:ext>
+            </a:extLst>
+          </p:cNvPr>
+          <p:cNvSpPr txBox="1"/>
           <p:nvPr/>
-        </p:nvPicPr>
-        <p:blipFill>
-          <a:blip r:embed="rId2"/>
-          <a:stretch>
-            <a:fillRect/>
-          </a:stretch>
-        </p:blipFill>
+        </p:nvSpPr>
         <p:spPr>
           <a:xfrm>
-            <a:off x="7994073" y="2238874"/>
-            <a:ext cx="3200400" cy="1809750"/>
-          </a:xfrm>
-          <a:prstGeom prst="rect">
-            <a:avLst/>
-          </a:prstGeom>
-        </p:spPr>
-      </p:pic>
-      <p:pic>
-        <p:nvPicPr>
-          <p:cNvPr id="7" name="Picture 6">
-            <a:extLst>
-              <a:ext uri="{FF2B5EF4-FFF2-40B4-BE49-F238E27FC236}">
-                <a16:creationId xmlns:a16="http://schemas.microsoft.com/office/drawing/2014/main" id="{F706EFE1-6642-425F-9DDD-B4491217198E}"/>
-              </a:ext>
-            </a:extLst>
-          </p:cNvPr>
-          <p:cNvPicPr>
-            <a:picLocks noChangeAspect="1"/>
-          </p:cNvPicPr>
-          <p:nvPr/>
-        </p:nvPicPr>
-        <p:blipFill>
-          <a:blip r:embed="rId3"/>
-          <a:stretch>
-            <a:fillRect/>
-          </a:stretch>
-        </p:blipFill>
-        <p:spPr>
-          <a:xfrm>
-            <a:off x="7994074" y="4184650"/>
-            <a:ext cx="3152775" cy="2171700"/>
-          </a:xfrm>
-          <a:prstGeom prst="rect">
-            <a:avLst/>
-          </a:prstGeom>
-        </p:spPr>
-      </p:pic>
-      <p:sp>
-        <p:nvSpPr>
-          <p:cNvPr id="8" name="TextBox 7">
-            <a:extLst>
-              <a:ext uri="{FF2B5EF4-FFF2-40B4-BE49-F238E27FC236}">
-                <a16:creationId xmlns:a16="http://schemas.microsoft.com/office/drawing/2014/main" id="{F518869B-A628-4593-9A7A-6AC1B3BAB4F7}"/>
-              </a:ext>
-            </a:extLst>
-          </p:cNvPr>
-          <p:cNvSpPr txBox="1"/>
-          <p:nvPr/>
-        </p:nvSpPr>
-        <p:spPr>
-          <a:xfrm>
-            <a:off x="226811" y="6356350"/>
-            <a:ext cx="7767262" cy="400110"/>
+            <a:off x="5467927" y="5622965"/>
+            <a:ext cx="6096000" cy="553998"/>
           </a:xfrm>
           <a:prstGeom prst="rect">
             <a:avLst/>
@@ -6205,60 +5994,29 @@
           </a:bodyPr>
           <a:lstStyle/>
           <a:p>
-            <a:r>
-              <a:rPr lang="en-US" sz="2000" dirty="0">
-                <a:hlinkClick r:id="rId4"/>
-              </a:rPr>
-              <a:t>Source</a:t>
-            </a:r>
-            <a:endParaRPr lang="en-US" sz="1100" dirty="0"/>
-          </a:p>
-        </p:txBody>
-      </p:sp>
-      <p:sp>
-        <p:nvSpPr>
-          <p:cNvPr id="10" name="TextBox 9">
-            <a:extLst>
-              <a:ext uri="{FF2B5EF4-FFF2-40B4-BE49-F238E27FC236}">
-                <a16:creationId xmlns:a16="http://schemas.microsoft.com/office/drawing/2014/main" id="{B82C2A40-3452-4440-B702-8374712BFBE4}"/>
-              </a:ext>
-            </a:extLst>
-          </p:cNvPr>
-          <p:cNvSpPr txBox="1"/>
-          <p:nvPr/>
-        </p:nvSpPr>
-        <p:spPr>
-          <a:xfrm>
-            <a:off x="838200" y="1536265"/>
-            <a:ext cx="11259128" cy="523220"/>
-          </a:xfrm>
-          <a:prstGeom prst="rect">
-            <a:avLst/>
-          </a:prstGeom>
-          <a:noFill/>
-        </p:spPr>
-        <p:txBody>
-          <a:bodyPr wrap="square">
-            <a:spAutoFit/>
-          </a:bodyPr>
-          <a:lstStyle/>
-          <a:p>
             <a:pPr marL="0" indent="0">
               <a:buNone/>
             </a:pPr>
             <a:r>
-              <a:rPr lang="en-US" sz="2800" dirty="0"/>
-              <a:t>JS has a very similar grammar like other scripting language like python/R</a:t>
-            </a:r>
-          </a:p>
-        </p:txBody>
-      </p:sp>
-      <p:sp>
-        <p:nvSpPr>
-          <p:cNvPr id="11" name="Footer Placeholder 10">
-            <a:extLst>
-              <a:ext uri="{FF2B5EF4-FFF2-40B4-BE49-F238E27FC236}">
-                <a16:creationId xmlns:a16="http://schemas.microsoft.com/office/drawing/2014/main" id="{29D15029-16D3-4B9B-AFD0-768B8F2FE305}"/>
+              <a:rPr lang="en-US" dirty="0"/>
+              <a:t>“JavaScript is not Java, just like ham is not hamster”</a:t>
+            </a:r>
+          </a:p>
+          <a:p>
+            <a:pPr algn="r"/>
+            <a:r>
+              <a:rPr lang="en-US" sz="1200" dirty="0"/>
+              <a:t>More on: http://javascriptisnotjava.com/</a:t>
+            </a:r>
+          </a:p>
+        </p:txBody>
+      </p:sp>
+      <p:sp>
+        <p:nvSpPr>
+          <p:cNvPr id="8" name="Footer Placeholder 7">
+            <a:extLst>
+              <a:ext uri="{FF2B5EF4-FFF2-40B4-BE49-F238E27FC236}">
+                <a16:creationId xmlns:a16="http://schemas.microsoft.com/office/drawing/2014/main" id="{EBA95F17-520E-473C-B457-C64A886B02FE}"/>
               </a:ext>
             </a:extLst>
           </p:cNvPr>
@@ -6291,7 +6049,7 @@
     </p:spTree>
     <p:extLst>
       <p:ext uri="{BB962C8B-B14F-4D97-AF65-F5344CB8AC3E}">
-        <p14:creationId xmlns:p14="http://schemas.microsoft.com/office/powerpoint/2010/main" val="547060444"/>
+        <p14:creationId xmlns:p14="http://schemas.microsoft.com/office/powerpoint/2010/main" val="2863256606"/>
       </p:ext>
     </p:extLst>
   </p:cSld>
@@ -6323,7 +6081,7 @@
           <p:cNvPr id="2" name="Title 1">
             <a:extLst>
               <a:ext uri="{FF2B5EF4-FFF2-40B4-BE49-F238E27FC236}">
-                <a16:creationId xmlns:a16="http://schemas.microsoft.com/office/drawing/2014/main" id="{4EA56A90-F90F-427A-8A3E-3A7FD1CC1C7D}"/>
+                <a16:creationId xmlns:a16="http://schemas.microsoft.com/office/drawing/2014/main" id="{21EF2111-6CE6-443D-B9A0-6695728B4562}"/>
               </a:ext>
             </a:extLst>
           </p:cNvPr>
@@ -6341,7 +6099,7 @@
           <a:p>
             <a:r>
               <a:rPr lang="en-US" dirty="0"/>
-              <a:t>JS – Important Data Structure</a:t>
+              <a:t>JS – Basic Grammar</a:t>
             </a:r>
           </a:p>
         </p:txBody>
@@ -6351,7 +6109,7 @@
           <p:cNvPr id="3" name="Content Placeholder 2">
             <a:extLst>
               <a:ext uri="{FF2B5EF4-FFF2-40B4-BE49-F238E27FC236}">
-                <a16:creationId xmlns:a16="http://schemas.microsoft.com/office/drawing/2014/main" id="{AC136167-C6D7-4BD5-B83D-9C7DB6B27E1B}"/>
+                <a16:creationId xmlns:a16="http://schemas.microsoft.com/office/drawing/2014/main" id="{6CA6F285-C09F-4E29-8F0A-9CDC887A66E7}"/>
               </a:ext>
             </a:extLst>
           </p:cNvPr>
@@ -6362,10 +6120,15 @@
             <p:ph idx="1"/>
           </p:nvPr>
         </p:nvSpPr>
-        <p:spPr/>
+        <p:spPr>
+          <a:xfrm>
+            <a:off x="838200" y="2238873"/>
+            <a:ext cx="6948922" cy="3938089"/>
+          </a:xfrm>
+        </p:spPr>
         <p:txBody>
           <a:bodyPr>
-            <a:normAutofit lnSpcReduction="10000"/>
+            <a:normAutofit/>
           </a:bodyPr>
           <a:lstStyle/>
           <a:p>
@@ -6374,41 +6137,45 @@
               <a:buChar char="•"/>
             </a:pPr>
             <a:r>
-              <a:rPr lang="en-US" sz="3000" dirty="0"/>
-              <a:t>List: </a:t>
-            </a:r>
-          </a:p>
-          <a:p>
-            <a:pPr marL="914400" lvl="1" indent="-457200"/>
-            <a:r>
-              <a:rPr lang="en-US" sz="2800" dirty="0"/>
-              <a:t>Square bracket: []</a:t>
-            </a:r>
-          </a:p>
-          <a:p>
-            <a:pPr marL="914400" lvl="1" indent="-457200"/>
-            <a:r>
-              <a:rPr lang="en-US" sz="2800" dirty="0"/>
-              <a:t>Simple and efficient to </a:t>
-            </a:r>
-            <a:r>
-              <a:rPr lang="en-US" sz="2800" dirty="0">
+              <a:rPr lang="en-US" dirty="0">
                 <a:solidFill>
                   <a:srgbClr val="C00000"/>
                 </a:solidFill>
               </a:rPr>
-              <a:t>enumerate</a:t>
-            </a:r>
-          </a:p>
-          <a:p>
-            <a:pPr marL="914400" lvl="1" indent="-457200"/>
-            <a:r>
-              <a:rPr lang="en-US" sz="2800" dirty="0"/>
-              <a:t>But hard to find a specific one</a:t>
-            </a:r>
-          </a:p>
-          <a:p>
-            <a:endParaRPr lang="en-US" sz="2800" dirty="0"/>
+              <a:t>‘</a:t>
+            </a:r>
+            <a:r>
+              <a:rPr lang="en-US" i="1" dirty="0">
+                <a:solidFill>
+                  <a:srgbClr val="C00000"/>
+                </a:solidFill>
+              </a:rPr>
+              <a:t>var’</a:t>
+            </a:r>
+            <a:r>
+              <a:rPr lang="en-US" i="1" dirty="0"/>
+              <a:t> </a:t>
+            </a:r>
+            <a:r>
+              <a:rPr lang="en-US" dirty="0"/>
+              <a:t>or</a:t>
+            </a:r>
+            <a:r>
+              <a:rPr lang="en-US" i="1" dirty="0"/>
+              <a:t> </a:t>
+            </a:r>
+            <a:r>
+              <a:rPr lang="en-US" i="1" dirty="0">
+                <a:solidFill>
+                  <a:srgbClr val="C00000"/>
+                </a:solidFill>
+              </a:rPr>
+              <a:t>‘let’: </a:t>
+            </a:r>
+            <a:r>
+              <a:rPr lang="en-US" dirty="0"/>
+              <a:t>declare a variable</a:t>
+            </a:r>
           </a:p>
           <a:p>
             <a:pPr marL="457200" indent="-457200">
@@ -6416,36 +6183,104 @@
               <a:buChar char="•"/>
             </a:pPr>
             <a:r>
-              <a:rPr lang="en-US" sz="3000" dirty="0"/>
-              <a:t>Object:  </a:t>
-            </a:r>
-          </a:p>
-          <a:p>
-            <a:pPr marL="914400" lvl="1" indent="-457200"/>
-            <a:r>
-              <a:rPr lang="en-US" sz="2800" dirty="0"/>
-              <a:t>Curly bracket: {}</a:t>
-            </a:r>
-          </a:p>
-          <a:p>
-            <a:pPr marL="914400" lvl="1" indent="-457200"/>
-            <a:r>
-              <a:rPr lang="en-US" sz="2800" dirty="0"/>
-              <a:t>Attribute-value pairs</a:t>
-            </a:r>
-          </a:p>
-          <a:p>
-            <a:pPr marL="914400" lvl="1" indent="-457200"/>
-            <a:r>
-              <a:rPr lang="en-US" sz="2800" dirty="0"/>
-              <a:t>Simple to enumerate and fast to find a specific one</a:t>
-            </a:r>
-          </a:p>
-          <a:p>
-            <a:pPr marL="914400" lvl="1" indent="-457200"/>
-            <a:r>
-              <a:rPr lang="en-US" sz="2800" dirty="0"/>
-              <a:t>But take twice space to store the same information</a:t>
+              <a:rPr lang="en-US" i="1" dirty="0">
+                <a:solidFill>
+                  <a:srgbClr val="C00000"/>
+                </a:solidFill>
+              </a:rPr>
+              <a:t>‘if’: </a:t>
+            </a:r>
+            <a:r>
+              <a:rPr lang="en-US" dirty="0"/>
+              <a:t>conditional clause</a:t>
+            </a:r>
+          </a:p>
+          <a:p>
+            <a:pPr marL="457200" indent="-457200">
+              <a:buFont typeface="Arial" panose="020B0604020202020204" pitchFamily="34" charset="0"/>
+              <a:buChar char="•"/>
+            </a:pPr>
+            <a:r>
+              <a:rPr lang="en-US" i="1" dirty="0">
+                <a:solidFill>
+                  <a:srgbClr val="C00000"/>
+                </a:solidFill>
+              </a:rPr>
+              <a:t>‘function foo()’: </a:t>
+            </a:r>
+            <a:r>
+              <a:rPr lang="en-US" dirty="0"/>
+              <a:t>define a function</a:t>
+            </a:r>
+          </a:p>
+          <a:p>
+            <a:pPr marL="457200" indent="-457200">
+              <a:buFont typeface="Arial" panose="020B0604020202020204" pitchFamily="34" charset="0"/>
+              <a:buChar char="•"/>
+            </a:pPr>
+            <a:r>
+              <a:rPr lang="en-US" i="1" dirty="0">
+                <a:solidFill>
+                  <a:srgbClr val="C00000"/>
+                </a:solidFill>
+              </a:rPr>
+              <a:t>‘foo()’: </a:t>
+            </a:r>
+            <a:r>
+              <a:rPr lang="en-US" dirty="0"/>
+              <a:t>execute a function </a:t>
+            </a:r>
+          </a:p>
+          <a:p>
+            <a:pPr marL="457200" indent="-457200">
+              <a:buFont typeface="Arial" panose="020B0604020202020204" pitchFamily="34" charset="0"/>
+              <a:buChar char="•"/>
+            </a:pPr>
+            <a:r>
+              <a:rPr lang="en-US" dirty="0">
+                <a:solidFill>
+                  <a:srgbClr val="C00000"/>
+                </a:solidFill>
+              </a:rPr>
+              <a:t>Semicolon</a:t>
+            </a:r>
+            <a:r>
+              <a:rPr lang="en-US" dirty="0"/>
+              <a:t>: recommended, but not necessary</a:t>
+            </a:r>
+          </a:p>
+          <a:p>
+            <a:pPr marL="457200" indent="-457200">
+              <a:buFont typeface="Arial" panose="020B0604020202020204" pitchFamily="34" charset="0"/>
+              <a:buChar char="•"/>
+            </a:pPr>
+            <a:r>
+              <a:rPr lang="en-US" dirty="0"/>
+              <a:t>Comment: </a:t>
+            </a:r>
+            <a:r>
+              <a:rPr lang="en-US" dirty="0">
+                <a:solidFill>
+                  <a:srgbClr val="C00000"/>
+                </a:solidFill>
+              </a:rPr>
+              <a:t>‘//’ </a:t>
+            </a:r>
+            <a:r>
+              <a:rPr lang="en-US" dirty="0"/>
+              <a:t>(for a line) or </a:t>
+            </a:r>
+            <a:r>
+              <a:rPr lang="en-US" dirty="0">
+                <a:solidFill>
+                  <a:srgbClr val="C00000"/>
+                </a:solidFill>
+              </a:rPr>
+              <a:t>‘/* */’ </a:t>
+            </a:r>
+            <a:r>
+              <a:rPr lang="en-US" dirty="0"/>
+              <a:t>(for many lines)</a:t>
             </a:r>
           </a:p>
           <a:p>
@@ -6461,7 +6296,7 @@
           <p:cNvPr id="5" name="Slide Number Placeholder 4">
             <a:extLst>
               <a:ext uri="{FF2B5EF4-FFF2-40B4-BE49-F238E27FC236}">
-                <a16:creationId xmlns:a16="http://schemas.microsoft.com/office/drawing/2014/main" id="{400E84E9-2657-4100-B643-B06B723319DC}"/>
+                <a16:creationId xmlns:a16="http://schemas.microsoft.com/office/drawing/2014/main" id="{70D8FA66-8A8B-4F16-A07C-3C1BE4D0FF6B}"/>
               </a:ext>
             </a:extLst>
           </p:cNvPr>
@@ -6490,7 +6325,7 @@
           <p:cNvPr id="6" name="Picture 5">
             <a:extLst>
               <a:ext uri="{FF2B5EF4-FFF2-40B4-BE49-F238E27FC236}">
-                <a16:creationId xmlns:a16="http://schemas.microsoft.com/office/drawing/2014/main" id="{89AC71EA-6701-4808-867E-6E8A1E594C0B}"/>
+                <a16:creationId xmlns:a16="http://schemas.microsoft.com/office/drawing/2014/main" id="{B92BB2D0-71B8-42DD-9105-5C199A6A50BB}"/>
               </a:ext>
             </a:extLst>
           </p:cNvPr>
@@ -6499,15 +6334,16 @@
           </p:cNvPicPr>
           <p:nvPr/>
         </p:nvPicPr>
-        <p:blipFill rotWithShape="1">
+        <p:blipFill>
           <a:blip r:embed="rId2"/>
-          <a:srcRect b="37311"/>
-          <a:stretch/>
+          <a:stretch>
+            <a:fillRect/>
+          </a:stretch>
         </p:blipFill>
         <p:spPr>
           <a:xfrm>
-            <a:off x="5776912" y="2042309"/>
-            <a:ext cx="5667375" cy="358268"/>
+            <a:off x="7994073" y="2238874"/>
+            <a:ext cx="3200400" cy="1809750"/>
           </a:xfrm>
           <a:prstGeom prst="rect">
             <a:avLst/>
@@ -6519,7 +6355,7 @@
           <p:cNvPr id="7" name="Picture 6">
             <a:extLst>
               <a:ext uri="{FF2B5EF4-FFF2-40B4-BE49-F238E27FC236}">
-                <a16:creationId xmlns:a16="http://schemas.microsoft.com/office/drawing/2014/main" id="{F4A0C713-C170-4D94-9BFC-18CE65A4DDE0}"/>
+                <a16:creationId xmlns:a16="http://schemas.microsoft.com/office/drawing/2014/main" id="{F706EFE1-6642-425F-9DDD-B4491217198E}"/>
               </a:ext>
             </a:extLst>
           </p:cNvPr>
@@ -6536,8 +6372,8 @@
         </p:blipFill>
         <p:spPr>
           <a:xfrm>
-            <a:off x="4951406" y="4001294"/>
-            <a:ext cx="6907069" cy="358268"/>
+            <a:off x="7994074" y="4184650"/>
+            <a:ext cx="3152775" cy="2171700"/>
           </a:xfrm>
           <a:prstGeom prst="rect">
             <a:avLst/>
@@ -6549,7 +6385,7 @@
           <p:cNvPr id="8" name="TextBox 7">
             <a:extLst>
               <a:ext uri="{FF2B5EF4-FFF2-40B4-BE49-F238E27FC236}">
-                <a16:creationId xmlns:a16="http://schemas.microsoft.com/office/drawing/2014/main" id="{AD3B1730-4C6F-4FF2-AE1B-8EE0577DFF9E}"/>
+                <a16:creationId xmlns:a16="http://schemas.microsoft.com/office/drawing/2014/main" id="{F518869B-A628-4593-9A7A-6AC1B3BAB4F7}"/>
               </a:ext>
             </a:extLst>
           </p:cNvPr>
@@ -6558,8 +6394,8 @@
         </p:nvSpPr>
         <p:spPr>
           <a:xfrm>
-            <a:off x="239731" y="6377156"/>
-            <a:ext cx="7140539" cy="400110"/>
+            <a:off x="226811" y="6356350"/>
+            <a:ext cx="7767262" cy="400110"/>
           </a:xfrm>
           <a:prstGeom prst="rect">
             <a:avLst/>
@@ -6578,16 +6414,54 @@
               </a:rPr>
               <a:t>Source</a:t>
             </a:r>
-            <a:endParaRPr lang="en-US" sz="1050" dirty="0"/>
-          </a:p>
-        </p:txBody>
-      </p:sp>
-      <p:sp>
-        <p:nvSpPr>
-          <p:cNvPr id="9" name="Footer Placeholder 8">
-            <a:extLst>
-              <a:ext uri="{FF2B5EF4-FFF2-40B4-BE49-F238E27FC236}">
-                <a16:creationId xmlns:a16="http://schemas.microsoft.com/office/drawing/2014/main" id="{459E7EB6-6B3F-44DC-8328-066958C2CF95}"/>
+            <a:endParaRPr lang="en-US" sz="1100" dirty="0"/>
+          </a:p>
+        </p:txBody>
+      </p:sp>
+      <p:sp>
+        <p:nvSpPr>
+          <p:cNvPr id="10" name="TextBox 9">
+            <a:extLst>
+              <a:ext uri="{FF2B5EF4-FFF2-40B4-BE49-F238E27FC236}">
+                <a16:creationId xmlns:a16="http://schemas.microsoft.com/office/drawing/2014/main" id="{B82C2A40-3452-4440-B702-8374712BFBE4}"/>
+              </a:ext>
+            </a:extLst>
+          </p:cNvPr>
+          <p:cNvSpPr txBox="1"/>
+          <p:nvPr/>
+        </p:nvSpPr>
+        <p:spPr>
+          <a:xfrm>
+            <a:off x="838200" y="1536265"/>
+            <a:ext cx="11259128" cy="523220"/>
+          </a:xfrm>
+          <a:prstGeom prst="rect">
+            <a:avLst/>
+          </a:prstGeom>
+          <a:noFill/>
+        </p:spPr>
+        <p:txBody>
+          <a:bodyPr wrap="square">
+            <a:spAutoFit/>
+          </a:bodyPr>
+          <a:lstStyle/>
+          <a:p>
+            <a:pPr marL="0" indent="0">
+              <a:buNone/>
+            </a:pPr>
+            <a:r>
+              <a:rPr lang="en-US" sz="2800" dirty="0"/>
+              <a:t>JS has a very similar grammar like other scripting language like python/R</a:t>
+            </a:r>
+          </a:p>
+        </p:txBody>
+      </p:sp>
+      <p:sp>
+        <p:nvSpPr>
+          <p:cNvPr id="11" name="Footer Placeholder 10">
+            <a:extLst>
+              <a:ext uri="{FF2B5EF4-FFF2-40B4-BE49-F238E27FC236}">
+                <a16:creationId xmlns:a16="http://schemas.microsoft.com/office/drawing/2014/main" id="{29D15029-16D3-4B9B-AFD0-768B8F2FE305}"/>
               </a:ext>
             </a:extLst>
           </p:cNvPr>
@@ -6620,7 +6494,7 @@
     </p:spTree>
     <p:extLst>
       <p:ext uri="{BB962C8B-B14F-4D97-AF65-F5344CB8AC3E}">
-        <p14:creationId xmlns:p14="http://schemas.microsoft.com/office/powerpoint/2010/main" val="75506781"/>
+        <p14:creationId xmlns:p14="http://schemas.microsoft.com/office/powerpoint/2010/main" val="547060444"/>
       </p:ext>
     </p:extLst>
   </p:cSld>
@@ -6652,6 +6526,335 @@
           <p:cNvPr id="2" name="Title 1">
             <a:extLst>
               <a:ext uri="{FF2B5EF4-FFF2-40B4-BE49-F238E27FC236}">
+                <a16:creationId xmlns:a16="http://schemas.microsoft.com/office/drawing/2014/main" id="{4EA56A90-F90F-427A-8A3E-3A7FD1CC1C7D}"/>
+              </a:ext>
+            </a:extLst>
+          </p:cNvPr>
+          <p:cNvSpPr>
+            <a:spLocks noGrp="1"/>
+          </p:cNvSpPr>
+          <p:nvPr>
+            <p:ph type="title"/>
+          </p:nvPr>
+        </p:nvSpPr>
+        <p:spPr/>
+        <p:txBody>
+          <a:bodyPr/>
+          <a:lstStyle/>
+          <a:p>
+            <a:r>
+              <a:rPr lang="en-US" dirty="0"/>
+              <a:t>JS – Important Data Structure</a:t>
+            </a:r>
+          </a:p>
+        </p:txBody>
+      </p:sp>
+      <p:sp>
+        <p:nvSpPr>
+          <p:cNvPr id="3" name="Content Placeholder 2">
+            <a:extLst>
+              <a:ext uri="{FF2B5EF4-FFF2-40B4-BE49-F238E27FC236}">
+                <a16:creationId xmlns:a16="http://schemas.microsoft.com/office/drawing/2014/main" id="{AC136167-C6D7-4BD5-B83D-9C7DB6B27E1B}"/>
+              </a:ext>
+            </a:extLst>
+          </p:cNvPr>
+          <p:cNvSpPr>
+            <a:spLocks noGrp="1"/>
+          </p:cNvSpPr>
+          <p:nvPr>
+            <p:ph idx="1"/>
+          </p:nvPr>
+        </p:nvSpPr>
+        <p:spPr/>
+        <p:txBody>
+          <a:bodyPr>
+            <a:normAutofit lnSpcReduction="10000"/>
+          </a:bodyPr>
+          <a:lstStyle/>
+          <a:p>
+            <a:pPr marL="457200" indent="-457200">
+              <a:buFont typeface="Arial" panose="020B0604020202020204" pitchFamily="34" charset="0"/>
+              <a:buChar char="•"/>
+            </a:pPr>
+            <a:r>
+              <a:rPr lang="en-US" sz="3000" dirty="0"/>
+              <a:t>List: </a:t>
+            </a:r>
+          </a:p>
+          <a:p>
+            <a:pPr marL="914400" lvl="1" indent="-457200"/>
+            <a:r>
+              <a:rPr lang="en-US" sz="2800" dirty="0"/>
+              <a:t>Square bracket: []</a:t>
+            </a:r>
+          </a:p>
+          <a:p>
+            <a:pPr marL="914400" lvl="1" indent="-457200"/>
+            <a:r>
+              <a:rPr lang="en-US" sz="2800" dirty="0"/>
+              <a:t>Simple and efficient to </a:t>
+            </a:r>
+            <a:r>
+              <a:rPr lang="en-US" sz="2800" dirty="0">
+                <a:solidFill>
+                  <a:srgbClr val="C00000"/>
+                </a:solidFill>
+              </a:rPr>
+              <a:t>enumerate</a:t>
+            </a:r>
+          </a:p>
+          <a:p>
+            <a:pPr marL="914400" lvl="1" indent="-457200"/>
+            <a:r>
+              <a:rPr lang="en-US" sz="2800" dirty="0"/>
+              <a:t>But hard to find a specific one</a:t>
+            </a:r>
+          </a:p>
+          <a:p>
+            <a:endParaRPr lang="en-US" sz="2800" dirty="0"/>
+          </a:p>
+          <a:p>
+            <a:pPr marL="457200" indent="-457200">
+              <a:buFont typeface="Arial" panose="020B0604020202020204" pitchFamily="34" charset="0"/>
+              <a:buChar char="•"/>
+            </a:pPr>
+            <a:r>
+              <a:rPr lang="en-US" sz="3000" dirty="0"/>
+              <a:t>Object:  </a:t>
+            </a:r>
+          </a:p>
+          <a:p>
+            <a:pPr marL="914400" lvl="1" indent="-457200"/>
+            <a:r>
+              <a:rPr lang="en-US" sz="2800" dirty="0"/>
+              <a:t>Curly bracket: {}</a:t>
+            </a:r>
+          </a:p>
+          <a:p>
+            <a:pPr marL="914400" lvl="1" indent="-457200"/>
+            <a:r>
+              <a:rPr lang="en-US" sz="2800" dirty="0"/>
+              <a:t>Attribute-value pairs</a:t>
+            </a:r>
+          </a:p>
+          <a:p>
+            <a:pPr marL="914400" lvl="1" indent="-457200"/>
+            <a:r>
+              <a:rPr lang="en-US" sz="2800" dirty="0"/>
+              <a:t>Simple to enumerate and fast to find a specific one</a:t>
+            </a:r>
+          </a:p>
+          <a:p>
+            <a:pPr marL="914400" lvl="1" indent="-457200"/>
+            <a:r>
+              <a:rPr lang="en-US" sz="2800" dirty="0"/>
+              <a:t>But take twice space to store the same information</a:t>
+            </a:r>
+          </a:p>
+          <a:p>
+            <a:pPr marL="0" indent="0">
+              <a:buNone/>
+            </a:pPr>
+            <a:endParaRPr lang="en-US" dirty="0"/>
+          </a:p>
+        </p:txBody>
+      </p:sp>
+      <p:sp>
+        <p:nvSpPr>
+          <p:cNvPr id="5" name="Slide Number Placeholder 4">
+            <a:extLst>
+              <a:ext uri="{FF2B5EF4-FFF2-40B4-BE49-F238E27FC236}">
+                <a16:creationId xmlns:a16="http://schemas.microsoft.com/office/drawing/2014/main" id="{400E84E9-2657-4100-B643-B06B723319DC}"/>
+              </a:ext>
+            </a:extLst>
+          </p:cNvPr>
+          <p:cNvSpPr>
+            <a:spLocks noGrp="1"/>
+          </p:cNvSpPr>
+          <p:nvPr>
+            <p:ph type="sldNum" sz="quarter" idx="12"/>
+          </p:nvPr>
+        </p:nvSpPr>
+        <p:spPr/>
+        <p:txBody>
+          <a:bodyPr/>
+          <a:lstStyle/>
+          <a:p>
+            <a:fld id="{D2A42372-2098-4587-99BF-4D6F88395362}" type="slidenum">
+              <a:rPr lang="en-US" smtClean="0"/>
+              <a:t>17</a:t>
+            </a:fld>
+            <a:endParaRPr lang="en-US"/>
+          </a:p>
+        </p:txBody>
+      </p:sp>
+      <p:pic>
+        <p:nvPicPr>
+          <p:cNvPr id="6" name="Picture 5">
+            <a:extLst>
+              <a:ext uri="{FF2B5EF4-FFF2-40B4-BE49-F238E27FC236}">
+                <a16:creationId xmlns:a16="http://schemas.microsoft.com/office/drawing/2014/main" id="{89AC71EA-6701-4808-867E-6E8A1E594C0B}"/>
+              </a:ext>
+            </a:extLst>
+          </p:cNvPr>
+          <p:cNvPicPr>
+            <a:picLocks noChangeAspect="1"/>
+          </p:cNvPicPr>
+          <p:nvPr/>
+        </p:nvPicPr>
+        <p:blipFill rotWithShape="1">
+          <a:blip r:embed="rId2"/>
+          <a:srcRect b="37311"/>
+          <a:stretch/>
+        </p:blipFill>
+        <p:spPr>
+          <a:xfrm>
+            <a:off x="5776912" y="2042309"/>
+            <a:ext cx="5667375" cy="358268"/>
+          </a:xfrm>
+          <a:prstGeom prst="rect">
+            <a:avLst/>
+          </a:prstGeom>
+        </p:spPr>
+      </p:pic>
+      <p:pic>
+        <p:nvPicPr>
+          <p:cNvPr id="7" name="Picture 6">
+            <a:extLst>
+              <a:ext uri="{FF2B5EF4-FFF2-40B4-BE49-F238E27FC236}">
+                <a16:creationId xmlns:a16="http://schemas.microsoft.com/office/drawing/2014/main" id="{F4A0C713-C170-4D94-9BFC-18CE65A4DDE0}"/>
+              </a:ext>
+            </a:extLst>
+          </p:cNvPr>
+          <p:cNvPicPr>
+            <a:picLocks noChangeAspect="1"/>
+          </p:cNvPicPr>
+          <p:nvPr/>
+        </p:nvPicPr>
+        <p:blipFill>
+          <a:blip r:embed="rId3"/>
+          <a:stretch>
+            <a:fillRect/>
+          </a:stretch>
+        </p:blipFill>
+        <p:spPr>
+          <a:xfrm>
+            <a:off x="4951406" y="4001294"/>
+            <a:ext cx="6907069" cy="358268"/>
+          </a:xfrm>
+          <a:prstGeom prst="rect">
+            <a:avLst/>
+          </a:prstGeom>
+        </p:spPr>
+      </p:pic>
+      <p:sp>
+        <p:nvSpPr>
+          <p:cNvPr id="8" name="TextBox 7">
+            <a:extLst>
+              <a:ext uri="{FF2B5EF4-FFF2-40B4-BE49-F238E27FC236}">
+                <a16:creationId xmlns:a16="http://schemas.microsoft.com/office/drawing/2014/main" id="{AD3B1730-4C6F-4FF2-AE1B-8EE0577DFF9E}"/>
+              </a:ext>
+            </a:extLst>
+          </p:cNvPr>
+          <p:cNvSpPr txBox="1"/>
+          <p:nvPr/>
+        </p:nvSpPr>
+        <p:spPr>
+          <a:xfrm>
+            <a:off x="239731" y="6377156"/>
+            <a:ext cx="7140539" cy="400110"/>
+          </a:xfrm>
+          <a:prstGeom prst="rect">
+            <a:avLst/>
+          </a:prstGeom>
+          <a:noFill/>
+        </p:spPr>
+        <p:txBody>
+          <a:bodyPr wrap="square">
+            <a:spAutoFit/>
+          </a:bodyPr>
+          <a:lstStyle/>
+          <a:p>
+            <a:r>
+              <a:rPr lang="en-US" sz="2000" dirty="0">
+                <a:hlinkClick r:id="rId4"/>
+              </a:rPr>
+              <a:t>Source</a:t>
+            </a:r>
+            <a:endParaRPr lang="en-US" sz="1050" dirty="0"/>
+          </a:p>
+        </p:txBody>
+      </p:sp>
+      <p:sp>
+        <p:nvSpPr>
+          <p:cNvPr id="9" name="Footer Placeholder 8">
+            <a:extLst>
+              <a:ext uri="{FF2B5EF4-FFF2-40B4-BE49-F238E27FC236}">
+                <a16:creationId xmlns:a16="http://schemas.microsoft.com/office/drawing/2014/main" id="{459E7EB6-6B3F-44DC-8328-066958C2CF95}"/>
+              </a:ext>
+            </a:extLst>
+          </p:cNvPr>
+          <p:cNvSpPr>
+            <a:spLocks noGrp="1"/>
+          </p:cNvSpPr>
+          <p:nvPr>
+            <p:ph type="ftr" sz="quarter" idx="11"/>
+          </p:nvPr>
+        </p:nvSpPr>
+        <p:spPr/>
+        <p:txBody>
+          <a:bodyPr/>
+          <a:lstStyle/>
+          <a:p>
+            <a:r>
+              <a:rPr lang="en-US"/>
+              <a:t>Copyright © 2021 Luyu Liu,</a:t>
+            </a:r>
+          </a:p>
+          <a:p>
+            <a:r>
+              <a:rPr lang="en-US"/>
+              <a:t>Liu.6544@osu.edu</a:t>
+            </a:r>
+            <a:endParaRPr lang="en-US" dirty="0"/>
+          </a:p>
+        </p:txBody>
+      </p:sp>
+    </p:spTree>
+    <p:extLst>
+      <p:ext uri="{BB962C8B-B14F-4D97-AF65-F5344CB8AC3E}">
+        <p14:creationId xmlns:p14="http://schemas.microsoft.com/office/powerpoint/2010/main" val="75506781"/>
+      </p:ext>
+    </p:extLst>
+  </p:cSld>
+  <p:clrMapOvr>
+    <a:masterClrMapping/>
+  </p:clrMapOvr>
+</p:sld>
+</file>
+
+<file path=ppt/slides/slide18.xml><?xml version="1.0" encoding="utf-8"?>
+<p:sld xmlns:a="http://schemas.openxmlformats.org/drawingml/2006/main" xmlns:r="http://schemas.openxmlformats.org/officeDocument/2006/relationships" xmlns:p="http://schemas.openxmlformats.org/presentationml/2006/main" show="0">
+  <p:cSld>
+    <p:spTree>
+      <p:nvGrpSpPr>
+        <p:cNvPr id="1" name=""/>
+        <p:cNvGrpSpPr/>
+        <p:nvPr/>
+      </p:nvGrpSpPr>
+      <p:grpSpPr>
+        <a:xfrm>
+          <a:off x="0" y="0"/>
+          <a:ext cx="0" cy="0"/>
+          <a:chOff x="0" y="0"/>
+          <a:chExt cx="0" cy="0"/>
+        </a:xfrm>
+      </p:grpSpPr>
+      <p:sp>
+        <p:nvSpPr>
+          <p:cNvPr id="2" name="Title 1">
+            <a:extLst>
+              <a:ext uri="{FF2B5EF4-FFF2-40B4-BE49-F238E27FC236}">
                 <a16:creationId xmlns:a16="http://schemas.microsoft.com/office/drawing/2014/main" id="{C812C0B6-0326-4605-A370-39F23BCC8811}"/>
               </a:ext>
             </a:extLst>
@@ -6823,7 +7026,7 @@
           <a:p>
             <a:fld id="{D2A42372-2098-4587-99BF-4D6F88395362}" type="slidenum">
               <a:rPr lang="en-US" smtClean="0"/>
-              <a:t>17</a:t>
+              <a:t>18</a:t>
             </a:fld>
             <a:endParaRPr lang="en-US"/>
           </a:p>
@@ -6965,495 +7168,6 @@
     <p:extLst>
       <p:ext uri="{BB962C8B-B14F-4D97-AF65-F5344CB8AC3E}">
         <p14:creationId xmlns:p14="http://schemas.microsoft.com/office/powerpoint/2010/main" val="1414585514"/>
-      </p:ext>
-    </p:extLst>
-  </p:cSld>
-  <p:clrMapOvr>
-    <a:masterClrMapping/>
-  </p:clrMapOvr>
-</p:sld>
-</file>
-
-<file path=ppt/slides/slide18.xml><?xml version="1.0" encoding="utf-8"?>
-<p:sld xmlns:a="http://schemas.openxmlformats.org/drawingml/2006/main" xmlns:r="http://schemas.openxmlformats.org/officeDocument/2006/relationships" xmlns:p="http://schemas.openxmlformats.org/presentationml/2006/main">
-  <p:cSld>
-    <p:spTree>
-      <p:nvGrpSpPr>
-        <p:cNvPr id="1" name=""/>
-        <p:cNvGrpSpPr/>
-        <p:nvPr/>
-      </p:nvGrpSpPr>
-      <p:grpSpPr>
-        <a:xfrm>
-          <a:off x="0" y="0"/>
-          <a:ext cx="0" cy="0"/>
-          <a:chOff x="0" y="0"/>
-          <a:chExt cx="0" cy="0"/>
-        </a:xfrm>
-      </p:grpSpPr>
-      <p:sp>
-        <p:nvSpPr>
-          <p:cNvPr id="2" name="Title 1">
-            <a:extLst>
-              <a:ext uri="{FF2B5EF4-FFF2-40B4-BE49-F238E27FC236}">
-                <a16:creationId xmlns:a16="http://schemas.microsoft.com/office/drawing/2014/main" id="{C743475C-E406-496C-82B5-118A6810F1E1}"/>
-              </a:ext>
-            </a:extLst>
-          </p:cNvPr>
-          <p:cNvSpPr>
-            <a:spLocks noGrp="1"/>
-          </p:cNvSpPr>
-          <p:nvPr>
-            <p:ph type="title"/>
-          </p:nvPr>
-        </p:nvSpPr>
-        <p:spPr/>
-        <p:txBody>
-          <a:bodyPr/>
-          <a:lstStyle/>
-          <a:p>
-            <a:r>
-              <a:rPr lang="en-US" dirty="0"/>
-              <a:t>JS Library: jQuery</a:t>
-            </a:r>
-          </a:p>
-        </p:txBody>
-      </p:sp>
-      <p:sp>
-        <p:nvSpPr>
-          <p:cNvPr id="3" name="Content Placeholder 2">
-            <a:extLst>
-              <a:ext uri="{FF2B5EF4-FFF2-40B4-BE49-F238E27FC236}">
-                <a16:creationId xmlns:a16="http://schemas.microsoft.com/office/drawing/2014/main" id="{1C1F1497-6946-45AD-B837-DDD0779A2E15}"/>
-              </a:ext>
-            </a:extLst>
-          </p:cNvPr>
-          <p:cNvSpPr>
-            <a:spLocks noGrp="1"/>
-          </p:cNvSpPr>
-          <p:nvPr>
-            <p:ph idx="1"/>
-          </p:nvPr>
-        </p:nvSpPr>
-        <p:spPr/>
-        <p:txBody>
-          <a:bodyPr/>
-          <a:lstStyle/>
-          <a:p>
-            <a:r>
-              <a:rPr lang="en-US" dirty="0"/>
-              <a:t>Native JS is not enough sometimes</a:t>
-            </a:r>
-          </a:p>
-          <a:p>
-            <a:r>
-              <a:rPr lang="en-US" dirty="0"/>
-              <a:t>jQuery is a very useful library</a:t>
-            </a:r>
-          </a:p>
-          <a:p>
-            <a:r>
-              <a:rPr lang="en-US" dirty="0"/>
-              <a:t>Its function starts with </a:t>
-            </a:r>
-            <a:r>
-              <a:rPr lang="en-US" dirty="0">
-                <a:solidFill>
-                  <a:srgbClr val="C00000"/>
-                </a:solidFill>
-              </a:rPr>
-              <a:t>a dollar sign ($) </a:t>
-            </a:r>
-            <a:r>
-              <a:rPr lang="en-US" dirty="0"/>
-              <a:t>and usually two steps</a:t>
-            </a:r>
-          </a:p>
-          <a:p>
-            <a:pPr lvl="1"/>
-            <a:r>
-              <a:rPr lang="en-US" sz="2400" dirty="0"/>
-              <a:t>Step 1: Select the object(s)</a:t>
-            </a:r>
-          </a:p>
-          <a:p>
-            <a:pPr lvl="1"/>
-            <a:r>
-              <a:rPr lang="en-US" sz="2400" dirty="0"/>
-              <a:t>Step 2: </a:t>
-            </a:r>
-            <a:r>
-              <a:rPr lang="en-US" dirty="0">
-                <a:solidFill>
-                  <a:srgbClr val="C00000"/>
-                </a:solidFill>
-              </a:rPr>
-              <a:t>D</a:t>
-            </a:r>
-            <a:r>
-              <a:rPr lang="en-US" sz="2400" dirty="0">
-                <a:solidFill>
-                  <a:srgbClr val="C00000"/>
-                </a:solidFill>
-              </a:rPr>
-              <a:t>o something </a:t>
-            </a:r>
-            <a:r>
-              <a:rPr lang="en-US" sz="2400" dirty="0"/>
-              <a:t>or ask it </a:t>
-            </a:r>
-            <a:r>
-              <a:rPr lang="en-US" sz="2400" dirty="0">
-                <a:solidFill>
-                  <a:srgbClr val="C00000"/>
-                </a:solidFill>
-              </a:rPr>
-              <a:t>react</a:t>
-            </a:r>
-            <a:r>
-              <a:rPr lang="en-US" sz="2400" dirty="0"/>
-              <a:t> to something</a:t>
-            </a:r>
-          </a:p>
-          <a:p>
-            <a:pPr lvl="1"/>
-            <a:endParaRPr lang="en-US" sz="2400" dirty="0"/>
-          </a:p>
-          <a:p>
-            <a:pPr lvl="1"/>
-            <a:endParaRPr lang="en-US" dirty="0"/>
-          </a:p>
-          <a:p>
-            <a:endParaRPr lang="en-US" dirty="0"/>
-          </a:p>
-        </p:txBody>
-      </p:sp>
-      <p:sp>
-        <p:nvSpPr>
-          <p:cNvPr id="5" name="Slide Number Placeholder 4">
-            <a:extLst>
-              <a:ext uri="{FF2B5EF4-FFF2-40B4-BE49-F238E27FC236}">
-                <a16:creationId xmlns:a16="http://schemas.microsoft.com/office/drawing/2014/main" id="{5AF1161C-12AA-4D9C-A334-E4D836F37D6E}"/>
-              </a:ext>
-            </a:extLst>
-          </p:cNvPr>
-          <p:cNvSpPr>
-            <a:spLocks noGrp="1"/>
-          </p:cNvSpPr>
-          <p:nvPr>
-            <p:ph type="sldNum" sz="quarter" idx="12"/>
-          </p:nvPr>
-        </p:nvSpPr>
-        <p:spPr/>
-        <p:txBody>
-          <a:bodyPr/>
-          <a:lstStyle/>
-          <a:p>
-            <a:fld id="{D2A42372-2098-4587-99BF-4D6F88395362}" type="slidenum">
-              <a:rPr lang="en-US" smtClean="0"/>
-              <a:t>18</a:t>
-            </a:fld>
-            <a:endParaRPr lang="en-US"/>
-          </a:p>
-        </p:txBody>
-      </p:sp>
-      <p:sp>
-        <p:nvSpPr>
-          <p:cNvPr id="7" name="TextBox 6">
-            <a:extLst>
-              <a:ext uri="{FF2B5EF4-FFF2-40B4-BE49-F238E27FC236}">
-                <a16:creationId xmlns:a16="http://schemas.microsoft.com/office/drawing/2014/main" id="{78AAB25F-AF09-4751-A615-A944C23C8E83}"/>
-              </a:ext>
-            </a:extLst>
-          </p:cNvPr>
-          <p:cNvSpPr txBox="1"/>
-          <p:nvPr/>
-        </p:nvSpPr>
-        <p:spPr>
-          <a:xfrm>
-            <a:off x="1076036" y="4292143"/>
-            <a:ext cx="10039927" cy="2246769"/>
-          </a:xfrm>
-          <a:prstGeom prst="rect">
-            <a:avLst/>
-          </a:prstGeom>
-          <a:noFill/>
-        </p:spPr>
-        <p:txBody>
-          <a:bodyPr wrap="square">
-            <a:spAutoFit/>
-          </a:bodyPr>
-          <a:lstStyle/>
-          <a:p>
-            <a:r>
-              <a:rPr lang="en-US" sz="2000" dirty="0"/>
-              <a:t>Examples</a:t>
-            </a:r>
-          </a:p>
-          <a:p>
-            <a:pPr marL="457200" indent="-457200">
-              <a:buFont typeface="Arial" panose="020B0604020202020204" pitchFamily="34" charset="0"/>
-              <a:buChar char="•"/>
-            </a:pPr>
-            <a:r>
-              <a:rPr lang="en-US" sz="2000" dirty="0"/>
-              <a:t>Step 1</a:t>
-            </a:r>
-          </a:p>
-          <a:p>
-            <a:pPr marL="914400" lvl="1" indent="-457200">
-              <a:buFont typeface="Arial" panose="020B0604020202020204" pitchFamily="34" charset="0"/>
-              <a:buChar char="•"/>
-            </a:pPr>
-            <a:r>
-              <a:rPr lang="en-US" sz="2000" dirty="0"/>
-              <a:t>Select an object: </a:t>
-            </a:r>
-            <a:r>
-              <a:rPr lang="en-US" sz="2000" i="1" dirty="0">
-                <a:solidFill>
-                  <a:srgbClr val="9CDCFE"/>
-                </a:solidFill>
-                <a:latin typeface="Consolas" panose="020B0609020204030204" pitchFamily="49" charset="0"/>
-              </a:rPr>
-              <a:t>$</a:t>
-            </a:r>
-            <a:r>
-              <a:rPr lang="en-US" sz="2000" i="1" dirty="0">
-                <a:solidFill>
-                  <a:srgbClr val="D4D4D4"/>
-                </a:solidFill>
-                <a:latin typeface="Consolas" panose="020B0609020204030204" pitchFamily="49" charset="0"/>
-              </a:rPr>
-              <a:t>(</a:t>
-            </a:r>
-            <a:r>
-              <a:rPr lang="en-US" sz="2000" i="1" dirty="0">
-                <a:solidFill>
-                  <a:srgbClr val="CE9178"/>
-                </a:solidFill>
-                <a:latin typeface="Consolas" panose="020B0609020204030204" pitchFamily="49" charset="0"/>
-              </a:rPr>
-              <a:t>"#</a:t>
-            </a:r>
-            <a:r>
-              <a:rPr lang="en-US" sz="2000" i="1" dirty="0" err="1">
-                <a:solidFill>
-                  <a:srgbClr val="CE9178"/>
-                </a:solidFill>
-                <a:latin typeface="Consolas" panose="020B0609020204030204" pitchFamily="49" charset="0"/>
-              </a:rPr>
-              <a:t>the_id</a:t>
-            </a:r>
-            <a:r>
-              <a:rPr lang="en-US" sz="2000" i="1" dirty="0">
-                <a:solidFill>
-                  <a:srgbClr val="CE9178"/>
-                </a:solidFill>
-                <a:latin typeface="Consolas" panose="020B0609020204030204" pitchFamily="49" charset="0"/>
-              </a:rPr>
-              <a:t>"</a:t>
-            </a:r>
-            <a:r>
-              <a:rPr lang="en-US" sz="2000" i="1" dirty="0">
-                <a:solidFill>
-                  <a:srgbClr val="D4D4D4"/>
-                </a:solidFill>
-                <a:latin typeface="Consolas" panose="020B0609020204030204" pitchFamily="49" charset="0"/>
-              </a:rPr>
-              <a:t>)</a:t>
-            </a:r>
-          </a:p>
-          <a:p>
-            <a:pPr marL="914400" lvl="1" indent="-457200">
-              <a:buFont typeface="Arial" panose="020B0604020202020204" pitchFamily="34" charset="0"/>
-              <a:buChar char="•"/>
-            </a:pPr>
-            <a:r>
-              <a:rPr lang="en-US" sz="2000" dirty="0"/>
-              <a:t>Select a class of objects: </a:t>
-            </a:r>
-            <a:r>
-              <a:rPr lang="en-US" sz="2000" i="1" dirty="0">
-                <a:solidFill>
-                  <a:srgbClr val="9CDCFE"/>
-                </a:solidFill>
-                <a:latin typeface="Consolas" panose="020B0609020204030204" pitchFamily="49" charset="0"/>
-              </a:rPr>
-              <a:t>$</a:t>
-            </a:r>
-            <a:r>
-              <a:rPr lang="en-US" sz="2000" i="1" dirty="0">
-                <a:solidFill>
-                  <a:srgbClr val="D4D4D4"/>
-                </a:solidFill>
-                <a:latin typeface="Consolas" panose="020B0609020204030204" pitchFamily="49" charset="0"/>
-              </a:rPr>
-              <a:t>(</a:t>
-            </a:r>
-            <a:r>
-              <a:rPr lang="en-US" sz="2000" i="1" dirty="0">
-                <a:solidFill>
-                  <a:srgbClr val="CE9178"/>
-                </a:solidFill>
-                <a:latin typeface="Consolas" panose="020B0609020204030204" pitchFamily="49" charset="0"/>
-              </a:rPr>
-              <a:t>".</a:t>
-            </a:r>
-            <a:r>
-              <a:rPr lang="en-US" sz="2000" i="1" dirty="0" err="1">
-                <a:solidFill>
-                  <a:srgbClr val="CE9178"/>
-                </a:solidFill>
-                <a:latin typeface="Consolas" panose="020B0609020204030204" pitchFamily="49" charset="0"/>
-              </a:rPr>
-              <a:t>the_class</a:t>
-            </a:r>
-            <a:r>
-              <a:rPr lang="en-US" sz="2000" i="1" dirty="0">
-                <a:solidFill>
-                  <a:srgbClr val="CE9178"/>
-                </a:solidFill>
-                <a:latin typeface="Consolas" panose="020B0609020204030204" pitchFamily="49" charset="0"/>
-              </a:rPr>
-              <a:t>"</a:t>
-            </a:r>
-            <a:r>
-              <a:rPr lang="en-US" sz="2000" i="1" dirty="0">
-                <a:solidFill>
-                  <a:srgbClr val="D4D4D4"/>
-                </a:solidFill>
-                <a:latin typeface="Consolas" panose="020B0609020204030204" pitchFamily="49" charset="0"/>
-              </a:rPr>
-              <a:t>)</a:t>
-            </a:r>
-          </a:p>
-          <a:p>
-            <a:pPr marL="457200" indent="-457200">
-              <a:buFont typeface="Arial" panose="020B0604020202020204" pitchFamily="34" charset="0"/>
-              <a:buChar char="•"/>
-            </a:pPr>
-            <a:r>
-              <a:rPr lang="en-US" sz="2000" dirty="0"/>
-              <a:t>Step 2</a:t>
-            </a:r>
-          </a:p>
-          <a:p>
-            <a:pPr marL="914400" lvl="1" indent="-457200">
-              <a:buFont typeface="Arial" panose="020B0604020202020204" pitchFamily="34" charset="0"/>
-              <a:buChar char="•"/>
-            </a:pPr>
-            <a:r>
-              <a:rPr lang="en-US" sz="2000" dirty="0"/>
-              <a:t>Change the value of an input box: </a:t>
-            </a:r>
-            <a:r>
-              <a:rPr lang="en-US" sz="2000" i="1" dirty="0">
-                <a:solidFill>
-                  <a:srgbClr val="9CDCFE"/>
-                </a:solidFill>
-                <a:latin typeface="Consolas" panose="020B0609020204030204" pitchFamily="49" charset="0"/>
-              </a:rPr>
-              <a:t>$</a:t>
-            </a:r>
-            <a:r>
-              <a:rPr lang="en-US" sz="2000" i="1" dirty="0">
-                <a:solidFill>
-                  <a:srgbClr val="D4D4D4"/>
-                </a:solidFill>
-                <a:latin typeface="Consolas" panose="020B0609020204030204" pitchFamily="49" charset="0"/>
-              </a:rPr>
-              <a:t>(</a:t>
-            </a:r>
-            <a:r>
-              <a:rPr lang="en-US" sz="2000" i="1" dirty="0">
-                <a:solidFill>
-                  <a:srgbClr val="CE9178"/>
-                </a:solidFill>
-                <a:latin typeface="Consolas" panose="020B0609020204030204" pitchFamily="49" charset="0"/>
-              </a:rPr>
-              <a:t>"#input"</a:t>
-            </a:r>
-            <a:r>
-              <a:rPr lang="en-US" sz="2000" i="1" dirty="0">
-                <a:solidFill>
-                  <a:srgbClr val="D4D4D4"/>
-                </a:solidFill>
-                <a:latin typeface="Consolas" panose="020B0609020204030204" pitchFamily="49" charset="0"/>
-              </a:rPr>
-              <a:t>).</a:t>
-            </a:r>
-            <a:r>
-              <a:rPr lang="en-US" sz="2000" i="1" dirty="0" err="1">
-                <a:solidFill>
-                  <a:srgbClr val="0070C0"/>
-                </a:solidFill>
-                <a:latin typeface="Consolas" panose="020B0609020204030204" pitchFamily="49" charset="0"/>
-              </a:rPr>
-              <a:t>val</a:t>
-            </a:r>
-            <a:r>
-              <a:rPr lang="en-US" sz="2000" i="1" dirty="0">
-                <a:solidFill>
-                  <a:srgbClr val="0070C0"/>
-                </a:solidFill>
-                <a:latin typeface="Consolas" panose="020B0609020204030204" pitchFamily="49" charset="0"/>
-              </a:rPr>
-              <a:t>(“text changed!”)</a:t>
-            </a:r>
-          </a:p>
-          <a:p>
-            <a:pPr marL="914400" lvl="1" indent="-457200">
-              <a:buFont typeface="Arial" panose="020B0604020202020204" pitchFamily="34" charset="0"/>
-              <a:buChar char="•"/>
-            </a:pPr>
-            <a:r>
-              <a:rPr lang="en-US" sz="2000" dirty="0"/>
-              <a:t>Add an event to a button that when a user clicks it, show a text</a:t>
-            </a:r>
-            <a:endParaRPr lang="en-US" dirty="0"/>
-          </a:p>
-        </p:txBody>
-      </p:sp>
-      <p:sp>
-        <p:nvSpPr>
-          <p:cNvPr id="9" name="Footer Placeholder 8">
-            <a:extLst>
-              <a:ext uri="{FF2B5EF4-FFF2-40B4-BE49-F238E27FC236}">
-                <a16:creationId xmlns:a16="http://schemas.microsoft.com/office/drawing/2014/main" id="{C5B06E8B-5BAE-4CB5-8E74-DC30314F6407}"/>
-              </a:ext>
-            </a:extLst>
-          </p:cNvPr>
-          <p:cNvSpPr>
-            <a:spLocks noGrp="1"/>
-          </p:cNvSpPr>
-          <p:nvPr>
-            <p:ph type="ftr" sz="quarter" idx="11"/>
-          </p:nvPr>
-        </p:nvSpPr>
-        <p:spPr/>
-        <p:txBody>
-          <a:bodyPr/>
-          <a:lstStyle/>
-          <a:p>
-            <a:r>
-              <a:rPr lang="en-US"/>
-              <a:t>Copyright © 2021 Luyu Liu,</a:t>
-            </a:r>
-          </a:p>
-          <a:p>
-            <a:r>
-              <a:rPr lang="en-US"/>
-              <a:t>Liu.6544@osu.edu</a:t>
-            </a:r>
-            <a:endParaRPr lang="en-US" dirty="0"/>
-          </a:p>
-        </p:txBody>
-      </p:sp>
-    </p:spTree>
-    <p:extLst>
-      <p:ext uri="{BB962C8B-B14F-4D97-AF65-F5344CB8AC3E}">
-        <p14:creationId xmlns:p14="http://schemas.microsoft.com/office/powerpoint/2010/main" val="3973660456"/>
       </p:ext>
     </p:extLst>
   </p:cSld>
@@ -7485,7 +7199,7 @@
           <p:cNvPr id="2" name="Title 1">
             <a:extLst>
               <a:ext uri="{FF2B5EF4-FFF2-40B4-BE49-F238E27FC236}">
-                <a16:creationId xmlns:a16="http://schemas.microsoft.com/office/drawing/2014/main" id="{48EACD83-E1B8-4264-8295-34C78E5D0B45}"/>
+                <a16:creationId xmlns:a16="http://schemas.microsoft.com/office/drawing/2014/main" id="{C743475C-E406-496C-82B5-118A6810F1E1}"/>
               </a:ext>
             </a:extLst>
           </p:cNvPr>
@@ -7503,7 +7217,7 @@
           <a:p>
             <a:r>
               <a:rPr lang="en-US" dirty="0"/>
-              <a:t>JS – Make a Request</a:t>
+              <a:t>JS Library: jQuery</a:t>
             </a:r>
           </a:p>
         </p:txBody>
@@ -7513,7 +7227,7 @@
           <p:cNvPr id="3" name="Content Placeholder 2">
             <a:extLst>
               <a:ext uri="{FF2B5EF4-FFF2-40B4-BE49-F238E27FC236}">
-                <a16:creationId xmlns:a16="http://schemas.microsoft.com/office/drawing/2014/main" id="{B5A9A386-3B85-49CB-AD2E-726E4738939B}"/>
+                <a16:creationId xmlns:a16="http://schemas.microsoft.com/office/drawing/2014/main" id="{1C1F1497-6946-45AD-B837-DDD0779A2E15}"/>
               </a:ext>
             </a:extLst>
           </p:cNvPr>
@@ -7531,13 +7245,19 @@
           <a:p>
             <a:r>
               <a:rPr lang="en-US" dirty="0"/>
-              <a:t>We cannot store everything in our code</a:t>
-            </a:r>
-          </a:p>
-          <a:p>
-            <a:r>
-              <a:rPr lang="en-US" dirty="0"/>
-              <a:t>Need to make </a:t>
+              <a:t>Native JS is not enough sometimes</a:t>
+            </a:r>
+          </a:p>
+          <a:p>
+            <a:r>
+              <a:rPr lang="en-US" dirty="0"/>
+              <a:t>jQuery is a very useful library</a:t>
+            </a:r>
+          </a:p>
+          <a:p>
+            <a:r>
+              <a:rPr lang="en-US" dirty="0"/>
+              <a:t>Its function starts with </a:t>
             </a:r>
             <a:r>
               <a:rPr lang="en-US" dirty="0">
@@ -7545,12 +7265,69 @@
                   <a:srgbClr val="C00000"/>
                 </a:solidFill>
               </a:rPr>
-              <a:t>requests </a:t>
-            </a:r>
-            <a:r>
-              <a:rPr lang="en-US" dirty="0"/>
-              <a:t>to get data</a:t>
-            </a:r>
+              <a:t>a dollar sign ($) </a:t>
+            </a:r>
+            <a:r>
+              <a:rPr lang="en-US" dirty="0"/>
+              <a:t>and usually two steps</a:t>
+            </a:r>
+          </a:p>
+          <a:p>
+            <a:pPr lvl="1"/>
+            <a:r>
+              <a:rPr lang="en-US" sz="2400" dirty="0"/>
+              <a:t>Step 1: Select the object(s)</a:t>
+            </a:r>
+          </a:p>
+          <a:p>
+            <a:pPr lvl="1"/>
+            <a:r>
+              <a:rPr lang="en-US" sz="2400" dirty="0"/>
+              <a:t>Step 2: </a:t>
+            </a:r>
+            <a:r>
+              <a:rPr lang="en-US" dirty="0">
+                <a:solidFill>
+                  <a:srgbClr val="C00000"/>
+                </a:solidFill>
+              </a:rPr>
+              <a:t>D</a:t>
+            </a:r>
+            <a:r>
+              <a:rPr lang="en-US" sz="2400" dirty="0">
+                <a:solidFill>
+                  <a:srgbClr val="C00000"/>
+                </a:solidFill>
+              </a:rPr>
+              <a:t>o something </a:t>
+            </a:r>
+            <a:r>
+              <a:rPr lang="en-US" sz="2400" dirty="0"/>
+              <a:t>or ask it </a:t>
+            </a:r>
+            <a:r>
+              <a:rPr lang="en-US" sz="2400" dirty="0">
+                <a:solidFill>
+                  <a:srgbClr val="C00000"/>
+                </a:solidFill>
+              </a:rPr>
+              <a:t>react</a:t>
+            </a:r>
+            <a:r>
+              <a:rPr lang="en-US" sz="2400" dirty="0"/>
+              <a:t> to something</a:t>
+            </a:r>
+          </a:p>
+          <a:p>
+            <a:pPr lvl="1"/>
+            <a:endParaRPr lang="en-US" sz="2400" dirty="0"/>
+          </a:p>
+          <a:p>
+            <a:pPr lvl="1"/>
+            <a:endParaRPr lang="en-US" dirty="0"/>
+          </a:p>
+          <a:p>
+            <a:endParaRPr lang="en-US" dirty="0"/>
           </a:p>
         </p:txBody>
       </p:sp>
@@ -7559,7 +7336,7 @@
           <p:cNvPr id="5" name="Slide Number Placeholder 4">
             <a:extLst>
               <a:ext uri="{FF2B5EF4-FFF2-40B4-BE49-F238E27FC236}">
-                <a16:creationId xmlns:a16="http://schemas.microsoft.com/office/drawing/2014/main" id="{048A067B-50A3-48ED-A772-BFB01858FF26}"/>
+                <a16:creationId xmlns:a16="http://schemas.microsoft.com/office/drawing/2014/main" id="{5AF1161C-12AA-4D9C-A334-E4D836F37D6E}"/>
               </a:ext>
             </a:extLst>
           </p:cNvPr>
@@ -7579,56 +7356,26 @@
               <a:rPr lang="en-US" smtClean="0"/>
               <a:t>19</a:t>
             </a:fld>
-            <a:endParaRPr lang="en-US" dirty="0"/>
-          </a:p>
-        </p:txBody>
-      </p:sp>
-      <p:pic>
-        <p:nvPicPr>
-          <p:cNvPr id="6" name="Picture 5">
-            <a:extLst>
-              <a:ext uri="{FF2B5EF4-FFF2-40B4-BE49-F238E27FC236}">
-                <a16:creationId xmlns:a16="http://schemas.microsoft.com/office/drawing/2014/main" id="{C0E951C6-FBBA-448D-9781-A1E4B95BABAF}"/>
-              </a:ext>
-            </a:extLst>
-          </p:cNvPr>
-          <p:cNvPicPr>
-            <a:picLocks noChangeAspect="1"/>
-          </p:cNvPicPr>
+            <a:endParaRPr lang="en-US"/>
+          </a:p>
+        </p:txBody>
+      </p:sp>
+      <p:sp>
+        <p:nvSpPr>
+          <p:cNvPr id="7" name="TextBox 6">
+            <a:extLst>
+              <a:ext uri="{FF2B5EF4-FFF2-40B4-BE49-F238E27FC236}">
+                <a16:creationId xmlns:a16="http://schemas.microsoft.com/office/drawing/2014/main" id="{78AAB25F-AF09-4751-A615-A944C23C8E83}"/>
+              </a:ext>
+            </a:extLst>
+          </p:cNvPr>
+          <p:cNvSpPr txBox="1"/>
           <p:nvPr/>
-        </p:nvPicPr>
-        <p:blipFill>
-          <a:blip r:embed="rId2"/>
-          <a:stretch>
-            <a:fillRect/>
-          </a:stretch>
-        </p:blipFill>
+        </p:nvSpPr>
         <p:spPr>
           <a:xfrm>
-            <a:off x="4010891" y="3065318"/>
-            <a:ext cx="4648200" cy="1447800"/>
-          </a:xfrm>
-          <a:prstGeom prst="rect">
-            <a:avLst/>
-          </a:prstGeom>
-        </p:spPr>
-      </p:pic>
-      <p:sp>
-        <p:nvSpPr>
-          <p:cNvPr id="8" name="TextBox 7">
-            <a:extLst>
-              <a:ext uri="{FF2B5EF4-FFF2-40B4-BE49-F238E27FC236}">
-                <a16:creationId xmlns:a16="http://schemas.microsoft.com/office/drawing/2014/main" id="{28E46FFD-08CA-4E00-A400-22D16AB6E62C}"/>
-              </a:ext>
-            </a:extLst>
-          </p:cNvPr>
-          <p:cNvSpPr txBox="1"/>
-          <p:nvPr/>
-        </p:nvSpPr>
-        <p:spPr>
-          <a:xfrm>
-            <a:off x="1191491" y="4590173"/>
-            <a:ext cx="9809018" cy="1569660"/>
+            <a:off x="1076036" y="4292143"/>
+            <a:ext cx="10039927" cy="2246769"/>
           </a:xfrm>
           <a:prstGeom prst="rect">
             <a:avLst/>
@@ -7642,67 +7389,232 @@
           <a:lstStyle/>
           <a:p>
             <a:r>
-              <a:rPr lang="en-US" sz="2400" dirty="0"/>
-              <a:t>$.get: the jQuery function to GET data. It has two parameters:</a:t>
+              <a:rPr lang="en-US" sz="2000" dirty="0"/>
+              <a:t>Examples</a:t>
             </a:r>
           </a:p>
           <a:p>
             <a:pPr marL="457200" indent="-457200">
-              <a:buFont typeface="+mj-lt"/>
-              <a:buAutoNum type="arabicPeriod"/>
+              <a:buFont typeface="Arial" panose="020B0604020202020204" pitchFamily="34" charset="0"/>
+              <a:buChar char="•"/>
             </a:pPr>
             <a:r>
-              <a:rPr lang="en-US" sz="2400" dirty="0">
+              <a:rPr lang="en-US" sz="2000" dirty="0"/>
+              <a:t>Step 1</a:t>
+            </a:r>
+          </a:p>
+          <a:p>
+            <a:pPr marL="914400" lvl="1" indent="-457200">
+              <a:buFont typeface="Arial" panose="020B0604020202020204" pitchFamily="34" charset="0"/>
+              <a:buChar char="•"/>
+            </a:pPr>
+            <a:r>
+              <a:rPr lang="en-US" sz="2000" dirty="0"/>
+              <a:t>Select an object: </a:t>
+            </a:r>
+            <a:r>
+              <a:rPr lang="en-US" sz="2000" i="1" dirty="0">
                 <a:solidFill>
-                  <a:srgbClr val="D77C03"/>
+                  <a:srgbClr val="9CDCFE"/>
                 </a:solidFill>
+                <a:latin typeface="Consolas" panose="020B0609020204030204" pitchFamily="49" charset="0"/>
               </a:rPr>
-              <a:t>“datasource.com”: </a:t>
-            </a:r>
-            <a:r>
-              <a:rPr lang="en-US" sz="2400" dirty="0"/>
-              <a:t>the online dataset URL</a:t>
+              <a:t>$</a:t>
+            </a:r>
+            <a:r>
+              <a:rPr lang="en-US" sz="2000" i="1" dirty="0">
+                <a:solidFill>
+                  <a:srgbClr val="D4D4D4"/>
+                </a:solidFill>
+                <a:latin typeface="Consolas" panose="020B0609020204030204" pitchFamily="49" charset="0"/>
+              </a:rPr>
+              <a:t>(</a:t>
+            </a:r>
+            <a:r>
+              <a:rPr lang="en-US" sz="2000" i="1" dirty="0">
+                <a:solidFill>
+                  <a:srgbClr val="CE9178"/>
+                </a:solidFill>
+                <a:latin typeface="Consolas" panose="020B0609020204030204" pitchFamily="49" charset="0"/>
+              </a:rPr>
+              <a:t>"#</a:t>
+            </a:r>
+            <a:r>
+              <a:rPr lang="en-US" sz="2000" i="1" dirty="0" err="1">
+                <a:solidFill>
+                  <a:srgbClr val="CE9178"/>
+                </a:solidFill>
+                <a:latin typeface="Consolas" panose="020B0609020204030204" pitchFamily="49" charset="0"/>
+              </a:rPr>
+              <a:t>the_id</a:t>
+            </a:r>
+            <a:r>
+              <a:rPr lang="en-US" sz="2000" i="1" dirty="0">
+                <a:solidFill>
+                  <a:srgbClr val="CE9178"/>
+                </a:solidFill>
+                <a:latin typeface="Consolas" panose="020B0609020204030204" pitchFamily="49" charset="0"/>
+              </a:rPr>
+              <a:t>"</a:t>
+            </a:r>
+            <a:r>
+              <a:rPr lang="en-US" sz="2000" i="1" dirty="0">
+                <a:solidFill>
+                  <a:srgbClr val="D4D4D4"/>
+                </a:solidFill>
+                <a:latin typeface="Consolas" panose="020B0609020204030204" pitchFamily="49" charset="0"/>
+              </a:rPr>
+              <a:t>)</a:t>
+            </a:r>
+          </a:p>
+          <a:p>
+            <a:pPr marL="914400" lvl="1" indent="-457200">
+              <a:buFont typeface="Arial" panose="020B0604020202020204" pitchFamily="34" charset="0"/>
+              <a:buChar char="•"/>
+            </a:pPr>
+            <a:r>
+              <a:rPr lang="en-US" sz="2000" dirty="0"/>
+              <a:t>Select a class of objects: </a:t>
+            </a:r>
+            <a:r>
+              <a:rPr lang="en-US" sz="2000" i="1" dirty="0">
+                <a:solidFill>
+                  <a:srgbClr val="9CDCFE"/>
+                </a:solidFill>
+                <a:latin typeface="Consolas" panose="020B0609020204030204" pitchFamily="49" charset="0"/>
+              </a:rPr>
+              <a:t>$</a:t>
+            </a:r>
+            <a:r>
+              <a:rPr lang="en-US" sz="2000" i="1" dirty="0">
+                <a:solidFill>
+                  <a:srgbClr val="D4D4D4"/>
+                </a:solidFill>
+                <a:latin typeface="Consolas" panose="020B0609020204030204" pitchFamily="49" charset="0"/>
+              </a:rPr>
+              <a:t>(</a:t>
+            </a:r>
+            <a:r>
+              <a:rPr lang="en-US" sz="2000" i="1" dirty="0">
+                <a:solidFill>
+                  <a:srgbClr val="CE9178"/>
+                </a:solidFill>
+                <a:latin typeface="Consolas" panose="020B0609020204030204" pitchFamily="49" charset="0"/>
+              </a:rPr>
+              <a:t>".</a:t>
+            </a:r>
+            <a:r>
+              <a:rPr lang="en-US" sz="2000" i="1" dirty="0" err="1">
+                <a:solidFill>
+                  <a:srgbClr val="CE9178"/>
+                </a:solidFill>
+                <a:latin typeface="Consolas" panose="020B0609020204030204" pitchFamily="49" charset="0"/>
+              </a:rPr>
+              <a:t>the_class</a:t>
+            </a:r>
+            <a:r>
+              <a:rPr lang="en-US" sz="2000" i="1" dirty="0">
+                <a:solidFill>
+                  <a:srgbClr val="CE9178"/>
+                </a:solidFill>
+                <a:latin typeface="Consolas" panose="020B0609020204030204" pitchFamily="49" charset="0"/>
+              </a:rPr>
+              <a:t>"</a:t>
+            </a:r>
+            <a:r>
+              <a:rPr lang="en-US" sz="2000" i="1" dirty="0">
+                <a:solidFill>
+                  <a:srgbClr val="D4D4D4"/>
+                </a:solidFill>
+                <a:latin typeface="Consolas" panose="020B0609020204030204" pitchFamily="49" charset="0"/>
+              </a:rPr>
+              <a:t>)</a:t>
             </a:r>
           </a:p>
           <a:p>
             <a:pPr marL="457200" indent="-457200">
-              <a:buFont typeface="+mj-lt"/>
-              <a:buAutoNum type="arabicPeriod"/>
+              <a:buFont typeface="Arial" panose="020B0604020202020204" pitchFamily="34" charset="0"/>
+              <a:buChar char="•"/>
             </a:pPr>
             <a:r>
-              <a:rPr lang="en-US" sz="2400" dirty="0">
+              <a:rPr lang="en-US" sz="2000" dirty="0"/>
+              <a:t>Step 2</a:t>
+            </a:r>
+          </a:p>
+          <a:p>
+            <a:pPr marL="914400" lvl="1" indent="-457200">
+              <a:buFont typeface="Arial" panose="020B0604020202020204" pitchFamily="34" charset="0"/>
+              <a:buChar char="•"/>
+            </a:pPr>
+            <a:r>
+              <a:rPr lang="en-US" sz="2000" dirty="0"/>
+              <a:t>Change the value of an input box: </a:t>
+            </a:r>
+            <a:r>
+              <a:rPr lang="en-US" sz="2000" i="1" dirty="0">
                 <a:solidFill>
-                  <a:srgbClr val="FFC000"/>
+                  <a:srgbClr val="9CDCFE"/>
                 </a:solidFill>
+                <a:latin typeface="Consolas" panose="020B0609020204030204" pitchFamily="49" charset="0"/>
               </a:rPr>
-              <a:t>callback</a:t>
-            </a:r>
-            <a:r>
-              <a:rPr lang="en-US" sz="2400" dirty="0"/>
-              <a:t> (a function): what you will do to the data if data is available</a:t>
-            </a:r>
-          </a:p>
-          <a:p>
-            <a:r>
-              <a:rPr lang="en-US" sz="2400" dirty="0">
+              <a:t>$</a:t>
+            </a:r>
+            <a:r>
+              <a:rPr lang="en-US" sz="2000" i="1" dirty="0">
                 <a:solidFill>
-                  <a:srgbClr val="00B0F0"/>
+                  <a:srgbClr val="D4D4D4"/>
                 </a:solidFill>
+                <a:latin typeface="Consolas" panose="020B0609020204030204" pitchFamily="49" charset="0"/>
               </a:rPr>
-              <a:t>	</a:t>
-            </a:r>
-            <a:r>
-              <a:rPr lang="en-US" sz="2400" dirty="0" err="1">
+              <a:t>(</a:t>
+            </a:r>
+            <a:r>
+              <a:rPr lang="en-US" sz="2000" i="1" dirty="0">
                 <a:solidFill>
-                  <a:srgbClr val="00B0F0"/>
+                  <a:srgbClr val="CE9178"/>
                 </a:solidFill>
+                <a:latin typeface="Consolas" panose="020B0609020204030204" pitchFamily="49" charset="0"/>
               </a:rPr>
-              <a:t>returned_data</a:t>
-            </a:r>
-            <a:r>
-              <a:rPr lang="en-US" sz="2400" dirty="0"/>
-              <a:t>: the returned data structure</a:t>
-            </a:r>
+              <a:t>"#input"</a:t>
+            </a:r>
+            <a:r>
+              <a:rPr lang="en-US" sz="2000" i="1" dirty="0">
+                <a:solidFill>
+                  <a:srgbClr val="D4D4D4"/>
+                </a:solidFill>
+                <a:latin typeface="Consolas" panose="020B0609020204030204" pitchFamily="49" charset="0"/>
+              </a:rPr>
+              <a:t>).</a:t>
+            </a:r>
+            <a:r>
+              <a:rPr lang="en-US" sz="2000" i="1" dirty="0" err="1">
+                <a:solidFill>
+                  <a:srgbClr val="0070C0"/>
+                </a:solidFill>
+                <a:latin typeface="Consolas" panose="020B0609020204030204" pitchFamily="49" charset="0"/>
+              </a:rPr>
+              <a:t>val</a:t>
+            </a:r>
+            <a:r>
+              <a:rPr lang="en-US" sz="2000" i="1" dirty="0">
+                <a:solidFill>
+                  <a:srgbClr val="0070C0"/>
+                </a:solidFill>
+                <a:latin typeface="Consolas" panose="020B0609020204030204" pitchFamily="49" charset="0"/>
+              </a:rPr>
+              <a:t>(“text changed!”)</a:t>
+            </a:r>
+          </a:p>
+          <a:p>
+            <a:pPr marL="914400" lvl="1" indent="-457200">
+              <a:buFont typeface="Arial" panose="020B0604020202020204" pitchFamily="34" charset="0"/>
+              <a:buChar char="•"/>
+            </a:pPr>
+            <a:r>
+              <a:rPr lang="en-US" sz="2000" dirty="0"/>
+              <a:t>Add an event to a button that when a user clicks it, show a text</a:t>
+            </a:r>
+            <a:endParaRPr lang="en-US" dirty="0"/>
           </a:p>
         </p:txBody>
       </p:sp>
@@ -7711,7 +7623,7 @@
           <p:cNvPr id="9" name="Footer Placeholder 8">
             <a:extLst>
               <a:ext uri="{FF2B5EF4-FFF2-40B4-BE49-F238E27FC236}">
-                <a16:creationId xmlns:a16="http://schemas.microsoft.com/office/drawing/2014/main" id="{DAC4100F-47C3-4344-A1DB-F99F6D47E204}"/>
+                <a16:creationId xmlns:a16="http://schemas.microsoft.com/office/drawing/2014/main" id="{C5B06E8B-5BAE-4CB5-8E74-DC30314F6407}"/>
               </a:ext>
             </a:extLst>
           </p:cNvPr>
@@ -7744,7 +7656,7 @@
     </p:spTree>
     <p:extLst>
       <p:ext uri="{BB962C8B-B14F-4D97-AF65-F5344CB8AC3E}">
-        <p14:creationId xmlns:p14="http://schemas.microsoft.com/office/powerpoint/2010/main" val="2823931866"/>
+        <p14:creationId xmlns:p14="http://schemas.microsoft.com/office/powerpoint/2010/main" val="3973660456"/>
       </p:ext>
     </p:extLst>
   </p:cSld>
@@ -7992,7 +7904,7 @@
           <p:cNvPr id="2" name="Title 1">
             <a:extLst>
               <a:ext uri="{FF2B5EF4-FFF2-40B4-BE49-F238E27FC236}">
-                <a16:creationId xmlns:a16="http://schemas.microsoft.com/office/drawing/2014/main" id="{2042D36A-0346-4EAC-9C56-4B8E222526B6}"/>
+                <a16:creationId xmlns:a16="http://schemas.microsoft.com/office/drawing/2014/main" id="{48EACD83-E1B8-4264-8295-34C78E5D0B45}"/>
               </a:ext>
             </a:extLst>
           </p:cNvPr>
@@ -8010,33 +7922,54 @@
           <a:p>
             <a:r>
               <a:rPr lang="en-US" dirty="0"/>
-              <a:t>3. Webpage Basics - CSS</a:t>
-            </a:r>
-          </a:p>
-        </p:txBody>
-      </p:sp>
-      <p:sp>
-        <p:nvSpPr>
-          <p:cNvPr id="3" name="Text Placeholder 2">
-            <a:extLst>
-              <a:ext uri="{FF2B5EF4-FFF2-40B4-BE49-F238E27FC236}">
-                <a16:creationId xmlns:a16="http://schemas.microsoft.com/office/drawing/2014/main" id="{0C3128F7-0C1E-4469-823B-C5B0CBA01BD9}"/>
-              </a:ext>
-            </a:extLst>
-          </p:cNvPr>
-          <p:cNvSpPr>
-            <a:spLocks noGrp="1"/>
-          </p:cNvSpPr>
-          <p:nvPr>
-            <p:ph type="body" idx="1"/>
-          </p:nvPr>
-        </p:nvSpPr>
-        <p:spPr/>
-        <p:txBody>
-          <a:bodyPr/>
-          <a:lstStyle/>
-          <a:p>
-            <a:endParaRPr lang="en-US"/>
+              <a:t>JS – Make a Request</a:t>
+            </a:r>
+          </a:p>
+        </p:txBody>
+      </p:sp>
+      <p:sp>
+        <p:nvSpPr>
+          <p:cNvPr id="3" name="Content Placeholder 2">
+            <a:extLst>
+              <a:ext uri="{FF2B5EF4-FFF2-40B4-BE49-F238E27FC236}">
+                <a16:creationId xmlns:a16="http://schemas.microsoft.com/office/drawing/2014/main" id="{B5A9A386-3B85-49CB-AD2E-726E4738939B}"/>
+              </a:ext>
+            </a:extLst>
+          </p:cNvPr>
+          <p:cNvSpPr>
+            <a:spLocks noGrp="1"/>
+          </p:cNvSpPr>
+          <p:nvPr>
+            <p:ph idx="1"/>
+          </p:nvPr>
+        </p:nvSpPr>
+        <p:spPr/>
+        <p:txBody>
+          <a:bodyPr/>
+          <a:lstStyle/>
+          <a:p>
+            <a:r>
+              <a:rPr lang="en-US" dirty="0"/>
+              <a:t>We cannot store everything in our code</a:t>
+            </a:r>
+          </a:p>
+          <a:p>
+            <a:r>
+              <a:rPr lang="en-US" dirty="0"/>
+              <a:t>Need to make </a:t>
+            </a:r>
+            <a:r>
+              <a:rPr lang="en-US" dirty="0">
+                <a:solidFill>
+                  <a:srgbClr val="C00000"/>
+                </a:solidFill>
+              </a:rPr>
+              <a:t>requests </a:t>
+            </a:r>
+            <a:r>
+              <a:rPr lang="en-US" dirty="0"/>
+              <a:t>to get data</a:t>
+            </a:r>
           </a:p>
         </p:txBody>
       </p:sp>
@@ -8045,7 +7978,7 @@
           <p:cNvPr id="5" name="Slide Number Placeholder 4">
             <a:extLst>
               <a:ext uri="{FF2B5EF4-FFF2-40B4-BE49-F238E27FC236}">
-                <a16:creationId xmlns:a16="http://schemas.microsoft.com/office/drawing/2014/main" id="{2B6A6761-8FDE-4A75-ABDD-8ECA6BE83B32}"/>
+                <a16:creationId xmlns:a16="http://schemas.microsoft.com/office/drawing/2014/main" id="{048A067B-50A3-48ED-A772-BFB01858FF26}"/>
               </a:ext>
             </a:extLst>
           </p:cNvPr>
@@ -8065,16 +7998,139 @@
               <a:rPr lang="en-US" smtClean="0"/>
               <a:t>20</a:t>
             </a:fld>
-            <a:endParaRPr lang="en-US"/>
-          </a:p>
-        </p:txBody>
-      </p:sp>
-      <p:sp>
-        <p:nvSpPr>
-          <p:cNvPr id="6" name="Footer Placeholder 5">
-            <a:extLst>
-              <a:ext uri="{FF2B5EF4-FFF2-40B4-BE49-F238E27FC236}">
-                <a16:creationId xmlns:a16="http://schemas.microsoft.com/office/drawing/2014/main" id="{74CD9FA1-2431-4BAA-9B65-9278BFF9BF6A}"/>
+            <a:endParaRPr lang="en-US" dirty="0"/>
+          </a:p>
+        </p:txBody>
+      </p:sp>
+      <p:pic>
+        <p:nvPicPr>
+          <p:cNvPr id="6" name="Picture 5">
+            <a:extLst>
+              <a:ext uri="{FF2B5EF4-FFF2-40B4-BE49-F238E27FC236}">
+                <a16:creationId xmlns:a16="http://schemas.microsoft.com/office/drawing/2014/main" id="{C0E951C6-FBBA-448D-9781-A1E4B95BABAF}"/>
+              </a:ext>
+            </a:extLst>
+          </p:cNvPr>
+          <p:cNvPicPr>
+            <a:picLocks noChangeAspect="1"/>
+          </p:cNvPicPr>
+          <p:nvPr/>
+        </p:nvPicPr>
+        <p:blipFill>
+          <a:blip r:embed="rId2"/>
+          <a:stretch>
+            <a:fillRect/>
+          </a:stretch>
+        </p:blipFill>
+        <p:spPr>
+          <a:xfrm>
+            <a:off x="4010891" y="3065318"/>
+            <a:ext cx="4648200" cy="1447800"/>
+          </a:xfrm>
+          <a:prstGeom prst="rect">
+            <a:avLst/>
+          </a:prstGeom>
+        </p:spPr>
+      </p:pic>
+      <p:sp>
+        <p:nvSpPr>
+          <p:cNvPr id="8" name="TextBox 7">
+            <a:extLst>
+              <a:ext uri="{FF2B5EF4-FFF2-40B4-BE49-F238E27FC236}">
+                <a16:creationId xmlns:a16="http://schemas.microsoft.com/office/drawing/2014/main" id="{28E46FFD-08CA-4E00-A400-22D16AB6E62C}"/>
+              </a:ext>
+            </a:extLst>
+          </p:cNvPr>
+          <p:cNvSpPr txBox="1"/>
+          <p:nvPr/>
+        </p:nvSpPr>
+        <p:spPr>
+          <a:xfrm>
+            <a:off x="1191491" y="4590173"/>
+            <a:ext cx="9809018" cy="1569660"/>
+          </a:xfrm>
+          <a:prstGeom prst="rect">
+            <a:avLst/>
+          </a:prstGeom>
+          <a:noFill/>
+        </p:spPr>
+        <p:txBody>
+          <a:bodyPr wrap="square">
+            <a:spAutoFit/>
+          </a:bodyPr>
+          <a:lstStyle/>
+          <a:p>
+            <a:r>
+              <a:rPr lang="en-US" sz="2400" dirty="0"/>
+              <a:t>$.get: the jQuery function to GET data. It has two parameters:</a:t>
+            </a:r>
+          </a:p>
+          <a:p>
+            <a:pPr marL="457200" indent="-457200">
+              <a:buFont typeface="+mj-lt"/>
+              <a:buAutoNum type="arabicPeriod"/>
+            </a:pPr>
+            <a:r>
+              <a:rPr lang="en-US" sz="2400" dirty="0">
+                <a:solidFill>
+                  <a:srgbClr val="D77C03"/>
+                </a:solidFill>
+              </a:rPr>
+              <a:t>“datasource.com”: </a:t>
+            </a:r>
+            <a:r>
+              <a:rPr lang="en-US" sz="2400" dirty="0"/>
+              <a:t>the online dataset URL</a:t>
+            </a:r>
+          </a:p>
+          <a:p>
+            <a:pPr marL="457200" indent="-457200">
+              <a:buFont typeface="+mj-lt"/>
+              <a:buAutoNum type="arabicPeriod"/>
+            </a:pPr>
+            <a:r>
+              <a:rPr lang="en-US" sz="2400" dirty="0">
+                <a:solidFill>
+                  <a:srgbClr val="FFC000"/>
+                </a:solidFill>
+              </a:rPr>
+              <a:t>callback</a:t>
+            </a:r>
+            <a:r>
+              <a:rPr lang="en-US" sz="2400" dirty="0"/>
+              <a:t> (a function): what you will do to the data if data is available</a:t>
+            </a:r>
+          </a:p>
+          <a:p>
+            <a:r>
+              <a:rPr lang="en-US" sz="2400" dirty="0">
+                <a:solidFill>
+                  <a:srgbClr val="00B0F0"/>
+                </a:solidFill>
+              </a:rPr>
+              <a:t>	</a:t>
+            </a:r>
+            <a:r>
+              <a:rPr lang="en-US" sz="2400" dirty="0" err="1">
+                <a:solidFill>
+                  <a:srgbClr val="00B0F0"/>
+                </a:solidFill>
+              </a:rPr>
+              <a:t>returned_data</a:t>
+            </a:r>
+            <a:r>
+              <a:rPr lang="en-US" sz="2400" dirty="0"/>
+              <a:t>: the returned data structure</a:t>
+            </a:r>
+          </a:p>
+        </p:txBody>
+      </p:sp>
+      <p:sp>
+        <p:nvSpPr>
+          <p:cNvPr id="9" name="Footer Placeholder 8">
+            <a:extLst>
+              <a:ext uri="{FF2B5EF4-FFF2-40B4-BE49-F238E27FC236}">
+                <a16:creationId xmlns:a16="http://schemas.microsoft.com/office/drawing/2014/main" id="{DAC4100F-47C3-4344-A1DB-F99F6D47E204}"/>
               </a:ext>
             </a:extLst>
           </p:cNvPr>
@@ -8092,7 +8148,13 @@
           <a:p>
             <a:r>
               <a:rPr lang="en-US"/>
-              <a:t>Copyright © 2021 Luyu Liu, Liu.6544@osu.edu</a:t>
+              <a:t>Copyright © 2021 Luyu Liu,</a:t>
+            </a:r>
+          </a:p>
+          <a:p>
+            <a:r>
+              <a:rPr lang="en-US"/>
+              <a:t>Liu.6544@osu.edu</a:t>
             </a:r>
             <a:endParaRPr lang="en-US" dirty="0"/>
           </a:p>
@@ -8101,7 +8163,7 @@
     </p:spTree>
     <p:extLst>
       <p:ext uri="{BB962C8B-B14F-4D97-AF65-F5344CB8AC3E}">
-        <p14:creationId xmlns:p14="http://schemas.microsoft.com/office/powerpoint/2010/main" val="2788076704"/>
+        <p14:creationId xmlns:p14="http://schemas.microsoft.com/office/powerpoint/2010/main" val="2823931866"/>
       </p:ext>
     </p:extLst>
   </p:cSld>
@@ -8133,6 +8195,147 @@
           <p:cNvPr id="2" name="Title 1">
             <a:extLst>
               <a:ext uri="{FF2B5EF4-FFF2-40B4-BE49-F238E27FC236}">
+                <a16:creationId xmlns:a16="http://schemas.microsoft.com/office/drawing/2014/main" id="{2042D36A-0346-4EAC-9C56-4B8E222526B6}"/>
+              </a:ext>
+            </a:extLst>
+          </p:cNvPr>
+          <p:cNvSpPr>
+            <a:spLocks noGrp="1"/>
+          </p:cNvSpPr>
+          <p:nvPr>
+            <p:ph type="title"/>
+          </p:nvPr>
+        </p:nvSpPr>
+        <p:spPr/>
+        <p:txBody>
+          <a:bodyPr/>
+          <a:lstStyle/>
+          <a:p>
+            <a:r>
+              <a:rPr lang="en-US" dirty="0"/>
+              <a:t>3. Webpage Basics - CSS</a:t>
+            </a:r>
+          </a:p>
+        </p:txBody>
+      </p:sp>
+      <p:sp>
+        <p:nvSpPr>
+          <p:cNvPr id="3" name="Text Placeholder 2">
+            <a:extLst>
+              <a:ext uri="{FF2B5EF4-FFF2-40B4-BE49-F238E27FC236}">
+                <a16:creationId xmlns:a16="http://schemas.microsoft.com/office/drawing/2014/main" id="{0C3128F7-0C1E-4469-823B-C5B0CBA01BD9}"/>
+              </a:ext>
+            </a:extLst>
+          </p:cNvPr>
+          <p:cNvSpPr>
+            <a:spLocks noGrp="1"/>
+          </p:cNvSpPr>
+          <p:nvPr>
+            <p:ph type="body" idx="1"/>
+          </p:nvPr>
+        </p:nvSpPr>
+        <p:spPr/>
+        <p:txBody>
+          <a:bodyPr/>
+          <a:lstStyle/>
+          <a:p>
+            <a:endParaRPr lang="en-US"/>
+          </a:p>
+        </p:txBody>
+      </p:sp>
+      <p:sp>
+        <p:nvSpPr>
+          <p:cNvPr id="5" name="Slide Number Placeholder 4">
+            <a:extLst>
+              <a:ext uri="{FF2B5EF4-FFF2-40B4-BE49-F238E27FC236}">
+                <a16:creationId xmlns:a16="http://schemas.microsoft.com/office/drawing/2014/main" id="{2B6A6761-8FDE-4A75-ABDD-8ECA6BE83B32}"/>
+              </a:ext>
+            </a:extLst>
+          </p:cNvPr>
+          <p:cNvSpPr>
+            <a:spLocks noGrp="1"/>
+          </p:cNvSpPr>
+          <p:nvPr>
+            <p:ph type="sldNum" sz="quarter" idx="12"/>
+          </p:nvPr>
+        </p:nvSpPr>
+        <p:spPr/>
+        <p:txBody>
+          <a:bodyPr/>
+          <a:lstStyle/>
+          <a:p>
+            <a:fld id="{D2A42372-2098-4587-99BF-4D6F88395362}" type="slidenum">
+              <a:rPr lang="en-US" smtClean="0"/>
+              <a:t>21</a:t>
+            </a:fld>
+            <a:endParaRPr lang="en-US"/>
+          </a:p>
+        </p:txBody>
+      </p:sp>
+      <p:sp>
+        <p:nvSpPr>
+          <p:cNvPr id="6" name="Footer Placeholder 5">
+            <a:extLst>
+              <a:ext uri="{FF2B5EF4-FFF2-40B4-BE49-F238E27FC236}">
+                <a16:creationId xmlns:a16="http://schemas.microsoft.com/office/drawing/2014/main" id="{74CD9FA1-2431-4BAA-9B65-9278BFF9BF6A}"/>
+              </a:ext>
+            </a:extLst>
+          </p:cNvPr>
+          <p:cNvSpPr>
+            <a:spLocks noGrp="1"/>
+          </p:cNvSpPr>
+          <p:nvPr>
+            <p:ph type="ftr" sz="quarter" idx="11"/>
+          </p:nvPr>
+        </p:nvSpPr>
+        <p:spPr/>
+        <p:txBody>
+          <a:bodyPr/>
+          <a:lstStyle/>
+          <a:p>
+            <a:r>
+              <a:rPr lang="en-US"/>
+              <a:t>Copyright © 2021 Luyu Liu, Liu.6544@osu.edu</a:t>
+            </a:r>
+            <a:endParaRPr lang="en-US" dirty="0"/>
+          </a:p>
+        </p:txBody>
+      </p:sp>
+    </p:spTree>
+    <p:extLst>
+      <p:ext uri="{BB962C8B-B14F-4D97-AF65-F5344CB8AC3E}">
+        <p14:creationId xmlns:p14="http://schemas.microsoft.com/office/powerpoint/2010/main" val="2788076704"/>
+      </p:ext>
+    </p:extLst>
+  </p:cSld>
+  <p:clrMapOvr>
+    <a:masterClrMapping/>
+  </p:clrMapOvr>
+</p:sld>
+</file>
+
+<file path=ppt/slides/slide22.xml><?xml version="1.0" encoding="utf-8"?>
+<p:sld xmlns:a="http://schemas.openxmlformats.org/drawingml/2006/main" xmlns:r="http://schemas.openxmlformats.org/officeDocument/2006/relationships" xmlns:p="http://schemas.openxmlformats.org/presentationml/2006/main">
+  <p:cSld>
+    <p:spTree>
+      <p:nvGrpSpPr>
+        <p:cNvPr id="1" name=""/>
+        <p:cNvGrpSpPr/>
+        <p:nvPr/>
+      </p:nvGrpSpPr>
+      <p:grpSpPr>
+        <a:xfrm>
+          <a:off x="0" y="0"/>
+          <a:ext cx="0" cy="0"/>
+          <a:chOff x="0" y="0"/>
+          <a:chExt cx="0" cy="0"/>
+        </a:xfrm>
+      </p:grpSpPr>
+      <p:sp>
+        <p:nvSpPr>
+          <p:cNvPr id="2" name="Title 1">
+            <a:extLst>
+              <a:ext uri="{FF2B5EF4-FFF2-40B4-BE49-F238E27FC236}">
                 <a16:creationId xmlns:a16="http://schemas.microsoft.com/office/drawing/2014/main" id="{587EB46A-DF8B-4BF0-9515-95ED48B60550}"/>
               </a:ext>
             </a:extLst>
@@ -8240,7 +8443,7 @@
           <a:p>
             <a:fld id="{D2A42372-2098-4587-99BF-4D6F88395362}" type="slidenum">
               <a:rPr lang="en-US" smtClean="0"/>
-              <a:t>21</a:t>
+              <a:t>22</a:t>
             </a:fld>
             <a:endParaRPr lang="en-US"/>
           </a:p>
@@ -8868,212 +9071,6 @@
 </p:sld>
 </file>
 
-<file path=ppt/slides/slide22.xml><?xml version="1.0" encoding="utf-8"?>
-<p:sld xmlns:a="http://schemas.openxmlformats.org/drawingml/2006/main" xmlns:r="http://schemas.openxmlformats.org/officeDocument/2006/relationships" xmlns:p="http://schemas.openxmlformats.org/presentationml/2006/main">
-  <p:cSld>
-    <p:spTree>
-      <p:nvGrpSpPr>
-        <p:cNvPr id="1" name=""/>
-        <p:cNvGrpSpPr/>
-        <p:nvPr/>
-      </p:nvGrpSpPr>
-      <p:grpSpPr>
-        <a:xfrm>
-          <a:off x="0" y="0"/>
-          <a:ext cx="0" cy="0"/>
-          <a:chOff x="0" y="0"/>
-          <a:chExt cx="0" cy="0"/>
-        </a:xfrm>
-      </p:grpSpPr>
-      <p:sp>
-        <p:nvSpPr>
-          <p:cNvPr id="2" name="Title 1">
-            <a:extLst>
-              <a:ext uri="{FF2B5EF4-FFF2-40B4-BE49-F238E27FC236}">
-                <a16:creationId xmlns:a16="http://schemas.microsoft.com/office/drawing/2014/main" id="{ABEDE55F-4E7B-4D22-B4BB-43B26AB6F76F}"/>
-              </a:ext>
-            </a:extLst>
-          </p:cNvPr>
-          <p:cNvSpPr>
-            <a:spLocks noGrp="1"/>
-          </p:cNvSpPr>
-          <p:nvPr>
-            <p:ph type="title"/>
-          </p:nvPr>
-        </p:nvSpPr>
-        <p:spPr/>
-        <p:txBody>
-          <a:bodyPr/>
-          <a:lstStyle/>
-          <a:p>
-            <a:r>
-              <a:rPr lang="en-US" dirty="0"/>
-              <a:t>CSS is Hard</a:t>
-            </a:r>
-          </a:p>
-        </p:txBody>
-      </p:sp>
-      <p:sp>
-        <p:nvSpPr>
-          <p:cNvPr id="3" name="Content Placeholder 2">
-            <a:extLst>
-              <a:ext uri="{FF2B5EF4-FFF2-40B4-BE49-F238E27FC236}">
-                <a16:creationId xmlns:a16="http://schemas.microsoft.com/office/drawing/2014/main" id="{1D7825DA-631C-4D0A-9842-99E850E5B35F}"/>
-              </a:ext>
-            </a:extLst>
-          </p:cNvPr>
-          <p:cNvSpPr>
-            <a:spLocks noGrp="1"/>
-          </p:cNvSpPr>
-          <p:nvPr>
-            <p:ph idx="1"/>
-          </p:nvPr>
-        </p:nvSpPr>
-        <p:spPr/>
-        <p:txBody>
-          <a:bodyPr/>
-          <a:lstStyle/>
-          <a:p>
-            <a:pPr marL="0" indent="0">
-              <a:buNone/>
-            </a:pPr>
-            <a:r>
-              <a:rPr lang="en-US" dirty="0"/>
-              <a:t>CSS seems trivial among the three, but requires much more work</a:t>
-            </a:r>
-          </a:p>
-          <a:p>
-            <a:pPr marL="457200" indent="-457200">
-              <a:buFont typeface="Arial" panose="020B0604020202020204" pitchFamily="34" charset="0"/>
-              <a:buChar char="•"/>
-            </a:pPr>
-            <a:endParaRPr lang="en-US" dirty="0"/>
-          </a:p>
-          <a:p>
-            <a:pPr marL="457200" indent="-457200">
-              <a:buFont typeface="Arial" panose="020B0604020202020204" pitchFamily="34" charset="0"/>
-              <a:buChar char="•"/>
-            </a:pPr>
-            <a:r>
-              <a:rPr lang="en-US" dirty="0"/>
-              <a:t>Just like makeup, buy from professional</a:t>
-            </a:r>
-          </a:p>
-          <a:p>
-            <a:pPr marL="457200" indent="-457200">
-              <a:buFont typeface="Arial" panose="020B0604020202020204" pitchFamily="34" charset="0"/>
-              <a:buChar char="•"/>
-            </a:pPr>
-            <a:r>
-              <a:rPr lang="en-US" dirty="0"/>
-              <a:t>Try CSS framework and libraries</a:t>
-            </a:r>
-          </a:p>
-          <a:p>
-            <a:pPr marL="914400" lvl="1" indent="-457200"/>
-            <a:r>
-              <a:rPr lang="en-US" dirty="0">
-                <a:hlinkClick r:id="rId2"/>
-              </a:rPr>
-              <a:t>Bootstrap</a:t>
-            </a:r>
-            <a:r>
-              <a:rPr lang="en-US" dirty="0"/>
-              <a:t>: Great for arranging layout and simple style</a:t>
-            </a:r>
-          </a:p>
-          <a:p>
-            <a:pPr marL="914400" lvl="1" indent="-457200"/>
-            <a:r>
-              <a:rPr lang="en-US" dirty="0">
-                <a:hlinkClick r:id="rId3"/>
-              </a:rPr>
-              <a:t>Font Awesome</a:t>
-            </a:r>
-            <a:r>
-              <a:rPr lang="en-US" dirty="0"/>
-              <a:t>: Vector icons and logos</a:t>
-            </a:r>
-          </a:p>
-        </p:txBody>
-      </p:sp>
-      <p:sp>
-        <p:nvSpPr>
-          <p:cNvPr id="5" name="Slide Number Placeholder 4">
-            <a:extLst>
-              <a:ext uri="{FF2B5EF4-FFF2-40B4-BE49-F238E27FC236}">
-                <a16:creationId xmlns:a16="http://schemas.microsoft.com/office/drawing/2014/main" id="{0AD937DD-0441-4EB7-BC29-01CEC6C850AF}"/>
-              </a:ext>
-            </a:extLst>
-          </p:cNvPr>
-          <p:cNvSpPr>
-            <a:spLocks noGrp="1"/>
-          </p:cNvSpPr>
-          <p:nvPr>
-            <p:ph type="sldNum" sz="quarter" idx="12"/>
-          </p:nvPr>
-        </p:nvSpPr>
-        <p:spPr/>
-        <p:txBody>
-          <a:bodyPr/>
-          <a:lstStyle/>
-          <a:p>
-            <a:fld id="{D2A42372-2098-4587-99BF-4D6F88395362}" type="slidenum">
-              <a:rPr lang="en-US" smtClean="0"/>
-              <a:t>22</a:t>
-            </a:fld>
-            <a:endParaRPr lang="en-US"/>
-          </a:p>
-        </p:txBody>
-      </p:sp>
-      <p:sp>
-        <p:nvSpPr>
-          <p:cNvPr id="6" name="Footer Placeholder 5">
-            <a:extLst>
-              <a:ext uri="{FF2B5EF4-FFF2-40B4-BE49-F238E27FC236}">
-                <a16:creationId xmlns:a16="http://schemas.microsoft.com/office/drawing/2014/main" id="{9DCC89EA-6318-4376-B2E8-F51B7BDE03B9}"/>
-              </a:ext>
-            </a:extLst>
-          </p:cNvPr>
-          <p:cNvSpPr>
-            <a:spLocks noGrp="1"/>
-          </p:cNvSpPr>
-          <p:nvPr>
-            <p:ph type="ftr" sz="quarter" idx="11"/>
-          </p:nvPr>
-        </p:nvSpPr>
-        <p:spPr/>
-        <p:txBody>
-          <a:bodyPr/>
-          <a:lstStyle/>
-          <a:p>
-            <a:r>
-              <a:rPr lang="en-US"/>
-              <a:t>Copyright © 2021 Luyu Liu,</a:t>
-            </a:r>
-          </a:p>
-          <a:p>
-            <a:r>
-              <a:rPr lang="en-US"/>
-              <a:t>Liu.6544@osu.edu</a:t>
-            </a:r>
-            <a:endParaRPr lang="en-US" dirty="0"/>
-          </a:p>
-        </p:txBody>
-      </p:sp>
-    </p:spTree>
-    <p:extLst>
-      <p:ext uri="{BB962C8B-B14F-4D97-AF65-F5344CB8AC3E}">
-        <p14:creationId xmlns:p14="http://schemas.microsoft.com/office/powerpoint/2010/main" val="1247676290"/>
-      </p:ext>
-    </p:extLst>
-  </p:cSld>
-  <p:clrMapOvr>
-    <a:masterClrMapping/>
-  </p:clrMapOvr>
-</p:sld>
-</file>
-
 <file path=ppt/slides/slide23.xml><?xml version="1.0" encoding="utf-8"?>
 <p:sld xmlns:a="http://schemas.openxmlformats.org/drawingml/2006/main" xmlns:r="http://schemas.openxmlformats.org/officeDocument/2006/relationships" xmlns:p="http://schemas.openxmlformats.org/presentationml/2006/main">
   <p:cSld>
@@ -9096,7 +9093,7 @@
           <p:cNvPr id="2" name="Title 1">
             <a:extLst>
               <a:ext uri="{FF2B5EF4-FFF2-40B4-BE49-F238E27FC236}">
-                <a16:creationId xmlns:a16="http://schemas.microsoft.com/office/drawing/2014/main" id="{9094BD4E-0B39-4662-B957-08D109355050}"/>
+                <a16:creationId xmlns:a16="http://schemas.microsoft.com/office/drawing/2014/main" id="{ABEDE55F-4E7B-4D22-B4BB-43B26AB6F76F}"/>
               </a:ext>
             </a:extLst>
           </p:cNvPr>
@@ -9114,7 +9111,7 @@
           <a:p>
             <a:r>
               <a:rPr lang="en-US" dirty="0"/>
-              <a:t>Summary</a:t>
+              <a:t>CSS is Hard</a:t>
             </a:r>
           </a:p>
         </p:txBody>
@@ -9124,7 +9121,7 @@
           <p:cNvPr id="3" name="Content Placeholder 2">
             <a:extLst>
               <a:ext uri="{FF2B5EF4-FFF2-40B4-BE49-F238E27FC236}">
-                <a16:creationId xmlns:a16="http://schemas.microsoft.com/office/drawing/2014/main" id="{33898131-F245-429F-99BC-85C766A38F4E}"/>
+                <a16:creationId xmlns:a16="http://schemas.microsoft.com/office/drawing/2014/main" id="{1D7825DA-631C-4D0A-9842-99E850E5B35F}"/>
               </a:ext>
             </a:extLst>
           </p:cNvPr>
@@ -9139,31 +9136,20 @@
         <p:txBody>
           <a:bodyPr/>
           <a:lstStyle/>
+          <a:p>
+            <a:pPr marL="0" indent="0">
+              <a:buNone/>
+            </a:pPr>
+            <a:r>
+              <a:rPr lang="en-US" dirty="0"/>
+              <a:t>CSS seems trivial among the three, but requires much more work</a:t>
+            </a:r>
+          </a:p>
           <a:p>
             <a:pPr marL="457200" indent="-457200">
               <a:buFont typeface="Arial" panose="020B0604020202020204" pitchFamily="34" charset="0"/>
               <a:buChar char="•"/>
             </a:pPr>
-            <a:r>
-              <a:rPr lang="en-US" dirty="0"/>
-              <a:t>HTML is the </a:t>
-            </a:r>
-            <a:r>
-              <a:rPr lang="en-US" dirty="0">
-                <a:solidFill>
-                  <a:srgbClr val="C00000"/>
-                </a:solidFill>
-              </a:rPr>
-              <a:t>bone</a:t>
-            </a:r>
-          </a:p>
-          <a:p>
-            <a:r>
-              <a:rPr lang="en-US" dirty="0"/>
-              <a:t>	Foundation of a website</a:t>
-            </a:r>
-          </a:p>
-          <a:p>
             <a:endParaRPr lang="en-US" dirty="0"/>
           </a:p>
           <a:p>
@@ -9173,25 +9159,8 @@
             </a:pPr>
             <a:r>
               <a:rPr lang="en-US" dirty="0"/>
-              <a:t>JS is the </a:t>
-            </a:r>
-            <a:r>
-              <a:rPr lang="en-US" dirty="0">
-                <a:solidFill>
-                  <a:srgbClr val="C00000"/>
-                </a:solidFill>
-              </a:rPr>
-              <a:t>muscle and senses</a:t>
-            </a:r>
-          </a:p>
-          <a:p>
-            <a:r>
-              <a:rPr lang="en-US" dirty="0"/>
-              <a:t>	Actions and reactions</a:t>
-            </a:r>
-          </a:p>
-          <a:p>
-            <a:endParaRPr lang="en-US" dirty="0"/>
+              <a:t>Just like makeup, buy from professional</a:t>
+            </a:r>
           </a:p>
           <a:p>
             <a:pPr marL="457200" indent="-457200">
@@ -9200,25 +9169,34 @@
             </a:pPr>
             <a:r>
               <a:rPr lang="en-US" dirty="0"/>
-              <a:t>CSS is the </a:t>
-            </a:r>
+              <a:t>Try CSS framework and libraries</a:t>
+            </a:r>
+          </a:p>
+          <a:p>
+            <a:pPr marL="914400" lvl="1" indent="-457200"/>
             <a:r>
               <a:rPr lang="en-US" dirty="0">
-                <a:solidFill>
-                  <a:srgbClr val="C00000"/>
-                </a:solidFill>
+                <a:hlinkClick r:id="rId2"/>
               </a:rPr>
-              <a:t>makeup</a:t>
-            </a:r>
-          </a:p>
-          <a:p>
-            <a:r>
-              <a:rPr lang="en-US" dirty="0"/>
-              <a:t>	Layout and style</a:t>
-            </a:r>
-          </a:p>
-          <a:p>
-            <a:endParaRPr lang="en-US" dirty="0"/>
+              <a:t>Bootstrap</a:t>
+            </a:r>
+            <a:r>
+              <a:rPr lang="en-US" dirty="0"/>
+              <a:t>: Great for arranging layout and simple style</a:t>
+            </a:r>
+          </a:p>
+          <a:p>
+            <a:pPr marL="914400" lvl="1" indent="-457200"/>
+            <a:r>
+              <a:rPr lang="en-US" dirty="0">
+                <a:hlinkClick r:id="rId3"/>
+              </a:rPr>
+              <a:t>Font Awesome</a:t>
+            </a:r>
+            <a:r>
+              <a:rPr lang="en-US" dirty="0"/>
+              <a:t>: Vector icons and logos</a:t>
+            </a:r>
           </a:p>
         </p:txBody>
       </p:sp>
@@ -9227,7 +9205,7 @@
           <p:cNvPr id="5" name="Slide Number Placeholder 4">
             <a:extLst>
               <a:ext uri="{FF2B5EF4-FFF2-40B4-BE49-F238E27FC236}">
-                <a16:creationId xmlns:a16="http://schemas.microsoft.com/office/drawing/2014/main" id="{E754A55F-CB4D-47F8-874C-13B0CE4880C9}"/>
+                <a16:creationId xmlns:a16="http://schemas.microsoft.com/office/drawing/2014/main" id="{0AD937DD-0441-4EB7-BC29-01CEC6C850AF}"/>
               </a:ext>
             </a:extLst>
           </p:cNvPr>
@@ -9251,100 +9229,12 @@
           </a:p>
         </p:txBody>
       </p:sp>
-      <p:pic>
-        <p:nvPicPr>
-          <p:cNvPr id="6" name="Picture 5">
-            <a:extLst>
-              <a:ext uri="{FF2B5EF4-FFF2-40B4-BE49-F238E27FC236}">
-                <a16:creationId xmlns:a16="http://schemas.microsoft.com/office/drawing/2014/main" id="{09B7125D-A5E4-4C24-8868-A9D53FB9E01F}"/>
-              </a:ext>
-            </a:extLst>
-          </p:cNvPr>
-          <p:cNvPicPr>
-            <a:picLocks noChangeAspect="1"/>
-          </p:cNvPicPr>
-          <p:nvPr/>
-        </p:nvPicPr>
-        <p:blipFill rotWithShape="1">
-          <a:blip r:embed="rId2"/>
-          <a:srcRect t="9699" r="40554" b="37280"/>
-          <a:stretch/>
-        </p:blipFill>
-        <p:spPr>
-          <a:xfrm>
-            <a:off x="6619152" y="1800225"/>
-            <a:ext cx="4444981" cy="1325563"/>
-          </a:xfrm>
-          <a:prstGeom prst="rect">
-            <a:avLst/>
-          </a:prstGeom>
-        </p:spPr>
-      </p:pic>
-      <p:pic>
-        <p:nvPicPr>
-          <p:cNvPr id="7" name="Picture 6">
-            <a:extLst>
-              <a:ext uri="{FF2B5EF4-FFF2-40B4-BE49-F238E27FC236}">
-                <a16:creationId xmlns:a16="http://schemas.microsoft.com/office/drawing/2014/main" id="{E9C500E6-0A15-4768-BD51-3CD53E254354}"/>
-              </a:ext>
-            </a:extLst>
-          </p:cNvPr>
-          <p:cNvPicPr>
-            <a:picLocks noChangeAspect="1"/>
-          </p:cNvPicPr>
-          <p:nvPr/>
-        </p:nvPicPr>
-        <p:blipFill>
-          <a:blip r:embed="rId3"/>
-          <a:stretch>
-            <a:fillRect/>
-          </a:stretch>
-        </p:blipFill>
-        <p:spPr>
-          <a:xfrm>
-            <a:off x="6619151" y="3260725"/>
-            <a:ext cx="4444981" cy="1325563"/>
-          </a:xfrm>
-          <a:prstGeom prst="rect">
-            <a:avLst/>
-          </a:prstGeom>
-        </p:spPr>
-      </p:pic>
-      <p:pic>
-        <p:nvPicPr>
-          <p:cNvPr id="8" name="Picture 7">
-            <a:extLst>
-              <a:ext uri="{FF2B5EF4-FFF2-40B4-BE49-F238E27FC236}">
-                <a16:creationId xmlns:a16="http://schemas.microsoft.com/office/drawing/2014/main" id="{28E39648-F5BF-4EF4-98D8-C5A2E7A81374}"/>
-              </a:ext>
-            </a:extLst>
-          </p:cNvPr>
-          <p:cNvPicPr>
-            <a:picLocks noChangeAspect="1"/>
-          </p:cNvPicPr>
-          <p:nvPr/>
-        </p:nvPicPr>
-        <p:blipFill rotWithShape="1">
-          <a:blip r:embed="rId4"/>
-          <a:srcRect t="912" b="69387"/>
-          <a:stretch/>
-        </p:blipFill>
-        <p:spPr>
-          <a:xfrm>
-            <a:off x="6619150" y="4765675"/>
-            <a:ext cx="4444981" cy="1325563"/>
-          </a:xfrm>
-          <a:prstGeom prst="rect">
-            <a:avLst/>
-          </a:prstGeom>
-        </p:spPr>
-      </p:pic>
-      <p:sp>
-        <p:nvSpPr>
-          <p:cNvPr id="9" name="Footer Placeholder 8">
-            <a:extLst>
-              <a:ext uri="{FF2B5EF4-FFF2-40B4-BE49-F238E27FC236}">
-                <a16:creationId xmlns:a16="http://schemas.microsoft.com/office/drawing/2014/main" id="{11C9B857-C4AF-4BEC-AB41-0DECE82570E5}"/>
+      <p:sp>
+        <p:nvSpPr>
+          <p:cNvPr id="6" name="Footer Placeholder 5">
+            <a:extLst>
+              <a:ext uri="{FF2B5EF4-FFF2-40B4-BE49-F238E27FC236}">
+                <a16:creationId xmlns:a16="http://schemas.microsoft.com/office/drawing/2014/main" id="{9DCC89EA-6318-4376-B2E8-F51B7BDE03B9}"/>
               </a:ext>
             </a:extLst>
           </p:cNvPr>
@@ -9377,7 +9267,7 @@
     </p:spTree>
     <p:extLst>
       <p:ext uri="{BB962C8B-B14F-4D97-AF65-F5344CB8AC3E}">
-        <p14:creationId xmlns:p14="http://schemas.microsoft.com/office/powerpoint/2010/main" val="4251184322"/>
+        <p14:creationId xmlns:p14="http://schemas.microsoft.com/office/powerpoint/2010/main" val="1247676290"/>
       </p:ext>
     </p:extLst>
   </p:cSld>
@@ -9409,7 +9299,7 @@
           <p:cNvPr id="2" name="Title 1">
             <a:extLst>
               <a:ext uri="{FF2B5EF4-FFF2-40B4-BE49-F238E27FC236}">
-                <a16:creationId xmlns:a16="http://schemas.microsoft.com/office/drawing/2014/main" id="{18216BC0-D7C3-47AF-9425-8FFA7E0546F1}"/>
+                <a16:creationId xmlns:a16="http://schemas.microsoft.com/office/drawing/2014/main" id="{9094BD4E-0B39-4662-B957-08D109355050}"/>
               </a:ext>
             </a:extLst>
           </p:cNvPr>
@@ -9427,7 +9317,7 @@
           <a:p>
             <a:r>
               <a:rPr lang="en-US" dirty="0"/>
-              <a:t>Combining the Three</a:t>
+              <a:t>Summary</a:t>
             </a:r>
           </a:p>
         </p:txBody>
@@ -9437,7 +9327,7 @@
           <p:cNvPr id="3" name="Content Placeholder 2">
             <a:extLst>
               <a:ext uri="{FF2B5EF4-FFF2-40B4-BE49-F238E27FC236}">
-                <a16:creationId xmlns:a16="http://schemas.microsoft.com/office/drawing/2014/main" id="{D62F37E9-8EC6-4B24-9535-0A014D604C4D}"/>
+                <a16:creationId xmlns:a16="http://schemas.microsoft.com/office/drawing/2014/main" id="{33898131-F245-429F-99BC-85C766A38F4E}"/>
               </a:ext>
             </a:extLst>
           </p:cNvPr>
@@ -9453,55 +9343,86 @@
           <a:bodyPr/>
           <a:lstStyle/>
           <a:p>
-            <a:pPr marL="0" indent="0">
-              <a:buNone/>
+            <a:pPr marL="457200" indent="-457200">
+              <a:buFont typeface="Arial" panose="020B0604020202020204" pitchFamily="34" charset="0"/>
+              <a:buChar char="•"/>
             </a:pPr>
             <a:r>
               <a:rPr lang="en-US" dirty="0"/>
-              <a:t>We need to include JS and CSS files and libraries to our main HTML to make them work</a:t>
+              <a:t>HTML is the </a:t>
+            </a:r>
+            <a:r>
+              <a:rPr lang="en-US" dirty="0">
+                <a:solidFill>
+                  <a:srgbClr val="C00000"/>
+                </a:solidFill>
+              </a:rPr>
+              <a:t>bone</a:t>
+            </a:r>
+          </a:p>
+          <a:p>
+            <a:r>
+              <a:rPr lang="en-US" dirty="0"/>
+              <a:t>	Foundation of a website</a:t>
             </a:r>
           </a:p>
           <a:p>
             <a:endParaRPr lang="en-US" dirty="0"/>
           </a:p>
           <a:p>
-            <a:r>
-              <a:rPr lang="en-US" dirty="0"/>
-              <a:t>For JS: </a:t>
+            <a:pPr marL="457200" indent="-457200">
+              <a:buFont typeface="Arial" panose="020B0604020202020204" pitchFamily="34" charset="0"/>
+              <a:buChar char="•"/>
+            </a:pPr>
+            <a:r>
+              <a:rPr lang="en-US" dirty="0"/>
+              <a:t>JS is the </a:t>
+            </a:r>
+            <a:r>
+              <a:rPr lang="en-US" dirty="0">
+                <a:solidFill>
+                  <a:srgbClr val="C00000"/>
+                </a:solidFill>
+              </a:rPr>
+              <a:t>muscle and senses</a:t>
+            </a:r>
+          </a:p>
+          <a:p>
+            <a:r>
+              <a:rPr lang="en-US" dirty="0"/>
+              <a:t>	Actions and reactions</a:t>
             </a:r>
           </a:p>
           <a:p>
             <a:endParaRPr lang="en-US" dirty="0"/>
           </a:p>
           <a:p>
-            <a:r>
-              <a:rPr lang="en-US" dirty="0"/>
-              <a:t>For CSS: </a:t>
+            <a:pPr marL="457200" indent="-457200">
+              <a:buFont typeface="Arial" panose="020B0604020202020204" pitchFamily="34" charset="0"/>
+              <a:buChar char="•"/>
+            </a:pPr>
+            <a:r>
+              <a:rPr lang="en-US" dirty="0"/>
+              <a:t>CSS is the </a:t>
+            </a:r>
+            <a:r>
+              <a:rPr lang="en-US" dirty="0">
+                <a:solidFill>
+                  <a:srgbClr val="C00000"/>
+                </a:solidFill>
+              </a:rPr>
+              <a:t>makeup</a:t>
+            </a:r>
+          </a:p>
+          <a:p>
+            <a:r>
+              <a:rPr lang="en-US" dirty="0"/>
+              <a:t>	Layout and style</a:t>
             </a:r>
           </a:p>
           <a:p>
             <a:endParaRPr lang="en-US" dirty="0"/>
           </a:p>
-          <a:p>
-            <a:r>
-              <a:rPr lang="en-US" dirty="0"/>
-              <a:t>Make sure adding your main JS and CSS </a:t>
-            </a:r>
-            <a:r>
-              <a:rPr lang="en-US" b="1" dirty="0"/>
-              <a:t>AFTER</a:t>
-            </a:r>
-            <a:r>
-              <a:rPr lang="en-US" dirty="0"/>
-              <a:t> other libraries to not fail the dependencies.</a:t>
-            </a:r>
-          </a:p>
-          <a:p>
-            <a:pPr marL="0" indent="0">
-              <a:buNone/>
-            </a:pPr>
-            <a:endParaRPr lang="en-US" dirty="0"/>
-          </a:p>
         </p:txBody>
       </p:sp>
       <p:sp>
@@ -9509,7 +9430,7 @@
           <p:cNvPr id="5" name="Slide Number Placeholder 4">
             <a:extLst>
               <a:ext uri="{FF2B5EF4-FFF2-40B4-BE49-F238E27FC236}">
-                <a16:creationId xmlns:a16="http://schemas.microsoft.com/office/drawing/2014/main" id="{7DE5EB09-F857-4F9E-AB91-FEAC07923B00}"/>
+                <a16:creationId xmlns:a16="http://schemas.microsoft.com/office/drawing/2014/main" id="{E754A55F-CB4D-47F8-874C-13B0CE4880C9}"/>
               </a:ext>
             </a:extLst>
           </p:cNvPr>
@@ -9538,7 +9459,7 @@
           <p:cNvPr id="6" name="Picture 5">
             <a:extLst>
               <a:ext uri="{FF2B5EF4-FFF2-40B4-BE49-F238E27FC236}">
-                <a16:creationId xmlns:a16="http://schemas.microsoft.com/office/drawing/2014/main" id="{21BBC3CB-427C-4158-9A6A-91CC7DE762C7}"/>
+                <a16:creationId xmlns:a16="http://schemas.microsoft.com/office/drawing/2014/main" id="{09B7125D-A5E4-4C24-8868-A9D53FB9E01F}"/>
               </a:ext>
             </a:extLst>
           </p:cNvPr>
@@ -9547,16 +9468,15 @@
           </p:cNvPicPr>
           <p:nvPr/>
         </p:nvPicPr>
-        <p:blipFill>
+        <p:blipFill rotWithShape="1">
           <a:blip r:embed="rId2"/>
-          <a:stretch>
-            <a:fillRect/>
-          </a:stretch>
+          <a:srcRect t="9699" r="40554" b="37280"/>
+          <a:stretch/>
         </p:blipFill>
         <p:spPr>
           <a:xfrm>
-            <a:off x="3429322" y="3176521"/>
-            <a:ext cx="4724078" cy="641389"/>
+            <a:off x="6619152" y="1800225"/>
+            <a:ext cx="4444981" cy="1325563"/>
           </a:xfrm>
           <a:prstGeom prst="rect">
             <a:avLst/>
@@ -9568,7 +9488,7 @@
           <p:cNvPr id="7" name="Picture 6">
             <a:extLst>
               <a:ext uri="{FF2B5EF4-FFF2-40B4-BE49-F238E27FC236}">
-                <a16:creationId xmlns:a16="http://schemas.microsoft.com/office/drawing/2014/main" id="{5B88C344-CF46-4C0B-BC04-C3F6C8B31147}"/>
+                <a16:creationId xmlns:a16="http://schemas.microsoft.com/office/drawing/2014/main" id="{E9C500E6-0A15-4768-BD51-3CD53E254354}"/>
               </a:ext>
             </a:extLst>
           </p:cNvPr>
@@ -9585,20 +9505,49 @@
         </p:blipFill>
         <p:spPr>
           <a:xfrm>
-            <a:off x="3429322" y="4326545"/>
-            <a:ext cx="6194688" cy="514082"/>
+            <a:off x="6619151" y="3260725"/>
+            <a:ext cx="4444981" cy="1325563"/>
           </a:xfrm>
           <a:prstGeom prst="rect">
             <a:avLst/>
           </a:prstGeom>
         </p:spPr>
       </p:pic>
-      <p:sp>
-        <p:nvSpPr>
-          <p:cNvPr id="8" name="Footer Placeholder 7">
-            <a:extLst>
-              <a:ext uri="{FF2B5EF4-FFF2-40B4-BE49-F238E27FC236}">
-                <a16:creationId xmlns:a16="http://schemas.microsoft.com/office/drawing/2014/main" id="{27659CDD-8E5D-493E-B4FC-997107690E7F}"/>
+      <p:pic>
+        <p:nvPicPr>
+          <p:cNvPr id="8" name="Picture 7">
+            <a:extLst>
+              <a:ext uri="{FF2B5EF4-FFF2-40B4-BE49-F238E27FC236}">
+                <a16:creationId xmlns:a16="http://schemas.microsoft.com/office/drawing/2014/main" id="{28E39648-F5BF-4EF4-98D8-C5A2E7A81374}"/>
+              </a:ext>
+            </a:extLst>
+          </p:cNvPr>
+          <p:cNvPicPr>
+            <a:picLocks noChangeAspect="1"/>
+          </p:cNvPicPr>
+          <p:nvPr/>
+        </p:nvPicPr>
+        <p:blipFill rotWithShape="1">
+          <a:blip r:embed="rId4"/>
+          <a:srcRect t="912" b="69387"/>
+          <a:stretch/>
+        </p:blipFill>
+        <p:spPr>
+          <a:xfrm>
+            <a:off x="6619150" y="4765675"/>
+            <a:ext cx="4444981" cy="1325563"/>
+          </a:xfrm>
+          <a:prstGeom prst="rect">
+            <a:avLst/>
+          </a:prstGeom>
+        </p:spPr>
+      </p:pic>
+      <p:sp>
+        <p:nvSpPr>
+          <p:cNvPr id="9" name="Footer Placeholder 8">
+            <a:extLst>
+              <a:ext uri="{FF2B5EF4-FFF2-40B4-BE49-F238E27FC236}">
+                <a16:creationId xmlns:a16="http://schemas.microsoft.com/office/drawing/2014/main" id="{11C9B857-C4AF-4BEC-AB41-0DECE82570E5}"/>
               </a:ext>
             </a:extLst>
           </p:cNvPr>
@@ -9631,7 +9580,7 @@
     </p:spTree>
     <p:extLst>
       <p:ext uri="{BB962C8B-B14F-4D97-AF65-F5344CB8AC3E}">
-        <p14:creationId xmlns:p14="http://schemas.microsoft.com/office/powerpoint/2010/main" val="3764519201"/>
+        <p14:creationId xmlns:p14="http://schemas.microsoft.com/office/powerpoint/2010/main" val="4251184322"/>
       </p:ext>
     </p:extLst>
   </p:cSld>
@@ -9663,7 +9612,7 @@
           <p:cNvPr id="2" name="Title 1">
             <a:extLst>
               <a:ext uri="{FF2B5EF4-FFF2-40B4-BE49-F238E27FC236}">
-                <a16:creationId xmlns:a16="http://schemas.microsoft.com/office/drawing/2014/main" id="{4B314913-56DC-40C8-BEC9-DD9EA27FFD53}"/>
+                <a16:creationId xmlns:a16="http://schemas.microsoft.com/office/drawing/2014/main" id="{18216BC0-D7C3-47AF-9425-8FFA7E0546F1}"/>
               </a:ext>
             </a:extLst>
           </p:cNvPr>
@@ -9681,33 +9630,80 @@
           <a:p>
             <a:r>
               <a:rPr lang="en-US" dirty="0"/>
-              <a:t>4. Web Browser</a:t>
-            </a:r>
-          </a:p>
-        </p:txBody>
-      </p:sp>
-      <p:sp>
-        <p:nvSpPr>
-          <p:cNvPr id="3" name="Text Placeholder 2">
-            <a:extLst>
-              <a:ext uri="{FF2B5EF4-FFF2-40B4-BE49-F238E27FC236}">
-                <a16:creationId xmlns:a16="http://schemas.microsoft.com/office/drawing/2014/main" id="{40A83C24-75EB-4215-B236-E1E3B19DFCC1}"/>
-              </a:ext>
-            </a:extLst>
-          </p:cNvPr>
-          <p:cNvSpPr>
-            <a:spLocks noGrp="1"/>
-          </p:cNvSpPr>
-          <p:nvPr>
-            <p:ph type="body" idx="1"/>
-          </p:nvPr>
-        </p:nvSpPr>
-        <p:spPr/>
-        <p:txBody>
-          <a:bodyPr/>
-          <a:lstStyle/>
-          <a:p>
-            <a:endParaRPr lang="en-US"/>
+              <a:t>Combining the Three</a:t>
+            </a:r>
+          </a:p>
+        </p:txBody>
+      </p:sp>
+      <p:sp>
+        <p:nvSpPr>
+          <p:cNvPr id="3" name="Content Placeholder 2">
+            <a:extLst>
+              <a:ext uri="{FF2B5EF4-FFF2-40B4-BE49-F238E27FC236}">
+                <a16:creationId xmlns:a16="http://schemas.microsoft.com/office/drawing/2014/main" id="{D62F37E9-8EC6-4B24-9535-0A014D604C4D}"/>
+              </a:ext>
+            </a:extLst>
+          </p:cNvPr>
+          <p:cNvSpPr>
+            <a:spLocks noGrp="1"/>
+          </p:cNvSpPr>
+          <p:nvPr>
+            <p:ph idx="1"/>
+          </p:nvPr>
+        </p:nvSpPr>
+        <p:spPr/>
+        <p:txBody>
+          <a:bodyPr/>
+          <a:lstStyle/>
+          <a:p>
+            <a:pPr marL="0" indent="0">
+              <a:buNone/>
+            </a:pPr>
+            <a:r>
+              <a:rPr lang="en-US" dirty="0"/>
+              <a:t>We need to include JS and CSS files and libraries to our main HTML to make them work</a:t>
+            </a:r>
+          </a:p>
+          <a:p>
+            <a:endParaRPr lang="en-US" dirty="0"/>
+          </a:p>
+          <a:p>
+            <a:r>
+              <a:rPr lang="en-US" dirty="0"/>
+              <a:t>For JS: </a:t>
+            </a:r>
+          </a:p>
+          <a:p>
+            <a:endParaRPr lang="en-US" dirty="0"/>
+          </a:p>
+          <a:p>
+            <a:r>
+              <a:rPr lang="en-US" dirty="0"/>
+              <a:t>For CSS: </a:t>
+            </a:r>
+          </a:p>
+          <a:p>
+            <a:endParaRPr lang="en-US" dirty="0"/>
+          </a:p>
+          <a:p>
+            <a:r>
+              <a:rPr lang="en-US" dirty="0"/>
+              <a:t>Make sure adding your main JS and CSS </a:t>
+            </a:r>
+            <a:r>
+              <a:rPr lang="en-US" b="1" dirty="0"/>
+              <a:t>AFTER</a:t>
+            </a:r>
+            <a:r>
+              <a:rPr lang="en-US" dirty="0"/>
+              <a:t> other libraries to not fail the dependencies.</a:t>
+            </a:r>
+          </a:p>
+          <a:p>
+            <a:pPr marL="0" indent="0">
+              <a:buNone/>
+            </a:pPr>
+            <a:endParaRPr lang="en-US" dirty="0"/>
           </a:p>
         </p:txBody>
       </p:sp>
@@ -9716,7 +9712,7 @@
           <p:cNvPr id="5" name="Slide Number Placeholder 4">
             <a:extLst>
               <a:ext uri="{FF2B5EF4-FFF2-40B4-BE49-F238E27FC236}">
-                <a16:creationId xmlns:a16="http://schemas.microsoft.com/office/drawing/2014/main" id="{0B7F76FD-D7F9-48C5-BDD8-B23A92933AF4}"/>
+                <a16:creationId xmlns:a16="http://schemas.microsoft.com/office/drawing/2014/main" id="{7DE5EB09-F857-4F9E-AB91-FEAC07923B00}"/>
               </a:ext>
             </a:extLst>
           </p:cNvPr>
@@ -9740,12 +9736,72 @@
           </a:p>
         </p:txBody>
       </p:sp>
-      <p:sp>
-        <p:nvSpPr>
-          <p:cNvPr id="6" name="Footer Placeholder 5">
-            <a:extLst>
-              <a:ext uri="{FF2B5EF4-FFF2-40B4-BE49-F238E27FC236}">
-                <a16:creationId xmlns:a16="http://schemas.microsoft.com/office/drawing/2014/main" id="{BAEB8C52-97D8-44EC-97E6-32C9EB020F4B}"/>
+      <p:pic>
+        <p:nvPicPr>
+          <p:cNvPr id="6" name="Picture 5">
+            <a:extLst>
+              <a:ext uri="{FF2B5EF4-FFF2-40B4-BE49-F238E27FC236}">
+                <a16:creationId xmlns:a16="http://schemas.microsoft.com/office/drawing/2014/main" id="{21BBC3CB-427C-4158-9A6A-91CC7DE762C7}"/>
+              </a:ext>
+            </a:extLst>
+          </p:cNvPr>
+          <p:cNvPicPr>
+            <a:picLocks noChangeAspect="1"/>
+          </p:cNvPicPr>
+          <p:nvPr/>
+        </p:nvPicPr>
+        <p:blipFill>
+          <a:blip r:embed="rId2"/>
+          <a:stretch>
+            <a:fillRect/>
+          </a:stretch>
+        </p:blipFill>
+        <p:spPr>
+          <a:xfrm>
+            <a:off x="3429322" y="3176521"/>
+            <a:ext cx="4724078" cy="641389"/>
+          </a:xfrm>
+          <a:prstGeom prst="rect">
+            <a:avLst/>
+          </a:prstGeom>
+        </p:spPr>
+      </p:pic>
+      <p:pic>
+        <p:nvPicPr>
+          <p:cNvPr id="7" name="Picture 6">
+            <a:extLst>
+              <a:ext uri="{FF2B5EF4-FFF2-40B4-BE49-F238E27FC236}">
+                <a16:creationId xmlns:a16="http://schemas.microsoft.com/office/drawing/2014/main" id="{5B88C344-CF46-4C0B-BC04-C3F6C8B31147}"/>
+              </a:ext>
+            </a:extLst>
+          </p:cNvPr>
+          <p:cNvPicPr>
+            <a:picLocks noChangeAspect="1"/>
+          </p:cNvPicPr>
+          <p:nvPr/>
+        </p:nvPicPr>
+        <p:blipFill>
+          <a:blip r:embed="rId3"/>
+          <a:stretch>
+            <a:fillRect/>
+          </a:stretch>
+        </p:blipFill>
+        <p:spPr>
+          <a:xfrm>
+            <a:off x="3429322" y="4326545"/>
+            <a:ext cx="6194688" cy="514082"/>
+          </a:xfrm>
+          <a:prstGeom prst="rect">
+            <a:avLst/>
+          </a:prstGeom>
+        </p:spPr>
+      </p:pic>
+      <p:sp>
+        <p:nvSpPr>
+          <p:cNvPr id="8" name="Footer Placeholder 7">
+            <a:extLst>
+              <a:ext uri="{FF2B5EF4-FFF2-40B4-BE49-F238E27FC236}">
+                <a16:creationId xmlns:a16="http://schemas.microsoft.com/office/drawing/2014/main" id="{27659CDD-8E5D-493E-B4FC-997107690E7F}"/>
               </a:ext>
             </a:extLst>
           </p:cNvPr>
@@ -9762,22 +9818,23 @@
           <a:lstStyle/>
           <a:p>
             <a:r>
-              <a:rPr lang="en-US" dirty="0"/>
-              <a:t>Copyright © 2021 Luyu Liu, </a:t>
-            </a:r>
-          </a:p>
-          <a:p>
-            <a:r>
-              <a:rPr lang="en-US" dirty="0"/>
+              <a:rPr lang="en-US"/>
+              <a:t>Copyright © 2021 Luyu Liu,</a:t>
+            </a:r>
+          </a:p>
+          <a:p>
+            <a:r>
+              <a:rPr lang="en-US"/>
               <a:t>Liu.6544@osu.edu</a:t>
             </a:r>
+            <a:endParaRPr lang="en-US" dirty="0"/>
           </a:p>
         </p:txBody>
       </p:sp>
     </p:spTree>
     <p:extLst>
       <p:ext uri="{BB962C8B-B14F-4D97-AF65-F5344CB8AC3E}">
-        <p14:creationId xmlns:p14="http://schemas.microsoft.com/office/powerpoint/2010/main" val="2163428867"/>
+        <p14:creationId xmlns:p14="http://schemas.microsoft.com/office/powerpoint/2010/main" val="3764519201"/>
       </p:ext>
     </p:extLst>
   </p:cSld>
@@ -9809,6 +9866,152 @@
           <p:cNvPr id="2" name="Title 1">
             <a:extLst>
               <a:ext uri="{FF2B5EF4-FFF2-40B4-BE49-F238E27FC236}">
+                <a16:creationId xmlns:a16="http://schemas.microsoft.com/office/drawing/2014/main" id="{4B314913-56DC-40C8-BEC9-DD9EA27FFD53}"/>
+              </a:ext>
+            </a:extLst>
+          </p:cNvPr>
+          <p:cNvSpPr>
+            <a:spLocks noGrp="1"/>
+          </p:cNvSpPr>
+          <p:nvPr>
+            <p:ph type="title"/>
+          </p:nvPr>
+        </p:nvSpPr>
+        <p:spPr/>
+        <p:txBody>
+          <a:bodyPr/>
+          <a:lstStyle/>
+          <a:p>
+            <a:r>
+              <a:rPr lang="en-US" dirty="0"/>
+              <a:t>4. Web Browser</a:t>
+            </a:r>
+          </a:p>
+        </p:txBody>
+      </p:sp>
+      <p:sp>
+        <p:nvSpPr>
+          <p:cNvPr id="3" name="Text Placeholder 2">
+            <a:extLst>
+              <a:ext uri="{FF2B5EF4-FFF2-40B4-BE49-F238E27FC236}">
+                <a16:creationId xmlns:a16="http://schemas.microsoft.com/office/drawing/2014/main" id="{40A83C24-75EB-4215-B236-E1E3B19DFCC1}"/>
+              </a:ext>
+            </a:extLst>
+          </p:cNvPr>
+          <p:cNvSpPr>
+            <a:spLocks noGrp="1"/>
+          </p:cNvSpPr>
+          <p:nvPr>
+            <p:ph type="body" idx="1"/>
+          </p:nvPr>
+        </p:nvSpPr>
+        <p:spPr/>
+        <p:txBody>
+          <a:bodyPr/>
+          <a:lstStyle/>
+          <a:p>
+            <a:endParaRPr lang="en-US"/>
+          </a:p>
+        </p:txBody>
+      </p:sp>
+      <p:sp>
+        <p:nvSpPr>
+          <p:cNvPr id="5" name="Slide Number Placeholder 4">
+            <a:extLst>
+              <a:ext uri="{FF2B5EF4-FFF2-40B4-BE49-F238E27FC236}">
+                <a16:creationId xmlns:a16="http://schemas.microsoft.com/office/drawing/2014/main" id="{0B7F76FD-D7F9-48C5-BDD8-B23A92933AF4}"/>
+              </a:ext>
+            </a:extLst>
+          </p:cNvPr>
+          <p:cNvSpPr>
+            <a:spLocks noGrp="1"/>
+          </p:cNvSpPr>
+          <p:nvPr>
+            <p:ph type="sldNum" sz="quarter" idx="12"/>
+          </p:nvPr>
+        </p:nvSpPr>
+        <p:spPr/>
+        <p:txBody>
+          <a:bodyPr/>
+          <a:lstStyle/>
+          <a:p>
+            <a:fld id="{D2A42372-2098-4587-99BF-4D6F88395362}" type="slidenum">
+              <a:rPr lang="en-US" smtClean="0"/>
+              <a:t>26</a:t>
+            </a:fld>
+            <a:endParaRPr lang="en-US"/>
+          </a:p>
+        </p:txBody>
+      </p:sp>
+      <p:sp>
+        <p:nvSpPr>
+          <p:cNvPr id="6" name="Footer Placeholder 5">
+            <a:extLst>
+              <a:ext uri="{FF2B5EF4-FFF2-40B4-BE49-F238E27FC236}">
+                <a16:creationId xmlns:a16="http://schemas.microsoft.com/office/drawing/2014/main" id="{BAEB8C52-97D8-44EC-97E6-32C9EB020F4B}"/>
+              </a:ext>
+            </a:extLst>
+          </p:cNvPr>
+          <p:cNvSpPr>
+            <a:spLocks noGrp="1"/>
+          </p:cNvSpPr>
+          <p:nvPr>
+            <p:ph type="ftr" sz="quarter" idx="11"/>
+          </p:nvPr>
+        </p:nvSpPr>
+        <p:spPr/>
+        <p:txBody>
+          <a:bodyPr/>
+          <a:lstStyle/>
+          <a:p>
+            <a:r>
+              <a:rPr lang="en-US" dirty="0"/>
+              <a:t>Copyright © 2021 Luyu Liu, </a:t>
+            </a:r>
+          </a:p>
+          <a:p>
+            <a:r>
+              <a:rPr lang="en-US" dirty="0"/>
+              <a:t>Liu.6544@osu.edu</a:t>
+            </a:r>
+          </a:p>
+        </p:txBody>
+      </p:sp>
+    </p:spTree>
+    <p:extLst>
+      <p:ext uri="{BB962C8B-B14F-4D97-AF65-F5344CB8AC3E}">
+        <p14:creationId xmlns:p14="http://schemas.microsoft.com/office/powerpoint/2010/main" val="2163428867"/>
+      </p:ext>
+    </p:extLst>
+  </p:cSld>
+  <p:clrMapOvr>
+    <a:masterClrMapping/>
+  </p:clrMapOvr>
+</p:sld>
+</file>
+
+<file path=ppt/slides/slide27.xml><?xml version="1.0" encoding="utf-8"?>
+<p:sld xmlns:a="http://schemas.openxmlformats.org/drawingml/2006/main" xmlns:r="http://schemas.openxmlformats.org/officeDocument/2006/relationships" xmlns:p="http://schemas.openxmlformats.org/presentationml/2006/main">
+  <p:cSld>
+    <p:spTree>
+      <p:nvGrpSpPr>
+        <p:cNvPr id="1" name=""/>
+        <p:cNvGrpSpPr/>
+        <p:nvPr/>
+      </p:nvGrpSpPr>
+      <p:grpSpPr>
+        <a:xfrm>
+          <a:off x="0" y="0"/>
+          <a:ext cx="0" cy="0"/>
+          <a:chOff x="0" y="0"/>
+          <a:chExt cx="0" cy="0"/>
+        </a:xfrm>
+      </p:grpSpPr>
+      <p:sp>
+        <p:nvSpPr>
+          <p:cNvPr id="2" name="Title 1">
+            <a:extLst>
+              <a:ext uri="{FF2B5EF4-FFF2-40B4-BE49-F238E27FC236}">
                 <a16:creationId xmlns:a16="http://schemas.microsoft.com/office/drawing/2014/main" id="{069F4AF5-2BC4-4901-9334-5E4AC9754626}"/>
               </a:ext>
             </a:extLst>
@@ -9927,7 +10130,7 @@
           <a:p>
             <a:fld id="{D2A42372-2098-4587-99BF-4D6F88395362}" type="slidenum">
               <a:rPr lang="en-US" smtClean="0"/>
-              <a:t>26</a:t>
+              <a:t>27</a:t>
             </a:fld>
             <a:endParaRPr lang="en-US"/>
           </a:p>
@@ -10105,7 +10308,7 @@
 </p:sld>
 </file>
 
-<file path=ppt/slides/slide27.xml><?xml version="1.0" encoding="utf-8"?>
+<file path=ppt/slides/slide28.xml><?xml version="1.0" encoding="utf-8"?>
 <p:sld xmlns:a="http://schemas.openxmlformats.org/drawingml/2006/main" xmlns:r="http://schemas.openxmlformats.org/officeDocument/2006/relationships" xmlns:p="http://schemas.openxmlformats.org/presentationml/2006/main">
   <p:cSld>
     <p:spTree>
@@ -10286,7 +10489,7 @@
           <a:p>
             <a:fld id="{D2A42372-2098-4587-99BF-4D6F88395362}" type="slidenum">
               <a:rPr lang="en-US" smtClean="0"/>
-              <a:t>27</a:t>
+              <a:t>28</a:t>
             </a:fld>
             <a:endParaRPr lang="en-US"/>
           </a:p>
@@ -10446,7 +10649,7 @@
 </p:sld>
 </file>
 
-<file path=ppt/slides/slide28.xml><?xml version="1.0" encoding="utf-8"?>
+<file path=ppt/slides/slide29.xml><?xml version="1.0" encoding="utf-8"?>
 <p:sld xmlns:a="http://schemas.openxmlformats.org/drawingml/2006/main" xmlns:r="http://schemas.openxmlformats.org/officeDocument/2006/relationships" xmlns:p="http://schemas.openxmlformats.org/presentationml/2006/main" show="0">
   <p:cSld>
     <p:spTree>
@@ -10634,7 +10837,7 @@
           <a:p>
             <a:fld id="{D2A42372-2098-4587-99BF-4D6F88395362}" type="slidenum">
               <a:rPr lang="en-US" smtClean="0"/>
-              <a:t>28</a:t>
+              <a:t>29</a:t>
             </a:fld>
             <a:endParaRPr lang="en-US"/>
           </a:p>
@@ -10741,152 +10944,6 @@
     <p:extLst>
       <p:ext uri="{BB962C8B-B14F-4D97-AF65-F5344CB8AC3E}">
         <p14:creationId xmlns:p14="http://schemas.microsoft.com/office/powerpoint/2010/main" val="3414632372"/>
-      </p:ext>
-    </p:extLst>
-  </p:cSld>
-  <p:clrMapOvr>
-    <a:masterClrMapping/>
-  </p:clrMapOvr>
-</p:sld>
-</file>
-
-<file path=ppt/slides/slide29.xml><?xml version="1.0" encoding="utf-8"?>
-<p:sld xmlns:a="http://schemas.openxmlformats.org/drawingml/2006/main" xmlns:r="http://schemas.openxmlformats.org/officeDocument/2006/relationships" xmlns:p="http://schemas.openxmlformats.org/presentationml/2006/main">
-  <p:cSld>
-    <p:spTree>
-      <p:nvGrpSpPr>
-        <p:cNvPr id="1" name=""/>
-        <p:cNvGrpSpPr/>
-        <p:nvPr/>
-      </p:nvGrpSpPr>
-      <p:grpSpPr>
-        <a:xfrm>
-          <a:off x="0" y="0"/>
-          <a:ext cx="0" cy="0"/>
-          <a:chOff x="0" y="0"/>
-          <a:chExt cx="0" cy="0"/>
-        </a:xfrm>
-      </p:grpSpPr>
-      <p:sp>
-        <p:nvSpPr>
-          <p:cNvPr id="2" name="Title 1">
-            <a:extLst>
-              <a:ext uri="{FF2B5EF4-FFF2-40B4-BE49-F238E27FC236}">
-                <a16:creationId xmlns:a16="http://schemas.microsoft.com/office/drawing/2014/main" id="{166DCDAD-D20E-4C0F-A82E-5EF3739B3FDB}"/>
-              </a:ext>
-            </a:extLst>
-          </p:cNvPr>
-          <p:cNvSpPr>
-            <a:spLocks noGrp="1"/>
-          </p:cNvSpPr>
-          <p:nvPr>
-            <p:ph type="title"/>
-          </p:nvPr>
-        </p:nvSpPr>
-        <p:spPr/>
-        <p:txBody>
-          <a:bodyPr/>
-          <a:lstStyle/>
-          <a:p>
-            <a:r>
-              <a:rPr lang="en-US" dirty="0"/>
-              <a:t>5. Mapping Library</a:t>
-            </a:r>
-          </a:p>
-        </p:txBody>
-      </p:sp>
-      <p:sp>
-        <p:nvSpPr>
-          <p:cNvPr id="3" name="Text Placeholder 2">
-            <a:extLst>
-              <a:ext uri="{FF2B5EF4-FFF2-40B4-BE49-F238E27FC236}">
-                <a16:creationId xmlns:a16="http://schemas.microsoft.com/office/drawing/2014/main" id="{789FD4A6-182A-4FB3-8597-B2F4F21E8BD5}"/>
-              </a:ext>
-            </a:extLst>
-          </p:cNvPr>
-          <p:cNvSpPr>
-            <a:spLocks noGrp="1"/>
-          </p:cNvSpPr>
-          <p:nvPr>
-            <p:ph type="body" idx="1"/>
-          </p:nvPr>
-        </p:nvSpPr>
-        <p:spPr/>
-        <p:txBody>
-          <a:bodyPr/>
-          <a:lstStyle/>
-          <a:p>
-            <a:endParaRPr lang="en-US"/>
-          </a:p>
-        </p:txBody>
-      </p:sp>
-      <p:sp>
-        <p:nvSpPr>
-          <p:cNvPr id="5" name="Slide Number Placeholder 4">
-            <a:extLst>
-              <a:ext uri="{FF2B5EF4-FFF2-40B4-BE49-F238E27FC236}">
-                <a16:creationId xmlns:a16="http://schemas.microsoft.com/office/drawing/2014/main" id="{43F8E536-17F2-43F3-847B-40D52B7E721B}"/>
-              </a:ext>
-            </a:extLst>
-          </p:cNvPr>
-          <p:cNvSpPr>
-            <a:spLocks noGrp="1"/>
-          </p:cNvSpPr>
-          <p:nvPr>
-            <p:ph type="sldNum" sz="quarter" idx="12"/>
-          </p:nvPr>
-        </p:nvSpPr>
-        <p:spPr/>
-        <p:txBody>
-          <a:bodyPr/>
-          <a:lstStyle/>
-          <a:p>
-            <a:fld id="{D2A42372-2098-4587-99BF-4D6F88395362}" type="slidenum">
-              <a:rPr lang="en-US" smtClean="0"/>
-              <a:t>29</a:t>
-            </a:fld>
-            <a:endParaRPr lang="en-US"/>
-          </a:p>
-        </p:txBody>
-      </p:sp>
-      <p:sp>
-        <p:nvSpPr>
-          <p:cNvPr id="6" name="Footer Placeholder 5">
-            <a:extLst>
-              <a:ext uri="{FF2B5EF4-FFF2-40B4-BE49-F238E27FC236}">
-                <a16:creationId xmlns:a16="http://schemas.microsoft.com/office/drawing/2014/main" id="{BC8C127A-FB08-47C6-8D2E-9EBF4CBE274D}"/>
-              </a:ext>
-            </a:extLst>
-          </p:cNvPr>
-          <p:cNvSpPr>
-            <a:spLocks noGrp="1"/>
-          </p:cNvSpPr>
-          <p:nvPr>
-            <p:ph type="ftr" sz="quarter" idx="11"/>
-          </p:nvPr>
-        </p:nvSpPr>
-        <p:spPr/>
-        <p:txBody>
-          <a:bodyPr/>
-          <a:lstStyle/>
-          <a:p>
-            <a:r>
-              <a:rPr lang="en-US" dirty="0"/>
-              <a:t>Copyright © 2021 Luyu Liu, </a:t>
-            </a:r>
-          </a:p>
-          <a:p>
-            <a:r>
-              <a:rPr lang="en-US" dirty="0"/>
-              <a:t>Liu.6544@osu.edu</a:t>
-            </a:r>
-          </a:p>
-        </p:txBody>
-      </p:sp>
-    </p:spTree>
-    <p:extLst>
-      <p:ext uri="{BB962C8B-B14F-4D97-AF65-F5344CB8AC3E}">
-        <p14:creationId xmlns:p14="http://schemas.microsoft.com/office/powerpoint/2010/main" val="979688494"/>
       </p:ext>
     </p:extLst>
   </p:cSld>
@@ -11067,6 +11124,152 @@
           <p:cNvPr id="2" name="Title 1">
             <a:extLst>
               <a:ext uri="{FF2B5EF4-FFF2-40B4-BE49-F238E27FC236}">
+                <a16:creationId xmlns:a16="http://schemas.microsoft.com/office/drawing/2014/main" id="{166DCDAD-D20E-4C0F-A82E-5EF3739B3FDB}"/>
+              </a:ext>
+            </a:extLst>
+          </p:cNvPr>
+          <p:cNvSpPr>
+            <a:spLocks noGrp="1"/>
+          </p:cNvSpPr>
+          <p:nvPr>
+            <p:ph type="title"/>
+          </p:nvPr>
+        </p:nvSpPr>
+        <p:spPr/>
+        <p:txBody>
+          <a:bodyPr/>
+          <a:lstStyle/>
+          <a:p>
+            <a:r>
+              <a:rPr lang="en-US" dirty="0"/>
+              <a:t>5. Mapping Library</a:t>
+            </a:r>
+          </a:p>
+        </p:txBody>
+      </p:sp>
+      <p:sp>
+        <p:nvSpPr>
+          <p:cNvPr id="3" name="Text Placeholder 2">
+            <a:extLst>
+              <a:ext uri="{FF2B5EF4-FFF2-40B4-BE49-F238E27FC236}">
+                <a16:creationId xmlns:a16="http://schemas.microsoft.com/office/drawing/2014/main" id="{789FD4A6-182A-4FB3-8597-B2F4F21E8BD5}"/>
+              </a:ext>
+            </a:extLst>
+          </p:cNvPr>
+          <p:cNvSpPr>
+            <a:spLocks noGrp="1"/>
+          </p:cNvSpPr>
+          <p:nvPr>
+            <p:ph type="body" idx="1"/>
+          </p:nvPr>
+        </p:nvSpPr>
+        <p:spPr/>
+        <p:txBody>
+          <a:bodyPr/>
+          <a:lstStyle/>
+          <a:p>
+            <a:endParaRPr lang="en-US"/>
+          </a:p>
+        </p:txBody>
+      </p:sp>
+      <p:sp>
+        <p:nvSpPr>
+          <p:cNvPr id="5" name="Slide Number Placeholder 4">
+            <a:extLst>
+              <a:ext uri="{FF2B5EF4-FFF2-40B4-BE49-F238E27FC236}">
+                <a16:creationId xmlns:a16="http://schemas.microsoft.com/office/drawing/2014/main" id="{43F8E536-17F2-43F3-847B-40D52B7E721B}"/>
+              </a:ext>
+            </a:extLst>
+          </p:cNvPr>
+          <p:cNvSpPr>
+            <a:spLocks noGrp="1"/>
+          </p:cNvSpPr>
+          <p:nvPr>
+            <p:ph type="sldNum" sz="quarter" idx="12"/>
+          </p:nvPr>
+        </p:nvSpPr>
+        <p:spPr/>
+        <p:txBody>
+          <a:bodyPr/>
+          <a:lstStyle/>
+          <a:p>
+            <a:fld id="{D2A42372-2098-4587-99BF-4D6F88395362}" type="slidenum">
+              <a:rPr lang="en-US" smtClean="0"/>
+              <a:t>30</a:t>
+            </a:fld>
+            <a:endParaRPr lang="en-US"/>
+          </a:p>
+        </p:txBody>
+      </p:sp>
+      <p:sp>
+        <p:nvSpPr>
+          <p:cNvPr id="6" name="Footer Placeholder 5">
+            <a:extLst>
+              <a:ext uri="{FF2B5EF4-FFF2-40B4-BE49-F238E27FC236}">
+                <a16:creationId xmlns:a16="http://schemas.microsoft.com/office/drawing/2014/main" id="{BC8C127A-FB08-47C6-8D2E-9EBF4CBE274D}"/>
+              </a:ext>
+            </a:extLst>
+          </p:cNvPr>
+          <p:cNvSpPr>
+            <a:spLocks noGrp="1"/>
+          </p:cNvSpPr>
+          <p:nvPr>
+            <p:ph type="ftr" sz="quarter" idx="11"/>
+          </p:nvPr>
+        </p:nvSpPr>
+        <p:spPr/>
+        <p:txBody>
+          <a:bodyPr/>
+          <a:lstStyle/>
+          <a:p>
+            <a:r>
+              <a:rPr lang="en-US" dirty="0"/>
+              <a:t>Copyright © 2021 Luyu Liu, </a:t>
+            </a:r>
+          </a:p>
+          <a:p>
+            <a:r>
+              <a:rPr lang="en-US" dirty="0"/>
+              <a:t>Liu.6544@osu.edu</a:t>
+            </a:r>
+          </a:p>
+        </p:txBody>
+      </p:sp>
+    </p:spTree>
+    <p:extLst>
+      <p:ext uri="{BB962C8B-B14F-4D97-AF65-F5344CB8AC3E}">
+        <p14:creationId xmlns:p14="http://schemas.microsoft.com/office/powerpoint/2010/main" val="979688494"/>
+      </p:ext>
+    </p:extLst>
+  </p:cSld>
+  <p:clrMapOvr>
+    <a:masterClrMapping/>
+  </p:clrMapOvr>
+</p:sld>
+</file>
+
+<file path=ppt/slides/slide31.xml><?xml version="1.0" encoding="utf-8"?>
+<p:sld xmlns:a="http://schemas.openxmlformats.org/drawingml/2006/main" xmlns:r="http://schemas.openxmlformats.org/officeDocument/2006/relationships" xmlns:p="http://schemas.openxmlformats.org/presentationml/2006/main">
+  <p:cSld>
+    <p:spTree>
+      <p:nvGrpSpPr>
+        <p:cNvPr id="1" name=""/>
+        <p:cNvGrpSpPr/>
+        <p:nvPr/>
+      </p:nvGrpSpPr>
+      <p:grpSpPr>
+        <a:xfrm>
+          <a:off x="0" y="0"/>
+          <a:ext cx="0" cy="0"/>
+          <a:chOff x="0" y="0"/>
+          <a:chExt cx="0" cy="0"/>
+        </a:xfrm>
+      </p:grpSpPr>
+      <p:sp>
+        <p:nvSpPr>
+          <p:cNvPr id="2" name="Title 1">
+            <a:extLst>
+              <a:ext uri="{FF2B5EF4-FFF2-40B4-BE49-F238E27FC236}">
                 <a16:creationId xmlns:a16="http://schemas.microsoft.com/office/drawing/2014/main" id="{5C4C4F38-9BE0-4F21-8663-92F8E2B7DAF9}"/>
               </a:ext>
             </a:extLst>
@@ -11202,7 +11405,7 @@
           <a:p>
             <a:fld id="{D2A42372-2098-4587-99BF-4D6F88395362}" type="slidenum">
               <a:rPr lang="en-US" smtClean="0"/>
-              <a:t>30</a:t>
+              <a:t>31</a:t>
             </a:fld>
             <a:endParaRPr lang="en-US"/>
           </a:p>
@@ -11804,7 +12007,7 @@
 </p:sld>
 </file>
 
-<file path=ppt/slides/slide31.xml><?xml version="1.0" encoding="utf-8"?>
+<file path=ppt/slides/slide32.xml><?xml version="1.0" encoding="utf-8"?>
 <p:sld xmlns:a="http://schemas.openxmlformats.org/drawingml/2006/main" xmlns:r="http://schemas.openxmlformats.org/officeDocument/2006/relationships" xmlns:p="http://schemas.openxmlformats.org/presentationml/2006/main">
   <p:cSld>
     <p:spTree>
@@ -11993,7 +12196,7 @@
           <a:p>
             <a:fld id="{D2A42372-2098-4587-99BF-4D6F88395362}" type="slidenum">
               <a:rPr lang="en-US" smtClean="0"/>
-              <a:t>31</a:t>
+              <a:t>32</a:t>
             </a:fld>
             <a:endParaRPr lang="en-US"/>
           </a:p>
@@ -12388,7 +12591,7 @@
 </p:sld>
 </file>
 
-<file path=ppt/slides/slide32.xml><?xml version="1.0" encoding="utf-8"?>
+<file path=ppt/slides/slide33.xml><?xml version="1.0" encoding="utf-8"?>
 <p:sld xmlns:a="http://schemas.openxmlformats.org/drawingml/2006/main" xmlns:r="http://schemas.openxmlformats.org/officeDocument/2006/relationships" xmlns:p="http://schemas.openxmlformats.org/presentationml/2006/main">
   <p:cSld>
     <p:spTree>
@@ -12428,7 +12631,7 @@
           <a:p>
             <a:fld id="{D2A42372-2098-4587-99BF-4D6F88395362}" type="slidenum">
               <a:rPr lang="en-US" smtClean="0"/>
-              <a:t>32</a:t>
+              <a:t>33</a:t>
             </a:fld>
             <a:endParaRPr lang="en-US"/>
           </a:p>
@@ -12597,152 +12800,6 @@
     <p:extLst>
       <p:ext uri="{BB962C8B-B14F-4D97-AF65-F5344CB8AC3E}">
         <p14:creationId xmlns:p14="http://schemas.microsoft.com/office/powerpoint/2010/main" val="119040787"/>
-      </p:ext>
-    </p:extLst>
-  </p:cSld>
-  <p:clrMapOvr>
-    <a:masterClrMapping/>
-  </p:clrMapOvr>
-</p:sld>
-</file>
-
-<file path=ppt/slides/slide33.xml><?xml version="1.0" encoding="utf-8"?>
-<p:sld xmlns:a="http://schemas.openxmlformats.org/drawingml/2006/main" xmlns:r="http://schemas.openxmlformats.org/officeDocument/2006/relationships" xmlns:p="http://schemas.openxmlformats.org/presentationml/2006/main">
-  <p:cSld>
-    <p:spTree>
-      <p:nvGrpSpPr>
-        <p:cNvPr id="1" name=""/>
-        <p:cNvGrpSpPr/>
-        <p:nvPr/>
-      </p:nvGrpSpPr>
-      <p:grpSpPr>
-        <a:xfrm>
-          <a:off x="0" y="0"/>
-          <a:ext cx="0" cy="0"/>
-          <a:chOff x="0" y="0"/>
-          <a:chExt cx="0" cy="0"/>
-        </a:xfrm>
-      </p:grpSpPr>
-      <p:sp>
-        <p:nvSpPr>
-          <p:cNvPr id="2" name="Title 1">
-            <a:extLst>
-              <a:ext uri="{FF2B5EF4-FFF2-40B4-BE49-F238E27FC236}">
-                <a16:creationId xmlns:a16="http://schemas.microsoft.com/office/drawing/2014/main" id="{BE097C8D-8D28-4FD9-8126-FA5B4185FC5B}"/>
-              </a:ext>
-            </a:extLst>
-          </p:cNvPr>
-          <p:cNvSpPr>
-            <a:spLocks noGrp="1"/>
-          </p:cNvSpPr>
-          <p:nvPr>
-            <p:ph type="title"/>
-          </p:nvPr>
-        </p:nvSpPr>
-        <p:spPr/>
-        <p:txBody>
-          <a:bodyPr/>
-          <a:lstStyle/>
-          <a:p>
-            <a:r>
-              <a:rPr lang="en-US" dirty="0"/>
-              <a:t>6. Going Online?</a:t>
-            </a:r>
-          </a:p>
-        </p:txBody>
-      </p:sp>
-      <p:sp>
-        <p:nvSpPr>
-          <p:cNvPr id="3" name="Text Placeholder 2">
-            <a:extLst>
-              <a:ext uri="{FF2B5EF4-FFF2-40B4-BE49-F238E27FC236}">
-                <a16:creationId xmlns:a16="http://schemas.microsoft.com/office/drawing/2014/main" id="{8FE4EAB5-F85B-4766-A6FE-87811F6FAFE7}"/>
-              </a:ext>
-            </a:extLst>
-          </p:cNvPr>
-          <p:cNvSpPr>
-            <a:spLocks noGrp="1"/>
-          </p:cNvSpPr>
-          <p:nvPr>
-            <p:ph type="body" idx="1"/>
-          </p:nvPr>
-        </p:nvSpPr>
-        <p:spPr/>
-        <p:txBody>
-          <a:bodyPr/>
-          <a:lstStyle/>
-          <a:p>
-            <a:endParaRPr lang="en-US"/>
-          </a:p>
-        </p:txBody>
-      </p:sp>
-      <p:sp>
-        <p:nvSpPr>
-          <p:cNvPr id="5" name="Slide Number Placeholder 4">
-            <a:extLst>
-              <a:ext uri="{FF2B5EF4-FFF2-40B4-BE49-F238E27FC236}">
-                <a16:creationId xmlns:a16="http://schemas.microsoft.com/office/drawing/2014/main" id="{B048135B-930F-4AC0-8F08-BFC8678048B7}"/>
-              </a:ext>
-            </a:extLst>
-          </p:cNvPr>
-          <p:cNvSpPr>
-            <a:spLocks noGrp="1"/>
-          </p:cNvSpPr>
-          <p:nvPr>
-            <p:ph type="sldNum" sz="quarter" idx="12"/>
-          </p:nvPr>
-        </p:nvSpPr>
-        <p:spPr/>
-        <p:txBody>
-          <a:bodyPr/>
-          <a:lstStyle/>
-          <a:p>
-            <a:fld id="{D2A42372-2098-4587-99BF-4D6F88395362}" type="slidenum">
-              <a:rPr lang="en-US" smtClean="0"/>
-              <a:t>33</a:t>
-            </a:fld>
-            <a:endParaRPr lang="en-US"/>
-          </a:p>
-        </p:txBody>
-      </p:sp>
-      <p:sp>
-        <p:nvSpPr>
-          <p:cNvPr id="6" name="Footer Placeholder 5">
-            <a:extLst>
-              <a:ext uri="{FF2B5EF4-FFF2-40B4-BE49-F238E27FC236}">
-                <a16:creationId xmlns:a16="http://schemas.microsoft.com/office/drawing/2014/main" id="{9C199B33-6952-4847-B584-317531796C32}"/>
-              </a:ext>
-            </a:extLst>
-          </p:cNvPr>
-          <p:cNvSpPr>
-            <a:spLocks noGrp="1"/>
-          </p:cNvSpPr>
-          <p:nvPr>
-            <p:ph type="ftr" sz="quarter" idx="11"/>
-          </p:nvPr>
-        </p:nvSpPr>
-        <p:spPr/>
-        <p:txBody>
-          <a:bodyPr/>
-          <a:lstStyle/>
-          <a:p>
-            <a:r>
-              <a:rPr lang="en-US" dirty="0"/>
-              <a:t>Copyright © 2021 Luyu Liu, </a:t>
-            </a:r>
-          </a:p>
-          <a:p>
-            <a:r>
-              <a:rPr lang="en-US" dirty="0"/>
-              <a:t>Liu.6544@osu.edu</a:t>
-            </a:r>
-          </a:p>
-        </p:txBody>
-      </p:sp>
-    </p:spTree>
-    <p:extLst>
-      <p:ext uri="{BB962C8B-B14F-4D97-AF65-F5344CB8AC3E}">
-        <p14:creationId xmlns:p14="http://schemas.microsoft.com/office/powerpoint/2010/main" val="1331684443"/>
       </p:ext>
     </p:extLst>
   </p:cSld>
@@ -12774,7 +12831,7 @@
           <p:cNvPr id="2" name="Title 1">
             <a:extLst>
               <a:ext uri="{FF2B5EF4-FFF2-40B4-BE49-F238E27FC236}">
-                <a16:creationId xmlns:a16="http://schemas.microsoft.com/office/drawing/2014/main" id="{C102C826-FBB3-4CBC-A47C-96CA3F1AB688}"/>
+                <a16:creationId xmlns:a16="http://schemas.microsoft.com/office/drawing/2014/main" id="{6E358B21-8526-4BB4-B360-61AE0A3ADFA2}"/>
               </a:ext>
             </a:extLst>
           </p:cNvPr>
@@ -12792,121 +12849,62 @@
           <a:p>
             <a:r>
               <a:rPr lang="en-US" dirty="0"/>
-              <a:t>Solutions to Host a Website</a:t>
-            </a:r>
-          </a:p>
-        </p:txBody>
-      </p:sp>
-      <p:sp>
-        <p:nvSpPr>
-          <p:cNvPr id="3" name="Content Placeholder 2">
-            <a:extLst>
-              <a:ext uri="{FF2B5EF4-FFF2-40B4-BE49-F238E27FC236}">
-                <a16:creationId xmlns:a16="http://schemas.microsoft.com/office/drawing/2014/main" id="{0628BEA0-D462-4B66-A757-95F157548AE1}"/>
-              </a:ext>
-            </a:extLst>
-          </p:cNvPr>
-          <p:cNvSpPr>
-            <a:spLocks noGrp="1"/>
-          </p:cNvSpPr>
-          <p:nvPr>
-            <p:ph idx="1"/>
-          </p:nvPr>
-        </p:nvSpPr>
-        <p:spPr/>
-        <p:txBody>
-          <a:bodyPr>
-            <a:normAutofit lnSpcReduction="10000"/>
-          </a:bodyPr>
-          <a:lstStyle/>
-          <a:p>
-            <a:pPr marL="457200" indent="-457200">
-              <a:buFont typeface="Arial" panose="020B0604020202020204" pitchFamily="34" charset="0"/>
-              <a:buChar char="•"/>
-            </a:pPr>
-            <a:r>
-              <a:rPr lang="en-US" dirty="0"/>
-              <a:t>Borrow or buy a server</a:t>
-            </a:r>
-          </a:p>
-          <a:p>
-            <a:r>
-              <a:rPr lang="en-US" dirty="0"/>
-              <a:t>	- A server is an online computer that works 24/7. </a:t>
-            </a:r>
-          </a:p>
-          <a:p>
-            <a:r>
-              <a:rPr lang="en-US" dirty="0"/>
-              <a:t>	- It can support a back-end and more actions</a:t>
-            </a:r>
-          </a:p>
-          <a:p>
-            <a:pPr marL="457200" indent="-457200">
-              <a:buFont typeface="Arial" panose="020B0604020202020204" pitchFamily="34" charset="0"/>
-              <a:buChar char="•"/>
-            </a:pPr>
-            <a:r>
-              <a:rPr lang="en-US" dirty="0"/>
-              <a:t>GitHub Pages</a:t>
-            </a:r>
-          </a:p>
-          <a:p>
-            <a:r>
-              <a:rPr lang="en-US" dirty="0"/>
-              <a:t>	- Can only support a website without back-end</a:t>
-            </a:r>
-          </a:p>
-          <a:p>
-            <a:r>
-              <a:rPr lang="en-US" dirty="0"/>
-              <a:t>	- </a:t>
-            </a:r>
-            <a:r>
-              <a:rPr lang="en-US" b="1" dirty="0">
-                <a:solidFill>
-                  <a:srgbClr val="C00000"/>
-                </a:solidFill>
-              </a:rPr>
-              <a:t>Free and persistent</a:t>
-            </a:r>
-          </a:p>
-          <a:p>
-            <a:r>
-              <a:rPr lang="en-US" dirty="0"/>
-              <a:t>	- Go to your forked GitHub page -&gt; settings -&gt; Pages -&gt; Source -&gt; select main</a:t>
-            </a:r>
-          </a:p>
-          <a:p>
-            <a:r>
-              <a:rPr lang="en-US" dirty="0"/>
-              <a:t>	- </a:t>
-            </a:r>
-            <a:r>
-              <a:rPr lang="en-US" sz="1600" dirty="0"/>
-              <a:t>access by: </a:t>
-            </a:r>
-            <a:r>
-              <a:rPr lang="en-US" sz="1600" u="sng" dirty="0"/>
-              <a:t>youname.github.io/UCGIS-</a:t>
-            </a:r>
-            <a:r>
-              <a:rPr lang="en-US" sz="1600" u="sng" dirty="0" err="1"/>
-              <a:t>Fullstack</a:t>
-            </a:r>
-            <a:r>
-              <a:rPr lang="en-US" sz="1600" u="sng" dirty="0"/>
-              <a:t>-</a:t>
-            </a:r>
-            <a:r>
-              <a:rPr lang="en-US" sz="1600" u="sng" dirty="0" err="1"/>
-              <a:t>Geovisualization</a:t>
-            </a:r>
-            <a:r>
-              <a:rPr lang="en-US" sz="1600" u="sng" dirty="0"/>
-              <a:t>-Workshop/demo</a:t>
-            </a:r>
-            <a:endParaRPr lang="en-US" u="sng" dirty="0"/>
+              <a:t>6. See a Demo</a:t>
+            </a:r>
+          </a:p>
+        </p:txBody>
+      </p:sp>
+      <p:sp>
+        <p:nvSpPr>
+          <p:cNvPr id="3" name="Text Placeholder 2">
+            <a:extLst>
+              <a:ext uri="{FF2B5EF4-FFF2-40B4-BE49-F238E27FC236}">
+                <a16:creationId xmlns:a16="http://schemas.microsoft.com/office/drawing/2014/main" id="{9D6E3547-7457-408D-B8FA-48262E0F17E7}"/>
+              </a:ext>
+            </a:extLst>
+          </p:cNvPr>
+          <p:cNvSpPr>
+            <a:spLocks noGrp="1"/>
+          </p:cNvSpPr>
+          <p:nvPr>
+            <p:ph type="body" idx="1"/>
+          </p:nvPr>
+        </p:nvSpPr>
+        <p:spPr/>
+        <p:txBody>
+          <a:bodyPr/>
+          <a:lstStyle/>
+          <a:p>
+            <a:endParaRPr lang="en-US"/>
+          </a:p>
+        </p:txBody>
+      </p:sp>
+      <p:sp>
+        <p:nvSpPr>
+          <p:cNvPr id="4" name="Footer Placeholder 3">
+            <a:extLst>
+              <a:ext uri="{FF2B5EF4-FFF2-40B4-BE49-F238E27FC236}">
+                <a16:creationId xmlns:a16="http://schemas.microsoft.com/office/drawing/2014/main" id="{78DB6B25-3AB0-431F-A0FE-34FC89F1D2D7}"/>
+              </a:ext>
+            </a:extLst>
+          </p:cNvPr>
+          <p:cNvSpPr>
+            <a:spLocks noGrp="1"/>
+          </p:cNvSpPr>
+          <p:nvPr>
+            <p:ph type="ftr" sz="quarter" idx="11"/>
+          </p:nvPr>
+        </p:nvSpPr>
+        <p:spPr/>
+        <p:txBody>
+          <a:bodyPr/>
+          <a:lstStyle/>
+          <a:p>
+            <a:r>
+              <a:rPr lang="en-US"/>
+              <a:t>Copyright © 2021 Luyu Liu, Liu.6544@osu.edu</a:t>
+            </a:r>
+            <a:endParaRPr lang="en-US" dirty="0"/>
           </a:p>
         </p:txBody>
       </p:sp>
@@ -12915,7 +12913,7 @@
           <p:cNvPr id="5" name="Slide Number Placeholder 4">
             <a:extLst>
               <a:ext uri="{FF2B5EF4-FFF2-40B4-BE49-F238E27FC236}">
-                <a16:creationId xmlns:a16="http://schemas.microsoft.com/office/drawing/2014/main" id="{8790C42F-B073-4987-B366-47E20B16B80C}"/>
+                <a16:creationId xmlns:a16="http://schemas.microsoft.com/office/drawing/2014/main" id="{2A68A2CE-36FA-49D0-BFC2-370D6E6684A1}"/>
               </a:ext>
             </a:extLst>
           </p:cNvPr>
@@ -12939,45 +12937,10 @@
           </a:p>
         </p:txBody>
       </p:sp>
-      <p:sp>
-        <p:nvSpPr>
-          <p:cNvPr id="6" name="Footer Placeholder 5">
-            <a:extLst>
-              <a:ext uri="{FF2B5EF4-FFF2-40B4-BE49-F238E27FC236}">
-                <a16:creationId xmlns:a16="http://schemas.microsoft.com/office/drawing/2014/main" id="{55E7DEEE-FFB1-4477-AE15-6CADF9BEFD6F}"/>
-              </a:ext>
-            </a:extLst>
-          </p:cNvPr>
-          <p:cNvSpPr>
-            <a:spLocks noGrp="1"/>
-          </p:cNvSpPr>
-          <p:nvPr>
-            <p:ph type="ftr" sz="quarter" idx="11"/>
-          </p:nvPr>
-        </p:nvSpPr>
-        <p:spPr/>
-        <p:txBody>
-          <a:bodyPr/>
-          <a:lstStyle/>
-          <a:p>
-            <a:r>
-              <a:rPr lang="en-US"/>
-              <a:t>Copyright © 2021 Luyu Liu,</a:t>
-            </a:r>
-          </a:p>
-          <a:p>
-            <a:r>
-              <a:rPr lang="en-US"/>
-              <a:t>Liu.6544@osu.edu</a:t>
-            </a:r>
-            <a:endParaRPr lang="en-US" dirty="0"/>
-          </a:p>
-        </p:txBody>
-      </p:sp>
     </p:spTree>
     <p:extLst>
       <p:ext uri="{BB962C8B-B14F-4D97-AF65-F5344CB8AC3E}">
-        <p14:creationId xmlns:p14="http://schemas.microsoft.com/office/powerpoint/2010/main" val="2498732110"/>
+        <p14:creationId xmlns:p14="http://schemas.microsoft.com/office/powerpoint/2010/main" val="1007919151"/>
       </p:ext>
     </p:extLst>
   </p:cSld>
@@ -13009,6 +12972,387 @@
           <p:cNvPr id="2" name="Title 1">
             <a:extLst>
               <a:ext uri="{FF2B5EF4-FFF2-40B4-BE49-F238E27FC236}">
+                <a16:creationId xmlns:a16="http://schemas.microsoft.com/office/drawing/2014/main" id="{BE097C8D-8D28-4FD9-8126-FA5B4185FC5B}"/>
+              </a:ext>
+            </a:extLst>
+          </p:cNvPr>
+          <p:cNvSpPr>
+            <a:spLocks noGrp="1"/>
+          </p:cNvSpPr>
+          <p:nvPr>
+            <p:ph type="title"/>
+          </p:nvPr>
+        </p:nvSpPr>
+        <p:spPr/>
+        <p:txBody>
+          <a:bodyPr/>
+          <a:lstStyle/>
+          <a:p>
+            <a:r>
+              <a:rPr lang="en-US" dirty="0"/>
+              <a:t>7. Going Online?</a:t>
+            </a:r>
+          </a:p>
+        </p:txBody>
+      </p:sp>
+      <p:sp>
+        <p:nvSpPr>
+          <p:cNvPr id="3" name="Text Placeholder 2">
+            <a:extLst>
+              <a:ext uri="{FF2B5EF4-FFF2-40B4-BE49-F238E27FC236}">
+                <a16:creationId xmlns:a16="http://schemas.microsoft.com/office/drawing/2014/main" id="{8FE4EAB5-F85B-4766-A6FE-87811F6FAFE7}"/>
+              </a:ext>
+            </a:extLst>
+          </p:cNvPr>
+          <p:cNvSpPr>
+            <a:spLocks noGrp="1"/>
+          </p:cNvSpPr>
+          <p:nvPr>
+            <p:ph type="body" idx="1"/>
+          </p:nvPr>
+        </p:nvSpPr>
+        <p:spPr/>
+        <p:txBody>
+          <a:bodyPr/>
+          <a:lstStyle/>
+          <a:p>
+            <a:endParaRPr lang="en-US"/>
+          </a:p>
+        </p:txBody>
+      </p:sp>
+      <p:sp>
+        <p:nvSpPr>
+          <p:cNvPr id="5" name="Slide Number Placeholder 4">
+            <a:extLst>
+              <a:ext uri="{FF2B5EF4-FFF2-40B4-BE49-F238E27FC236}">
+                <a16:creationId xmlns:a16="http://schemas.microsoft.com/office/drawing/2014/main" id="{B048135B-930F-4AC0-8F08-BFC8678048B7}"/>
+              </a:ext>
+            </a:extLst>
+          </p:cNvPr>
+          <p:cNvSpPr>
+            <a:spLocks noGrp="1"/>
+          </p:cNvSpPr>
+          <p:nvPr>
+            <p:ph type="sldNum" sz="quarter" idx="12"/>
+          </p:nvPr>
+        </p:nvSpPr>
+        <p:spPr/>
+        <p:txBody>
+          <a:bodyPr/>
+          <a:lstStyle/>
+          <a:p>
+            <a:fld id="{D2A42372-2098-4587-99BF-4D6F88395362}" type="slidenum">
+              <a:rPr lang="en-US" smtClean="0"/>
+              <a:t>35</a:t>
+            </a:fld>
+            <a:endParaRPr lang="en-US"/>
+          </a:p>
+        </p:txBody>
+      </p:sp>
+      <p:sp>
+        <p:nvSpPr>
+          <p:cNvPr id="6" name="Footer Placeholder 5">
+            <a:extLst>
+              <a:ext uri="{FF2B5EF4-FFF2-40B4-BE49-F238E27FC236}">
+                <a16:creationId xmlns:a16="http://schemas.microsoft.com/office/drawing/2014/main" id="{9C199B33-6952-4847-B584-317531796C32}"/>
+              </a:ext>
+            </a:extLst>
+          </p:cNvPr>
+          <p:cNvSpPr>
+            <a:spLocks noGrp="1"/>
+          </p:cNvSpPr>
+          <p:nvPr>
+            <p:ph type="ftr" sz="quarter" idx="11"/>
+          </p:nvPr>
+        </p:nvSpPr>
+        <p:spPr/>
+        <p:txBody>
+          <a:bodyPr/>
+          <a:lstStyle/>
+          <a:p>
+            <a:r>
+              <a:rPr lang="en-US" dirty="0"/>
+              <a:t>Copyright © 2021 Luyu Liu, </a:t>
+            </a:r>
+          </a:p>
+          <a:p>
+            <a:r>
+              <a:rPr lang="en-US" dirty="0"/>
+              <a:t>Liu.6544@osu.edu</a:t>
+            </a:r>
+          </a:p>
+        </p:txBody>
+      </p:sp>
+    </p:spTree>
+    <p:extLst>
+      <p:ext uri="{BB962C8B-B14F-4D97-AF65-F5344CB8AC3E}">
+        <p14:creationId xmlns:p14="http://schemas.microsoft.com/office/powerpoint/2010/main" val="1331684443"/>
+      </p:ext>
+    </p:extLst>
+  </p:cSld>
+  <p:clrMapOvr>
+    <a:masterClrMapping/>
+  </p:clrMapOvr>
+</p:sld>
+</file>
+
+<file path=ppt/slides/slide36.xml><?xml version="1.0" encoding="utf-8"?>
+<p:sld xmlns:a="http://schemas.openxmlformats.org/drawingml/2006/main" xmlns:r="http://schemas.openxmlformats.org/officeDocument/2006/relationships" xmlns:p="http://schemas.openxmlformats.org/presentationml/2006/main">
+  <p:cSld>
+    <p:spTree>
+      <p:nvGrpSpPr>
+        <p:cNvPr id="1" name=""/>
+        <p:cNvGrpSpPr/>
+        <p:nvPr/>
+      </p:nvGrpSpPr>
+      <p:grpSpPr>
+        <a:xfrm>
+          <a:off x="0" y="0"/>
+          <a:ext cx="0" cy="0"/>
+          <a:chOff x="0" y="0"/>
+          <a:chExt cx="0" cy="0"/>
+        </a:xfrm>
+      </p:grpSpPr>
+      <p:sp>
+        <p:nvSpPr>
+          <p:cNvPr id="2" name="Title 1">
+            <a:extLst>
+              <a:ext uri="{FF2B5EF4-FFF2-40B4-BE49-F238E27FC236}">
+                <a16:creationId xmlns:a16="http://schemas.microsoft.com/office/drawing/2014/main" id="{C102C826-FBB3-4CBC-A47C-96CA3F1AB688}"/>
+              </a:ext>
+            </a:extLst>
+          </p:cNvPr>
+          <p:cNvSpPr>
+            <a:spLocks noGrp="1"/>
+          </p:cNvSpPr>
+          <p:nvPr>
+            <p:ph type="title"/>
+          </p:nvPr>
+        </p:nvSpPr>
+        <p:spPr/>
+        <p:txBody>
+          <a:bodyPr/>
+          <a:lstStyle/>
+          <a:p>
+            <a:r>
+              <a:rPr lang="en-US" dirty="0"/>
+              <a:t>Solutions to Host a Website</a:t>
+            </a:r>
+          </a:p>
+        </p:txBody>
+      </p:sp>
+      <p:sp>
+        <p:nvSpPr>
+          <p:cNvPr id="3" name="Content Placeholder 2">
+            <a:extLst>
+              <a:ext uri="{FF2B5EF4-FFF2-40B4-BE49-F238E27FC236}">
+                <a16:creationId xmlns:a16="http://schemas.microsoft.com/office/drawing/2014/main" id="{0628BEA0-D462-4B66-A757-95F157548AE1}"/>
+              </a:ext>
+            </a:extLst>
+          </p:cNvPr>
+          <p:cNvSpPr>
+            <a:spLocks noGrp="1"/>
+          </p:cNvSpPr>
+          <p:nvPr>
+            <p:ph idx="1"/>
+          </p:nvPr>
+        </p:nvSpPr>
+        <p:spPr/>
+        <p:txBody>
+          <a:bodyPr>
+            <a:normAutofit lnSpcReduction="10000"/>
+          </a:bodyPr>
+          <a:lstStyle/>
+          <a:p>
+            <a:pPr marL="457200" indent="-457200">
+              <a:buFont typeface="Arial" panose="020B0604020202020204" pitchFamily="34" charset="0"/>
+              <a:buChar char="•"/>
+            </a:pPr>
+            <a:r>
+              <a:rPr lang="en-US" dirty="0"/>
+              <a:t>Borrow or buy a server</a:t>
+            </a:r>
+          </a:p>
+          <a:p>
+            <a:r>
+              <a:rPr lang="en-US" dirty="0"/>
+              <a:t>	- A server is an online computer that works 24/7. </a:t>
+            </a:r>
+          </a:p>
+          <a:p>
+            <a:r>
+              <a:rPr lang="en-US" dirty="0"/>
+              <a:t>	- It can support a back-end and more actions</a:t>
+            </a:r>
+          </a:p>
+          <a:p>
+            <a:pPr marL="457200" indent="-457200">
+              <a:buFont typeface="Arial" panose="020B0604020202020204" pitchFamily="34" charset="0"/>
+              <a:buChar char="•"/>
+            </a:pPr>
+            <a:r>
+              <a:rPr lang="en-US" dirty="0"/>
+              <a:t>GitHub Pages</a:t>
+            </a:r>
+          </a:p>
+          <a:p>
+            <a:r>
+              <a:rPr lang="en-US" dirty="0"/>
+              <a:t>	- Can only support a website without back-end</a:t>
+            </a:r>
+          </a:p>
+          <a:p>
+            <a:r>
+              <a:rPr lang="en-US" dirty="0"/>
+              <a:t>	- </a:t>
+            </a:r>
+            <a:r>
+              <a:rPr lang="en-US" b="1" dirty="0">
+                <a:solidFill>
+                  <a:srgbClr val="C00000"/>
+                </a:solidFill>
+              </a:rPr>
+              <a:t>Free and persistent</a:t>
+            </a:r>
+          </a:p>
+          <a:p>
+            <a:r>
+              <a:rPr lang="en-US" dirty="0"/>
+              <a:t>	- Go to your forked GitHub page -&gt; settings -&gt; Pages -&gt; Source -&gt; select main</a:t>
+            </a:r>
+          </a:p>
+          <a:p>
+            <a:r>
+              <a:rPr lang="en-US" dirty="0"/>
+              <a:t>	- </a:t>
+            </a:r>
+            <a:r>
+              <a:rPr lang="en-US" sz="1600" dirty="0"/>
+              <a:t>access by: </a:t>
+            </a:r>
+            <a:r>
+              <a:rPr lang="en-US" sz="1600" u="sng" dirty="0"/>
+              <a:t>youname.github.io/UCGIS-</a:t>
+            </a:r>
+            <a:r>
+              <a:rPr lang="en-US" sz="1600" u="sng" dirty="0" err="1"/>
+              <a:t>Fullstack</a:t>
+            </a:r>
+            <a:r>
+              <a:rPr lang="en-US" sz="1600" u="sng" dirty="0"/>
+              <a:t>-</a:t>
+            </a:r>
+            <a:r>
+              <a:rPr lang="en-US" sz="1600" u="sng" dirty="0" err="1"/>
+              <a:t>Geovisualization</a:t>
+            </a:r>
+            <a:r>
+              <a:rPr lang="en-US" sz="1600" u="sng" dirty="0"/>
+              <a:t>-Workshop/demo</a:t>
+            </a:r>
+            <a:endParaRPr lang="en-US" u="sng" dirty="0"/>
+          </a:p>
+        </p:txBody>
+      </p:sp>
+      <p:sp>
+        <p:nvSpPr>
+          <p:cNvPr id="5" name="Slide Number Placeholder 4">
+            <a:extLst>
+              <a:ext uri="{FF2B5EF4-FFF2-40B4-BE49-F238E27FC236}">
+                <a16:creationId xmlns:a16="http://schemas.microsoft.com/office/drawing/2014/main" id="{8790C42F-B073-4987-B366-47E20B16B80C}"/>
+              </a:ext>
+            </a:extLst>
+          </p:cNvPr>
+          <p:cNvSpPr>
+            <a:spLocks noGrp="1"/>
+          </p:cNvSpPr>
+          <p:nvPr>
+            <p:ph type="sldNum" sz="quarter" idx="12"/>
+          </p:nvPr>
+        </p:nvSpPr>
+        <p:spPr/>
+        <p:txBody>
+          <a:bodyPr/>
+          <a:lstStyle/>
+          <a:p>
+            <a:fld id="{D2A42372-2098-4587-99BF-4D6F88395362}" type="slidenum">
+              <a:rPr lang="en-US" smtClean="0"/>
+              <a:t>36</a:t>
+            </a:fld>
+            <a:endParaRPr lang="en-US"/>
+          </a:p>
+        </p:txBody>
+      </p:sp>
+      <p:sp>
+        <p:nvSpPr>
+          <p:cNvPr id="6" name="Footer Placeholder 5">
+            <a:extLst>
+              <a:ext uri="{FF2B5EF4-FFF2-40B4-BE49-F238E27FC236}">
+                <a16:creationId xmlns:a16="http://schemas.microsoft.com/office/drawing/2014/main" id="{55E7DEEE-FFB1-4477-AE15-6CADF9BEFD6F}"/>
+              </a:ext>
+            </a:extLst>
+          </p:cNvPr>
+          <p:cNvSpPr>
+            <a:spLocks noGrp="1"/>
+          </p:cNvSpPr>
+          <p:nvPr>
+            <p:ph type="ftr" sz="quarter" idx="11"/>
+          </p:nvPr>
+        </p:nvSpPr>
+        <p:spPr/>
+        <p:txBody>
+          <a:bodyPr/>
+          <a:lstStyle/>
+          <a:p>
+            <a:r>
+              <a:rPr lang="en-US"/>
+              <a:t>Copyright © 2021 Luyu Liu,</a:t>
+            </a:r>
+          </a:p>
+          <a:p>
+            <a:r>
+              <a:rPr lang="en-US"/>
+              <a:t>Liu.6544@osu.edu</a:t>
+            </a:r>
+            <a:endParaRPr lang="en-US" dirty="0"/>
+          </a:p>
+        </p:txBody>
+      </p:sp>
+    </p:spTree>
+    <p:extLst>
+      <p:ext uri="{BB962C8B-B14F-4D97-AF65-F5344CB8AC3E}">
+        <p14:creationId xmlns:p14="http://schemas.microsoft.com/office/powerpoint/2010/main" val="2498732110"/>
+      </p:ext>
+    </p:extLst>
+  </p:cSld>
+  <p:clrMapOvr>
+    <a:masterClrMapping/>
+  </p:clrMapOvr>
+</p:sld>
+</file>
+
+<file path=ppt/slides/slide37.xml><?xml version="1.0" encoding="utf-8"?>
+<p:sld xmlns:a="http://schemas.openxmlformats.org/drawingml/2006/main" xmlns:r="http://schemas.openxmlformats.org/officeDocument/2006/relationships" xmlns:p="http://schemas.openxmlformats.org/presentationml/2006/main">
+  <p:cSld>
+    <p:spTree>
+      <p:nvGrpSpPr>
+        <p:cNvPr id="1" name=""/>
+        <p:cNvGrpSpPr/>
+        <p:nvPr/>
+      </p:nvGrpSpPr>
+      <p:grpSpPr>
+        <a:xfrm>
+          <a:off x="0" y="0"/>
+          <a:ext cx="0" cy="0"/>
+          <a:chOff x="0" y="0"/>
+          <a:chExt cx="0" cy="0"/>
+        </a:xfrm>
+      </p:grpSpPr>
+      <p:sp>
+        <p:nvSpPr>
+          <p:cNvPr id="2" name="Title 1">
+            <a:extLst>
+              <a:ext uri="{FF2B5EF4-FFF2-40B4-BE49-F238E27FC236}">
                 <a16:creationId xmlns:a16="http://schemas.microsoft.com/office/drawing/2014/main" id="{A6825C6A-AEF2-4D95-AB4F-AAC1D7285338}"/>
               </a:ext>
             </a:extLst>
@@ -13204,7 +13548,7 @@
           <a:p>
             <a:fld id="{D2A42372-2098-4587-99BF-4D6F88395362}" type="slidenum">
               <a:rPr lang="en-US" smtClean="0"/>
-              <a:t>35</a:t>
+              <a:t>37</a:t>
             </a:fld>
             <a:endParaRPr lang="en-US"/>
           </a:p>
@@ -13249,6 +13593,147 @@
     <p:extLst>
       <p:ext uri="{BB962C8B-B14F-4D97-AF65-F5344CB8AC3E}">
         <p14:creationId xmlns:p14="http://schemas.microsoft.com/office/powerpoint/2010/main" val="3473083497"/>
+      </p:ext>
+    </p:extLst>
+  </p:cSld>
+  <p:clrMapOvr>
+    <a:masterClrMapping/>
+  </p:clrMapOvr>
+</p:sld>
+</file>
+
+<file path=ppt/slides/slide38.xml><?xml version="1.0" encoding="utf-8"?>
+<p:sld xmlns:a="http://schemas.openxmlformats.org/drawingml/2006/main" xmlns:r="http://schemas.openxmlformats.org/officeDocument/2006/relationships" xmlns:p="http://schemas.openxmlformats.org/presentationml/2006/main">
+  <p:cSld>
+    <p:spTree>
+      <p:nvGrpSpPr>
+        <p:cNvPr id="1" name=""/>
+        <p:cNvGrpSpPr/>
+        <p:nvPr/>
+      </p:nvGrpSpPr>
+      <p:grpSpPr>
+        <a:xfrm>
+          <a:off x="0" y="0"/>
+          <a:ext cx="0" cy="0"/>
+          <a:chOff x="0" y="0"/>
+          <a:chExt cx="0" cy="0"/>
+        </a:xfrm>
+      </p:grpSpPr>
+      <p:sp>
+        <p:nvSpPr>
+          <p:cNvPr id="2" name="Title 1">
+            <a:extLst>
+              <a:ext uri="{FF2B5EF4-FFF2-40B4-BE49-F238E27FC236}">
+                <a16:creationId xmlns:a16="http://schemas.microsoft.com/office/drawing/2014/main" id="{7F440C5C-76B4-4454-9A0C-332C418F2CD6}"/>
+              </a:ext>
+            </a:extLst>
+          </p:cNvPr>
+          <p:cNvSpPr>
+            <a:spLocks noGrp="1"/>
+          </p:cNvSpPr>
+          <p:nvPr>
+            <p:ph type="title"/>
+          </p:nvPr>
+        </p:nvSpPr>
+        <p:spPr/>
+        <p:txBody>
+          <a:bodyPr/>
+          <a:lstStyle/>
+          <a:p>
+            <a:r>
+              <a:rPr lang="en-US" dirty="0"/>
+              <a:t>Questions?</a:t>
+            </a:r>
+          </a:p>
+        </p:txBody>
+      </p:sp>
+      <p:sp>
+        <p:nvSpPr>
+          <p:cNvPr id="3" name="Text Placeholder 2">
+            <a:extLst>
+              <a:ext uri="{FF2B5EF4-FFF2-40B4-BE49-F238E27FC236}">
+                <a16:creationId xmlns:a16="http://schemas.microsoft.com/office/drawing/2014/main" id="{64A43415-C0DC-43A7-A80A-D869B11E9529}"/>
+              </a:ext>
+            </a:extLst>
+          </p:cNvPr>
+          <p:cNvSpPr>
+            <a:spLocks noGrp="1"/>
+          </p:cNvSpPr>
+          <p:nvPr>
+            <p:ph type="body" idx="1"/>
+          </p:nvPr>
+        </p:nvSpPr>
+        <p:spPr/>
+        <p:txBody>
+          <a:bodyPr/>
+          <a:lstStyle/>
+          <a:p>
+            <a:endParaRPr lang="en-US"/>
+          </a:p>
+        </p:txBody>
+      </p:sp>
+      <p:sp>
+        <p:nvSpPr>
+          <p:cNvPr id="4" name="Footer Placeholder 3">
+            <a:extLst>
+              <a:ext uri="{FF2B5EF4-FFF2-40B4-BE49-F238E27FC236}">
+                <a16:creationId xmlns:a16="http://schemas.microsoft.com/office/drawing/2014/main" id="{9C59AA66-E878-400E-A672-1530040EBE3E}"/>
+              </a:ext>
+            </a:extLst>
+          </p:cNvPr>
+          <p:cNvSpPr>
+            <a:spLocks noGrp="1"/>
+          </p:cNvSpPr>
+          <p:nvPr>
+            <p:ph type="ftr" sz="quarter" idx="11"/>
+          </p:nvPr>
+        </p:nvSpPr>
+        <p:spPr/>
+        <p:txBody>
+          <a:bodyPr/>
+          <a:lstStyle/>
+          <a:p>
+            <a:r>
+              <a:rPr lang="en-US"/>
+              <a:t>Copyright © 2021 Luyu Liu, Liu.6544@osu.edu</a:t>
+            </a:r>
+            <a:endParaRPr lang="en-US" dirty="0"/>
+          </a:p>
+        </p:txBody>
+      </p:sp>
+      <p:sp>
+        <p:nvSpPr>
+          <p:cNvPr id="5" name="Slide Number Placeholder 4">
+            <a:extLst>
+              <a:ext uri="{FF2B5EF4-FFF2-40B4-BE49-F238E27FC236}">
+                <a16:creationId xmlns:a16="http://schemas.microsoft.com/office/drawing/2014/main" id="{D91E3681-8719-4010-B058-24E06DADEDEB}"/>
+              </a:ext>
+            </a:extLst>
+          </p:cNvPr>
+          <p:cNvSpPr>
+            <a:spLocks noGrp="1"/>
+          </p:cNvSpPr>
+          <p:nvPr>
+            <p:ph type="sldNum" sz="quarter" idx="12"/>
+          </p:nvPr>
+        </p:nvSpPr>
+        <p:spPr/>
+        <p:txBody>
+          <a:bodyPr/>
+          <a:lstStyle/>
+          <a:p>
+            <a:fld id="{D2A42372-2098-4587-99BF-4D6F88395362}" type="slidenum">
+              <a:rPr lang="en-US" smtClean="0"/>
+              <a:t>38</a:t>
+            </a:fld>
+            <a:endParaRPr lang="en-US"/>
+          </a:p>
+        </p:txBody>
+      </p:sp>
+    </p:spTree>
+    <p:extLst>
+      <p:ext uri="{BB962C8B-B14F-4D97-AF65-F5344CB8AC3E}">
+        <p14:creationId xmlns:p14="http://schemas.microsoft.com/office/powerpoint/2010/main" val="367718138"/>
       </p:ext>
     </p:extLst>
   </p:cSld>

--- a/doc/presentation_vizathon.pptx
+++ b/doc/presentation_vizathon.pptx
@@ -5,7 +5,7 @@
     <p:sldMasterId id="2147483648" r:id="rId1"/>
   </p:sldMasterIdLst>
   <p:notesMasterIdLst>
-    <p:notesMasterId r:id="rId40"/>
+    <p:notesMasterId r:id="rId41"/>
   </p:notesMasterIdLst>
   <p:sldIdLst>
     <p:sldId id="256" r:id="rId2"/>
@@ -45,7 +45,8 @@
     <p:sldId id="291" r:id="rId36"/>
     <p:sldId id="292" r:id="rId37"/>
     <p:sldId id="293" r:id="rId38"/>
-    <p:sldId id="308" r:id="rId39"/>
+    <p:sldId id="314" r:id="rId39"/>
+    <p:sldId id="315" r:id="rId40"/>
   </p:sldIdLst>
   <p:sldSz cx="12192000" cy="6858000"/>
   <p:notesSz cx="6858000" cy="9144000"/>
@@ -234,7 +235,7 @@
           <a:p>
             <a:fld id="{A665B8CE-B7EA-48CF-8C87-0BE3186CB14D}" type="datetimeFigureOut">
               <a:rPr lang="en-US" smtClean="0"/>
-              <a:t>7/23/2021</a:t>
+              <a:t>7/29/2021</a:t>
             </a:fld>
             <a:endParaRPr lang="en-US"/>
           </a:p>
@@ -654,7 +655,7 @@
           <a:p>
             <a:fld id="{8CE0AF47-EA74-41A7-80E0-2F285A07CDF7}" type="datetime1">
               <a:rPr lang="en-US" smtClean="0"/>
-              <a:t>7/23/2021</a:t>
+              <a:t>7/29/2021</a:t>
             </a:fld>
             <a:endParaRPr lang="en-US"/>
           </a:p>
@@ -856,7 +857,7 @@
           <a:p>
             <a:fld id="{5BE0D661-6592-45BF-9F9B-140A66F2A8DF}" type="datetime1">
               <a:rPr lang="en-US" smtClean="0"/>
-              <a:t>7/23/2021</a:t>
+              <a:t>7/29/2021</a:t>
             </a:fld>
             <a:endParaRPr lang="en-US"/>
           </a:p>
@@ -1104,7 +1105,7 @@
           <a:p>
             <a:fld id="{8489D436-87DA-4914-B4D7-7F95396E6290}" type="datetime1">
               <a:rPr lang="en-US" smtClean="0"/>
-              <a:t>7/23/2021</a:t>
+              <a:t>7/29/2021</a:t>
             </a:fld>
             <a:endParaRPr lang="en-US"/>
           </a:p>
@@ -1344,7 +1345,7 @@
           <a:p>
             <a:fld id="{31026531-1782-42E1-BA6D-EB320236770C}" type="datetime1">
               <a:rPr lang="en-US" smtClean="0"/>
-              <a:t>7/23/2021</a:t>
+              <a:t>7/29/2021</a:t>
             </a:fld>
             <a:endParaRPr lang="en-US"/>
           </a:p>
@@ -1664,7 +1665,7 @@
           <a:p>
             <a:fld id="{870F9AF4-A28F-43E1-8B38-899E40FB890C}" type="datetime1">
               <a:rPr lang="en-US" smtClean="0"/>
-              <a:t>7/23/2021</a:t>
+              <a:t>7/29/2021</a:t>
             </a:fld>
             <a:endParaRPr lang="en-US"/>
           </a:p>
@@ -1932,7 +1933,7 @@
           <a:p>
             <a:fld id="{8DF15B70-4CF4-49DB-B971-0C528B80EBB8}" type="datetime1">
               <a:rPr lang="en-US" smtClean="0"/>
-              <a:t>7/23/2021</a:t>
+              <a:t>7/29/2021</a:t>
             </a:fld>
             <a:endParaRPr lang="en-US"/>
           </a:p>
@@ -2383,7 +2384,7 @@
           <a:p>
             <a:fld id="{58138131-BC32-479A-89CD-5B914C6E5F6B}" type="datetime1">
               <a:rPr lang="en-US" smtClean="0"/>
-              <a:t>7/23/2021</a:t>
+              <a:t>7/29/2021</a:t>
             </a:fld>
             <a:endParaRPr lang="en-US"/>
           </a:p>
@@ -2563,7 +2564,7 @@
           <a:p>
             <a:fld id="{678A65FA-25E4-41C2-86FF-29B58CDBC364}" type="datetime1">
               <a:rPr lang="en-US" smtClean="0"/>
-              <a:t>7/23/2021</a:t>
+              <a:t>7/29/2021</a:t>
             </a:fld>
             <a:endParaRPr lang="en-US"/>
           </a:p>
@@ -2715,7 +2716,7 @@
           <a:p>
             <a:fld id="{AA622C73-11C5-4109-A690-C0E12F23091D}" type="datetime1">
               <a:rPr lang="en-US" smtClean="0"/>
-              <a:t>7/23/2021</a:t>
+              <a:t>7/29/2021</a:t>
             </a:fld>
             <a:endParaRPr lang="en-US"/>
           </a:p>
@@ -3029,7 +3030,7 @@
           <a:p>
             <a:fld id="{D885AEDE-0B12-4C8F-8699-CD2CAA720354}" type="datetime1">
               <a:rPr lang="en-US" smtClean="0"/>
-              <a:t>7/23/2021</a:t>
+              <a:t>7/29/2021</a:t>
             </a:fld>
             <a:endParaRPr lang="en-US"/>
           </a:p>
@@ -3356,7 +3357,7 @@
           <a:p>
             <a:fld id="{5BD475CC-F05D-4FDA-AF67-3B2C90729A6E}" type="datetime1">
               <a:rPr lang="en-US" smtClean="0"/>
-              <a:t>7/23/2021</a:t>
+              <a:t>7/29/2021</a:t>
             </a:fld>
             <a:endParaRPr lang="en-US"/>
           </a:p>
@@ -3636,7 +3637,7 @@
           <a:p>
             <a:fld id="{918F5A97-4E10-40B9-B25D-F19CB7779816}" type="datetime1">
               <a:rPr lang="en-US" smtClean="0"/>
-              <a:t>7/23/2021</a:t>
+              <a:t>7/29/2021</a:t>
             </a:fld>
             <a:endParaRPr lang="en-US"/>
           </a:p>
@@ -7729,7 +7730,9 @@
         </p:nvSpPr>
         <p:spPr/>
         <p:txBody>
-          <a:bodyPr/>
+          <a:bodyPr>
+            <a:normAutofit/>
+          </a:bodyPr>
           <a:lstStyle/>
           <a:p>
             <a:pPr marL="0" indent="0">
@@ -7777,30 +7780,33 @@
             </a:pPr>
             <a:r>
               <a:rPr lang="en-US" dirty="0"/>
-              <a:t>Reproduce a simple static </a:t>
-            </a:r>
-            <a:r>
-              <a:rPr lang="en-US" dirty="0" err="1"/>
-              <a:t>webmap</a:t>
-            </a:r>
-            <a:endParaRPr lang="en-US" dirty="0"/>
+              <a:t>Share a web map with GitHub Pages</a:t>
+            </a:r>
           </a:p>
           <a:p>
             <a:pPr marL="457200" indent="-457200">
               <a:buFont typeface="Arial" panose="020B0604020202020204" pitchFamily="34" charset="0"/>
               <a:buChar char="•"/>
             </a:pPr>
-            <a:r>
-              <a:rPr lang="en-US" dirty="0"/>
-              <a:t>Share the </a:t>
-            </a:r>
-            <a:r>
-              <a:rPr lang="en-US" dirty="0" err="1"/>
-              <a:t>webmap</a:t>
-            </a:r>
-            <a:r>
-              <a:rPr lang="en-US" dirty="0"/>
-              <a:t> with GitHub Pages</a:t>
+            <a:endParaRPr lang="en-US" dirty="0"/>
+          </a:p>
+          <a:p>
+            <a:pPr marL="0" indent="0">
+              <a:buNone/>
+            </a:pPr>
+            <a:r>
+              <a:rPr lang="en-US" dirty="0"/>
+              <a:t>Get all materials at </a:t>
+            </a:r>
+            <a:r>
+              <a:rPr lang="en-US" dirty="0">
+                <a:hlinkClick r:id="rId2"/>
+              </a:rPr>
+              <a:t>https://github.com/luyuliu/vizathon-geovisualization</a:t>
+            </a:r>
+            <a:r>
+              <a:rPr lang="en-US" dirty="0"/>
+              <a:t> </a:t>
             </a:r>
           </a:p>
         </p:txBody>
@@ -10993,15 +10999,7 @@
           <a:p>
             <a:r>
               <a:rPr lang="en-US" dirty="0"/>
-              <a:t>0. Why </a:t>
-            </a:r>
-            <a:r>
-              <a:rPr lang="en-US" dirty="0" err="1"/>
-              <a:t>webmap</a:t>
-            </a:r>
-            <a:r>
-              <a:rPr lang="en-US" dirty="0"/>
-              <a:t>?</a:t>
+              <a:t>0. Why Web Map?</a:t>
             </a:r>
           </a:p>
         </p:txBody>
@@ -13160,13 +13158,12 @@
         <p:spPr/>
         <p:txBody>
           <a:bodyPr>
-            <a:normAutofit lnSpcReduction="10000"/>
+            <a:normAutofit/>
           </a:bodyPr>
           <a:lstStyle/>
           <a:p>
-            <a:pPr marL="457200" indent="-457200">
-              <a:buFont typeface="Arial" panose="020B0604020202020204" pitchFamily="34" charset="0"/>
-              <a:buChar char="•"/>
+            <a:pPr marL="0" indent="0">
+              <a:buNone/>
             </a:pPr>
             <a:r>
               <a:rPr lang="en-US" dirty="0"/>
@@ -13176,20 +13173,25 @@
           <a:p>
             <a:r>
               <a:rPr lang="en-US" dirty="0"/>
-              <a:t>	- A server is an online computer that works 24/7. </a:t>
-            </a:r>
-          </a:p>
-          <a:p>
-            <a:r>
-              <a:rPr lang="en-US" dirty="0"/>
-              <a:t>	- It can support a back-end and more actions</a:t>
-            </a:r>
-          </a:p>
-          <a:p>
-            <a:pPr marL="457200" indent="-457200">
-              <a:buFont typeface="Arial" panose="020B0604020202020204" pitchFamily="34" charset="0"/>
-              <a:buChar char="•"/>
+              <a:t>A server is an online computer that works 24/7</a:t>
+            </a:r>
+          </a:p>
+          <a:p>
+            <a:r>
+              <a:rPr lang="en-US" dirty="0"/>
+              <a:t>It can support a back-end and more actions</a:t>
+            </a:r>
+          </a:p>
+          <a:p>
+            <a:pPr marL="0" indent="0">
+              <a:buNone/>
             </a:pPr>
+            <a:endParaRPr lang="en-US" dirty="0"/>
+          </a:p>
+          <a:p>
+            <a:pPr marL="0" indent="0">
+              <a:buNone/>
+            </a:pPr>
             <a:r>
               <a:rPr lang="en-US" dirty="0"/>
               <a:t>GitHub Pages</a:t>
@@ -13198,14 +13200,10 @@
           <a:p>
             <a:r>
               <a:rPr lang="en-US" dirty="0"/>
-              <a:t>	- Can only support a website without back-end</a:t>
-            </a:r>
-          </a:p>
-          <a:p>
-            <a:r>
-              <a:rPr lang="en-US" dirty="0"/>
-              <a:t>	- </a:t>
-            </a:r>
+              <a:t>Can only support simple websites</a:t>
+            </a:r>
+          </a:p>
+          <a:p>
             <a:r>
               <a:rPr lang="en-US" b="1" dirty="0">
                 <a:solidFill>
@@ -13216,40 +13214,9 @@
             </a:r>
           </a:p>
           <a:p>
-            <a:r>
-              <a:rPr lang="en-US" dirty="0"/>
-              <a:t>	- Go to your forked GitHub page -&gt; settings -&gt; Pages -&gt; Source -&gt; select main</a:t>
-            </a:r>
-          </a:p>
-          <a:p>
-            <a:r>
-              <a:rPr lang="en-US" dirty="0"/>
-              <a:t>	- </a:t>
-            </a:r>
-            <a:r>
-              <a:rPr lang="en-US" sz="1600" dirty="0"/>
-              <a:t>access by: </a:t>
-            </a:r>
-            <a:r>
-              <a:rPr lang="en-US" sz="1600" u="sng" dirty="0"/>
-              <a:t>youname.github.io/UCGIS-</a:t>
-            </a:r>
-            <a:r>
-              <a:rPr lang="en-US" sz="1600" u="sng" dirty="0" err="1"/>
-              <a:t>Fullstack</a:t>
-            </a:r>
-            <a:r>
-              <a:rPr lang="en-US" sz="1600" u="sng" dirty="0"/>
-              <a:t>-</a:t>
-            </a:r>
-            <a:r>
-              <a:rPr lang="en-US" sz="1600" u="sng" dirty="0" err="1"/>
-              <a:t>Geovisualization</a:t>
-            </a:r>
-            <a:r>
-              <a:rPr lang="en-US" sz="1600" u="sng" dirty="0"/>
-              <a:t>-Workshop/demo</a:t>
-            </a:r>
+            <a:pPr marL="0" indent="0">
+              <a:buNone/>
+            </a:pPr>
             <a:endParaRPr lang="en-US" u="sng" dirty="0"/>
           </a:p>
         </p:txBody>
@@ -13395,7 +13362,7 @@
         <p:spPr/>
         <p:txBody>
           <a:bodyPr>
-            <a:normAutofit fontScale="92500" lnSpcReduction="10000"/>
+            <a:normAutofit/>
           </a:bodyPr>
           <a:lstStyle/>
           <a:p>
@@ -13409,9 +13376,10 @@
             </a:r>
           </a:p>
           <a:p>
-            <a:r>
-              <a:rPr lang="en-US" dirty="0"/>
-              <a:t>	Record your every </a:t>
+            <a:pPr marL="914400" lvl="1" indent="-457200"/>
+            <a:r>
+              <a:rPr lang="en-US" dirty="0"/>
+              <a:t>Record your every </a:t>
             </a:r>
             <a:r>
               <a:rPr lang="en-US" dirty="0">
@@ -13425,6 +13393,9 @@
               <a:rPr lang="en-US" dirty="0"/>
               <a:t>change</a:t>
             </a:r>
+          </a:p>
+          <a:p>
+            <a:pPr marL="914400" lvl="1" indent="-457200"/>
             <a:endParaRPr lang="en-US" dirty="0">
               <a:solidFill>
                 <a:srgbClr val="C00000"/>
@@ -13444,71 +13415,19 @@
           <a:p>
             <a:pPr marL="914400" lvl="1" indent="-457200"/>
             <a:r>
-              <a:rPr lang="en-US" sz="2800" dirty="0"/>
+              <a:rPr lang="en-US" dirty="0"/>
               <a:t>Record your committed changes to an online server</a:t>
             </a:r>
           </a:p>
           <a:p>
             <a:pPr marL="914400" lvl="1" indent="-457200"/>
             <a:r>
-              <a:rPr lang="en-US" sz="2800" dirty="0"/>
+              <a:rPr lang="en-US" dirty="0"/>
               <a:t>Host static webpage</a:t>
             </a:r>
           </a:p>
           <a:p>
             <a:endParaRPr lang="en-US" dirty="0"/>
-          </a:p>
-          <a:p>
-            <a:r>
-              <a:rPr lang="en-US" dirty="0"/>
-              <a:t>To save your changes on the online map:</a:t>
-            </a:r>
-          </a:p>
-          <a:p>
-            <a:pPr marL="457200" indent="-457200">
-              <a:buFont typeface="Arial" panose="020B0604020202020204" pitchFamily="34" charset="0"/>
-              <a:buChar char="•"/>
-            </a:pPr>
-            <a:r>
-              <a:rPr lang="en-US" dirty="0">
-                <a:solidFill>
-                  <a:srgbClr val="C00000"/>
-                </a:solidFill>
-              </a:rPr>
-              <a:t>Commit</a:t>
-            </a:r>
-            <a:r>
-              <a:rPr lang="en-US" dirty="0"/>
-              <a:t>: record your current change to local</a:t>
-            </a:r>
-          </a:p>
-          <a:p>
-            <a:pPr marL="457200" indent="-457200">
-              <a:buFont typeface="Arial" panose="020B0604020202020204" pitchFamily="34" charset="0"/>
-              <a:buChar char="•"/>
-            </a:pPr>
-            <a:r>
-              <a:rPr lang="en-US" dirty="0">
-                <a:solidFill>
-                  <a:srgbClr val="C00000"/>
-                </a:solidFill>
-              </a:rPr>
-              <a:t>Push</a:t>
-            </a:r>
-            <a:r>
-              <a:rPr lang="en-US" dirty="0"/>
-              <a:t>: upload your files to the GitHub server</a:t>
-            </a:r>
-          </a:p>
-          <a:p>
-            <a:pPr marL="457200" indent="-457200">
-              <a:buFont typeface="Arial" panose="020B0604020202020204" pitchFamily="34" charset="0"/>
-              <a:buChar char="•"/>
-            </a:pPr>
-            <a:r>
-              <a:rPr lang="en-US" dirty="0"/>
-              <a:t>In few minutes, the Pages will update your change</a:t>
-            </a:r>
           </a:p>
           <a:p>
             <a:endParaRPr lang="en-US" dirty="0">
@@ -13624,7 +13543,7 @@
           <p:cNvPr id="2" name="Title 1">
             <a:extLst>
               <a:ext uri="{FF2B5EF4-FFF2-40B4-BE49-F238E27FC236}">
-                <a16:creationId xmlns:a16="http://schemas.microsoft.com/office/drawing/2014/main" id="{7F440C5C-76B4-4454-9A0C-332C418F2CD6}"/>
+                <a16:creationId xmlns:a16="http://schemas.microsoft.com/office/drawing/2014/main" id="{4F22D46A-5290-4BE9-9E96-285B1491A93D}"/>
               </a:ext>
             </a:extLst>
           </p:cNvPr>
@@ -13642,33 +13561,132 @@
           <a:p>
             <a:r>
               <a:rPr lang="en-US" dirty="0"/>
-              <a:t>Questions?</a:t>
-            </a:r>
-          </a:p>
-        </p:txBody>
-      </p:sp>
-      <p:sp>
-        <p:nvSpPr>
-          <p:cNvPr id="3" name="Text Placeholder 2">
-            <a:extLst>
-              <a:ext uri="{FF2B5EF4-FFF2-40B4-BE49-F238E27FC236}">
-                <a16:creationId xmlns:a16="http://schemas.microsoft.com/office/drawing/2014/main" id="{64A43415-C0DC-43A7-A80A-D869B11E9529}"/>
-              </a:ext>
-            </a:extLst>
-          </p:cNvPr>
-          <p:cNvSpPr>
-            <a:spLocks noGrp="1"/>
-          </p:cNvSpPr>
-          <p:nvPr>
-            <p:ph type="body" idx="1"/>
-          </p:nvPr>
-        </p:nvSpPr>
-        <p:spPr/>
-        <p:txBody>
-          <a:bodyPr/>
-          <a:lstStyle/>
-          <a:p>
-            <a:endParaRPr lang="en-US"/>
+              <a:t>How to GitHub</a:t>
+            </a:r>
+          </a:p>
+        </p:txBody>
+      </p:sp>
+      <p:sp>
+        <p:nvSpPr>
+          <p:cNvPr id="3" name="Content Placeholder 2">
+            <a:extLst>
+              <a:ext uri="{FF2B5EF4-FFF2-40B4-BE49-F238E27FC236}">
+                <a16:creationId xmlns:a16="http://schemas.microsoft.com/office/drawing/2014/main" id="{63C83B24-C3AE-4807-AB10-7DD20410C098}"/>
+              </a:ext>
+            </a:extLst>
+          </p:cNvPr>
+          <p:cNvSpPr>
+            <a:spLocks noGrp="1"/>
+          </p:cNvSpPr>
+          <p:nvPr>
+            <p:ph idx="1"/>
+          </p:nvPr>
+        </p:nvSpPr>
+        <p:spPr/>
+        <p:txBody>
+          <a:bodyPr>
+            <a:normAutofit fontScale="92500" lnSpcReduction="20000"/>
+          </a:bodyPr>
+          <a:lstStyle/>
+          <a:p>
+            <a:r>
+              <a:rPr lang="en-US" dirty="0"/>
+              <a:t>Register a GitHub account and create a new repository or fork my repo</a:t>
+            </a:r>
+          </a:p>
+          <a:p>
+            <a:endParaRPr lang="en-US" dirty="0"/>
+          </a:p>
+          <a:p>
+            <a:r>
+              <a:rPr lang="en-US" dirty="0"/>
+              <a:t>Go to your GitHub repository page -&gt; settings -&gt; Pages -&gt; Source -&gt; select main</a:t>
+            </a:r>
+          </a:p>
+          <a:p>
+            <a:pPr lvl="1"/>
+            <a:r>
+              <a:rPr lang="en-US" dirty="0"/>
+              <a:t>Access by: youname.github.io/</a:t>
+            </a:r>
+            <a:r>
+              <a:rPr lang="en-US" dirty="0" err="1"/>
+              <a:t>yourreponame</a:t>
+            </a:r>
+            <a:r>
+              <a:rPr lang="en-US" dirty="0"/>
+              <a:t>/ + the path to your html file</a:t>
+            </a:r>
+          </a:p>
+          <a:p>
+            <a:pPr marL="457200" lvl="1" indent="0">
+              <a:buNone/>
+            </a:pPr>
+            <a:endParaRPr lang="en-US" u="sng" dirty="0"/>
+          </a:p>
+          <a:p>
+            <a:r>
+              <a:rPr lang="en-US" dirty="0"/>
+              <a:t>To save your changes on the online map with </a:t>
+            </a:r>
+            <a:r>
+              <a:rPr lang="en-US" dirty="0">
+                <a:solidFill>
+                  <a:srgbClr val="C00000"/>
+                </a:solidFill>
+              </a:rPr>
+              <a:t>GitHub Desktop</a:t>
+            </a:r>
+            <a:r>
+              <a:rPr lang="en-US" dirty="0"/>
+              <a:t>:</a:t>
+            </a:r>
+          </a:p>
+          <a:p>
+            <a:pPr marL="457200" indent="-457200">
+              <a:buFont typeface="Arial" panose="020B0604020202020204" pitchFamily="34" charset="0"/>
+              <a:buChar char="•"/>
+            </a:pPr>
+            <a:r>
+              <a:rPr lang="en-US" dirty="0">
+                <a:solidFill>
+                  <a:srgbClr val="C00000"/>
+                </a:solidFill>
+              </a:rPr>
+              <a:t>Commit</a:t>
+            </a:r>
+            <a:r>
+              <a:rPr lang="en-US" dirty="0"/>
+              <a:t>: record your current change to local</a:t>
+            </a:r>
+          </a:p>
+          <a:p>
+            <a:pPr marL="457200" indent="-457200">
+              <a:buFont typeface="Arial" panose="020B0604020202020204" pitchFamily="34" charset="0"/>
+              <a:buChar char="•"/>
+            </a:pPr>
+            <a:r>
+              <a:rPr lang="en-US" dirty="0">
+                <a:solidFill>
+                  <a:srgbClr val="C00000"/>
+                </a:solidFill>
+              </a:rPr>
+              <a:t>Push</a:t>
+            </a:r>
+            <a:r>
+              <a:rPr lang="en-US" dirty="0"/>
+              <a:t>: upload your files to the GitHub server</a:t>
+            </a:r>
+          </a:p>
+          <a:p>
+            <a:pPr marL="457200" indent="-457200">
+              <a:buFont typeface="Arial" panose="020B0604020202020204" pitchFamily="34" charset="0"/>
+              <a:buChar char="•"/>
+            </a:pPr>
+            <a:r>
+              <a:rPr lang="en-US" dirty="0"/>
+              <a:t>In few minutes, the Pages will update your change</a:t>
+            </a:r>
           </a:p>
         </p:txBody>
       </p:sp>
@@ -13677,7 +13695,7 @@
           <p:cNvPr id="4" name="Footer Placeholder 3">
             <a:extLst>
               <a:ext uri="{FF2B5EF4-FFF2-40B4-BE49-F238E27FC236}">
-                <a16:creationId xmlns:a16="http://schemas.microsoft.com/office/drawing/2014/main" id="{9C59AA66-E878-400E-A672-1530040EBE3E}"/>
+                <a16:creationId xmlns:a16="http://schemas.microsoft.com/office/drawing/2014/main" id="{BE7FFF26-044F-43CE-89BB-8C38CAFF3482}"/>
               </a:ext>
             </a:extLst>
           </p:cNvPr>
@@ -13695,7 +13713,13 @@
           <a:p>
             <a:r>
               <a:rPr lang="en-US"/>
-              <a:t>Copyright © 2021 Luyu Liu, Liu.6544@osu.edu</a:t>
+              <a:t>Copyright © 2021 Luyu Liu,</a:t>
+            </a:r>
+          </a:p>
+          <a:p>
+            <a:r>
+              <a:rPr lang="en-US"/>
+              <a:t>Liu.6544@osu.edu</a:t>
             </a:r>
             <a:endParaRPr lang="en-US" dirty="0"/>
           </a:p>
@@ -13706,7 +13730,7 @@
           <p:cNvPr id="5" name="Slide Number Placeholder 4">
             <a:extLst>
               <a:ext uri="{FF2B5EF4-FFF2-40B4-BE49-F238E27FC236}">
-                <a16:creationId xmlns:a16="http://schemas.microsoft.com/office/drawing/2014/main" id="{D91E3681-8719-4010-B058-24E06DADEDEB}"/>
+                <a16:creationId xmlns:a16="http://schemas.microsoft.com/office/drawing/2014/main" id="{F70D52D4-13B1-4D59-934E-1A5BF42D0F86}"/>
               </a:ext>
             </a:extLst>
           </p:cNvPr>
@@ -13733,7 +13757,185 @@
     </p:spTree>
     <p:extLst>
       <p:ext uri="{BB962C8B-B14F-4D97-AF65-F5344CB8AC3E}">
-        <p14:creationId xmlns:p14="http://schemas.microsoft.com/office/powerpoint/2010/main" val="367718138"/>
+        <p14:creationId xmlns:p14="http://schemas.microsoft.com/office/powerpoint/2010/main" val="3291779324"/>
+      </p:ext>
+    </p:extLst>
+  </p:cSld>
+  <p:clrMapOvr>
+    <a:masterClrMapping/>
+  </p:clrMapOvr>
+</p:sld>
+</file>
+
+<file path=ppt/slides/slide39.xml><?xml version="1.0" encoding="utf-8"?>
+<p:sld xmlns:a="http://schemas.openxmlformats.org/drawingml/2006/main" xmlns:r="http://schemas.openxmlformats.org/officeDocument/2006/relationships" xmlns:p="http://schemas.openxmlformats.org/presentationml/2006/main">
+  <p:cSld>
+    <p:spTree>
+      <p:nvGrpSpPr>
+        <p:cNvPr id="1" name=""/>
+        <p:cNvGrpSpPr/>
+        <p:nvPr/>
+      </p:nvGrpSpPr>
+      <p:grpSpPr>
+        <a:xfrm>
+          <a:off x="0" y="0"/>
+          <a:ext cx="0" cy="0"/>
+          <a:chOff x="0" y="0"/>
+          <a:chExt cx="0" cy="0"/>
+        </a:xfrm>
+      </p:grpSpPr>
+      <p:sp>
+        <p:nvSpPr>
+          <p:cNvPr id="2" name="Title 1">
+            <a:extLst>
+              <a:ext uri="{FF2B5EF4-FFF2-40B4-BE49-F238E27FC236}">
+                <a16:creationId xmlns:a16="http://schemas.microsoft.com/office/drawing/2014/main" id="{49D97ECA-0DA2-45CB-A59B-812B73039F85}"/>
+              </a:ext>
+            </a:extLst>
+          </p:cNvPr>
+          <p:cNvSpPr>
+            <a:spLocks noGrp="1"/>
+          </p:cNvSpPr>
+          <p:nvPr>
+            <p:ph type="title"/>
+          </p:nvPr>
+        </p:nvSpPr>
+        <p:spPr/>
+        <p:txBody>
+          <a:bodyPr/>
+          <a:lstStyle/>
+          <a:p>
+            <a:r>
+              <a:rPr lang="en-US" dirty="0"/>
+              <a:t>More Extra Contents</a:t>
+            </a:r>
+          </a:p>
+        </p:txBody>
+      </p:sp>
+      <p:sp>
+        <p:nvSpPr>
+          <p:cNvPr id="3" name="Content Placeholder 2">
+            <a:extLst>
+              <a:ext uri="{FF2B5EF4-FFF2-40B4-BE49-F238E27FC236}">
+                <a16:creationId xmlns:a16="http://schemas.microsoft.com/office/drawing/2014/main" id="{54A0558D-D8A0-4627-9E1B-E8EA9CE9CEFD}"/>
+              </a:ext>
+            </a:extLst>
+          </p:cNvPr>
+          <p:cNvSpPr>
+            <a:spLocks noGrp="1"/>
+          </p:cNvSpPr>
+          <p:nvPr>
+            <p:ph idx="1"/>
+          </p:nvPr>
+        </p:nvSpPr>
+        <p:spPr/>
+        <p:txBody>
+          <a:bodyPr/>
+          <a:lstStyle/>
+          <a:p>
+            <a:pPr marL="0" indent="0">
+              <a:buNone/>
+            </a:pPr>
+            <a:r>
+              <a:rPr lang="en-US" dirty="0"/>
+              <a:t>Please visit </a:t>
+            </a:r>
+            <a:r>
+              <a:rPr lang="en-US" dirty="0">
+                <a:hlinkClick r:id="rId2"/>
+              </a:rPr>
+              <a:t>https://github.com/luyuliu/vizathon-geovisualization#adding-a-geojson-layer</a:t>
+            </a:r>
+            <a:r>
+              <a:rPr lang="en-US" dirty="0"/>
+              <a:t> for more contents!</a:t>
+            </a:r>
+          </a:p>
+          <a:p>
+            <a:pPr marL="0" indent="0">
+              <a:buNone/>
+            </a:pPr>
+            <a:endParaRPr lang="en-US" dirty="0"/>
+          </a:p>
+          <a:p>
+            <a:pPr marL="0" indent="0">
+              <a:buNone/>
+            </a:pPr>
+            <a:r>
+              <a:rPr lang="en-US" dirty="0"/>
+              <a:t>Any questions?</a:t>
+            </a:r>
+          </a:p>
+        </p:txBody>
+      </p:sp>
+      <p:sp>
+        <p:nvSpPr>
+          <p:cNvPr id="4" name="Footer Placeholder 3">
+            <a:extLst>
+              <a:ext uri="{FF2B5EF4-FFF2-40B4-BE49-F238E27FC236}">
+                <a16:creationId xmlns:a16="http://schemas.microsoft.com/office/drawing/2014/main" id="{79C54FA0-63E7-44AD-8AD0-7724F9DF65FC}"/>
+              </a:ext>
+            </a:extLst>
+          </p:cNvPr>
+          <p:cNvSpPr>
+            <a:spLocks noGrp="1"/>
+          </p:cNvSpPr>
+          <p:nvPr>
+            <p:ph type="ftr" sz="quarter" idx="11"/>
+          </p:nvPr>
+        </p:nvSpPr>
+        <p:spPr/>
+        <p:txBody>
+          <a:bodyPr/>
+          <a:lstStyle/>
+          <a:p>
+            <a:r>
+              <a:rPr lang="en-US"/>
+              <a:t>Copyright © 2021 Luyu Liu,</a:t>
+            </a:r>
+          </a:p>
+          <a:p>
+            <a:r>
+              <a:rPr lang="en-US"/>
+              <a:t>Liu.6544@osu.edu</a:t>
+            </a:r>
+            <a:endParaRPr lang="en-US" dirty="0"/>
+          </a:p>
+        </p:txBody>
+      </p:sp>
+      <p:sp>
+        <p:nvSpPr>
+          <p:cNvPr id="5" name="Slide Number Placeholder 4">
+            <a:extLst>
+              <a:ext uri="{FF2B5EF4-FFF2-40B4-BE49-F238E27FC236}">
+                <a16:creationId xmlns:a16="http://schemas.microsoft.com/office/drawing/2014/main" id="{4BF22AAB-737F-4CFB-9A61-AA3529F0D467}"/>
+              </a:ext>
+            </a:extLst>
+          </p:cNvPr>
+          <p:cNvSpPr>
+            <a:spLocks noGrp="1"/>
+          </p:cNvSpPr>
+          <p:nvPr>
+            <p:ph type="sldNum" sz="quarter" idx="12"/>
+          </p:nvPr>
+        </p:nvSpPr>
+        <p:spPr/>
+        <p:txBody>
+          <a:bodyPr/>
+          <a:lstStyle/>
+          <a:p>
+            <a:fld id="{D2A42372-2098-4587-99BF-4D6F88395362}" type="slidenum">
+              <a:rPr lang="en-US" smtClean="0"/>
+              <a:t>39</a:t>
+            </a:fld>
+            <a:endParaRPr lang="en-US"/>
+          </a:p>
+        </p:txBody>
+      </p:sp>
+    </p:spTree>
+    <p:extLst>
+      <p:ext uri="{BB962C8B-B14F-4D97-AF65-F5344CB8AC3E}">
+        <p14:creationId xmlns:p14="http://schemas.microsoft.com/office/powerpoint/2010/main" val="3871194564"/>
       </p:ext>
     </p:extLst>
   </p:cSld>

--- a/doc/presentation_vizathon.pptx
+++ b/doc/presentation_vizathon.pptx
@@ -153,6 +153,668 @@
 </p:presentation>
 </file>
 
+<file path=ppt/ink/ink1.xml><?xml version="1.0" encoding="utf-8"?>
+<inkml:ink xmlns:inkml="http://www.w3.org/2003/InkML">
+  <inkml:definitions>
+    <inkml:context xml:id="ctx0">
+      <inkml:inkSource xml:id="inkSrc0">
+        <inkml:traceFormat>
+          <inkml:channel name="X" type="integer" min="-1920" max="1920" units="cm"/>
+          <inkml:channel name="Y" type="integer" max="1080" units="cm"/>
+          <inkml:channel name="T" type="integer" max="2.14748E9" units="dev"/>
+        </inkml:traceFormat>
+        <inkml:channelProperties>
+          <inkml:channelProperty channel="X" name="resolution" value="72.86527" units="1/cm"/>
+          <inkml:channelProperty channel="Y" name="resolution" value="36.48649" units="1/cm"/>
+          <inkml:channelProperty channel="T" name="resolution" value="1" units="1/dev"/>
+        </inkml:channelProperties>
+      </inkml:inkSource>
+      <inkml:timestamp xml:id="ts0" timeString="2021-07-30T14:44:02.834"/>
+    </inkml:context>
+    <inkml:brush xml:id="br0">
+      <inkml:brushProperty name="width" value="0.05292" units="cm"/>
+      <inkml:brushProperty name="height" value="0.05292" units="cm"/>
+      <inkml:brushProperty name="color" value="#FF0000"/>
+    </inkml:brush>
+  </inkml:definitions>
+  <inkml:trace contextRef="#ctx0" brushRef="#br0">2575 6350 0,'106'35'78,"-35"-17"-62,-36-18-16,36 0 16,17 0-16,229 0 15,336 0 16,-371 0-15,-158 35 15,70 36 16,-106-18-31,71-53-1,-54 0 17,19 0-17,-107 0 32,19 0-16,-1 0-31,-17 0 47</inkml:trace>
+  <inkml:trace contextRef="#ctx0" brushRef="#br0" timeOffset="3551.99">4710 5309 0,'0'18'16,"0"0"0,-18 17-1,-106 35 16,-17 54-15,-1058 670 31,529-353-31,211-142 15,441-299-31,1 0 31,17-17 16</inkml:trace>
+  <inkml:trace contextRef="#ctx0" brushRef="#br0" timeOffset="6432.41">5574 6121 0,'53'0'109,"0"17"-109,-18-17 16,18 0-1,0 0-15,159 0 32,105 0-17,-52 0 32,-36 0-16,-141 0 1,-35-17-17,88 17 17,0-18-1,-35 18 0,-53 0-15,-35 0 93,-1 0-109</inkml:trace>
+  <inkml:trace contextRef="#ctx0" brushRef="#br0" timeOffset="14555.46">10548 7691 0,'53'0'125,"18"0"-110,-36 0-15,0 0 16,18 0-16,317 0 31,-246 0-31,140 0 32,-246 0-17,35 0 16,-18 0-15,142 0 0,52 0 15,-141 0-15,-35 0-1,0 0 16,35 0-15,89 0 0,-124 0-1,88 0 1,-106 0-16,88-18 31,36 0-15,-35 1-1,-1 17 1,-52 0 0,-36 0-16,0 0 15,36 0 1,17 0 0,-17 0-1,34 0 1,-34 0-1,-1 0 1,-17 0 0,18 0-1,-53 0 1,-1 0-16,18 0 16,18 0-1,18 0 16,-18 0-15,-35 0-16,17 0 16,18 0-1,0 0-15,70 0 16,-52 0 0,-1 0-1,-17 0 1,-18 0-16,18 0 15,-35 0 1,53 0-16,34 0 31,-16 0-15,-19 0-16,1 0 16,-36 0-1,0 0-15,18 0 16,18 0-16,-18 0 15,0 0-15,-1 0 16,19 0-16,17 0 31,-53 0-31,18 0 16,71 0 0,-54 35-1,-17-35-15,-17 0 31,69 0-15,1 0-16,0 0 31,0 0-15,-36 0 0,36 18-1,-53-1 1,53 18-1,-53-35 1,-35 0 0,123 0-1,-71 0 1,18 0 0,-17 0-1,0 0 1,17 0-1,35 0 17,-52 0-17,35 0 1,-71 0-16,53 0 16,-17 0-1,-1 0 1,36 0-1,-35 0 1,52 0 0,-17 0-1,0-17 1,0-18 0,-18 35-1,35-18 16,18 0-31,-35 18 16,0 0 15,0 0-15,-18 0 0,18 0-1,-36 0-15,-17 0 16,0 0-16,0 0 0,106 0 31,-18 0-15,0 0-1,-70 0-15,52 0 32,-70 0-32,53 0 15,70 0 16,-105 0-15,-53 0-16,52 0 16,1 0-1,-18 0-15,35-17 16,-18-1 0,36 18-1,-18 0 1,1-35-1,-1 17 1,-35 18 15,35 0-31,-35 0 16,0 0 15,-18 0-31,18 0 0,0 0 16,-18 0-1,18 0-15,18 0 16,34 0 0,-34 0 15,-18 0-15,17 0-1,-52 0-15,106 0 31,-107 0-31,36 0 16,-35 0-16,35 0 16,17 0-1,-35 0 1,-17 0-16,0 0 31,17 0-31,-17 0 31,52 0-15,-35 0 0,-17 18-1,35 17 1,-18-17 0</inkml:trace>
+  <inkml:trace contextRef="#ctx0" brushRef="#br0" timeOffset="21955.64">7973 6209 0,'17'0'188,"1"0"-188,17 0 15,1 0 1,52 0-16,53 0 16,512 0-1,-389 0-15,177 0 31,71 0 1,-477 0-32,-17 0 15,17 0-15,71 0 32,-36-35-32,1 35 15,-18 0-15,105-36 31,-69 19-15,-19 17 0,124 0-1,-35-18 17,-18 18-17,71 0 16,-89 0-15,-87 0 0,16 0-16,195 0 31,-141 0-15,-53 0-1,0 0-15,106 0 16,-106 0-1,0 0-15,0 0 16,-1 0-16,1 0 31,88 0 1,-70 0-32,70 0 15,-17 35 1,-54-35 15,36 0-15,17 0-16,1 0 31,-71 0-31,88 0 31,-70 18-15,-19-18-16,107 0 31,-106 0-31,53 18 31,70-18-15,-17 0 15,-18 0-15,18 0 15,-124 0-31,53 0 16,-52 0-1,70 0 1,-54 0 0,1 0-16,-17 0 15,87 17 1,-35-17-1,-17 18 17,-18-18-17,-18 0 1,-17 0 0,35 0-16,17 0 31,-35 0-31,-17 0 15,17 0 17,-17 0-17</inkml:trace>
+  <inkml:trace contextRef="#ctx0" brushRef="#br0" timeOffset="26064.38">7461 9190 0,'-17'0'0,"34"0"15,-52 0-15,88 0 47,0-18-31,70 18-16,36-35 15,53 35-15,264-53 16,35 18 15,371 35 0,-740 0-31,-19 0 0,-35 0 16,0 0-16,18 0 31,-53 0-31,0-18 16,0 18-16,123-35 31,-17 17-15,53 18-1,-142-17 1,89-19 0,141 1 15,-159 35 0,18 0-31,-89 0 16,54 0 15,70 0 0,-88 0-15,-36 0-16,1 71 16,17-36 15,-70 18-31,105-18 15,-70-35 17,18 0-32,-36 0 15,35 0 17,54 0-17,-54 0 16,-17 0-15,-35 0-16,53 0 31,34 0-15,-87 0 0,35 0-1,0 0 1,-35 0-16,17 0 15,0 0 1,18 0 0,-35 0-1,-1 0 1,1 0 0,0 0 15,17 0-16,0 0 1,-17 0-16,17 0 0,-17 0 31,-1 0-15,19 0 375,-19 0-391,18 0 15,-17-35-15,0 35 16,-1 0-1</inkml:trace>
+  <inkml:trace contextRef="#ctx0" brushRef="#br0" timeOffset="30816">2346 11448 0,'-18'35'125,"18"-17"-110,-35 17 1,35 0-16,-18-17 31,1-1-31,-1 36 16,1 18 0,17-36-16,0 89 31,-18-36-16,18-18 1,-18 36 0,18-35-1,-17-36 1,17 18 15,0-35-15,0-1-1,0 1 1,0 17 0,0 53 15,0 18-15,0 53-1,0 53 1,0-89 15,0-35-31,53 36 16,-36-54 15,1 36-15,-1-35-16,1 123 31,-18-124-31,0 18 15,0-52 17,0 17-17,0-36 1,0 36 0,-53 18-1,36-1 1,-19-17-1,1 18-15,-36-18 32,71-36-17,-17 19 1,-1-19 0,0-17-1,-70 88 16,0-17-15,-18 17 0,36-35-1,17-53 1,-18 18 0,71-1 234,0 36-235,0-35 1,36 35-16,-1-18 15,0 71 1,18-18 0,-18-70-16,1 70 31,16-17-15,-52-54-1,36 54 16,-19-18-15,1 17 0,35 107 15,-53-72-15,0-34 15,0-18-16,0-18-15,18 36 32,-18-36-17,35 18 1,-35-18 0,0 1-1,0-1 1,0 0-16,0 36 15,0 52 17,0-88-17,0 18 17,0-35-32,0 17 15,35 124 32,-35-71-16,0-17-31,0-18 16,0 35 0,0-53-16,0 0 15,0 18-15,0-17 31,0-19-15,0 1-16,0 17 16,0 18-1,0 53 17,0-36-17,0 1 1,0-53-1,0 17-15,0-17 16,0 52 0,0-17 15,0-35-15,0-1 62,0 1-78,0 0 15,0 17 1,0-18-16,35 36 16,-17 0-1,-18 0 16,35 0 79,-35-35-110,18-18 15,-18 17 1,0 19 15,0-1-31,18 0 16,17 1-16</inkml:trace>
+</inkml:ink>
+</file>
+
+<file path=ppt/ink/ink10.xml><?xml version="1.0" encoding="utf-8"?>
+<inkml:ink xmlns:inkml="http://www.w3.org/2003/InkML">
+  <inkml:definitions>
+    <inkml:context xml:id="ctx0">
+      <inkml:inkSource xml:id="inkSrc0">
+        <inkml:traceFormat>
+          <inkml:channel name="X" type="integer" min="-1920" max="1920" units="cm"/>
+          <inkml:channel name="Y" type="integer" max="1080" units="cm"/>
+          <inkml:channel name="T" type="integer" max="2.14748E9" units="dev"/>
+        </inkml:traceFormat>
+        <inkml:channelProperties>
+          <inkml:channelProperty channel="X" name="resolution" value="72.86527" units="1/cm"/>
+          <inkml:channelProperty channel="Y" name="resolution" value="36.48649" units="1/cm"/>
+          <inkml:channelProperty channel="T" name="resolution" value="1" units="1/dev"/>
+        </inkml:channelProperties>
+      </inkml:inkSource>
+      <inkml:timestamp xml:id="ts0" timeString="2021-07-30T15:07:09.875"/>
+    </inkml:context>
+    <inkml:brush xml:id="br0">
+      <inkml:brushProperty name="width" value="0.05292" units="cm"/>
+      <inkml:brushProperty name="height" value="0.05292" units="cm"/>
+      <inkml:brushProperty name="color" value="#FF0000"/>
+    </inkml:brush>
+  </inkml:definitions>
+  <inkml:trace contextRef="#ctx0" brushRef="#br0">20373 10037 0,'18'0'32,"-1"0"-32,18 0 140,18 0-140,-17 0 16,34 0-16,195 17 31,317 71-15,-335-70 15,-141 0-31,246-18 31,-140 0 0,-88 0-15,-89 0 15,18 0 16,-36 0-31,1 0 15,-18 35 16</inkml:trace>
+  <inkml:trace contextRef="#ctx0" brushRef="#br0" timeOffset="2491.15">19544 9913 0,'35'53'78,"-35"-35"-63,35 35 1,36 17 15,70-70-15,-70 35 0,70 1-1,53-19 16,-177-17 1,1 0 30,70-53-46,53-88 15,-52-53 0,-89 177 1,0-1-17,0 0 32,0-35-31,0-17-1,0 35 1,0-71 15,0 70-31,-36-52 16,19 53-1,-54-36 32,53 71-15,-17 0 30,0 0-46,-18 0 15,0 0-15,35 0 46,-17 0-46,0 0-16,-18 0 31,0 0-15,0 0 15,36 0 16,-36 0-32,0 0 17,35 0-32,0 0 46,-17 0-46,0 0 32,0 0-1,17 36-15,-17 17 15,35-36-16,0 54 17,-36-54-17,36 89 17,0-53-17,-17 0 16,17-18 48,0 1-64,0-1 16,0-17-15,0 17 0,0 0-1,0 0 17,0 1-1</inkml:trace>
+  <inkml:trace contextRef="#ctx0" brushRef="#br0" timeOffset="15472.65">20338 10971 0,'35'0'94,"0"0"-79,18 0-15,-35 0 16,88 0 0,88 0 15,-36 0 0,36 0 0,53 0-15,18 0 15,-106 0 1,-53 18-1,-89-18-31,18 0 31,-17 0 0,35 0 1,-35 0-17,-18 35 48</inkml:trace>
+  <inkml:trace contextRef="#ctx0" brushRef="#br0" timeOffset="18423.71">23107 11130 0,'35'0'94,"1"0"-78,16 0-1,-16 0-15,-1 0 16,88 0 0,-70 0 15,-17 18-31,17-1 31,17-17-15,159 0 15,-123 0 0,35 0 0,-70 0-15,-53 0 15,17 0-15,53 0 31,-70 18-16,17-18 0,18 0-15,-35 0 31,17 0-16,-18 0-15,19 0 15,-1 0 0,-17 0 1063,17 0-1078,0 0-1,0 0 16,-17 0-31,0 0 47,17 0-31,-17 0 62</inkml:trace>
+  <inkml:trace contextRef="#ctx0" brushRef="#br0" timeOffset="20984.73">13035 11042 0,'18'0'125,"-1"0"-125,19 0 16,-19 0-16,36 0 31,-17 0 1,-19 0-17,18 0 16,-17 0-31,53 0 32,-54 0-1,71 0-15,36 0 15,35 0 0,-142 0-31,89 0 16,-35 0 15,-54 18 0,54-18-15,35 0 15</inkml:trace>
+  <inkml:trace contextRef="#ctx0" brushRef="#br0" timeOffset="23813.95">3775 7743 0,'53'0'63,"0"0"-47,-18 18-16,18 0 15,141-1 1,-53-17-16,370 0 31,1 0 0,-142 0-15,-281 0 15,-19 0-15,71 0 15,-35 0-15,-35 0-16,34 0 31,336 36-15,-211-1-1,17-17 16,-177-18-31,1 0 32,-36 17-17</inkml:trace>
+  <inkml:trace contextRef="#ctx0" brushRef="#br0" timeOffset="24951.79">8167 7796 0,'17'0'46,"1"0"-46,35 0 16,53 0 0,-53 0-16,-18 0 31,124 0-15,-53 0 15,52 0 0,-17 0 0,-70 0-31,123 0 16,88 0 0,106 0 15,-105 0 0,-125 0-15,19 0-1,-1 0 17,-158 0-1,17 0 0,-17 0-15,35 0 15,-36 0 47,-17 18-62</inkml:trace>
+  <inkml:trace contextRef="#ctx0" brushRef="#br0" timeOffset="40527.94">19632 13723 0,'18'0'109,"52"18"-109,-52-18 16,52 0-16,19 17 15,-1 1 17,106 0-1,-159-18-16,0 0 1,18 0 15,-35 0-15,0-36 31,-18 19-47,0-71 31,0 35-15,0 17-1,0-87 1,0-36 15,0 89-15,0 17 15,-53 0 0,0 35 16,18 18-47,-18 0 16,-36 0 15,37 0 0,-1 0-15,-18 0 15,-52 0 0,105 18-15,-35 35 15,53-36-15,-18 1 31,18 17-32,0 53 1,-17 36 15,17-71-15,0 0 15,0-36 125,0 19-156,17-1 32,1-35-32,35 35 15,0 0 1,17-35 15,-52 18 0</inkml:trace>
+  <inkml:trace contextRef="#ctx0" brushRef="#br0" timeOffset="45150.68">20479 13811 0,'17'0'94,"1"0"-79,0 0 1,17 0 0,18 0-16,-18 0 15,53 0 1,53 0 15,-52 0-15,122 0 15,107 0 0,-177 0 1,-71 0-17,107-17 16,17-19 1,-53 36-1,-70 0-15,52 0 15,53 0-16,-70 0 17,124 0-1,-36-17-15,-71 17 15,89-36 0,-106 36-15,123-17 15,-53 17-15,-35 0 15,-17 0 0,52-35-15,-17 35 15,-36 0 0,19 0-15,34 17 15,-105-17 0,70 18-15,-18-18 15,-35 0-15,-35 0 15,18 0-15,70 17 15,-88 1-15,53 17 15,-53-35 0,52 18 0,-34-18-15,-18 0 15,17 0-15,1 0 15,-18 0 0,35 0 1,-70 0-1,17 0-16,-17 0 110,-1 0-93,1 0-32,0 0 15,-1 0 17,18 0-1</inkml:trace>
+  <inkml:trace contextRef="#ctx0" brushRef="#br0" timeOffset="60127.69">20708 14623 0,'35'0'47,"-17"0"-31,17 0-1,71-18 1,70 0 15,-140 18-31,387 0 47,-229 0-31,88 0-1,-35 0 17,-70 0-17,105 0 32,-229 0-31,70 0-1,-17 0 17,18 0-1,-71 0 16,-36 0-32,18 0 1,-17 0 31,88 0-16,-88 0-15,17 0 15,35 0-15,1 0-1,35 0 1,141 0 15,-124 0-15,106 0 15,36 0-15,-159 0 15,106 18 0,-107-18-15,89 18 15,-88-1 0,106 1-15,-89 0 31,-34-18-16,-36 0 0,-18 0-15,-18 0 15</inkml:trace>
+  <inkml:trace contextRef="#ctx0" brushRef="#br0" timeOffset="64613.44">8573 14411 0,'17'0'78,"1"0"-78,17 0 16,0 0-16,54 0 31,175 0 0,-70 0-15,-17 0 31,-107 0-31,159 0 15,-105 0-16,-71 0 17,53 35-1,-71-35-15,71 0 15,35 0-16,-18 0 17,-52 0-1,70 0-15,18 0 15,-36 0 0,-17 0-15,53 18-1,-36 0 17,-35-18-1,71 0-16,-71 0 17,106 0-17,-141 0 17,106 0-1,-88 0-16,17 0 1,-18 0 15,72 0 1,87 0-17,-123 0 16,52 0 1,-87 0-17,0 0 17,-19 0-17,19 0 1,0 0 15,-1 0 0,18 0 1,-35 0-17,0 0 1,18 0 15,-1 35 0,89 0-15,-106-35 15,70 18 0,-105-18-15,17 17 15,53 54-15</inkml:trace>
+  <inkml:trace contextRef="#ctx0" brushRef="#br0" timeOffset="66183.11">20743 15522 0,'36'0'94,"17"0"-79,-18 0-15,0 0 0,177 18 16,88 17 15,-159-35-31,353 0 32,141-35-1,-318 17-16,-35 1 1,-141 17-16,89 0 16,246 0 31,-300 0-32,71 0 16,-141 0 1,-53 0-1,-35 0 16</inkml:trace>
+  <inkml:trace contextRef="#ctx0" brushRef="#br0" timeOffset="68633.39">5821 15434 0,'17'0'15,"-34"0"-15,52 0 0,-17 0 16,35 0 0,35 0-1,106 0 1,18 0 15,-71 0 0,-71 0-31,124 0 16,-53 0 15,71 0-15,-124 0 15,89 0-15,-1 0 15,36-35-15,88-18 15,-142 35 0,36 18-15,177 0 15,-1 0-15,71-35 15,-35 35-16,-36 0 17,-123 0-17,141 0 17,-211 0-17,175 0 16,-122 0 1,-54 0-17,-17 0 17,35 0-17,35 0 16,-105 0-15,-54 0 15,89 0-15,-124 0 0,124 0 15,-88 0-16,-1 0 1,18 0 15,-17 0-15,35 0 15,-18 0 0,71 18-15,-106-18 15,88 35 1,-106 0-17,-17-35 16,34 0-15,37 35 15,-36-35 1</inkml:trace>
+</inkml:ink>
+</file>
+
+<file path=ppt/ink/ink11.xml><?xml version="1.0" encoding="utf-8"?>
+<inkml:ink xmlns:inkml="http://www.w3.org/2003/InkML">
+  <inkml:definitions>
+    <inkml:context xml:id="ctx0">
+      <inkml:inkSource xml:id="inkSrc0">
+        <inkml:traceFormat>
+          <inkml:channel name="X" type="integer" min="-1920" max="1920" units="cm"/>
+          <inkml:channel name="Y" type="integer" max="1080" units="cm"/>
+          <inkml:channel name="T" type="integer" max="2.14748E9" units="dev"/>
+        </inkml:traceFormat>
+        <inkml:channelProperties>
+          <inkml:channelProperty channel="X" name="resolution" value="72.86527" units="1/cm"/>
+          <inkml:channelProperty channel="Y" name="resolution" value="36.48649" units="1/cm"/>
+          <inkml:channelProperty channel="T" name="resolution" value="1" units="1/dev"/>
+        </inkml:channelProperties>
+      </inkml:inkSource>
+      <inkml:timestamp xml:id="ts0" timeString="2021-07-30T15:08:51.580"/>
+    </inkml:context>
+    <inkml:brush xml:id="br0">
+      <inkml:brushProperty name="width" value="0.05292" units="cm"/>
+      <inkml:brushProperty name="height" value="0.05292" units="cm"/>
+      <inkml:brushProperty name="color" value="#FF0000"/>
+    </inkml:brush>
+  </inkml:definitions>
+  <inkml:trace contextRef="#ctx0" brushRef="#br0">5838 10460 0,'18'18'94,"-18"-1"-79,35-17 1,18 0-16,88 0 31,53 0-15,389 0 15,-231 0-15,142 0 15,-70 0-15,140 0 15,-282 0-16,177 0 17,-318 0-32,194 0 31,265 0-15,-124 0 15,-53 0-16,-140 0 17,246 0-1,-318 0-15,54 0-1,-194 0 1,123 0-1,70 0 1,107 0 15,-124 0 1,-18 0-1,-123 0-16,105-17 17,-105-1-17,71 0 17,-125 18-32,54 0 31,88-17-16,36-1 17,-125 18-17,19-35 17,-106 35-32,105 0 31,-35 0 0,0 0-15,124 0-1,70-36 17,-88 19-17,-53 17 16,18 0-15,-88 0 15,17 0-15,-17 0 15,17 0-15,70 0 15,-122 0-15,87 0 15,-70 0-15,71 0-1,17 0 16,-71 0 1,-34 0-17,34-18 17</inkml:trace>
+  <inkml:trace contextRef="#ctx0" brushRef="#br0" timeOffset="1620.77">5345 10248 0,'-18'18'31,"0"-1"-31,-17-17 16,-212 89 15,194-36-15,-158 70 15,140-35-16,71-70-15,-18 141 32,1-71-1,-1 35 0,18-34-15,0 34-1,35-17 17,106 105-1,-70-175-15,-18-36 15,-53 17 0</inkml:trace>
+  <inkml:trace contextRef="#ctx0" brushRef="#br0" timeOffset="3748.7">8608 10636 0,'35'36'94,"-35"-19"-78,71 54-16,-36-36 15,0 0 1,36 53 0,-54-52-1,1 87 17,0-52-32,-1-1 31,36 160-16,-35-177 17,-1-1-1,-17-34-15,18 0 30,0 35-14,-18 0-1,0-36-15,0 1-16,-18 17 15,0 18 16,1-35 1,-1-18 77,1 0-93,-1 17 15</inkml:trace>
+  <inkml:trace contextRef="#ctx0" brushRef="#br0" timeOffset="41236.39">5062 11730 0,'-17'18'94,"-1"-1"-79,-35 18 1,0 54 0,36-72-16,-19 54 31,1-18-16,-18 17 17,0-34-1,18 87-15,0 1 15,17-36-16,0 18 32,1-89-31,17 36 0,0 71 15,0-36 0,141 71 0</inkml:trace>
+  <inkml:trace contextRef="#ctx0" brushRef="#br0" timeOffset="43559.78">10636 11765 0,'0'18'63,"0"17"-47,0 36-16,18-18 15,17 141 16,-17-177-31,-18 1 16,0-1 47,35 72-32,-35 52 0,0 53 0,0-141-15,0 17 15,0-52-15,0 52-1,0-34 17,0 17 15,0-36-47,0 19 31,0 17-16,0-36 17</inkml:trace>
+  <inkml:trace contextRef="#ctx0" brushRef="#br0" timeOffset="64196.31">11307 12806 0,'35'0'110,"-18"0"-95,36 0-15,-17 0 16,69 0-1,178 0 17,-125 0-32,654 0 31,-477 0-15,-176 0 15,-106 0 16,17 0-16,1 0-31,35 0 31,-1 0-15,266-53 15,-265 35-15,0 18 15,17-17-15,18 17 15,-53-18 0,53 18-15,-105 0 15,87-18-15,-17 18 30,-18 0-30,18 0 15,35 0 1,-53 0-1,18 0-16,18 0 17,-54 0-17,36 0 17,-18 0-1,18 0-16,-35 0 17,70 18-17,-88-18 17,17 0-17,-35 18 16,89-18 1,-71 0-17,35 0 1,-53 0 15,54 0 0,-37 0-15,-16 0-16,-1 0 31,-17 0-15,-1 35 15</inkml:trace>
+</inkml:ink>
+</file>
+
+<file path=ppt/ink/ink12.xml><?xml version="1.0" encoding="utf-8"?>
+<inkml:ink xmlns:inkml="http://www.w3.org/2003/InkML">
+  <inkml:definitions>
+    <inkml:context xml:id="ctx0">
+      <inkml:inkSource xml:id="inkSrc0">
+        <inkml:traceFormat>
+          <inkml:channel name="X" type="integer" min="-1920" max="1920" units="cm"/>
+          <inkml:channel name="Y" type="integer" max="1080" units="cm"/>
+          <inkml:channel name="T" type="integer" max="2.14748E9" units="dev"/>
+        </inkml:traceFormat>
+        <inkml:channelProperties>
+          <inkml:channelProperty channel="X" name="resolution" value="72.86527" units="1/cm"/>
+          <inkml:channelProperty channel="Y" name="resolution" value="36.48649" units="1/cm"/>
+          <inkml:channelProperty channel="T" name="resolution" value="1" units="1/dev"/>
+        </inkml:channelProperties>
+      </inkml:inkSource>
+      <inkml:timestamp xml:id="ts0" timeString="2021-07-30T15:10:09.180"/>
+    </inkml:context>
+    <inkml:brush xml:id="br0">
+      <inkml:brushProperty name="width" value="0.05292" units="cm"/>
+      <inkml:brushProperty name="height" value="0.05292" units="cm"/>
+      <inkml:brushProperty name="color" value="#FF0000"/>
+    </inkml:brush>
+  </inkml:definitions>
+  <inkml:trace contextRef="#ctx0" brushRef="#br0">4022 6350 0,'17'0'109,"19"18"-93,-1-1-1,0-17-15,18 18 16,18-18-16,17 0 0,71 0 31,264 0 0,71 0-15,-18 0 15,-247 0-15,18 0 15,-141 0-15,53 0 15,-89 0-15,19 0 15,16 0-15,-69 0-1,70 0 63,-71 0-46,0 0-32,-17 0 31,-1 0 625,54-18-640,-53 18-16,17 0 15,18 0 1,-36 0-16,1 0 31,35 0-15,-35 0 46,-1-17-46,1 17 15,0 0-15,17 0 109,-18 0-110,19 0 1,-1 0-16,0 0 16,-17 0 15,0 0-15,17 0-1,18-18 16,-36 18 126,1 0-157,0 0 31,-1 0 0,1 0 0,17 0 16,-17 0-15,0 0-1,-1 0-16,1 0 1,17 0 31,-17 0-31,-1 0 15,19 0 0,-1 0-15,18 0-1,-18 0 1,0 0 0,54 0 15,-1 0-16,35 0 17,18 0-1,-35 35 0,-71-35-31,36 0 16,-18 18 15,0 0-15,17-1 15,-17-17-15,0 35 15,53-35-16,-35 0 17,105 0-1,-158 0-15,35 0-1,158 53 16,-140-53-15,105 0 0,-52 0 15,-107 0-15</inkml:trace>
+  <inkml:trace contextRef="#ctx0" brushRef="#br0" timeOffset="2130.01">6403 7532 0,'106'0'0,"-89"-18"62,19 18-46,17 0-1,105 0 1,19 0 15,-71 0-31,282 0 32,-247 0-32,212 0 15,-1 0 16,125 0-15,158-35 15,-459 17-15,-53 18 15,71 0-15,89 0 15,-89-17 0,123-19-15,18 1 15,-141 35-15,212 0 15,-265 0-15,-17 0 15,158 0 0,-176 0-15,70 0 15,-141 0-15,71 0 15,-18 0-15,18 0-1,88 0 16,-106 0-15,71 0 15,-88 0-15,17 0 0,88 0 15,18 0 16,-141 0-47,18 0 15,-54 0 17,89 0-17,0 18 16,53-18 1,-89 0-17,1 0 17,0 0-17,-54 0 1,18 0 15,-17 0-15,35 0-1,18 0 1,70 53 15,-88-53-15,35 17 15,-53-17-15,-17 0-1</inkml:trace>
+  <inkml:trace contextRef="#ctx0" brushRef="#br0" timeOffset="15358.06">7408 10672 0,'36'0'63,"17"0"-63,-1 0 15,1 0 1,124 0 0,-18 0 15,-89 0-31,265 0 31,36 0-15,-160 0-1,177 0 17,-229 0-17,141 0 17,-141 17-17,158 18 16,36 1-15,-124 17 31,-52 0-31,-71-18 15,88-35-16,0 0 17,105 0-17,-69 0 17,-1 0-17,18 0 16,-35 0 1,-18 0-17,211-18 17,-228-17-17,52 35 16,-194 0-15,142 0 15,17 0 1,-18 0-1,-70-18-16,123 18 17,-70 0-1,-88 0-31,123-35 16,0 17 15,123 1-16,-88-19 17,-140 19-32,-36 17 15,52-18 17,89 18-1,-123 0-16,0 0 17,-1 0-17,1 0 1,-36 0 15,0 0-15,-17 0 15</inkml:trace>
+  <inkml:trace contextRef="#ctx0" brushRef="#br0" timeOffset="22702.03">4921 12171 0,'0'17'62,"0"1"-62,0 17 16,0 1-16,88-19 16,230 72 15,970 193-15,-548-141 15,19 35-16,-706-158 17,0-18-17,70 0 17,-70 0-17,-18-18 16</inkml:trace>
+  <inkml:trace contextRef="#ctx0" brushRef="#br0" timeOffset="23631.07">10354 12118 0,'35'0'31,"1"0"-31,34 0 15,-17 0-15,159 0 32,158-18-1,-35-52-15,441-89 15,-423 124-16,-194 17 1,264-35 0,-193 53-1,175 0 17,-211-17-17,53-19 1,318-34 15,-424 52 0</inkml:trace>
+</inkml:ink>
+</file>
+
+<file path=ppt/ink/ink13.xml><?xml version="1.0" encoding="utf-8"?>
+<inkml:ink xmlns:inkml="http://www.w3.org/2003/InkML">
+  <inkml:definitions>
+    <inkml:context xml:id="ctx0">
+      <inkml:inkSource xml:id="inkSrc0">
+        <inkml:traceFormat>
+          <inkml:channel name="X" type="integer" min="-1920" max="1920" units="cm"/>
+          <inkml:channel name="Y" type="integer" max="1080" units="cm"/>
+          <inkml:channel name="T" type="integer" max="2.14748E9" units="dev"/>
+        </inkml:traceFormat>
+        <inkml:channelProperties>
+          <inkml:channelProperty channel="X" name="resolution" value="72.86527" units="1/cm"/>
+          <inkml:channelProperty channel="Y" name="resolution" value="36.48649" units="1/cm"/>
+          <inkml:channelProperty channel="T" name="resolution" value="1" units="1/dev"/>
+        </inkml:channelProperties>
+      </inkml:inkSource>
+      <inkml:timestamp xml:id="ts0" timeString="2021-07-30T15:11:00.640"/>
+    </inkml:context>
+    <inkml:brush xml:id="br0">
+      <inkml:brushProperty name="width" value="0.05292" units="cm"/>
+      <inkml:brushProperty name="height" value="0.05292" units="cm"/>
+      <inkml:brushProperty name="color" value="#FF0000"/>
+    </inkml:brush>
+  </inkml:definitions>
+  <inkml:trace contextRef="#ctx0" brushRef="#br0">11677 6103 0,'35'0'63,"1"0"-48,-1 0 1,53 0 0,194 0-1,-158 0 1,-36 0-16,265 0 31,-248 0-31,178 0 31,87 0 1,-211 0-17,88 0 16,-141-18-15,52 18 15,-69 0 1,-72 0-32,89 0 31,-53 0-31,106 0 15,-53 0 17,-71 0-32,18 0 15,88 0 17,0 0-1,-70 0-16,-1 0 1,-17 0 15,88 0 1,-106 0-32,18 0 15,-17 0 1,34 0 15,36 0 0,17 0 1,-105 0-32,35 0 15,35 0 1,-53 0 15,36 0 0,35 0 1,-18 0-1,-53 0-16,36 0 1,-1 0 15,36 0 1,-70 0-17,-1 0 1,88 0 15,-87 0-15,52 0 15,-35 0 0,-18 0-15,-17 0 15,70 0 0,-53 0-15,36 0 0,-18 0 15,17 0 0,-52 0-15,52 0 15,1 0-15,-18 0 15,70 0-16,-87 0 17,-1 0-17,35 0 17,1 0-17,-18 0 1,35 0 15,0 0 0,-17 0-15,-18 0 15,0 0-15,0 0 15,-18 0-31,0 0 16,-17 0 31,17 0-47,-17 0 15,17 0 16,-17 0-15,17 0 15,124-35-15,17-35 15,-17 70 0,-53 0-15,70 0 15,0 0-15,-35 0 15,-17 0-15,105 0 15,-35 0-15,141 17 15,-176 1 0,-106-18 0,18 0 1,123 0-1,-71 0-15,-52 35-1,52 0 1,-88-35-1,36 0 1,105 0 15,-17 0 1,-71 18-17,-35 17 1,106-35 15,-88 0-15,-1 0 15,1 0 0,-18 0 0,123 0 1,-105 0-17,70 0 17,-53 0-17,88 0 16,-123 0-15,35 0 15,-17 0-15,17 0 15,-35 0-15,53 0 15,-18 0 0,-35 0-15,53 0 15,-36 0 0,-52 0-15,17 0 15,-17 0-15,52 0 15,-52 0-15</inkml:trace>
+  <inkml:trace contextRef="#ctx0" brushRef="#br0" timeOffset="4264.5">2187 10319 0,'18'-18'94,"-18"0"-79,53 18-15,17-35 16,36 18-1,35 17 17,-88-18-32,71 0 15,34 1 17,107-1-17,-142 18 16,36-18 1,123 1-17,107-1 17,-284 18-1,19 0-16,-36 0 17,0 0-17,53 0 17,18 0-17,-88 0 16,105 0-15,-123 0 15,106-35 1,17 35-1,0-18-16,-52 18 1,35 0 0,-18-53 15,-18 53 0,-70 0-15,35 0 15,-70 0-15,0 0 15</inkml:trace>
+  <inkml:trace contextRef="#ctx0" brushRef="#br0" timeOffset="5447.16">9931 7849 0,'-18'0'16,"-35"0"-1,18 18-15,-53 88 16,-36-18 15,89-70-31,-71 140 16,-35 72 15,70-107-15,-17 142 15,71-177-16,-72 194 17,72-194-1,-36 18-15,18 53 15,17 0-16,18-53 17,0 17-17,0 18 17,0 18-1,70-53-16,89 141 17,-53-177-17,-53-17 17</inkml:trace>
+  <inkml:trace contextRef="#ctx0" brushRef="#br0" timeOffset="6980.09">22366 8255 0,'18'0'16,"70"0"-16,35 71 31,1 34-15,-54 1 15,-17-35-31,-17 70 16,69 53 15,-16 18 0,-72-54-15,-17-69 15,0 16-15,0-34-16,0 17 31,0-17-16,0 52 32,-17-52-31,17 17 0,-89 88 15,37-123-16,34 18 1,-17-36 15,17 36 1,0-36-1,-17-17 0,-35 34 0,52-52-31,0 18 16,-35 35 15,18-18-15,-106 71 15,106-88 0,-106 88-15,70-71 15,53 0-15</inkml:trace>
+  <inkml:trace contextRef="#ctx0" brushRef="#br0" timeOffset="10926.16">14887 9172 0,'0'36'31,"-35"16"-15,35 1-16,-71 71 15,-34 87 17,69-122-32,-34 69 15,-18-16 16,70-54-15,18-53 47,0 0-48,0 71 16,18-71-31,70 89 16,-18-89 15,-34-35-15</inkml:trace>
+  <inkml:trace contextRef="#ctx0" brushRef="#br0" timeOffset="11951.61">17286 9172 0,'35'36'31,"-17"-19"-15,0 1-16,-1-1 0,1 36 31,0 36-15,35 69 15,-53-52-15,0 35 15,0-35 0,0-35 0,0 52-15,-18-70 0,-17 35 15,17-53 0,0 1-15,1 17 15,-54 17 0,36-52-15</inkml:trace>
+  <inkml:trace contextRef="#ctx0" brushRef="#br0" timeOffset="30005.19">2787 13159 0,'18'0'62,"35"0"-46,-18 0-16,35 0 16,124 0-1,-70 0 1,405-53 15,71 17-15,-142-34 15,-140 70 0,-265 0-31,0 0 16,70 0 15,71 0-15,18 0 15,-106 0-15,105 0 15,-122 0 0,-54 0 0,18 0-15,0 0 0,123 0 15,-88 0-16,-35 0 17,18 0 15,-18 0-47,-36 0 31</inkml:trace>
+  <inkml:trace contextRef="#ctx0" brushRef="#br0" timeOffset="32878.85">24395 12241 0,'35'0'16,"-35"18"-16,18-18 15,-18 35-15,52 1 16,-34 34 15,-18 159 16,0-87-47,0 34 31,0-158 1,0 17-17,0 18 17,-70 70-1,17-70-31,0-35 15,-159 123 1,71-35 15,123-53-15,18-36 0</inkml:trace>
+  <inkml:trace contextRef="#ctx0" brushRef="#br0" timeOffset="34304.33">21378 12312 0,'-35'0'47,"17"0"-16,1 18-31,-89 105 16,53-35 15,0-17-31,-88 105 16,106-123 15,17 0-15,18 0 15,0 70-15,0-87 15,0-1-16,0 0 17,18 1-17,17-1 17,-17 0-17,246 18 1,-123-35 15,-35-18 0</inkml:trace>
+  <inkml:trace contextRef="#ctx0" brushRef="#br0" timeOffset="44447.35">17022 10672 0,'0'-18'63,"35"18"-63,35 0 15,-34 0 1,52 0-1,-18 0-15,442 141 32,-89 18-17,477 158 17,-318-140-17,-441-142 1,106 0-1,-53 36 17,-88-18-17,106 53 17,-54-18-17,36-88 16,-53 53 1,-70-53-17,-18 0 17,-53 17-17</inkml:trace>
+  <inkml:trace contextRef="#ctx0" brushRef="#br0" timeOffset="50881.77">21255 15910 0,'53'-17'16,"0"17"-16,-36 0 15,36-36 1,194 36 15,-106 0-15,-52 0-1,246 0 17,-88 0-17,-71 0 16,-35 0-15,106 0 15,53 0 1,-71 0-17,-88 0 16,124 0-15,17-35 31,-176 35-47,-18 0 31,89-18-15,-107 1 15,-35-1 0,1 18 1,-1 0-1,0 0 0,-17 0-15</inkml:trace>
+  <inkml:trace contextRef="#ctx0" brushRef="#br0" timeOffset="63404.38">2981 14482 0,'-18'0'47,"1"17"-31,-71 71-1,-142 142 17,124-72-17,36-34 1,17-18 15,18 141 0,35-141 1,0-36-32,0 18 15,0 159 17,53-53-1,35-53-16,53-17 17,-53-36-17,-70-88 17</inkml:trace>
+  <inkml:trace contextRef="#ctx0" brushRef="#br0" timeOffset="65438.4">31097 14446 0,'0'18'31,"0"0"-31,18-1 16,0 36-16,17 0 15,-35 18 17,35 140-17,-17-123 1,35 106 15,-53-123 0,17 0-15,-17 34 15,0-16 1,0 16-17,-70 89 16,17-88-15,0 0 15,18-53-15,17-35 15,0 17-15,-17 36 15,18-1 0,-19-52 1,36-1-17</inkml:trace>
+</inkml:ink>
+</file>
+
+<file path=ppt/ink/ink14.xml><?xml version="1.0" encoding="utf-8"?>
+<inkml:ink xmlns:inkml="http://www.w3.org/2003/InkML">
+  <inkml:definitions>
+    <inkml:context xml:id="ctx0">
+      <inkml:inkSource xml:id="inkSrc0">
+        <inkml:traceFormat>
+          <inkml:channel name="X" type="integer" min="-1920" max="1920" units="cm"/>
+          <inkml:channel name="Y" type="integer" max="1080" units="cm"/>
+          <inkml:channel name="T" type="integer" max="2.14748E9" units="dev"/>
+        </inkml:traceFormat>
+        <inkml:channelProperties>
+          <inkml:channelProperty channel="X" name="resolution" value="72.86527" units="1/cm"/>
+          <inkml:channelProperty channel="Y" name="resolution" value="36.48649" units="1/cm"/>
+          <inkml:channelProperty channel="T" name="resolution" value="1" units="1/dev"/>
+        </inkml:channelProperties>
+      </inkml:inkSource>
+      <inkml:timestamp xml:id="ts0" timeString="2021-07-30T15:12:53.406"/>
+    </inkml:context>
+    <inkml:brush xml:id="br0">
+      <inkml:brushProperty name="width" value="0.05292" units="cm"/>
+      <inkml:brushProperty name="height" value="0.05292" units="cm"/>
+      <inkml:brushProperty name="color" value="#FF0000"/>
+    </inkml:brush>
+  </inkml:definitions>
+  <inkml:trace contextRef="#ctx0" brushRef="#br0">2646 8767 0,'35'0'93,"18"0"-77,-18 0-16,1 0 16,17 0-1,17-18-15,265-35 16,-123-18 15,-71 54 0,18 17-15,17 0 15,-17 0-15,-53 0 15,405 35 0,-405-17-15,247 35 15,-212-36-15,-18-17 15,177 18 16,-159-18-31,-35 0-1,141 0 17,-88 0-17,-89 0 1,125 35 15,-37 18-15,-105-35 31,-35-18-47,52 0 15,160 70 16,-72-52 1,-34-18-17,-1 35 17,18-35-1,71 18 0,-18-18-15,-88 0-1,-53 0 17,-18 0 30,-17 0-46,35 0-1,-36 0 1,107 0 15,-89 0-15,18 0 15,-18 0 0,1 0-15,-1 0 0,35 0 15</inkml:trace>
+  <inkml:trace contextRef="#ctx0" brushRef="#br0" timeOffset="3187.64">20320 8731 0,'35'0'0,"-17"0"15,0 0-15,34 0 32,-16 0-32,123 0 31,35 0-15,-36 0-1,-87 0 16,52 0-15,71 0 15,-123 0 1,123-17-17,-88 17 16,105 0-15,-105 0 15,53 0-15,17 0 15,1 0-15,52 0 15,-17-53 0,-89 53-15,36 0 15,-53 0 0,-18 0-15,-35 0 0,88 0 15,0 0 0,-53 0 0,18 0-15,0 0 15,0 0 1,-53 0-17,-18 0 16</inkml:trace>
+  <inkml:trace contextRef="#ctx0" brushRef="#br0" timeOffset="11489.31">14552 12312 0,'-53'0'16,"18"0"-16,-18 0 16,18 0-16,-53 0 47,70 0-47,-17 0 15,-36 0 16,53 0 1,1 0 15,-107 0-32,71 0 1,-35 0-1,-35 0 17,105 0 93,18 35-94,0-17-31,0 17 16,0 18-1,0-18 1,0 18-1,0 0 1,0 0 15,0-18 126,71-17-157,-1 0 15,-35-1-15,71 36 16,124-35 15,-160-18-31,107 0 31,-72 0 1,-87 0 30,123 0-31,-88 0-15,0 0-16,-18 0 31,-17 0 0,0 0 32,-18-18-1,0 1-30,0-1-32,0-17 31,0-36-15,0 18 15,0 36-31,0-19 94,0 19-79,0-1 32,0 0-31,0 1-1,-18 17-15,-17-36 16,17-16 15,-17 16-15,-1-34 15,19 70 0,-1-18 16,-17 0-16,17 18-15,-17-17 0,17 17-1,-17-18 1,17 18 15,-52 0 16,-71-18-16,70-17 1</inkml:trace>
+</inkml:ink>
+</file>
+
+<file path=ppt/ink/ink15.xml><?xml version="1.0" encoding="utf-8"?>
+<inkml:ink xmlns:inkml="http://www.w3.org/2003/InkML">
+  <inkml:definitions>
+    <inkml:context xml:id="ctx0">
+      <inkml:inkSource xml:id="inkSrc0">
+        <inkml:traceFormat>
+          <inkml:channel name="X" type="integer" min="-1920" max="1920" units="cm"/>
+          <inkml:channel name="Y" type="integer" max="1080" units="cm"/>
+          <inkml:channel name="T" type="integer" max="2.14748E9" units="dev"/>
+        </inkml:traceFormat>
+        <inkml:channelProperties>
+          <inkml:channelProperty channel="X" name="resolution" value="72.86527" units="1/cm"/>
+          <inkml:channelProperty channel="Y" name="resolution" value="36.48649" units="1/cm"/>
+          <inkml:channelProperty channel="T" name="resolution" value="1" units="1/dev"/>
+        </inkml:channelProperties>
+      </inkml:inkSource>
+      <inkml:timestamp xml:id="ts0" timeString="2021-07-30T15:18:32.356"/>
+    </inkml:context>
+    <inkml:brush xml:id="br0">
+      <inkml:brushProperty name="width" value="0.05292" units="cm"/>
+      <inkml:brushProperty name="height" value="0.05292" units="cm"/>
+      <inkml:brushProperty name="color" value="#FF0000"/>
+    </inkml:brush>
+  </inkml:definitions>
+  <inkml:trace contextRef="#ctx0" brushRef="#br0">8484 6085 0,'18'-17'141,"0"17"-126,17 0-15,71 0 47,-71 0-47,-17 0 16,-1 0-1,160 0 17,-19 35-1,1 53 0,-88-35 0,-18-18-31,70 1 16,-35-36 15,53 0-15,-17 0 15,-54 0-31,36 0 31,71 0-15,52 0 31,-106 0-32,107 0 1,-177 0 15,0 0-15,88 35 31,-71-35-32,142 18 17,35-18-1,-212 0-15,53 0 15,-52 0-16,17 0 17,-1 0-17,1 0 17,0 0-1,18 0-16,17 0 17,-70 0-17,70 0 17,-18 0-32,72 0 31,-37 0 0,89 0-15,-70 0 15,88 0-15,-89 0 15,89 0-16,-54 0 17,-16 0-17,-1 0 17,-106 0-17,-17 0 95,17 0-95,-18 0 1,177 0 15,71 0-15,-141 0-1,52 0 1,-35 0 15,-53 0-15,89 35 15,-89-17-15,35-18 15,-70 0-15,0 17 30,0-17-46,-18 0 32,36 0-17,-18 0 17,141 0-17,-71 0 16,54 0 1,-124 0-17,-36 0 329,1 18-344,-18-1 16,18 1-16,17 17 15</inkml:trace>
+  <inkml:trace contextRef="#ctx0" brushRef="#br0" timeOffset="3131.78">19297 7814 0,'-35'0'31,"-18"0"-15,0 0 0,-35 71 15,70-71-31,18 35 156,0 35-156,0-52 16,53 123-1,17-17 17,-52-71-17,0-53 16,-1 17 32,19-17-63,-19 0 16</inkml:trace>
+  <inkml:trace contextRef="#ctx0" brushRef="#br0" timeOffset="4269.26">20743 7902 0,'53'0'31,"-35"0"-15,17 0-1,18 0 1,-35 0-1,-1 0 17,1 0-1,0 0 16,17 0-32,0 88 17,-17-17-17,-18 123 17,0-123-1,0-54-31,0 1 47,0 70-32,0-53 17,-18 1-32,18-1 15,-35-17 16</inkml:trace>
+  <inkml:trace contextRef="#ctx0" brushRef="#br0" timeOffset="6914.7">16492 9208 0,'-17'0'109,"-1"0"-93,0 17 0,1-17-16,-1 35 15,-17 36 1,-18-18 15,35-53-31,1 35 31,17-17 126,35-1-142,0 1-15,18 35 16,18-35-1,-54-18-15,1 17 32</inkml:trace>
+  <inkml:trace contextRef="#ctx0" brushRef="#br0" timeOffset="8325.34">18027 9260 0,'18'-17'78,"-1"17"-63,1 0 1,0 0 0,-18 17 77,0 1-77,0 0 0,0-1-16,0 1 15,0 17 32,0 1-47,0 105 31,-18-71-15,0 1 15,18-36 0</inkml:trace>
+  <inkml:trace contextRef="#ctx0" brushRef="#br0" timeOffset="10421.46">8625 4992 0,'0'17'47,"0"36"-32,-17-53-15,17 18 32,-18-18-32,1 18 31,-1 70-16,-35 71 17,35-89-17,1 36 17,17-71-1,0 1-31,0-1 31,0 35-15,0 71 15,53 36-15,35 87 15,-35-175 0,-36-36-15,36-36 15,-35 1-15,17-1-1</inkml:trace>
+  <inkml:trace contextRef="#ctx0" brushRef="#br0" timeOffset="11680.72">15893 5115 0,'53'36'0,"-36"-1"16,18 18-16,18 17 15,-35-17 1,53 106 15,17 17-15,-71-105 15,19 105-15,-19-105-1,1 35 17,-18-36-1,0 1-15,0 17 30,-18 0-30,-17-35 0,17-35 15,-17-1-15,18 1 46,-1-18-46,-35 71 15</inkml:trace>
+  <inkml:trace contextRef="#ctx0" brushRef="#br0" timeOffset="19179.96">7867 8361 0,'18'0'31,"-1"0"-31,36 0 16,88 0 0,53 0 15,-141 0-31,53-18 31,-88 18-15,-1 0-1,19 0 17</inkml:trace>
+  <inkml:trace contextRef="#ctx0" brushRef="#br0" timeOffset="20317.47">7796 9719 0,'18'0'63,"0"0"-48,35-35-15,17 35 31,1 0-31,52-18 16,18 18 15,-53 0-15,177-18 15,-141 1 0,-54-1-15,-17 18 0,-35 0 15,35 0-15,-1 0 15,19 0-16,-53 0 17,-1 0-1</inkml:trace>
+  <inkml:trace contextRef="#ctx0" brushRef="#br0" timeOffset="28432.87">7655 11977 0,'18'-18'0,"0"-17"15,-1 35-15,1-53 47,-1 53-47,54-35 31,-18 35-31,53 0 32,53-18-1,87 0-16,-51-17 17,34 18-1,18 17-15,-177 0 15,-17 0-31,88 0 31,89-18 0,-72 0 1,19 1-17,-36 17 16,88 0 1,-17 0-1,-124 0-15,18 0 15,-88 0-31,87 0 15,72 0 17,-1 0-1,-88 0 0,1 0-15,105 17 15,-36 54 0,-34-71-15,-1 17 15,-35-17 0,-35 0-15,-35 0 15,0 0-15,-1 0 46</inkml:trace>
+  <inkml:trace contextRef="#ctx0" brushRef="#br0" timeOffset="31383.89">25400 10918 0,'-35'-17'16,"-1"17"-16,-16 0 16,-1-35 15,17 35-15,1 0 15,-35 0 0,-36 105-15,53-34 15,0 17-31,-124 141 31,160-87-15,17-125 15,0 71-15,0-70 15,35 106-15,36-36-1,70-18 16,70 71 1,-158-88-17,18-53 17,-1 0-17,107 0 16,-18-123-15,-71 17 15,-35 18 1,-53 35-17,17-106 16,-17 18-15,-17-18 15,-19 53 1,-16 54-17,-72-37 16,18 89-15,-88-35 15,124 35 1,34-35-32,-34 35 15,35 0 16,-1 0-15,-17-18 31</inkml:trace>
+  <inkml:trace contextRef="#ctx0" brushRef="#br0" timeOffset="44016.52">6703 14746 0,'17'0'94,"1"0"-94,0 0 15,17 0-15,36 0 16,-36 0-16,35 0 16,54 0 15,88 0 0,-124 0-15,35 0 15,-70 0 0,-18 0-31,1 0 16,69 0 31,-69 0-32,-19 0 1,36 0 31</inkml:trace>
+  <inkml:trace contextRef="#ctx0" brushRef="#br0" timeOffset="47004.45">8220 14605 0,'17'0'140,"19"0"-140,17 0 16,-36 0-16,1 0 16,-1 0-16,19 0 78,-1 0-63,-17 0 1,-1 0-16,19 0 31,69 0-15,-34 0 15,17 0-15,-35 0 15,106 0-15,-18 18 15,-18-18 0,-17 53 0,-18-18 1,-70-35-32,88 17 31,-88-17-15,52 18-1,1-18 16,-1 0 16,71 53-15,-105-53-17,34 0 16,-52 0 1</inkml:trace>
+  <inkml:trace contextRef="#ctx0" brushRef="#br0" timeOffset="59342.83">10918 14587 0,'36'0'187,"-19"0"-171,54 0-16,0 0 15,-36 0-15,18-17 16,105-19 15,-122 36-15,17 0 15,35-17-15,-18 17 15,-34 0 0,-1 0-31,53 0 32,71 0-17,-53 0 16,0 0-15,-36 0 15,18 0-15,18 0 0,-18 0 15,-52 0-16,17 0 17,-36 0-1,18 0-15,36 0 15,-18 0-16,53 0 17,-89 0 15,19 0-32,-1 0 16,-17 0-15,-1 0 15</inkml:trace>
+  <inkml:trace contextRef="#ctx0" brushRef="#br0" timeOffset="61830.83">10795 16722 0,'0'-36'15,"0"19"48,18 17-63,52 0 15,89 0 17,264 0-17,-246 0 1,140 0 0,89 0 15,-371 0-16,36 0 17,70-18-17,-53 18 1,-17 0 15</inkml:trace>
+  <inkml:trace contextRef="#ctx0" brushRef="#br0" timeOffset="62769.89">10478 17392 0,'35'0'0,"0"-35"15,-17 35-15,-1 0 16,1 0-1,17-18 1,71 18 15,0 0-15,70 0 15,283 0 0,-89 0 1,-176 0-17</inkml:trace>
+  <inkml:trace contextRef="#ctx0" brushRef="#br0" timeOffset="63999.55">13476 13635 0,'-35'18'46,"0"17"-30,-18 18-16,17 0 16,1 17-1,-18 36 17,53-71-17,-70 106 16,52-52-15,-35-19 15,35 54-15,-17 17 15,35-88-15,0 70 15,71 36-15,105-18 15,-158-123 0</inkml:trace>
+  <inkml:trace contextRef="#ctx0" brushRef="#br0" timeOffset="65510.79">15628 13547 0,'18'0'15,"-1"0"1,1 0-16,-18 17 31,0 1-15,0 0-16,18 52 31,35 1-15,-18 52 15,53 54 0,-70-72-15,35 89 15,-53-52-15,0 52 15,0-36 0,17-140 0,-17 0 48,0 17-64,0 53 1,0-70-16,0 70 15,-17 0 32</inkml:trace>
+  <inkml:trace contextRef="#ctx0" brushRef="#br0" timeOffset="80228.53">18027 13159 0,'0'-18'62,"18"0"-62,35 18 16,70 0-1,53 0 17,-105 0-32,-18 0 0,0 0 31,53 0-16,70-53 17,18 36-17,-88 17 17,70-18-17,-70 1 16,18 17 1,-54 0-17,18-18 17,106 18-1,-35 0-16,17 0 17,-70 0-1,159 0 0,-142 0-15,18 0 15,-70 0-15,70 0 15,-35 0-15,123 18 15,-123-18 0,0 17 0,17-17-15,-52 35 15,35-35-15,-53 0 15,17 0-15,-52 0 15,17 18-15,53-18 15,-52 18 0</inkml:trace>
+  <inkml:trace contextRef="#ctx0" brushRef="#br0" timeOffset="83276.13">6950 13441 0,'-18'0'93,"-17"0"-77,17 0 0,1 0-16,-1 0 15,-17 0 1,17 0-16,-123 0 31,106 0 0,17 0 32,-17 0-47,-1 0-16,-52 17 31,71-17 31,17 18-46,0 106 0,0-54-1,0 124 1,0 177-1,0 17 17,0 70-1,0-264-15,0-123-1,0 88 1,35-106-1,-35 17 17,35-70 124,-17 0-156,70-18 16,-35-34-1,0 52-15,17-18 16,-34-17 15,-36 17 0</inkml:trace>
+  <inkml:trace contextRef="#ctx0" brushRef="#br0" timeOffset="85402.56">15893 13388 0,'17'0'32,"1"0"-17,17 0 1,-17 0-16,35 0 15,-18 0-15,53 0 16,142 0 15,246 0-15,-212 0 15,-264 18 157,-17 17-188,-1 0 15,-17 18-15,17-18 16,18-17-16,-53 105 31,36-17-15,-19 18 15,36-36 0,0-18-15,0 36 15,-53 71 0,53 123-15,-17-230 0,17 89 15,0-124 0,0 53-15,0 1 15,0 34-15,-18-35 15,18-70-15,-17 17 93,-1-17-93,-35-18-16,18 0 0,-106 53 31,-36-36-16,-105-17 17,141 0-1</inkml:trace>
+  <inkml:trace contextRef="#ctx0" brushRef="#br0" timeOffset="95972.65">16898 14834 0,'35'0'109,"1"0"-93,17 0-16,-1 0 16,1 0-16,18 0 15,-1-17-15,142-1 32,-18-17-1,18 17 0,17-17 0,-88 35 1,-105 0-17,105 0 32,-71 0-31,177 0 15,-88 0 0,-53 0-15,-18 0 31,18-18-32,-18 18 17,-35 0-1</inkml:trace>
+  <inkml:trace contextRef="#ctx0" brushRef="#br0" timeOffset="101924.98">16510 17586 0,'53'0'109,"17"0"-93,-17 0-1,-17 0-15,52 0 0,176 0 32,-122 0-32,193 0 31,-194 0 0,-106 0-15,89 0 15,17 0 0,-53 0-15,18 0 15,-53 0-15,0 0-1,-1 0 17,-34 18-32,123-18 15,-17 0 1,-18 0-1,52 0 17,-105 0-17,-35 0 1</inkml:trace>
+  <inkml:trace contextRef="#ctx0" brushRef="#br0" timeOffset="107683.86">19597 14781 0,'17'0'234,"19"0"-234,-19 0 16,19 0-16,17 0 15,35-17 1,0 17-1,-35 0 1,0 0-16,17 0 16,-17 0-16,53 0 15,-18 0 17,-70 0-17,0 0 16,34-18-15,-34 18-16,106 0 16,-19 0-1,-16 0 1,-72 0 0,19 0-16,-19 0 15,71 0 1,1 0-1,-72 0 1,18 0 0,1 0-16,52 0 15,-17 0 1,52 0 15,-52 0-15,70 0-1,-71 18 17,-52-18-32,-1 0 15,19 0 1,34 0-16,-17 0 31,35 0-15,54 0-1,-90 0 17,-16 17-17,17-17-15,52 0 16,54 0 15,-123 0-31,-1 0 16,53 0-1,-35 0-15,-18 0 16,53 0 0,1 0-1,-1 0 1,-35 0-16,0 0 16,0 0-16,-36 0 15,18 0 1,1 0-16,34 0 15,18 0 17,-35 0-17,53 0 1,-18 0 0,-35 0-1,-35 0-15,17 0 16,18 0-1,-35 0 17,52 0-17,1 0 1,35 0 15,-71 0-31,18 0 16,17 0-1,19 0 1,-1 0 0,-53 0-16,106 0 15,-105 0 17,-1 0-17,35 0 16,-34 0-15,34 0 0,-52 0-16,52 0 15,1 0 17,-36 0-17,-17 0-15,0 0 31,17 0-31</inkml:trace>
+  <inkml:trace contextRef="#ctx0" brushRef="#br0" timeOffset="111483.82">25788 14693 0,'35'0'125,"1"0"-109,34 0-16,-17 0 15,-18 0 1,18 0-1,-35 0 1,0 0 15,-1 0-15,18 0 15,1 0-15,17-17-1,53-1 1,17-17 15,-88 35-31,-17-18 16,17 18-16</inkml:trace>
+  <inkml:trace contextRef="#ctx0" brushRef="#br0" timeOffset="112684.37">25400 16422 0,'18'0'109,"35"0"-93,17 0-16,-35-18 15,18 18 1,106-17-1,-35 17-15,122-18 16,-140 18-16,88-18 31,-53 1-15,-52 17 0,34-18 15,71 0-16,-123 18 1,-1 0-16,1 0 16,-1 0-16,-17 0 15,18 0 17,-1 0-1,-17 0-16,-35 0 1,17 0-16,-17 0 16</inkml:trace>
+  <inkml:trace contextRef="#ctx0" brushRef="#br0" timeOffset="125154.97">14534 18556 0,'18'0'63,"17"0"-48,18 0-15,18 0 16,-18 0-1,53 0 1,-71 0-16,35 0 16,19 0-16,228-35 31,-123 0-15,-88 35-1,-71 0 16,-17 0-15,-18-18 15,0 0-15,18 18 15,-1 0-15,1 0-1</inkml:trace>
+  <inkml:trace contextRef="#ctx0" brushRef="#br0" timeOffset="128745.68">24183 18591 0,'53'0'15,"-18"0"1,0 0-16,18 0 15,159 18 17,-194-18-17,-1 0 63,19 0-62,-19 0-16,36 0 16,-18 0-16,36 0 15,17 18 1,-35-18 15,-18 0-31,89 17 16,-54-17 15,71 0-15,-35 0 15,-35 18-31,-54-18 0,1 0 16,35 0-16,0 18 31,35-1-16,-35-17 17,-35 0-32,17 0 31,-17 0-31,17 18 16,-17-18-16,-1 0 31,36 0-16,-35 0 1,-1 0 0,1 0-1</inkml:trace>
+  <inkml:trace contextRef="#ctx0" brushRef="#br0" timeOffset="133965.79">16722 18962 0,'123'0'16,"-52"0"-16,-36 0 31,0 0-31,18 0 0,-18 0 16,89 0 15,-71 0-31,17 0 16,1 0-1,35 0 1,0 0-1,-1 0 1,-69 0 0,34 0-1,54 0 1,-107 0 0,1 0-16,35 0 15,0 0 1,-18 0-1,36 0 1,17 0 0,-70 0-1,17 0 1,18 17 0,-18-17-1,-17 0-15</inkml:trace>
+</inkml:ink>
+</file>
+
+<file path=ppt/ink/ink16.xml><?xml version="1.0" encoding="utf-8"?>
+<inkml:ink xmlns:inkml="http://www.w3.org/2003/InkML">
+  <inkml:definitions>
+    <inkml:context xml:id="ctx0">
+      <inkml:inkSource xml:id="inkSrc0">
+        <inkml:traceFormat>
+          <inkml:channel name="X" type="integer" min="-1920" max="1920" units="cm"/>
+          <inkml:channel name="Y" type="integer" max="1080" units="cm"/>
+          <inkml:channel name="T" type="integer" max="2.14748E9" units="dev"/>
+        </inkml:traceFormat>
+        <inkml:channelProperties>
+          <inkml:channelProperty channel="X" name="resolution" value="72.86527" units="1/cm"/>
+          <inkml:channelProperty channel="Y" name="resolution" value="36.48649" units="1/cm"/>
+          <inkml:channelProperty channel="T" name="resolution" value="1" units="1/dev"/>
+        </inkml:channelProperties>
+      </inkml:inkSource>
+      <inkml:timestamp xml:id="ts0" timeString="2021-07-30T15:21:51.662"/>
+    </inkml:context>
+    <inkml:brush xml:id="br0">
+      <inkml:brushProperty name="width" value="0.05292" units="cm"/>
+      <inkml:brushProperty name="height" value="0.05292" units="cm"/>
+      <inkml:brushProperty name="color" value="#FF0000"/>
+    </inkml:brush>
+  </inkml:definitions>
+  <inkml:trace contextRef="#ctx0" brushRef="#br0">7743 6385 0,'0'18'79,"53"-18"-64,18 18-15,-36-18 16,18 0-16,71 0 15,264 0 17,70 17-17,-17 36 17,-353-35-1,-17 17-31,35-17 15,-36-18 17,230 0-17,335 0 32,-564 0-31,17 0-1,-17 0 17,34 0-17,-69 0-15,140 0 47,-123 0-31,88 0 15,-106 0-15,54 0 15</inkml:trace>
+  <inkml:trace contextRef="#ctx0" brushRef="#br0" timeOffset="1714.31">26317 6491 0,'53'0'93,"-18"0"-77,18 0-16,-35 0 16,17 0-16,53 0 31,-35 0-15,-17 0 30,17 0-30,70 0 0,36 0-1,-53 0 17,17 35-32,71-17 31,-17 0 0,-142-1-31,35-17 31,213 0 16,-107 18-31,-17-18-1,158 53 17,-17-35-1,-229-18-15,140 17 15,-70 1-16,1-18 17,-107 0-1,106 0-15,-88 0-1,106 17 16,-18-17 1,-106 0-1</inkml:trace>
+  <inkml:trace contextRef="#ctx0" brushRef="#br0" timeOffset="6584.2">5151 6597 0,'35'0'94,"-18"0"-79,54 0 1,-36 0-16,71 0 31,-35 0-15,17 18 15,-53-18-15,0 0-1,-17 0 1,106 0 15,34 0 0,-87 0-15,-1 0 15,-17 0-31,0 0 31,88 0 1,-35 0-17,-35 0 1,158 0 15,-105 0 0,-89 0-31,18 0 32,35 0-17,-35 0 17,53 0-17,0 53 16,-54-36 1,-34-17-17,17 0 32,18 0-16,-35 0-31,52 0 16,-17 0 0,0 0 15,0 0 16,-18 0-32,-17-17 189,-18-1-204,0-35 15,0 18-15,-18-159 16,-52-194 15,70 352 0,0 1-15,0 17 62,-35-17-62,17 17 15,18 1 16,-18 17-32,1-18 17,17 1 30,0-1-46,-18 18 78,0-35-94,-17 35 15,-35-36-15,-54-17 16,36 18 15,53 18 0,-89-1-15,1 18 0,17 0 15,-123-35-16,123 17 17,35 18-17,36 0 17,-71 0-17,-53 0 32,71 0-31,-18 0-1,0 0 17,54 0-17,34 0-15,0 0 47,-35 0-16,-35 0-15,53 0 0,-53 0-1,-71 0 1,71 0 15,52 0 0,1 0 32,18 0-63,-107 0 31,89 0-31,0 0 16,-1 0 15,36 18 188,0-1-204,0 1 1,0 17-16,0 71 16,18-71-1,-18 36 1,0 17-1,0-17 17,18-1-17,-1 18 17,18 18-1,-35-35-16,0 35 17,0-89-17,0 36 32,0-35-47,0 35 47,18-36 266,0-17-298,35 0-15,-18 18 16,0-18-1,36 0 1,-1 35 0,-17 1 15</inkml:trace>
+  <inkml:trace contextRef="#ctx0" brushRef="#br0" timeOffset="25937.51">13741 7497 0,'17'-18'110,"36"18"-110,-17 0 15,34 0-15,54 0 16,70 0 15,0 0 0,-141 0-15,-1 0-16,107 0 31,-18 0 0,-88 0 16,0 0-31,-35 0 0,-1 0-1,19 0 32</inkml:trace>
+  <inkml:trace contextRef="#ctx0" brushRef="#br0" timeOffset="27204.98">19597 7638 0,'17'0'62,"19"0"-46,-1 0-16,18 0 15,494 0 32,-424 0-47,89 0 16,35 0 15,-71 0-15,89-53 31,-230 53-32,141 0 1,-17 0 15,-106-18 0,0 18 16,-35 0-31,-1 0-16,54 0 31,-36 0-15,-17 0 109,-1 0-94,1 0-15,0 0-1</inkml:trace>
+  <inkml:trace contextRef="#ctx0" brushRef="#br0" timeOffset="42677.81">5239 8502 0,'17'0'16,"19"0"-1,-19 0-15,72 0 16,34 0 15,177 0-15,-159 0 15,-88 0-31,-18 0 0,-17 0 31,123 0-15,-71 0 15,36 0-15,88 18-1,-88-18 17,71 35-17,-36-35 16,0 18 1,18-18-17,264 0 17,-106 0-1,-176 0-16,-88 0 17,88 35-1,-35-35-15,106 0 15,-124 0-16,0 0 17,142 0-17,-107 0 17,89 0-17,-53 0 16,17 0 1,-35 0-17,124 0 17,35 0-1,35 0 0,-265 0-15,-17 0-16,53 0 31,70 0 0,1 0-15,-1 0 15,-35 0-15,36 0-1,34 0 17,-87 0-17,-36 0 16,-17 0-15,193 0 15,-70 0 1,-106 0-17,36 0 16,-54 0 1,36 0-17,0 0 17,0 0-17,-18 0 16,0 0-15,-17 0 0,35 0 15,-1 0-15,-34 0 15,-18 0-16,17 0 17,-34 0-1,34 0 0,-34 0-15,17 0-1,-1 0 1,-16 0 15,-1 0 16,0 0-16,-17 0-15,0 0 78,-1 0-79</inkml:trace>
+  <inkml:trace contextRef="#ctx0" brushRef="#br0" timeOffset="55565.23">12524 7832 0,'-18'0'0,"36"0"15,-54 17-15,19 1 32,-19 35 30,19-53-62,17 18 16,0 17-16,-53 35 31,53 54-15,0-71 15,0-36-31,0 1 31,0 0-15,0-1 15,0 54-15,0-54-1,0 36 16,0-35 1,0 35 15,18-35-47,-1-1 31,1-17-16</inkml:trace>
+  <inkml:trace contextRef="#ctx0" brushRef="#br0" timeOffset="70328.14">8502 9772 0,'0'-18'203,"35"18"-188,18 0 1,18 0-16,-36 0 16,353 0 31,-247 0-47,247 0 31,-282 0-16,-88 0 17,52 0 15,-17 0-47,35 0 15,18 0 16,123 0-15,-52 0 15,-71 0 1,35 0-17,18 0 16,-54 0-15,-16 0 31,-54 0-31,71 0-1,-36 0 16,-34 0 1,140 0-1,-106 0-15,-34 0-1,52 0 16,-35 0-15,88 0 31,-88 0-31,-18 0-1,53 0 16,-52 0-15,-1 0 15,18 0 1,-18 0-17,18 0 16,-18 0 1,1 0-17,17 0 17,17 0-1,1 0 0,-18 0 0,-18 0-15</inkml:trace>
+  <inkml:trace contextRef="#ctx0" brushRef="#br0" timeOffset="78010.17">13176 9895 0,'36'0'94,"-19"0"-94,18 0 16,1 0-16,17 0 15,0 0-15,211 0 47,-140 0-47,158 0 16,-159 0 15,54 0-15,-36 0 15,-88 0 0,88 0-15,-18 0 15,71 0-15,-123 0-1,-18 0 16,17 0-15,1 0 15,17 0-15,106 0 15,-88 0-15,35-17 15,-17-1-15,-107 18-1,142 0 1,-88 0 0,17 0 15,53 0-16,88 0 17,-123 0-1,35 0-15,-70 0 15,34 0-16,-16 0 17,-1 0-1,53 0-15,-35 0 15,88 0 0,-106 0-15,53 0-1,-35 0 17,0 0-17,53-17 16,-89-1-15,18 18 0,53 0 15,-17 0-15,-18 0 15,-53 0-16,52 0 17,-69 0-17,34 0 17,1 0-1,-1 0-16,-52 0 1,70 0 15,-17 0 1,-54 0-17,19 0 1,52 0 15,18 0-15,17 0 15,54 0-15,-1 0 30,-70 0-30,53 0 0,-71 0-1,53 0 17,18 18-17,-89-18 16,89 17 1,-141-17-17,158 35 17,-88-35-17,-35 0-15,88 0 31,36 0-15,-54 0 15,-70 0-15,53 0 15,-53 0-15,0 18-1,17-18 17,142 0-1,-159 0-15,70 0-1,-52 0 16,-54 0-15,19 0 15</inkml:trace>
+  <inkml:trace contextRef="#ctx0" brushRef="#br0" timeOffset="110562.46">13741 13617 0,'0'18'78,"17"-18"-46,19 0-32,34 0 15,-52 0-15,52 0 31,1 0 1,-18 0-32,176 0 31,-141 0-15,124 0 15,0 0-16,-106 0 1,-54 0 0,-16 0 15,-1 0-15,-17 0-1,17 0 1,0 0-16,71 0 15,35 0 17,-88 0-32,-18 0 15,89 0 1,-54 18 15,1-1-31,52 1 16,-70-1-1,-17 1 1,16-18 15,-34 0-31,17 18 16,1-18-16,-19 0 16,1 0-16,17 0 31,53 0-16,-70 0 1,141 17 15,-89 19-15,-17-36-16,0 17 16,-18-17-16,107 18 31,-54-18-16,53 0 1,-106 0 0,36 0-1,-18 0 1,0 0-16,35 0 31,-18 0-15,-17 0-1,53 0 17,-88 0-32,52 0 15,1 0 17,17 0-17,106 0 1,-53 0 15,-88 0-15,-35 0-1,52 0 1,-52 0-16,35 0 0,0 0 16,-36 0 15,89 0-16,0 0 17,-88 0-1,-1 0 16,1 0-32,0 0 1</inkml:trace>
+  <inkml:trace contextRef="#ctx0" brushRef="#br0" timeOffset="111794.19">20020 13600 0,'71'0'93,"-18"17"-93,-18-17 16,0 0-16,0 0 16,18 0-16,0 0 15,-35 0 1,17 0-16,-17 0 0,-1 0 15,19 0 1,17 0 15,35 0-31,-35 0 16,0 0 15,70 18-15,-35-18 15,36 18-15,-89-1 15,-17-17-31</inkml:trace>
+  <inkml:trace contextRef="#ctx0" brushRef="#br0" timeOffset="119228.03">23460 8502 0,'0'-35'31,"0"17"-15,-36 18 109,19 0-125,-1 0 15,-17 0-15,-18 0 16,35 0 156,-17 0-156,17 0-1,1 0-15,-1 0 375,1 0-375,-1 0 16,0 0 249,1 0-265,17 35 16,0 1-16,0 69 16,0-52-1,0 0-15,0 71 32,0 17-17,0 18 1,0-124-1,0 88 1,0-70-16,0 0 16,0-18-16,0 1 15,0 34 1,17 54 0,-17-89-1,18 53 1,-18-35-1,0-18 1,18 159 15,-18-105-15,0-19 0,0 71-1,0-52 1,35-89 140,-18 0-156,19 0 16,17 0-16,0 0 31</inkml:trace>
+  <inkml:trace contextRef="#ctx0" brushRef="#br0" timeOffset="122595.49">10001 9825 0,'18'0'172,"17"0"-172,-17 0 16,17-18-16,18 1 15,-35 17-15,-18 17 63,0 1-48,0 17 1,0-17 0,0 35 218,0-18-218,0 0-16,0 18 15,0 18-15,0-18 16,-18 70 15,18-88-31,0 18 16,-18 0-1,18-35 1,0 70 0,0 18-1,-17-71 1,17 106 15,0-70-15,0 35 15,0-71-15,0-17-16,0 17 31,0-17 16,-18-18 281,0 0-266,1 0-46</inkml:trace>
+  <inkml:trace contextRef="#ctx0" brushRef="#br0" timeOffset="128949.43">11624 14552 0,'35'0'94,"18"0"-79,-17 0-15,34 0 16,-17 0-16,106 0 31,17-18-15,-88 1-1,-17-1-15,52 1 16,-70 17 0,18 0-1,-36 0 1,0 0 15,89 0-15,-89 0-1,0 0 1,18 0-16,18 0 31,17 0-31,0 0 16,-35 0 15</inkml:trace>
+  <inkml:trace contextRef="#ctx0" brushRef="#br0" timeOffset="149561.78">21749 12735 0,'0'-17'94,"-18"17"-78,0 0-16,-17 0 62,18-18-46,-1 18 0,0-18-16,1 18 0,-1 0 15,0 0 1,18 18 265,0 17-281,0 1 16,0-1-16,18 106 15,0-88 1,-1 159 0,-17-142 15,0 36-16,0-71 1,36 18 15,-36-35-31,0-1 0,17 19 16,-17-19 15,0 89-15,0-53 15,0-18-31,0 1 16,0-19-1,18-17 126,17 0-125,18 0-16,53 0 15,-88 0 16,-1 0-31,1 18 16</inkml:trace>
+  <inkml:trace contextRef="#ctx0" brushRef="#br0" timeOffset="151984.6">10654 16334 0,'0'-18'156,"18"18"-156,-18-18 203,17 18-62,18 0-79,-17 18-46,-18 0-16,18-1 47,-1-17-47,1 18 31,-18 0-16,0 17 189,0 35-189,0-34-15,0-19 16,0 71-1,0 54 1,0-72 0,-18 54-1,18 17 1,-17-35 15,17-36-15,0-17-1,0-18-15,0 36 16,-18-1 0,0-17-16,1 18 15,-1 17 1,18-17 0,-17-18 15,-1-53 94,0 0-110,-17-36-15,0 1 16,-1 0-16,-16-1 31,-1 1-15,17 35-16</inkml:trace>
+  <inkml:trace contextRef="#ctx0" brushRef="#br0" timeOffset="163890.34">10089 11113 0,'-17'0'141,"-18"0"-141,-18 0 15,0 0 1,35 0-16,0 0 31</inkml:trace>
+  <inkml:trace contextRef="#ctx0" brushRef="#br0" timeOffset="169033.48">11748 17357 0,'52'0'47,"1"0"-31,18 0-16,17 0 15,212 0 17,-159 0-32,159 0 15,211 0 32,-422 0-16,16 0 1,-52 0-32,106 0 15,70 0 32,-140 0-31,34 0-1,-35 0 17,159 0-17,-17 0 32,-54 0-31,-105 0 15,-1-36-15,-17 36 15,18 0 0,-19 0-15,19 0 15</inkml:trace>
+  <inkml:trace contextRef="#ctx0" brushRef="#br0" timeOffset="178249.14">17092 18768 0,'18'0'32,"17"0"-17,36 0 1,-36 0-16,35 0 15,19 0-15,105 0 32,194 0-1,-106 0-15,35 0 15,36 0 0,106 0 0,-353 0-15,52 0 15,36 0-15,36 0 15,-1 0-15,-106 0 15,195 0-15,35 0 15,0 0 0,-283 0 0,89 0-15,-71 17 0,88-17 15,-87 0 0,69 0-15,-52 0-1,-18 0 17,142 0-1,-142 0-16,88 0 17,-105 0-17,-18 0-15,70 0 32,-52 0-17,52 18 16,1-18-15,52 18 15,1-18-15,-54 17 15,18-17-15,53 36 15,-53-36-15,0 17 15,-70-17-15,88 36 15,-106-36 0,194 70 0,-71-52-15,-53-1 15,195-17-15,-142 0 15,1 0 0,-89 0-15,18 0 0,17 0 15,54 0 0,-125 0-15,54 0 15,0 0 0,0 0 0,-53 0-15,17 0 15,-17 0-15,18 0 15,88 0-15,-124 0-1,53 0 17,-17-17-1,87 17-15,-105-36 15,18 36 0,-53 0-15,52 0-1,-52 0-15,17 0 32,53 0-1,-70 0 0,-1 0-15</inkml:trace>
+  <inkml:trace contextRef="#ctx0" brushRef="#br0" timeOffset="181167.76">20197 17339 0,'17'0'16,"1"0"0,70 0-1,71 0 16,-106 0-31,282 0 32,0 0-1,388 0 0,-229 0-15,-106 0 15,-88 0 0,-141 0-15,35 0 0,141 0 15,-123 0 0,-54 0-15,54 0 15,-124 0-15,159 0 15,-88 0-16,-18 0 17,124 35-17,-195-35 1,36 0 15</inkml:trace>
+</inkml:ink>
+</file>
+
+<file path=ppt/ink/ink17.xml><?xml version="1.0" encoding="utf-8"?>
+<inkml:ink xmlns:inkml="http://www.w3.org/2003/InkML">
+  <inkml:definitions>
+    <inkml:context xml:id="ctx0">
+      <inkml:inkSource xml:id="inkSrc0">
+        <inkml:traceFormat>
+          <inkml:channel name="X" type="integer" min="-1920" max="1920" units="cm"/>
+          <inkml:channel name="Y" type="integer" max="1080" units="cm"/>
+          <inkml:channel name="T" type="integer" max="2.14748E9" units="dev"/>
+        </inkml:traceFormat>
+        <inkml:channelProperties>
+          <inkml:channelProperty channel="X" name="resolution" value="72.86527" units="1/cm"/>
+          <inkml:channelProperty channel="Y" name="resolution" value="36.48649" units="1/cm"/>
+          <inkml:channelProperty channel="T" name="resolution" value="1" units="1/dev"/>
+        </inkml:channelProperties>
+      </inkml:inkSource>
+      <inkml:timestamp xml:id="ts0" timeString="2021-07-30T15:25:12.639"/>
+    </inkml:context>
+    <inkml:brush xml:id="br0">
+      <inkml:brushProperty name="width" value="0.05292" units="cm"/>
+      <inkml:brushProperty name="height" value="0.05292" units="cm"/>
+      <inkml:brushProperty name="color" value="#FF0000"/>
+    </inkml:brush>
+  </inkml:definitions>
+  <inkml:trace contextRef="#ctx0" brushRef="#br0">9490 1446 0,'0'36'62,"0"-19"-62,0 19 16,0 17-16,0-1 15,0-34 1,0 53 0,0 17 15,0-71-31,-36 107 31,19-36-15,17-53-16,0 71 31,0 53-15,0-18 15,-35 18 0,17-53-15,-141 105 15,53-122-15,-105-54 15,175-35-15,107 0 62,123 0-47,-176 0-31,87 141 31,-87 18 0,0 70-15,-18-106 0,0 1 15,0-18-15,0-18 15,0 35-16,-18-87 17,0 70-17,1 35 17,-36 70-17,53-140 16,0-1 1,0-17-17,-18 53 17,18 18-1,0-36-16,0 71 17,0-36-17,0-52 17,0-36 30,0-17-46,0-1 15,0 36-15</inkml:trace>
+</inkml:ink>
+</file>
+
+<file path=ppt/ink/ink2.xml><?xml version="1.0" encoding="utf-8"?>
+<inkml:ink xmlns:inkml="http://www.w3.org/2003/InkML">
+  <inkml:definitions>
+    <inkml:context xml:id="ctx0">
+      <inkml:inkSource xml:id="inkSrc0">
+        <inkml:traceFormat>
+          <inkml:channel name="X" type="integer" min="-1920" max="1920" units="cm"/>
+          <inkml:channel name="Y" type="integer" max="1080" units="cm"/>
+          <inkml:channel name="T" type="integer" max="2.14748E9" units="dev"/>
+        </inkml:traceFormat>
+        <inkml:channelProperties>
+          <inkml:channelProperty channel="X" name="resolution" value="72.86527" units="1/cm"/>
+          <inkml:channelProperty channel="Y" name="resolution" value="36.48649" units="1/cm"/>
+          <inkml:channelProperty channel="T" name="resolution" value="1" units="1/dev"/>
+        </inkml:channelProperties>
+      </inkml:inkSource>
+      <inkml:timestamp xml:id="ts0" timeString="2021-07-30T14:46:04.485"/>
+    </inkml:context>
+    <inkml:brush xml:id="br0">
+      <inkml:brushProperty name="width" value="0.05292" units="cm"/>
+      <inkml:brushProperty name="height" value="0.05292" units="cm"/>
+      <inkml:brushProperty name="color" value="#FF0000"/>
+    </inkml:brush>
+  </inkml:definitions>
+  <inkml:trace contextRef="#ctx0" brushRef="#br0">10478 7479 0,'70'0'47,"-35"0"-47,18 0 0,35 0 16,36 0-16,105 0 31,212-71-15,-141 18 15,88 53 16,-229-17-32,35-18 1,-124 17-16,213-35 31,17 35-15,-89 18 31,-158 0-32,71 0 1,87 0 15,19 0 1,175 0-1,-211 0-16,18 0 17,-71-35-1,71 35 0,-71 0-15,53 0 15,35 35 0,-17-17-15,-89 0 31,-87-18-47</inkml:trace>
+  <inkml:trace contextRef="#ctx0" brushRef="#br0" timeOffset="4708.04">25400 6826 0,'18'0'78,"-18"18"-63,17 35-15,-17 0 16,0 0-16,0 229 31,0-35-15,0-106-16,0 176 31,0-175-31,0 16 0,0-17 16,-17 389 15,-1 34-15,18-246-1,0 158 17,0-335-32,0 88 15,0-35 1,0-35 15,0-88-15,0-1-1,0-35 17,0-17-32,-18-18 46,18-18-30</inkml:trace>
+  <inkml:trace contextRef="#ctx0" brushRef="#br0" timeOffset="7583.8">25400 6332 0,'53'0'47,"-53"18"-47,53 35 15,88 17 1,-53-70 0,18 0 15,-35 0-31,52 0 15,18 0 17,-53 0-32,18 0 0,88-17 15,0 17 17,18 0-17,-159 0-15,88 0 31,300 0-15,-159 0 15,0 0-15,283 0 15,-283 0-15,141 0-1,-264 0 1,17 0-16,1 0 16,193 0-1,18 0 1,212 0 15,-371 0-15,-88 0-1,1 0 17,-1 17-17,159 1 17,-212 0-32,141 17 15,0 0 1,-17-17 15,-53-18-31,-124 35 16,-17-17 31,-1-18-47,19 35 15,-19-35 16,1 35-15,0-17 0,-18 123-1,0 0 17,0-88-32,0 229 15,0-158 1,-18 105-1,0-70-15,-17 123 32,17 18-17,-52 247 1,52-371 0,0 124-1,18-53 1,0-35-1,0-18 1,0-36 0,0-87-16,0 105 31,0-87-31,0 140 16,0-141-1,-17 89 1,-1-36-1,1 53 1,-1-71 15,18-105-15,0-1-16,-18-17 125,-17 0-125,0 0 16,-18 0-16,0 0 15,0 0-15,-70 0 16,-177 0-1,-141 0 17,-283 0-17,513 0-15,-177 0 32,-124 0-1,442 0-31,-54 0 15,1 0 1,52 0 0,-105-17-1,-18-1 1,-36 0 0,1-17-1,-265-35 16,300 52-15,0 18 0,106 0-16,-18 0 15,-247 0 17,265 0-32,-35 0 15,-159 0 16,176 0-31,-35-18 16,52 1 0,-16 17-1,-1-36 1,18 19 0,-195-36 15,177 18-16,54 17 1,-19-17 0,36 17-1,-71 0 1,53 18 0,35 0 93,-17-35-109,-18 35 16,35 0-16,-17 0 15,-35 0-15,-1 0 31,36 0-15</inkml:trace>
+  <inkml:trace contextRef="#ctx0" brushRef="#br0" timeOffset="28988.93">2611 3669 0,'17'-18'15,"1"18"-15,-1 0 0,19 0 94,-19 0-78,36 0-16,18 0 15,17 0 1,-53 0-16,71 0 15,18 0 1,-54 0 0,1 0-16,-18 0 15,53 18 1,70 17 0,-70-17-1,35-1 1,-53-17-1,18 0-15,106 0 16,-1 0 15,265 0-15,-387 0 0,105 0-1,53 0 1,-230 0-1,19 0-15,-19 0 16,18 0-16,1 0 16,-1 0-1,159 0 1,-141 0 0,88 0-16,88 0 31,-88 0-16,54 0 17,-54 18-17,123 17 1,-52-17 0,-142-18 15,-52 0-16,-18 18 17</inkml:trace>
+  <inkml:trace contextRef="#ctx0" brushRef="#br0" timeOffset="34824.44">5151 8396 0,'17'0'140,"54"0"-140,-36 0 16,36 0-16,-36 0 15,18 0-15,141 0 32,141 0-17,-247 0 17,-53 0-1,107 0 0,-90 0-31,72 0 16,-36 0 15,-70 0-15,70 0-1,18 0 16,-71 0-31,-17 0 16,140 0 15,-52 0-15,18 0 15,-36 0-15,18 0 15,-18 0 0,-35 0 1,53 0-17,35 0 16,-71 0 1,-17 0-17,-17 0 17,-1 0-17,88 0 16,-87 0-15,-19 0-16,19 0 31,16 0-15,-16 18 15,52-1-15,-18-17 15,-17 0-15,0 0-1,-17 0 1,-1 0 0,-17 0-1,52 0 16,-52 0-15,70 18 15</inkml:trace>
+  <inkml:trace contextRef="#ctx0" brushRef="#br0" timeOffset="36794.57">12435 8590 0,'0'-17'156,"71"17"-156,-18 0 16,-18 0-16,36 0 16,35 0-16,123 0 31,-106 0-31,212 0 31,-140 0-15,-72 0-1,36 0 17,-36 0-1,142 0-15,-142 0 15,142 0-16,-89 0 32,-88 0-31,106-18 15,-141 18-15,18 0 15,-36 0-15,71 0 15,-18 0-15,36-35 30,-89 35-30,18 0 0,0-18-1,-36 18 17,89 0-1,-53-18-16,-18 18 17</inkml:trace>
+  <inkml:trace contextRef="#ctx0" brushRef="#br0" timeOffset="39558.55">8784 7303 0,'0'17'94,"0"54"-79,0-36-15,-17 18 16,17 17-1,-18 19 1,18-54 0,-35 53-1,35 18 17,0-18-17,0 36 16,0-54-15,0 71 15,0-88-15,0 124 15,35-107-15,53 89 15,-17-124 0,-1 36-15</inkml:trace>
+  <inkml:trace contextRef="#ctx0" brushRef="#br0" timeOffset="40744.94">12030 7391 0,'35'106'16,"-17"17"0,-1-105-1,19 17-15,-36 0 16,17 53 15,1-52 0,17 87-15,-17-70 15,-1 71 1,1-54-1,-18-52 0,18 70-15,-18-18 15,0 1 0,0 0-15,-18-36-1,-17 35 17,-36-17-1,54-35 16</inkml:trace>
+  <inkml:trace contextRef="#ctx0" brushRef="#br0" timeOffset="48498.98">5644 9472 0,'18'0'63,"0"0"-47,52 0-16,-17 0 15,-18 0 1,160 0-1,-160 0 1,35 0 0,19 18 15,69-18 0,-52 0 0,88 0-15,-123 0 15,-36 0 16,-17 0-47,35 0 31,123 0 1,-123 0-17,0 0 17,-36 0-1,54 0-16,-36 0 17,18 0-17,-18 0-15,-17 0 32,70 0-1,36 0-16,-89 0 17,71 0-1,-18 0 0,-17 0-15,-1 0 15,-52 0-15,-1 0 31,1 35-16</inkml:trace>
+  <inkml:trace contextRef="#ctx0" brushRef="#br0" timeOffset="62360.48">3792 13423 0,'18'0'63,"17"0"-63,1 0 15,16 0 1,-34 0 0,35 0-1,18 0 1,-36 0 15</inkml:trace>
+  <inkml:trace contextRef="#ctx0" brushRef="#br0" timeOffset="63435.11">4639 13899 0,'35'0'78,"-17"18"-63,35-18-15,53 53 32,-53-53-17,-18 0 1,35 0-1,36 0 32,-70 0-47,16 0 16,19 18 15,-36-18-15,1 0 31</inkml:trace>
+  <inkml:trace contextRef="#ctx0" brushRef="#br0" timeOffset="77069.75">11924 12118 0,'70'-18'0,"54"18"15,17 0 17,-88 0-32,88 0 31,265 0-16,-159 0 1,-89 0 15,89-17 1,-53 17-17,0-18 16,106 0-15,53 18 15,-124 0 1,54 0-17,-89 0 16,-89 0 1,54 0-17,18-35 17,70 0-1,0 17 0,-159 1-15,53-1-1,123-35 17,-70 35-1,18-17-16,88 35 17,-124 0-1,-35 0-15,71 0 15,88 0-16,-159 0 17,124 0-1,-89 0-15,36 0-1,-89 0 16,177 0-15,18 0 31,-89 0-31,0 0 15,53 0-16,54 0 17,-54 0-17,-35 0 17,35 0-17,71 0 16,70 0 1,-35 0-17,-106 0 17,53 0-17,-123 0 1,141 0 15,-230 0-31,142 18 31,-36-1-15,-88 1 15,159 0-15,-70-18 15,-19 0-15,-70 0 15,194 0 0,-35 0-15,-176 0 15,-18 0 0,-18 0-15</inkml:trace>
+  <inkml:trace contextRef="#ctx0" brushRef="#br0" timeOffset="106503.22">6738 15663 0,'71'0'141,"-36"18"-141,0-18 15,0 0-15,89 0 32,-89 0-17,18 0 17,-35 0 46,-1 0-63,19 0-15,17 0 32,17 0-17,-17 0 1,0 0 15,-35 0-31,17 0 31,0 0-31,0 0 16,-17 0-16,53 0 16,-36 0 15,-17 0-31,52 0 15,-35 0 1,-17 0 0,17 0-1,18 0 1,71 0 15,-89 0-31,18 18 31,-18-1-15</inkml:trace>
+  <inkml:trace contextRef="#ctx0" brushRef="#br0" timeOffset="111060.09">6844 17339 0,'35'0'188,"18"0"-173,0 0-15,-35 0 16,70 0 0,-18 0-1,-17 18 17,-35-18-32,17 0 15,71 0 16,88 0-15,-70 0 0,-36 17-1,0 1 1,0 17 0,-53-35-1,18 18 16,-17-18-15,-19 0 0,1 0-1,35 0 1,0 18 15,-36-18-31</inkml:trace>
+  <inkml:trace contextRef="#ctx0" brushRef="#br0" timeOffset="113832.39">7408 16686 0,'18'0'94,"53"0"-78,-54 0-1,1 0-15,17 18 16,0-18-16,1 0 31,-1 0-31,18 18 16,-18-18-16,53 0 31,53 0-15,-105 0-1,52 0 17,-70 0-32,-1 0 15,18 0-15,18 0 16,71 35 15,-54-35-15,1 0-1,52 0 17,-87 0-17,17 0 17,-36 0-32,36 0 15,0 18 1,18-18 15,-36 0-31,18 0 0,0 0 31,0 0-15,-18 0-16,18 0 16,17 0 15,1 0-16,88 0 1,-124 0 0,18 0-1,-35 0-15,17 0 16,-18 0 0,1 0-1,35 0 1,88 0 15,-88 0-31,-18 0 16,1 0-16,-1 0 15,0 0 1,36 0 0,-54 0-1,36 0 1,-17 0-1,-1 0 1,35 0 0,19 0 15,-72 0-31,1 0 16,17 0-16,0 0 15,18 0-15,88 0 16,-35 0-1,18 0 1,-107 0 0,36 0-16,36 0 15,-54 0 1,141 0 15,-88 0-15,36 0 15,35 0-15,-106 0-16,70 0 31,-52 0-31,-1 0 16,1 0-16,-18 0 0,-1 0 15,107 0 16,-88 0-15,17 0 0,-53 0-1,36 0-15,17 0 32,18 0-17,0 0 1,0 0-1,-18 0 17,-35 0-17,88 0 17,-53 0-17,0 0 1,-70 0-1,-1 0-15,54-18 32,0 0-17,-1 18 1,1-35 15,-18 35-15,-36 0-1,18 0 1,-17 0-16,17 0 16,54-18-1,-72 18 32,1 0-47,-1 0 16,1 0-1,17 0 17,-17 0 61</inkml:trace>
+  <inkml:trace contextRef="#ctx0" brushRef="#br0" timeOffset="-214493.36">8925 8343 0,'36'0'94,"16"0"-78,19 0-1,-18 0-15,88 0 16,-70 0 0,87 0-1,178 0 17,-319 0-17,54 0 16,17 0-15,53 0 15,-35 0-15,17 0 31,-105 0-32,123 0 17,-88 0-1,88 0 0,-35 0-15,0 18 15,105 52-15,-87-34 31,-71-36-32,-36 0-15,1 17 31,17-17-15,-17 0 15,35 36 1,0-36-17,-18 0 1,53 0 31,-52 0-32,69 0 17,-87 0-1,0 0-16,17 0 1,71 0 31,-71 0-31,53 0 15,-70 0 0,70 0 0,-70 0 1,-1 0 46,19 0-63,-1 0 1,-17 0-16,-18 17 16</inkml:trace>
+  <inkml:trace contextRef="#ctx0" brushRef="#br0" timeOffset="-25711.01">2311 12594 0,'0'-17'16,"-18"17"-16,-35 0 16,36 0-16,-19 17 15,19 1 17,17 17 30,0 36-46,0-36-16,0 88 31,0 107-15,0 175 15,0 72 0,17-107-15,54 318 15,-71-459 0,-35 106 0,-89-264-15,106-71 15,1 35 157,34 1-188,19 34 15,-19-17-15,-17 70 16,0 54 15,0 176 1,18-195-17,35 54 16,-53-159-31,18 88 32,-18 18-17,0-36 17,0 1-1,0-1-16,0-52 17,0 123-1,0-71-15,0-52 15,17-18 16,-17-36-16,0 1-15</inkml:trace>
+</inkml:ink>
+</file>
+
+<file path=ppt/ink/ink3.xml><?xml version="1.0" encoding="utf-8"?>
+<inkml:ink xmlns:inkml="http://www.w3.org/2003/InkML">
+  <inkml:definitions>
+    <inkml:context xml:id="ctx0">
+      <inkml:inkSource xml:id="inkSrc0">
+        <inkml:traceFormat>
+          <inkml:channel name="X" type="integer" min="-1920" max="1920" units="cm"/>
+          <inkml:channel name="Y" type="integer" max="1080" units="cm"/>
+          <inkml:channel name="T" type="integer" max="2.14748E9" units="dev"/>
+        </inkml:traceFormat>
+        <inkml:channelProperties>
+          <inkml:channelProperty channel="X" name="resolution" value="72.86527" units="1/cm"/>
+          <inkml:channelProperty channel="Y" name="resolution" value="36.48649" units="1/cm"/>
+          <inkml:channelProperty channel="T" name="resolution" value="1" units="1/dev"/>
+        </inkml:channelProperties>
+      </inkml:inkSource>
+      <inkml:timestamp xml:id="ts0" timeString="2021-07-30T14:48:27.292"/>
+    </inkml:context>
+    <inkml:brush xml:id="br0">
+      <inkml:brushProperty name="width" value="0.05292" units="cm"/>
+      <inkml:brushProperty name="height" value="0.05292" units="cm"/>
+      <inkml:brushProperty name="color" value="#FF0000"/>
+    </inkml:brush>
+  </inkml:definitions>
+  <inkml:trace contextRef="#ctx0" brushRef="#br0">25806 8008 0,'-18'0'32,"0"0"-17,-17 0-15,0 0 16,-124 71 15,36-18-15,-195 193 15,159-104-15,54-19 15,16 53-16,72-123 1,-19 18 0,36 17 15,0 71 0,0 35-15,36-88-1,105 264 17,-53-246 15</inkml:trace>
+  <inkml:trace contextRef="#ctx0" brushRef="#br0" timeOffset="3653.94">31468 7708 0,'17'0'110,"19"0"-110,-36 18 15,17-18 1,1 17-16,-18 1 15,35 35-15,-17-35 32,105 105-1,-34 36 16,-37-71-32,-34-17-15,53 17 32,-1 53-1,-52-106-15,0 36 15,52 52 0,-52 71 0,-1-106-15,1 18 15,0-70-31,-18 17 16,0 88 15,17 35 16,-17-88-31,18-35-1,-18-35 32,0 35 0,35 105-16,-17-52 0,-18-88 1,0 35-1,0-36 31,0 1-46,0 0 0,0-1 968,0 19-984,0-1 16,0 0 374,-18-17-374,1-18 0,-1 0 30,0 0 1,-35 17-47,0-17 141,36 0-141,-18 18 16,-1-18-1,19 18 1,-1-18 15</inkml:trace>
+  <inkml:trace contextRef="#ctx0" brushRef="#br0" timeOffset="18607.77">5239 6862 0,'17'0'79,"1"0"-64,53 0 1,-36-18-16,106 18 15,-106 0 1,89 0 0,87 0 15,-17 0 0,-141 0-15</inkml:trace>
+  <inkml:trace contextRef="#ctx0" brushRef="#br0" timeOffset="29915.71">6050 9102 0,'18'0'94,"35"0"-79,17 0 1,-34-18-16,16 18 16,72 0-1,-71 0-15,123 0 32,-52 0-1,-1 0-16,36-18 1,35 18 15,-18 0 1,-52 0-1,70 0-16,-53 0 17,0 0-17,-70 0 17,-18 0-32,-1 0 15,-34 0 16,17 0 1,142 0-17,-54 0 17,-35 18-17,-35-18 16,18 0-15,-18 0 15,88 18 1,-71 35-1,-52-53-31,35 0 15,141 17 17,-35 36-1,-71-53-15,141 0 15,1 0 0,-142 0 0,35 0-15,1 53 15,52-35-15,-17-1 15,-53 1-15,-36-18 15,54 53 0,-71-35-15,-36-1 15,36-17-15,18 35 15,-54-35 0</inkml:trace>
+  <inkml:trace contextRef="#ctx0" brushRef="#br0" timeOffset="139891.26">4057 12206 0,'0'-18'125,"35"18"-110,1 0-15,-1 0 16,141 0 15,-70 0-31,-35 0 16,87-35 15,-105 35-15,-17 0 15,140 0 0,53 0 1,-158 0-17,52 0 16,-35 0-15,18 0 31,-88 0-31,0 0 109,-1 0-32,1 0-93,-1 0 16,1 0 0,0 0-16,17 0 828,-17 18-813,-1-18 1,1 0 0</inkml:trace>
+  <inkml:trace contextRef="#ctx0" brushRef="#br0" timeOffset="142022.54">6473 6879 0,'18'0'32,"0"0"-17,35 0 1,88 0 31,-106 0-47,89 0 15,70 0 17,0 0-1,-177 0-15,36 0 46,35 0-46,-52 0-16,122 0 31,1 0 0,-141 0-31,-1 0 16,36-35 15,-35 35 16,17 0-16,-17 0 32,17 0-63,36 0 15,-1 0 32</inkml:trace>
+  <inkml:trace contextRef="#ctx0" brushRef="#br0" timeOffset="165553.75">3792 14358 0,'18'0'125,"0"0"-125,17 0 16,35 0-1,230 0 16,-70 0-15,264-53 15,-406 36 1,-53 17-17,0 0 16,1 0-15,-19 0 62,1 0-78,-1 0 16,19-18-1,70-35 17,-71 53-17,-17 0 17</inkml:trace>
+  <inkml:trace contextRef="#ctx0" brushRef="#br0" timeOffset="172959.74">8590 14340 0,'35'0'47,"18"0"-31,0 0-16,18 0 31,599-35 0,-388 18 1,-176 17-32,88 0 31,0 0 0,0 0-15,124 17 15,123 18 0,494 54 16,-636-54-47,-34 18 31,158 35-15,-282-70 15,248-18 16,-319 0-47,300 17 31,-105 36 1,88-18-17,0 18 16,17-17-15,-88-19 0,142 36 15,-54-35-15,106-18 15,-246 0-16,175 0 17,1 0-17,17 0 32,-105 18-31,-159 17 15,123-35 0,-18 0-15,-158 0 15,0 0-15,106 0 15,-1 17 0,-70 1-15,-88-18 15,36 18 0,-54-18-15,106 0 15,-35 17-15,17-17 15,-35 0 0,36 0 1,-54 0-1,1 0-15,-18 0 15,-18 0-16,-17 0 17,52 0-17,-34 0 1</inkml:trace>
+  <inkml:trace contextRef="#ctx0" brushRef="#br0" timeOffset="178257.25">20038 7038 0,'53'0'125,"0"0"-110,-18 0-15,71-18 16,70 1-16,18-19 15,494-17 17,-635 53-17,-18 0 1,1 0 0,87 0 15,159 0 0,18 0 0,-88 0-15,-106-52 0,70 34 15,-35-17 0,18 17 0,-53 0-15,-36 18 15,-17 0-31,18 0 31,158 0-15,-106 0 15,-70 0 1,36 18-17,-54 0 16,0-18 1,18 0-17,-35 0 17,70 35-17,-18-35 16,-34 0-15,34 18 15,-52-18-15,0 0 31,17 0-32</inkml:trace>
+  <inkml:trace contextRef="#ctx0" brushRef="#br0" timeOffset="181781.28">18856 6809 0,'18'0'156,"52"0"-140,-35 0-16,18 0 16,18 0-16,141 0 31,-71 0 0,-106 0-15</inkml:trace>
+</inkml:ink>
+</file>
+
+<file path=ppt/ink/ink4.xml><?xml version="1.0" encoding="utf-8"?>
+<inkml:ink xmlns:inkml="http://www.w3.org/2003/InkML">
+  <inkml:definitions>
+    <inkml:context xml:id="ctx0">
+      <inkml:inkSource xml:id="inkSrc0">
+        <inkml:traceFormat>
+          <inkml:channel name="X" type="integer" min="-1920" max="1920" units="cm"/>
+          <inkml:channel name="Y" type="integer" max="1080" units="cm"/>
+          <inkml:channel name="T" type="integer" max="2.14748E9" units="dev"/>
+        </inkml:traceFormat>
+        <inkml:channelProperties>
+          <inkml:channelProperty channel="X" name="resolution" value="72.86527" units="1/cm"/>
+          <inkml:channelProperty channel="Y" name="resolution" value="36.48649" units="1/cm"/>
+          <inkml:channelProperty channel="T" name="resolution" value="1" units="1/dev"/>
+        </inkml:channelProperties>
+      </inkml:inkSource>
+      <inkml:timestamp xml:id="ts0" timeString="2021-07-30T14:53:07.691"/>
+    </inkml:context>
+    <inkml:brush xml:id="br0">
+      <inkml:brushProperty name="width" value="0.05292" units="cm"/>
+      <inkml:brushProperty name="height" value="0.05292" units="cm"/>
+      <inkml:brushProperty name="color" value="#FF0000"/>
+    </inkml:brush>
+  </inkml:definitions>
+  <inkml:trace contextRef="#ctx0" brushRef="#br0">8290 13970 0,'18'0'31,"0"0"-31,17 0 16,124 0 15,-89 0-31,71 0 31,-70 0-31,158 0 32,71 0-17,141-18 32,-194-17-31,212 0-1,-248 35 17,71 0-1,106 0 0,-176 0-15,247 0 15,-212 0-15,423 0 30,-476 0-30,18 0 15,17 0-15,177 0 31,-195 0-32,142 0 1,35 0 15,-88 0-15,35 0 15,-35 17 0,-141-17 1,88 53-17,-89-35 1,160-18 31,52 0-32,-70 35 17,-141-35-1,35 18 0,-18-18-15,-17 0 15,0 0-15,0 0 15,88 18 0,-106-1 0,0-17-15,18 0 15,-54 0-15,37 0 15,-90 0-31,178 0 16,-89 0-1,88 0 17,18 0-1,106 0-15,-141 0 15,-142 0-31,124 0 15,-35 0 17,70 0-17,-176 18 17,-35-18-17</inkml:trace>
+  <inkml:trace contextRef="#ctx0" brushRef="#br0" timeOffset="2168.61">4004 14093 0,'18'0'94,"52"0"-94,-17 0 15,18 0-15,17 0 31,35 0 1,-105 0-32,35 0 31</inkml:trace>
+  <inkml:trace contextRef="#ctx0" brushRef="#br0" timeOffset="3037.81">4868 14058 0,'53'35'47,"-53"-17"-47,36 0 15,-19 17 1,54-35 15,70 0-15,-124 0-16,19 0 31</inkml:trace>
+  <inkml:trace contextRef="#ctx0" brushRef="#br0" timeOffset="3706.63">5697 14164 0,'18'0'125,"35"0"-125,-18 0 15,18 0 1,18 0 0</inkml:trace>
+  <inkml:trace contextRef="#ctx0" brushRef="#br0" timeOffset="4220.41">6350 14182 0,'53'0'63,"-35"0"-63,17 0 16,159 0-1,-35-18 16,-89 18 1,-52 0-32,-1 0 31</inkml:trace>
+  <inkml:trace contextRef="#ctx0" brushRef="#br0" timeOffset="5743.67">7638 15663 0,'17'0'62,"1"0"-62,17 0 32,195 0-1,-195 0-31,141 0 31,-35 0-15,283 0 15,-54-35-15,-35-18 15,-106 36-16,212 17 17,124 0-1,-36 0 0,-106 0 0,71 0 1,141-18-17,-229 18 17,17 0-17,71 0 32,0 0-31,-282 0 15,52 0-15,-34 0 15,34 0 0,-87 0-15,-54 0 15,-105 0-15</inkml:trace>
+  <inkml:trace contextRef="#ctx0" brushRef="#br0" timeOffset="14143.49">12365 12894 0,'0'-18'32,"-35"1"-1,-1 17-16,19 0 1,-36 0 0,35 0-1,0 0 32,-17 53-16,-35 53-15,70-18 15,-36-71-31,-17 177 16,1-35 15,52-106 16,0 0-47,0 0 31,0 194 1,0-141-17,35 194 1,35-106 15,-34-142 0,-1-34 1,-17 17-17,34-17 16,-34-18-15,0 0-16</inkml:trace>
+  <inkml:trace contextRef="#ctx0" brushRef="#br0" timeOffset="16159.94">23442 12894 0,'18'0'47,"-1"0"-32,19 0-15,17 35 16,-1-17 15,-16 53-15,-36-54-1,35 18 1,-17 89 15,-1-36-15,19 53 15,-19-17-15,19 17 15,-19-35-15,-17 35 15,0 0 0,0 53-15,0-124-1,0 54 17,0-54-17,-35-34 16,0 34 1,-1-17-17,1-18 17,-88 1-17,70-36 16,0 0-15</inkml:trace>
+</inkml:ink>
+</file>
+
+<file path=ppt/ink/ink5.xml><?xml version="1.0" encoding="utf-8"?>
+<inkml:ink xmlns:inkml="http://www.w3.org/2003/InkML">
+  <inkml:definitions>
+    <inkml:context xml:id="ctx0">
+      <inkml:inkSource xml:id="inkSrc0">
+        <inkml:traceFormat>
+          <inkml:channel name="X" type="integer" min="-1920" max="1920" units="cm"/>
+          <inkml:channel name="Y" type="integer" max="1080" units="cm"/>
+          <inkml:channel name="T" type="integer" max="2.14748E9" units="dev"/>
+        </inkml:traceFormat>
+        <inkml:channelProperties>
+          <inkml:channelProperty channel="X" name="resolution" value="72.86527" units="1/cm"/>
+          <inkml:channelProperty channel="Y" name="resolution" value="36.48649" units="1/cm"/>
+          <inkml:channelProperty channel="T" name="resolution" value="1" units="1/dev"/>
+        </inkml:channelProperties>
+      </inkml:inkSource>
+      <inkml:timestamp xml:id="ts0" timeString="2021-07-30T14:53:45.813"/>
+    </inkml:context>
+    <inkml:brush xml:id="br0">
+      <inkml:brushProperty name="width" value="0.05292" units="cm"/>
+      <inkml:brushProperty name="height" value="0.05292" units="cm"/>
+      <inkml:brushProperty name="color" value="#FF0000"/>
+    </inkml:brush>
+  </inkml:definitions>
+  <inkml:trace contextRef="#ctx0" brushRef="#br0">7303 3810 0,'0'-18'78,"35"18"-46,0 0-32,106 0 15,212 0 1,846 0 15,-193 0 0,-900 18 1,-89-18-32,36 0 15,88 18 16,-70-18-31,282 0 47,-318 0-15</inkml:trace>
+  <inkml:trace contextRef="#ctx0" brushRef="#br0" timeOffset="1203.07">13917 3510 0,'0'-17'16,"35"17"-1,36-36-15,-36 36 16,300 0 15,230 0-15,17 0 15,-106 0 0,-229 0-15,-159 0-16,-17 0 16,140 0 15,-87 0-16,17 0 1,-35 0-16,194 0 31,-53 0-15,405 53 31,-563-53-32,34 0 1,36 18 15,-124-18 1,-17 0-17</inkml:trace>
+  <inkml:trace contextRef="#ctx0" brushRef="#br0" timeOffset="8671.99">11748 8678 0,'17'0'78,"36"0"-62,0 0-16,-18 0 16,53 0-16,212 0 31,-106 0-31,124 0 16,123-35 15,-230 35-16,-52 0 17,-71 0-17,71-35 1,18 17 15,-107 18-15,89 0-1,-36 0 17,-17-17-17,-35 17-15,-18 0 16,70-18 0,-35 0-1,-52 18-15,34-17 16,-35 17-1,-17 0 1,35 0 0,18 0-1,-36 0 1,53 0 0,0 0-1,-53 0 1,-17 0-16,53 0 15,-18 0 1,-36 0 0</inkml:trace>
+  <inkml:trace contextRef="#ctx0" brushRef="#br0" timeOffset="30016.45">16193 8643 0,'52'0'203,"1"0"-187,-35 0-1,0 0-15,-1 0 16,1 0 0,35 0-16,70 35 15,-52-17 17,35-18-17,141 0-15,-106 0 16,300 0 15,-300 0-31,-18 0 0,1 0 16,17 0-1,-106 0 17,0 0-17,18 0-15,53 0 16,35 0 15,89 0-15,-125 0-1,142 0 1,53 0 0,-70 0 15,-107 0-16,18 0 1,0 0 0,-17 0-1,-54 0 1,36 0 0,-53 0-1,-18 0-15,89 0 16,87 0-1,-122 0 1,122 0 0,36 0-1,-194 0 1,0 0 0,106 0-1,-53 0 1,-53 0-1,-1 0-15,19 0 16,0 0-16,70 0 16,-35 0 15,17 0-15,-70 0-16,35 0 31,-35-18-31,18 18 0,34 0 15,-16-17 17,-36 17-17,-18 0-15,35 0 32,-34 0-17,34 0 1,36 0 15,-35 0-15,-36 0-1,18 0 1,-36 0 0,19 0-1,-19 0 16,36 0-15,0 0-16,-35 0 16,17 0 15,-17 0-15,17 0-1,0 0 16,-17 0-31,17 0 16,36 0 0,-54 0 15,19 0 78,-19 0-93,36 0-16,-35 0 31</inkml:trace>
+  <inkml:trace contextRef="#ctx0" brushRef="#br0" timeOffset="30910.82">25083 8802 0,'70'17'109,"-35"-17"-93,1 0-16,34 0 0,-17 0 16,0 0-1,212 0 1,-195 0-16,1-17 31,-36 17-15,0 0 31,-17 0-32,0 0-15,123 0 31,-88 0-15</inkml:trace>
+  <inkml:trace contextRef="#ctx0" brushRef="#br0" timeOffset="31874.7">28434 8749 0,'123'0'16,"-87"0"-16,17 0 16,17 0-1,-17 0 1,-18 0 0,89 0 15,-18 0-16,88 0 17,-106 0-17,35 0 1,-17 0 0,-53 0-1,18 0-15,87 0 16,-17 0 15,-70 0-31,53 0 16,-72 18-1,1-18 17,0 0-17,0 0 16,0 17-31,18-17 16,17 0 15,-71 0-31,36 0 16</inkml:trace>
+  <inkml:trace contextRef="#ctx0" brushRef="#br0" timeOffset="58419.78">3193 8678 0,'35'0'110,"35"0"-95,-17 0-15,-17 0 16,-1 0-1,318 0 17,-89 0-1,-246 0 47,0 0-62,17 0-1,71 0 1,-36 0-16,1 0 16,123 0 15,-159 0-16,89 0 17,-1 0-1,-88 0 0,18 0-15,35 0 15,18 0 0,-35 0-31,88 0 32,-71 0-17,-53 0 16,71 0 1,-53 0-17,0 0 1,105 0 15,-105 0 0,159 0 1,-141 0-17,17 0 17,53 0-17,-71 0 16,107 0 16,-124 0-15,-36 0-17</inkml:trace>
+  <inkml:trace contextRef="#ctx0" brushRef="#br0" timeOffset="63676.08">3228 11307 0,'53'0'78,"-18"0"-62,18 0 0,18 0-16,34 0 15,125 17 1,34 18-1,-175-17-15,-72-18 16,36 18 0,-35-18-16,17 17 15,71-17 1,53 0 15,-107 0-31,19 0 16,17 0-1,194 0 1,-193 0 0,-19 0-16,18 0 15,-35 0 1,-17 0 0,-1 0-16,71 0 15,-18 0 16,-18 0-31,-34 0 0,105 0 16,-35 0 15,-36 0-31,177 0 16,-159 0 0,1 0 15,-72 0-31,71-17 15,-17 17 17,-18-36-17,0 36 1</inkml:trace>
+</inkml:ink>
+</file>
+
+<file path=ppt/ink/ink6.xml><?xml version="1.0" encoding="utf-8"?>
+<inkml:ink xmlns:inkml="http://www.w3.org/2003/InkML">
+  <inkml:definitions>
+    <inkml:context xml:id="ctx0">
+      <inkml:inkSource xml:id="inkSrc0">
+        <inkml:traceFormat>
+          <inkml:channel name="X" type="integer" min="-1920" max="1920" units="cm"/>
+          <inkml:channel name="Y" type="integer" max="1080" units="cm"/>
+          <inkml:channel name="T" type="integer" max="2.14748E9" units="dev"/>
+        </inkml:traceFormat>
+        <inkml:channelProperties>
+          <inkml:channelProperty channel="X" name="resolution" value="72.86527" units="1/cm"/>
+          <inkml:channelProperty channel="Y" name="resolution" value="36.48649" units="1/cm"/>
+          <inkml:channelProperty channel="T" name="resolution" value="1" units="1/dev"/>
+        </inkml:channelProperties>
+      </inkml:inkSource>
+      <inkml:timestamp xml:id="ts0" timeString="2021-07-30T14:55:35.334"/>
+    </inkml:context>
+    <inkml:brush xml:id="br0">
+      <inkml:brushProperty name="width" value="0.05292" units="cm"/>
+      <inkml:brushProperty name="height" value="0.05292" units="cm"/>
+      <inkml:brushProperty name="color" value="#FF0000"/>
+    </inkml:brush>
+  </inkml:definitions>
+  <inkml:trace contextRef="#ctx0" brushRef="#br0">11289 3598 0,'53'0'0,"0"0"16,-36 0-16,142 0 31,-53 0-31,229 0 31,706 0 1,-900 0-17,229 0 17,124 0-17,71 0 16,352 0 16,-723 0-31,529 0 0,-388 0 15,388 0 0,-493 0-15,-177 0 15</inkml:trace>
+  <inkml:trace contextRef="#ctx0" brushRef="#br0" timeOffset="1088.88">21008 3616 0,'18'0'31,"17"0"-16,53 0-15,529 0 32,107 0-17,775 0 17,-1023 0-17,-35 18 16,-335-1-31,17-17 16,89 0 15,106 0 1,-19 0-17,-210 0 16,-19 0 1,-35 0-17</inkml:trace>
+  <inkml:trace contextRef="#ctx0" brushRef="#br0" timeOffset="11014.97">15469 3687 0,'-35'17'62,"35"36"-62,-35 0 16,-106 141-1,-18 35 17,53-123-32,-211 194 31,17-18 0,53-52 0,0-19-15,-88 36 15,-106 18 0,141-124 1,-18 18-17,-176 158 17,195-140-17,-389 211 16,141-106 1,71-106-17,17 1 17,283-89-1,-71 0-16,17 53 1,54-70 15,-159 123-15,0-36 15,-18-16 0,0-19-15,-53 0 15,318-105 1</inkml:trace>
+  <inkml:trace contextRef="#ctx0" brushRef="#br0" timeOffset="11847.28">7514 7938 0,'0'17'31,"0"1"-16,0-1-15,0 54 16,-70-18 15,-36 53-15,-53 88 15,71-53 0,70-71-31,-70 19 16,88-54 15,0-17 110,53-18-125,17 17-16,1-17 15,53 18 1,405-1-1,35 1 17,-546-18-32,-1 0 31</inkml:trace>
+  <inkml:trace contextRef="#ctx0" brushRef="#br0" timeOffset="30461.14">8096 9013 0,'18'0'110,"35"0"-95,-18 0 1,0 0-16,18 0 16,106 0-1,282 0 16,-88-35-15,-89 35 15,-123 0 1,-88 0-17,106-17 16,-53 17 1,-53 0-32,106 0 15,-54 0 17,19 0-1,-53 0-16,17 0 17,-53 0-1,106-36 0,-53 36 0,18 0-15,0 0 15,-18 0-15,-35 0 15,-18 0-15,54 0 15,-37 0 0,-16 0 1,34 0-17,-17 0 1,-18 0 15,-17 0-15</inkml:trace>
+  <inkml:trace contextRef="#ctx0" brushRef="#br0" timeOffset="33468.92">23583 3598 0,'0'53'31,"0"-17"-16,0-1 1,0 18-16,-88 141 31,-18-35 1,89-107-32,-72 107 15,-52 106 16,-53 105 1,-35-17-1,-53 35-15,-18 35-1,-159 159 16,195-299-15,-266 246 15,231-282 1,-283 194-17,317-283 16,-229 142 1,106-53-17,-53-53 17,-71-17-17,36-71 16,212-71-15,-124 35 15,0 36 1,70 18-17,-35-1 16,71-17-15,53-18 15,105 0-15,89-52-16,-88 34 31,-36 18 0,-194 1 1,71-19-17,88-35 17,70 1-17,-34 17 32,-72 35-31,124-71-1,-176 54 32,229-53-31,-70-1-1,70 19 1,-18-1 15,36-18-15,0-17 15,17 18 0</inkml:trace>
+  <inkml:trace contextRef="#ctx0" brushRef="#br0" timeOffset="34462.71">13018 10654 0,'0'0'0,"-18"18"16,18-1-16,-124 36 31,54-53-31,-124 53 15,35-18 17,71 1-17,70-36 1,-17 17 15,-106 54-15,70-36 15,36-35-15,17 0 62,54 0 16,34 0-79,1 0-15,88 18 31,70 17-15,-88-17 0,353 35-1,-283-18 17,-193-35 61,0 0-93</inkml:trace>
+  <inkml:trace contextRef="#ctx0" brushRef="#br0" timeOffset="56132.96">11130 12735 0,'35'0'78,"18"18"-62,-17-18-1,52 0 1,-35 0-16,229 0 31,282 35 0,-564-17 16,18-1 0,35-17-31,-18 0-1,106 18 1,-105-18 15</inkml:trace>
+  <inkml:trace contextRef="#ctx0" brushRef="#br0" timeOffset="61389.47">7585 14005 0,'0'-17'94,"17"17"-79,36 0 1,35 0 0,36 0-16,211 0 15,441 0 17,-458 0-17,-36 35 16,-141-35 1,-35 0-17,247 0 32,-265 0-47,0 0 16,141 0 15,159 0-15,-141 0 15,212 0 0,-247 0-15,17 0-1,-106-18 17,230-35-1,-141 53 0,35-17-15,17-1 15,36 0 0,141-17 1,-229 0-17,194-36 16,-230 36-15,318-18 15,-212 36 1,53-19-1,-53 36-16,54 0 17,16-35-17,1 17 17,18 1-1,-177 17-16,88 0 17,-106 0-1,159 0 0,-123 0-15,17 0 15,-88 0-15,53 0 15,-141 0-15,141 0 15,-88 35-16,-71-17-15,71-18 32,-17 17-1,-19 1-15,1-18-1,52 18 16,1 34 1,-1-52-17,-17 0 1,106 36 15,-71-1-15,35-17 15,-88-18 0,0 0-15,-35 35 15</inkml:trace>
+  <inkml:trace contextRef="#ctx0" brushRef="#br0" timeOffset="68969.92">15469 16704 0,'71'-53'79,"-36"53"-64,0 0-15,36 0 16,52 0-16,477-53 31,-353 53 0,-53 0-15,-141 0 15,159 0-15,-89 0 15,-88 0-31,160 0 31,16 0-15,-87 0 15,17 0-15,-18 0 15,18-17 0,-52 17-15,-1 0 15,0 0 0,18 0-15,53 0 15,-107 0-31,54 0 16,18 0 15,-54 0 0,1 0-15,52 0 15,-52 0-15,35-18 15,-53 18-31,52-35 16,19 35 15,35-36-15,-18 1 15,-71 35 0,-52 0-31,17 0 31,53-18-15,-52 18 15,34 0-15,-34 0 15,-1 0 0,18 0-15,-18 0 31,-17 0-31,-1 0 30,19 0-14,-19 0-17,1 0 17,0 0-1</inkml:trace>
+  <inkml:trace contextRef="#ctx0" brushRef="#br0" timeOffset="213332.48">8608 8855 0,'-35'0'15,"-1"0"-15,19 0 16,-160 0 0,1 0 15,-1-18 0,1-70-15,141 70 15,17-17 16,0 35-47,-34-71 31,-1-34-15,0 52 15,35 0 0,0 17-15,-17-16 15,35-37-15,0-16 31,18 52-32,-18 0 1,123-18 15,-52 54 0,158 17-15,124 0 31,-247 0-47,-53 0 31,35 0 0,0 0-15,230 0 15,-177 17-15,-18 1 15,159 52 0,-17-34 1,70-1-17,-70-35 17,-107 0-17,36 106 16,89-36-15,-142-17 15,18 0 1,-1 18-17,-17-36 16,-70 0-15,52 1 15,1 52 1,-54-53-17,-17 36 16,-35-54-15,-18 89 15,0-18 1,-35 36-17,-71-36 16,18-53-15,52-35 15,1 0-15,-18 0 15,18 0-31,-36 0 31,-34-53-15,16 53 15,54-17 1</inkml:trace>
+</inkml:ink>
+</file>
+
+<file path=ppt/ink/ink7.xml><?xml version="1.0" encoding="utf-8"?>
+<inkml:ink xmlns:inkml="http://www.w3.org/2003/InkML">
+  <inkml:definitions>
+    <inkml:context xml:id="ctx0">
+      <inkml:inkSource xml:id="inkSrc0">
+        <inkml:traceFormat>
+          <inkml:channel name="X" type="integer" min="-1920" max="1920" units="cm"/>
+          <inkml:channel name="Y" type="integer" max="1080" units="cm"/>
+          <inkml:channel name="T" type="integer" max="2.14748E9" units="dev"/>
+        </inkml:traceFormat>
+        <inkml:channelProperties>
+          <inkml:channelProperty channel="X" name="resolution" value="72.86527" units="1/cm"/>
+          <inkml:channelProperty channel="Y" name="resolution" value="36.48649" units="1/cm"/>
+          <inkml:channelProperty channel="T" name="resolution" value="1" units="1/dev"/>
+        </inkml:channelProperties>
+      </inkml:inkSource>
+      <inkml:timestamp xml:id="ts0" timeString="2021-07-30T14:57:44.841"/>
+    </inkml:context>
+    <inkml:brush xml:id="br0">
+      <inkml:brushProperty name="width" value="0.05292" units="cm"/>
+      <inkml:brushProperty name="height" value="0.05292" units="cm"/>
+      <inkml:brushProperty name="color" value="#FF0000"/>
+    </inkml:brush>
+  </inkml:definitions>
+  <inkml:trace contextRef="#ctx0" brushRef="#br0">7091 5592 0,'53'0'47,"0"0"-47,-18 0 16,124 0-1,-18-18-15,194 0 16,71 18 15,317 0-15,-459 0-1,-70 0 17,53 0-17,53-53 1,-18 18 31,-176 35-32,124 0 17,-125 0-17,372 0 17,-1 0-1,-70-35-16,-212 17 17,53 1-17,158 17 32,-264 0-31,-17 0-1,158 0 17,-88-36-17,124 1 17,-160 35-17,1 0 16,-71 0-15</inkml:trace>
+  <inkml:trace contextRef="#ctx0" brushRef="#br0" timeOffset="2486.21">18644 5715 0,'0'-18'78,"18"18"-78,53 0 16,70 0 0,17 0-16,36 0 15,441 0 1,-141 0 15,-388 0-31,35 0 31,194-17 1,-229-1-17,423-70 1,-299 88 15,140 0-15,1 0 15,211 0 0,-194 0-15,-141 0 15,17-18 0,-123 1-15,53 17 15,18-18-15,-89-17 0,266-1 15,-107 1-16,194 0 17</inkml:trace>
+  <inkml:trace contextRef="#ctx0" brushRef="#br0" timeOffset="9327.48">9049 7338 0,'17'0'47,"36"0"-47,0 0 16,0 0-1,0-18-15,159-17 32,-18 17-17,17 18 16,1 0-15,176 0 15,53 0-15,-264 0 15,158 0 0,35 0 1,-35-53-1,106 53-15,-35 0 30,-124 0-14,-17 0-17,70-17 17,-106 17-1,-35 0 0,-70 0 0,70 35 1,-36-35-1,-16 0 0,-72 18 0,159-18 1,-105 17-1,-18-17 0,-18 0-15,-35 0 31</inkml:trace>
+  <inkml:trace contextRef="#ctx0" brushRef="#br0" timeOffset="10534.75">4004 7267 0,'18'0'140,"35"0"-124,17 0 0,18 0-16,1 0 15,404 0 17,-263 0-17,-72 0 16,-105 0-15,89-17 15,-37 17-15,-52 0 15,-17 0-15</inkml:trace>
+  <inkml:trace contextRef="#ctx0" brushRef="#br0" timeOffset="11415.92">7373 7391 0,'18'0'109,"-1"0"-109,36 0 16,0 0-16,35 0 31,-17 0-31,211 0 31,18 0-15,-53 0 15,-124 0 0,-70 0-15,0 0 15,-35 0-15</inkml:trace>
+  <inkml:trace contextRef="#ctx0" brushRef="#br0" timeOffset="24080.41">4216 8819 0,'-18'-17'16,"36"17"234,-1 0-235,19 0-15,17 0 16,52 0 0,125 17 31</inkml:trace>
+  <inkml:trace contextRef="#ctx0" brushRef="#br0" timeOffset="28807.14">23936 7108 0,'18'0'140,"17"0"-124,0 0-16,0 0 15,107 0 1,-90 0 0,1 0-16,36 0 31,16 0-15,-52 0 15,18 0 0,-18 0-15,141 0 15,-53 0 0,-18 0 0,-87 0-15,34 0 15,-34 0-15,52 0 31,18 0-16,-89 0-15,1 0 15,-1 0 0</inkml:trace>
+  <inkml:trace contextRef="#ctx0" brushRef="#br0" timeOffset="32123.32">26599 7902 0,'18'0'141,"17"0"-126,1 0-15,-1 0 16,18 0-16,0 0 16,141 0 15,-177 0-15,19 0 15,122 0-16,1 0 17,-53 0-17,-88 0 1,88 0 0,-36 0-1,36 0 16,-53 0-15,17 0 15,107 0-15,-54 0 15,18 0-15,-70 0 15,-1-17-15,-34 17-1,34 0 17,-17 0-17,106 0 16,-124 0 1,18 0-1,35 0-15,1 17 15,-54-17 0,-18 0-31,1 18 31,53-18 16,-54 0-31,19 0 31,-19 0-16,18 18 0</inkml:trace>
+  <inkml:trace contextRef="#ctx0" brushRef="#br0" timeOffset="33483.56">22913 8625 0,'0'-17'47,"18"17"-47,34 0 15,37 0 16,-36 0-15,17 0-16,36 0 31,123 17 1,318 36-17,-212-53 16,-194 18-31,194 17 32,-52-35-1,-142 0 0,88 0 0,-105 0 1,-36 0-1,-18 0 0,-34 0-15</inkml:trace>
+  <inkml:trace contextRef="#ctx0" brushRef="#br0" timeOffset="35487.08">23230 10319 0,'0'17'110,"18"-17"-95,35 0-15,0 0 16,0 0-16,388 0 31,282 0-15,-88 0 15,-353 0 0,-264 0 0,123 0 1,-88 0-17,70 0 17,18 0-1,-88 0 0,-35 0 0</inkml:trace>
+  <inkml:trace contextRef="#ctx0" brushRef="#br0" timeOffset="87026.65">3581 10231 0,'70'-18'16,"18"18"-16,36 0 31,-71 0-31,0 0 16,264 0 15,-176 0-16,177 0 17,-106 0-1,17 0-15,-70 0-1,88 0 16,-159 0-15,88 0 15,-88 0 1,53 0-17,195 0 16,-89 0 1,-53 0-17,0 0 1,0 0 15,-89 0 0,72 0-15,-1 0 15,-70-35-15,-18 35 15,-35 0-15,35 0 15,89 0 0,-71 0-15,-18 0 15,88 0-15,-35 0 15,-53 0-15,-17 0 15,123-18 0,-88 18-15,176-35 15,-211 35-15,34 0 15,-87-36-15,53 36 15,-36 0-16</inkml:trace>
+  <inkml:trace contextRef="#ctx0" brushRef="#br0" timeOffset="87994.31">11906 10072 0,'88'0'0,"-52"-18"0,-1 18 15,71 0 1,35 0 0,71 0 15,-107 0 0,125 0-15,-124 0-1,176 0 17,-88 0-17,0 0 17,0 0-17,159 0 1,-1 0 15,37 35-15,-125-35 15,195 0 0,-107 0-15,160 0 15,-406 0-15,88 0-1,35 36 17,-176-36-17,0 17 16</inkml:trace>
+  <inkml:trace contextRef="#ctx0" brushRef="#br0" timeOffset="91267.43">8343 8943 0,'-17'0'94,"-36"0"-94,17 18 15,1-1-15,-53 36 16,-18 35 15,71-52-31,0-1 32,17 0-32,-17 36 31,17-36-16,-35 71 17,53-89-17,0 89 17,0-35-17,0 141 16,0-124-15,18 106 15,35-36-15,17 37 15,-35-178 32,-35 1-32</inkml:trace>
+  <inkml:trace contextRef="#ctx0" brushRef="#br0" timeOffset="92205.38">9049 8961 0,'17'0'16,"1"35"15,-18 18-15,0 70 0,53 18-1,-53 53 16,0-88-15,0-53 0,0 159-1,0-159 1,0 123 0,-18-70 15,-52-18-16,17 0 17,-18-52-17,36 34 17,17-70-1</inkml:trace>
+  <inkml:trace contextRef="#ctx0" brushRef="#br0" timeOffset="98518.76">7038 11659 0,'0'18'78,"35"-18"-47,36 0-31,-18 0 16,17 0-16,36 0 15,-71 0 1,195 0-1,-160 0 17,54 0-17,70 0 1,53 0 15,-159 0-15,-71 18 15,1-18-15,17 35 15,107-35-15,-54 0 15,106 0-16,-106 0 32,-70 0-31,34 0 15,54 0 0,0 0-15,88 0 15,88 0 1,-140 0-1,-72 0-16,1 0 1,52 0 0,124 0 15,-123 18-15,122-1 15,-34 36 0,0-53-15,-1 0 15,-34 0-15,87 0 15,-105 0 0,70 0-15,-123 0 15,88 0-15,-17 0 15,105 0-16,-141 0 17,18 0-17,-106 0-15,88 0 32,18 18-17,-54-18 16,37 17-15,87 19 15,-176-36-15,158 0 15,-140 0-15,70 0 15,-106 0-15,106 0-1,-52 0 17,-19 0-1,-34 0-16,34 0 17,-35 0-17,-17 0 32,35 0-16,-35 0-31,70 0 16,-53 0 0</inkml:trace>
+  <inkml:trace contextRef="#ctx0" brushRef="#br0" timeOffset="102437.5">22525 14023 0,'35'0'94,"53"18"-79,-52-18-15,140 0 32,-35 0-17,-53 0 1,-70 0 62,53 0-62,34 0-1,72 0 17,-54 0-17,54 0 16,-142 0 1,35 0-17,-52 0-15,70 0 32,53 0-1,18 0-16,-124 0 17,18 17-1</inkml:trace>
+  <inkml:trace contextRef="#ctx0" brushRef="#br0" timeOffset="103589">22772 14358 0,'-159'176'46,"159"-158"-30,-35 53-16,-36 17 16,-70 71 15,71-54-15,34 1-1,1-53 1,-53 229-1,17 159 17,36-229-1,35 317-15,0-264 15,35-142-31,142 212 15,193 36 17,-176-212-1,-18-18 0,-176-124-15</inkml:trace>
+  <inkml:trace contextRef="#ctx0" brushRef="#br0" timeOffset="104975.34">28646 14605 0,'0'35'62,"17"36"-30,1-18-32,-18-18 15,17 36-15,19 34 16,140 319 0,-17-19 15,-18-105-16,-88 18 17,-53-159-1,0-54-15,0-34-1,-53 88 32,-53-89-31,18 1-16,-53 123 15,17-106 17,19 0-17,69-52 16,-70-36 1,71 0-17,-88 35 17</inkml:trace>
+  <inkml:trace contextRef="#ctx0" brushRef="#br0" timeOffset="110823.05">4392 13212 0,'18'0'63,"-1"0"-48,36 0-15,0 0 16,53 0-1,441 0 32,-441 0-47,70 0 32,-52 0-1,-1 0-16,124 0 17,-106 0-1,-106 0 0,142 0-15,-107 17-1,89-17 32,-88 0-31,87 0 0,-87 0 15,52 0-16,18 0 32,-70 0-31,17 0 0,106 0 15,-141 0-16,71 0 17,-54 0 15,-35 0-32,-17 0 16</inkml:trace>
+  <inkml:trace contextRef="#ctx0" brushRef="#br0" timeOffset="129296.64">22507 6438 0,'18'35'141,"52"18"-125,-52-17-1,106 52 1,34 35-1,-105-87 1,0 34 0,159 71 15,-53-53-15,17 36 15,-35-18 0,-88-71-15,-18 18 15</inkml:trace>
+  <inkml:trace contextRef="#ctx0" brushRef="#br0" timeOffset="152218.97">4004 15328 0,'35'0'94,"36"0"-94,-1 0 16,-17 0-16,-17 0 15,69 0-15,495 0 32,-335 0-32,229 0 15,105 0 16,-211 18 1,-194-18-17,-123 17-15,88-17 47,-36 0-31,1 0-1,123 0 17,-142 0-1,-69 0-15,17 0-1,88 18 16,-35 0 1,-18 17-1,-53-35-31,18 0 16,88 0 15,-106 0-16,18 0 17,-17 0-1</inkml:trace>
+  <inkml:trace contextRef="#ctx0" brushRef="#br0" timeOffset="159817.01">22313 12400 0,'0'35'79,"18"-17"-79,52-18 15,54 18 1,-89-18-16,53 17 15,318 1 1,141-18 15,-388 0 1,-89 18-1,-35-18-16,36 0 17,123 0-17,229 0 32,-140 0-31,-1 0-1,-123 17 1,-71 1 15,53-18 1,88 35-1,-194-35-31,195 18 31,-54-18-15,300 17 31,-264-17-32,35 0 1,-106 0-1,230 18 1,-54-18 15,1 0 1,52 0-17,-141 18 1,124 35 15,53-18-15,88 35 15,-300-52 0,211-18-15,-52 0 15,-88 0-15,-107 0 15</inkml:trace>
+  <inkml:trace contextRef="#ctx0" brushRef="#br0" timeOffset="161145.57">24765 14093 0,'18'0'62,"-1"0"-46,36 0-1,0 0-15,18 0 16,299 0 15,142 0 1,-265 0-1,-106 0-16,70 0 17,-122 0-17,-19 0 17,1 0-17,-54 0 32</inkml:trace>
+</inkml:ink>
+</file>
+
+<file path=ppt/ink/ink8.xml><?xml version="1.0" encoding="utf-8"?>
+<inkml:ink xmlns:inkml="http://www.w3.org/2003/InkML">
+  <inkml:definitions>
+    <inkml:context xml:id="ctx0">
+      <inkml:inkSource xml:id="inkSrc0">
+        <inkml:traceFormat>
+          <inkml:channel name="X" type="integer" min="-1920" max="1920" units="cm"/>
+          <inkml:channel name="Y" type="integer" max="1080" units="cm"/>
+          <inkml:channel name="T" type="integer" max="2.14748E9" units="dev"/>
+        </inkml:traceFormat>
+        <inkml:channelProperties>
+          <inkml:channelProperty channel="X" name="resolution" value="72.86527" units="1/cm"/>
+          <inkml:channelProperty channel="Y" name="resolution" value="36.48649" units="1/cm"/>
+          <inkml:channelProperty channel="T" name="resolution" value="1" units="1/dev"/>
+        </inkml:channelProperties>
+      </inkml:inkSource>
+      <inkml:timestamp xml:id="ts0" timeString="2021-07-30T15:01:45.267"/>
+    </inkml:context>
+    <inkml:brush xml:id="br0">
+      <inkml:brushProperty name="width" value="0.05292" units="cm"/>
+      <inkml:brushProperty name="height" value="0.05292" units="cm"/>
+      <inkml:brushProperty name="color" value="#FF0000"/>
+    </inkml:brush>
+  </inkml:definitions>
+  <inkml:trace contextRef="#ctx0" brushRef="#br0">12629 9208 0,'36'0'156,"-19"0"-156,54 0 16,-36 0-16,36 0 16,35 0-1,-36-18-15,142 0 16,176 1 15,229 17 0,-476 0 1,89 0-1,-125 0-15,407 0 30,-318 35-30,176 53 0,89-70 15,405-18 16,-846 0-32,35 0-15,-53 35 16,53-17 15,0 17-31,53 0 16,123 36 31,-159-71-32,54 0 1,35 0 15,141 17 1,-195-17-17,1 0 16,35 0-15,-52 0 0,-37 0-1,-16 0 1,87 0-16,-52-53 16,-36 53 15,-17-17-31,70-18 15,-35 35 17,17-18-17,1 0 1,88 18 15,-124 0-15,0 0-1,-17 0 32,-1 0-31,19 0-16,-1 0 16,18 0-1,-35 0 32,17 0-31,0 0-16,0-35 15,18 17 1,18 1 15,-53 17 0,-18-36-15,0-16 0,0 16-1,35-34-15,-18-54 32,-17 71-32,36-70 15,-36-36 1,17 53 15,-17 89-31,0-72 16,0 72-1,0-89 17,0 88-17,0-17-15,0-18 16,0 35-1</inkml:trace>
+  <inkml:trace contextRef="#ctx0" brushRef="#br0" timeOffset="1186.26">13035 8079 0,'35'70'47,"-35"-52"-31,0 35-16,0 17 15,0-17-15,0-18 16,-17 142 0,-18-36-1,-1-18 1,-17 36-1,18-71 1,-18 71 0,18-71-1,-18 53 1,53-105 0</inkml:trace>
+  <inkml:trace contextRef="#ctx0" brushRef="#br0" timeOffset="14989.45">7532 10301 0,'17'0'141,"19"0"-141,-1 0 16,141 0-1,89 0 16,-194 0-15,-1 0 0,18 0-16,71 0 31,-18 0-15,106 0-1,-159 0 16,-35 0-15,-18 0 0,-17 0-16,70 0 15,36 0 17,17 0-17,-71 0 1,36 0-1,-53 0-15,0 0 16,-18 0-16,18 0 31,-35 0-15,17 0 0,53 0 15,-17 0-31,0 0 15,105 0 17,-106 0-32,107 0 31,-107-18-31,72 18 16,16 0-1,-70 0 16,-70 0-31,88 0 16,-18 0 15,-35 0-31,35 0 16,53 0 0,-88 0 15,35 0-16,18 0 1,-35 0 0,-18 0-1,106 0 1,-107 0-16,19 0 16,0 0-1,-19 0 1,1 0-16,0 0 0,18 0 15,105 0 1,-52 0 15,-54 0-31,71 0 32,-88 0-17,36 0 1,34 0-1,-70 0 17,17 0-17,72 0 1,-90 0 0,19 0-1,0 0 1,-18 0-1,-1 0 32,-16 0-47,52 0 16,71 0 15,-36 0-15,-105 0-16,35 0 15,0 0 1,-18 0 0,0 0-16,18 0 15,35 0 1,-52 0 15,-19 0-31,18-17 0,1 17 16,-1 0 15,88 0-15,-87 0-1,52-35 1,0 35 0,-35 0 15,-35 0-31,17-18 15,18 18 17,17-18-17,-52 18 1,0 0 0</inkml:trace>
+  <inkml:trace contextRef="#ctx0" brushRef="#br0" timeOffset="19395.53">7056 11501 0,'0'-36'78,"17"36"-63,54 0-15,-36 0 16,0 0-16,124 0 31,-35 0-31,158 0 16,123 0 15,-193 0-15,-106 0-16,141 0 15,-71 0 17,71 0-17,-88 0 17,-124 0-1,-17 0-16,0 0 1,123 0 15,-88 0-31,52 0 16,37 0 0,16 0 15,1 0-16,-53 0 17,-53 0-17,17 0 1,54 0 15,-18 0-15,17-17-1,106-1 17,-52 0-17,-142 18 1,53 0 15,-17 0-15,52 0 15,71 0-15,-88 0 15,-18 0-15,-17 0-1,-53 0 16,52 0-15,-52 0 31,52 0-31,1 0-16,17 0 31,106 18 0,-141 0-15,-18-18-1,-17 0-15,17 17 32,-17-17-1,52 0 0,-34 0-31,17 0 16,-36 0 15,1 18-31,-1-18 16,19 0-1,17 18 16,-18-18 235,-17 0-266,-1 0 16,1 0 15,0 0-15,-1 0-16</inkml:trace>
+  <inkml:trace contextRef="#ctx0" brushRef="#br0" timeOffset="40826.76">13952 11271 0,'0'36'188,"0"-1"-172,36-35 109,-1 0-125,18 0 15,17 0-15,-34 0 16,246 0 15,-141 0-31,124 0 16,-89 0 15,-88 0 0,53 0-15,36 0 15,87 0 0,-193 0-31,211 0 32,-88 0-17,-141 0 32,-18 0-16,1 0-31,69 17 32,72 1-1,-71 17-16,-1-35 32,-69 0-47,52 18 32,18-18-1,-36 0-16,-17 0 1,106 0 31,-106 0-31,-18 0-1,71 0 16,-35 0-15,70 0 15,0 0 1,-124 0-17,1 0 16,70 0 16,71 0-15,-71 0-17,-17 0 16,-18-18-31,35 18 32,53-17-17,0-19 17,-88 36-17,18 0 16,52-17-15,-70 17 0,53 0 31,-36 0-32,89-18 1,-71 18 15,36 0-15,-18 0 15,-89-35-15,107 17 15,-18 18-16,52-35 17,-34 17-17,17 1 17,18-19-1,-18 1-16,53 35 17,-71-17-1,1 17-15,-36 0-1,35 0 16,-17 0-15,0 0 15,-18 0-15,0 0 0,-52 0 15,-1 0 0,-17 0 16,17 0-31,-17 0 15,87 0-16,-69 0 1,-1 0 0,-17 0 77,-1 0-93,36 0 16,106 0 15,-106-36 1,-36 36-17,36 0 16,-35 0 1,0-17 77,-1 17-109</inkml:trace>
+  <inkml:trace contextRef="#ctx0" brushRef="#br0" timeOffset="59496.5">3087 12788 0,'17'0'109,"36"0"-93,18 0-16,-36 0 15,71 0 1,247-53 0,-159 53 15,-177 0 0,19 0 0,-19 0-31,36 0 16,36 0 0,157 0 15,-210 0-15,34 0 15,54 0-16,87 0 17,-52 0-1,-124 0 0,54 0-15,87 0 15,-70 0-15,0 0 15,-18 0 0,-53 0 0,0 0-15,54 0 0,-54 0 15,18 0 0,-18 0-31,18 0 31,0 0-15,-18 0 0,1 0 15,-19 0 0,1 0-15</inkml:trace>
+  <inkml:trace contextRef="#ctx0" brushRef="#br0" timeOffset="64792.95">10319 3916 0,'53'0'109,"17"35"-109,-34-35 16,16 0-16,90 18 15,157-18 17,-175 0-1,-1 0-15,-52 0-16,35 0 31,105-36-16,-17 36 1,194 0 15,-229 0 1,88 0-17,-88 0 16,-89 0-31,177-17 16,-105-1 15,87-17-15,0-18 15,-52 18-15,140 17 15,-88 0-15,-17 1 15,-53 17-15,0-35-1,-36-1 16,53 19 1,-87-1-1,-72 0-15</inkml:trace>
+  <inkml:trace contextRef="#ctx0" brushRef="#br0" timeOffset="76909.39">5750 14464 0,'0'-35'235,"53"35"-220,18 0-15,-1 0 16,-17 0 0,35 0 15,-35 0-15,0 0-16,282 0 62,-246 0-46,105 0-1,70 17 17,-105 1-1,-36-18 0,124 0 0,-35 0 1,-36 0 14,-34 0-14,-37 0-17,-52 0 17,18 0 14,35 0-30,-36 0 15,18 0 1,18 0-1,-53-35 0,0 35-15,71-18 15,-36 0 0,-71 18 0,72 0 48,-36 0-64,-36 0 1,54 0 15,35 0 0,-36 0 16,-52 0-31,52 0-1,18 0 17,-52 0-1,87 0 0,-87 0-15,-19 0 15,36 0-15,35 0 31,-35 0-32,-35 0 1,-1 0 15,19 0 0,-1 0 16,-17 0-31,17 0-1,-17 0 17,-1 0 46,1 0-63,-1 0 17</inkml:trace>
+  <inkml:trace contextRef="#ctx0" brushRef="#br0" timeOffset="80186.03">11695 14464 0,'0'-18'187,"0"1"-187,17 17 16,19 0-16,16 0 31,-34 0-31,0 0 16,-1 0 15,1 0-31,0 0 16,-1 0 62,1 0-63,0 0-15,-1 0 32,18 0-1,-17 0-15,0 0-1,-1 0 1,36 0-1,-35 0-15,17-53 32,0 35-17,36-35 1,0 18 15,-71 17-15,17-17-1,1 0 1,0-1 0,-18 19-16,0-19 15,17-34 17,-17 35 14,0 17-30,0 0-16,0 1 31,0-1-15,0 0-16,-70 1 31,52 17-31,-35-18 31,18 1-15,-18-19 15,35 36-15,-52 0 15,34 0-15,19 0-1,-1 0 1,0 0 0,1 0 15,-1 0 16,1 0-16,-36 0-15,-18 18-1,53 17 1,1-35 15,17 35 32,-18 1-48,18-19-15,0 19 16,-35 17 15,17-36-31,18 1 125,0 17-109,0 0-1,0-17-15,0 0 16,0-1 0,0 54-1,0-53 17,0-1 14,0 1-30,0-1 0,0 1 140,18 0-156,-18-1 0,18-17 16,17 18-16,-18 0 15,19 17 1,17-35-1,-36 18 17,1-1-1,0 1-31</inkml:trace>
+  <inkml:trace contextRef="#ctx0" brushRef="#br0" timeOffset="93998.34">15469 14393 0</inkml:trace>
+  <inkml:trace contextRef="#ctx0" brushRef="#br0" timeOffset="99838.48">5803 15363 0,'18'0'109,"-1"0"-109,1 0 16,17 0-16,-17 0 15,17 0-15,18 0 16,-35 0-16,52 0 16,-17 0 15,0 0-16,106 0 17,-124-17-32,36 17 15,-36 0 17,0 0-17,-17 0 1,35 0-1,0 0 17,-35 0-17,70 0 1,-71 0 0,36 0-16,0 0 15,0 0 1,-18 0 15,-17 0-31,17 0 31,1 0-31,-19 0 16,1-35 0,17 35-16,18 0 15,0 0 1,0 0-1,-18 0 17,0 0-32,18 0 47,18 0-47,-53 0 15,34 0 1,1 0 15,-35 0-31,35 0 0,17 0 16,1 0 15,-53 0-31,35 0 16,0 0-1,-18 0 16,35 0-15,1 0 0,70 0-1,-70 0 17,-19 0-17,-34 0-15,53 0 31,-36 0-31,-17 0 16,70 0 0,-53 0-16,53-18 31,-17 0-15,17 18-1,-35 0 1,-35 0 15,-1 0-15,1 0-1,-1-17 1,19 17 0,-1 0-16,18 0 15,18 0 16,17 0-15,-53 0 0,18 0-1,53 0 17,-89 0-32,36-18 31,-35 18-31,0 0 15,34 0 1,19 0 15,-36 0-15,18-18 15,35 18-15,-70-17-16,17 17 15,36 0-15,-18 0 32,-18-36-17,-17 36 1,-1 0 171,1 0-171,0 0-16,-1 0 16,19 0-16,34 0 31,-17 0-15,-18 0-1,18 0 1,0 0-1,0 0 1,53 0 15,-36 0-15,-34 0 0,-19 0-1,36 0 1,35 0-1,36 0 1,-71 0 0,-18 0-16,-17 0 15,35 0 1,70 0 0,-70 0 15,0 18-16,-35-18 1,35 0 15,17 35-15,-35-35 0,-17 0-1,17 0 1,-17 0-1,0 0 1,17 0-16,-17 0 16,-1 0-1,1 0-15,-1 0 16,19 0 15,-19 0-15,1 0-1,17 0-15,-17 18 16,0-18-16,-1 0 16,1 0-1,17 0 1,18 35 0,-35-35 15,-1 18-31,19 17 15,-19-35 1,1 0 0,-1 0-1,36 0 1,18 0 0,-36 0-1,18 0 1,-35 0-16,-1 0 140,1 0-124,0 0 0,-1 0-1,1 0 32,0 0-16,17 0-15</inkml:trace>
+  <inkml:trace contextRef="#ctx0" brushRef="#br0" timeOffset="106735.6">14005 15275 0,'0'18'157,"0"0"-142,36-18 17,-19 0-32,18 0 15,1 0-15,-19 0 16,36 0-1,-17 0 17,-19 0-17,19 0 17,-19 0-32,18 0 31,-17 0-16,0 0 1,35 0 15,-36 0-15,-17-18 0,18 0-16,-18 1 15,0-1 1,0 0-1,0-17 79,0 17-94,0 1 16,0-1-16,0 1 15,0-54 17,-71 0-17,54 54 1,-19 17 15,19 0-31,-1 0 94,1 0-94,-1 0 16,0 0-1,1 0 1,-1 0-16,-53 0 15,54 0 17,-54 17-17,36 1 17,17-18-17,18 18 204,0-1-172,0 19-32,0-19 1,0 1 15,0 0 1,0-1-32,18 1 187,-18-1-187,35-17 16,-17 0-16,-1 18 78,-17 0-47,0-1 313,0 19-344,0-19 15</inkml:trace>
+  <inkml:trace contextRef="#ctx0" brushRef="#br0" timeOffset="111189.63">14393 14552 0,'0'18'62,"0"-1"-46,0 1-16,0 53 15,0-54 1,0 36-16,0-18 0,0 1 16,0-1-1,0 18-15,0-18 16,0 36 0,0 87 15,0-105-31,18 71 15,-18-1 17,0 18-17,18-17 17,-18-106-17</inkml:trace>
+  <inkml:trace contextRef="#ctx0" brushRef="#br0" timeOffset="112327.05">18168 14482 0,'-18'17'31,"18"18"-15,0 1-1,0 17 1,0 0-16,0 35 16,0-18-1,0 54 1,-17 70 0,-1-88-1,1-53 1,-1 123-1,0-105 1,18-54 0,0 107-1,-17-1 1,17-105 0,0-1-1,-18-17 48,-35 0-48</inkml:trace>
+  <inkml:trace contextRef="#ctx0" brushRef="#br0" timeOffset="126819.63">4374 16210 0,'53'0'78,"18"0"-63,-36 0-15,36 0 16,17 0 0,35 0-16,1 0 15,52 0 1,36 0 15,-159 0-15,141 0 15,18 0 0,-124 0 1,0 0-17,-53 0 16,159 0 1,-141 0-17</inkml:trace>
+  <inkml:trace contextRef="#ctx0" brushRef="#br0" timeOffset="129479.98">5909 17074 0,'0'18'78,"18"-18"-62,70 0 0,194 0 15,-141 0-31,141 0 16,-17 0 15,-142 0-31,54 0 15,-107 0 17,89 0-17,-71 0 17,159 0-17,-141 0 16,176 0-15,-141-18 15,-70 18-31,194 0 32,105 0-17,-88 0 16,36-17 1,-124-1-17,53-17 17,-159 35-17,0 0 1,106 0 15,-123 0-15,-18 0-16,158 0 47,-140 0-47,-1 0 0,124 0 31,-70 0-16,-71 0-15,123 0 32,-141 0-17,89 0 1,-18 0 0,70 0 15,1 0 0,-107 0-15,54 0-1,87 0 17,-105 0-17,88 0 16,-106 0-15,89 0 15,-89 0 1,18 0-1,70 0-16,-123 0 17,212 0-17,-107 0 17,-34 0-1,17 0-16,18 0 32,-89 0-31,-17 0 0,71 0 15,-36 0-16,-18 0 17,-52 0-1,0 18-31,52-18 16</inkml:trace>
+  <inkml:trace contextRef="#ctx0" brushRef="#br0" timeOffset="134046.31">20214 17057 0,'35'0'157,"1"0"-142,-1 0-15,18 0 16,17 0-1,19 0 17,-36 0-17,0 0-15,-36 0 32,1 0 14,-1 0-46,1 0 32,35 0-17,-35 0 17,35 0-17,-1 0 16,19 0-15,35 0 15,-89 0-15,19-18 0,-19 18 30,1 0 64,0 0-95,-1 0 1,19 0-16,-36-17 1875</inkml:trace>
+  <inkml:trace contextRef="#ctx0" brushRef="#br0" timeOffset="140017.62">15681 17110 0,'18'0'110,"-1"17"-95,1-17-15,17 18 0,89 17 31,52-17-15,-123-18 0,106 18-1,-89-18-15,195 0 32,-124 0-17,53 0 16,0 0 1,-71 0-17,124 0 17,-123 0-17,17 0 16,-88 0-15,17 0 15,1 0 1,53 0-17,-89 0 16,71 0-15,-1 0 15,-52 0-15,88 0 15,-105 0-31,34-18 16,71 18 15,-70 0-15,0 0-1,-19 0 17,37-18-17,52 18 16,-18 0 1,-35-17-17,-17 17 17,-18 0-17,53-18 16,-36 18 1,-17 0-17,53 0 32,-88 0-31,35 0-1,0 0 1,-1 0 15,19 0 1,-36 0-17,36 0 16,-36 0 1,0 0-1,18 0-15,-35 0 46,0 0-62,17 0 31,0 0-15,71 0 15,-71 0-15,18 0 15,18 0-15,-1 0 15,36 0 0,-88 0-15,35 0-1,17 0 1,-17 0 15,-18 0-15,54 0 15,-19 0 0,18 0-15,1 0 15,-37 0 1,37 0-17,-1 0 1,-53 0 15,18 0-15,71 0 15,-54 0-15,54 0 15,-72 0-16,19 0 17,-18 0-17,17 0 1,54 0 15,-53 0-15,-19 0-1,107 0 17,-88 0-17,70 0 17,-88 0-17,106 0 16,-89 0-15,89 0 15,-71 0-15,18 0 0,-18 0 15,53 0-16,-35 0 17,53 0-17,-53 0 1,-36 0 0,124 0 15,-17 53 0,-54-35 0,142-18-15,-160 0 0,19 0 15,140 0-16,-87 0 17,87 0-17,-140-36 17,-1 36-17,1 0 1,-18 0 15,-18 0 0,-53 0-15,71 0 0,-53 0 15,88 0-16,53 0 17,35 0-17,-17 0 17,-88 0-17,-19 0 16,-87 0-31,70 0 16,18 0 0,35 0 15,-88 0 0,-35 0-31,17 0 16,-17 0 15,35 0 0,-18 0-15</inkml:trace>
+  <inkml:trace contextRef="#ctx0" brushRef="#br0" timeOffset="159030.41">3422 16739 0,'18'0'0,"-1"0"15,54 0 1,-36 0 0,124-17-1,123 17 17,194 0-17,-211 0 16,70 0 1,-247 0-17,-70 0 17</inkml:trace>
+  <inkml:trace contextRef="#ctx0" brushRef="#br0" timeOffset="159942.92">4022 16528 0,'-71'0'31,"18"0"-16,-123 0 17,105 17-32,-264 124 15,-53 1 17,194-54-1,229-71 47,-17-17-62,17 0-16,89 71 31,193 70-16,-176-106 17,18 1-17,0-19 17,-106-17-1</inkml:trace>
+  <inkml:trace contextRef="#ctx0" brushRef="#br0" timeOffset="162685.82">3528 17745 0,'-18'0'78,"71"0"-62,0 0-1,0 0-15,17 0 16,89-18 0,-88 18-16,123 0 31,88 0 0,-123 0-15,52 0 15,-52 0 0,-124 0-15</inkml:trace>
+  <inkml:trace contextRef="#ctx0" brushRef="#br0" timeOffset="163805.47">4180 17568 0,'0'0'0,"-35"0"0,-18 0 16,36 0-16,-19 0 16,19 0-1,-36 0 16,0 0-31,-88 0 16,17 0 15,-176 18-15,106 35 15,-35 0 0,141-36 1,88 1 46,0 0-63,35-18 1,106 0 15,-17 35 1,70-35-17,0 71 16,53-36 1,-212-35-17,0 0 1</inkml:trace>
+  <inkml:trace contextRef="#ctx0" brushRef="#br0" timeOffset="174605.22">5874 18115 0,'0'-17'31,"0"-19"-15,0 19-16,0-19 31,17 1-15,19 0-16,17 17 31,88 0-15,-88 1 15,52-18 0,-16 17-15,-1 18 15,229 0 16,-193 0-31,-18 0-1,105 0 17,-52 0-17,17 0 16,-123 0-15,88 0 0,-70 0-1,105 0 17,18 0-1,-105 0-16,69 0 17,1 0-1,-53 0-15,-71 0 15,36 0-16,-1 0 17,1 0-17,17 0 17,36 0-17,-71 0 16,-36 0 969,18 0-984,-17 0-16,17 0 16,18 0-1,18 0-15,105 0 16,54 0 15,-125 18-15,-34-18 15,-18 35-15,-36-18 15,107-17-15,-54 0 15,107 0-16,-36 0 17,18 0-1,-89 0-15,-52 0 15,105 0 0,-70 0-15,177 0 15,-107 0-15,36 0 15,-106 0-16,0 0-15,0 0 32,35 0-1,53 0 0,-88 0-15,17 0 31,-34 0-32,34 0 1,-17 0 15,53 0-15,-35 0 15,17 0 0,-53 0-31,124 0 16,35 0 15,-124 0-15,71 0 15,18 0 0,-18 53-15,-35-53 15,53 0 0,-89 0-15,1 0 0,70 0-1,-123 0 1,105 0 0,124 0 15,-141 0-16,123 36 17,-52-1-1,70-35 0,-71 0-15,-88 0-1,106 0 17,-106 0-17,54 0 17,-54 0-17,18 0 16,88 0-15,-89 0 15,125 0-15,-160 0 15,71 0-15,-52 0 15,16 0-15,37 0 15,34 0 0,0 0 0,-35 0-15,18 0 15,53 0 1,-89 0-17,71 0 16,-88 0-15,35 0 15,-53 0-15,36 0 0,70-18 15,-35 1 0,17-19-15,-52 36 15,123-17-15,-53-19 15,-71 36-16,-17 0 17,17 0-17,89-17 17,-106 17-17,-36-35 16,54 35 1,17 0-17,-18 0 17,-34 0-17,16 0 16,1 0-15,88 0 15,-105 0-15,16-18 0,1 18 15,-18 0-16,106 0 17,-105 0-17,-19 0 1,-52 0-16,70 0 31,-17 0-15,34 0 15,-34 0-15,17 0-1,53 0 17,-35 0-17,106 0 16,-142 0-15,1 0 15,70 0-15,-70 18 15,-36-1-15,0 1 31,18-18-16,-18 0-31,71 0 31,-71 0-31,1 0 16,-19 0 93,1 0-93,0 0-16</inkml:trace>
+</inkml:ink>
+</file>
+
+<file path=ppt/ink/ink9.xml><?xml version="1.0" encoding="utf-8"?>
+<inkml:ink xmlns:inkml="http://www.w3.org/2003/InkML">
+  <inkml:definitions>
+    <inkml:context xml:id="ctx0">
+      <inkml:inkSource xml:id="inkSrc0">
+        <inkml:traceFormat>
+          <inkml:channel name="X" type="integer" min="-1920" max="1920" units="cm"/>
+          <inkml:channel name="Y" type="integer" max="1080" units="cm"/>
+          <inkml:channel name="T" type="integer" max="2.14748E9" units="dev"/>
+        </inkml:traceFormat>
+        <inkml:channelProperties>
+          <inkml:channelProperty channel="X" name="resolution" value="72.86527" units="1/cm"/>
+          <inkml:channelProperty channel="Y" name="resolution" value="36.48649" units="1/cm"/>
+          <inkml:channelProperty channel="T" name="resolution" value="1" units="1/dev"/>
+        </inkml:channelProperties>
+      </inkml:inkSource>
+      <inkml:timestamp xml:id="ts0" timeString="2021-07-30T15:05:29.390"/>
+    </inkml:context>
+    <inkml:brush xml:id="br0">
+      <inkml:brushProperty name="width" value="0.05292" units="cm"/>
+      <inkml:brushProperty name="height" value="0.05292" units="cm"/>
+      <inkml:brushProperty name="color" value="#FF0000"/>
+    </inkml:brush>
+  </inkml:definitions>
+  <inkml:trace contextRef="#ctx0" brushRef="#br0">3581 13917 0,'17'0'141,"1"0"-141,17 0 15,18 0-15,18 0 16,-18 0 0,0 0-16,52 0 15,178 35 32,-107-17-31,36 0-1,-124-18 17,71 0-17,88 0 32,-195 0-31,19 0-1,-53 0 17,17 0 77</inkml:trace>
+  <inkml:trace contextRef="#ctx0" brushRef="#br0" timeOffset="7244.04">13529 8308 0,'0'18'47,"-35"17"-31,-1 0-1,-34 36 1,35-18 0,-1 0-16,1-1 31,17-16-16,-34 87 32,52-70-31,0 18 0,0 70 15,0-53 0,0 18 0,0-89 32,0 1-32,17 35 0</inkml:trace>
+  <inkml:trace contextRef="#ctx0" brushRef="#br0" timeOffset="10644.99">20055 8184 0,'18'0'31,"0"0"-31,-1 0 16,-17 18-16,36 70 31,-1 18-15,-17-18 15,17-35 0,-35-35-31,17-18 47,1 35-31,0 106 30,-18 18-30,0-106 15,0-35 47,0 17-62,0 0 0,0-17-1,0 17 17,0 0-1,0-17 31,0 0-46,0 35 0,0-18-16,0-18 31,0 1 0,-18-18 1360,-17 0-1391,0 0 15,17 0-15,0 0 16,1 0 0,-1 35-16,0-17 31,-17 0 63,17-18-94,-17 17 15,0-17 16,17 0-15</inkml:trace>
+  <inkml:trace contextRef="#ctx0" brushRef="#br0" timeOffset="17553.77">20902 9190 0,'18'0'0,"35"0"15,-36-18 1,36 18-16,0 0 15,106 0 17,-71 0-1,106 0-15,-53 0 15,-88 0-31,88 0 15,-123 0 17,35 0-1,123 0 0,-35 0-15,106 0 15,-159 0-15,-17 0 15,-53 0-15,70 0 15,53 0 0,-18 0 16,-70 0-16,-17 0-31,-19 0 16,1 0 31,0 0-32,34 0 17,-16 0-1</inkml:trace>
+  <inkml:trace contextRef="#ctx0" brushRef="#br0" timeOffset="25460.56">14235 10689 0,'17'0'78,"36"0"-78,124 0 32,-89 0-17,-18 0 1,-52 0 15,52 0 0,36 0-15,141 0 15,-70 0 0,-142 0-31,106 0 32,18 0-17,-53 0 17,-1 0-17,-34 0 16,-53 0-15,52 0 15,-17 0 1,71 0-17,-89 0 16,53 0-15,-35 0 15,-18 0-15,-17 0 15,35 0 0,53 0 1,-53 0-17,-36 0-15,71 0 32</inkml:trace>
+  <inkml:trace contextRef="#ctx0" brushRef="#br0" timeOffset="30010.65">12929 11289 0,'18'0'109,"53"0"-93,-19 0-16,1 18 15,-17-1 1,228 1 0,-140-1-16,176 19 31,-89-36-16,-105 17 17,18-17-17,-19 36 17,-69-36-32,69 0 31,54 0-16,0 0 17,0 0-1,-18 0-15,-71 0 15,71 0-16,18 0 17,-88 0-17,52-18 17,-52 18-17,70-35 16,-18 35-15,1 0 15,17 0-15,-106 0 15,18 0-15,-18 0 109,-17 0-125,0 0 15,-1 0-15,1 0 47,0 0-15,-1 0 124,-17 17-156,0 19 31,18-19 1672,0-17-1687,-1 0-1,1 0-15,-1 0 235,1 0-220,17-17 17,-17 17-32</inkml:trace>
+</inkml:ink>
+</file>
+
 <file path=ppt/notesMasters/notesMaster1.xml><?xml version="1.0" encoding="utf-8"?>
 <p:notesMaster xmlns:a="http://schemas.openxmlformats.org/drawingml/2006/main" xmlns:r="http://schemas.openxmlformats.org/officeDocument/2006/relationships" xmlns:p="http://schemas.openxmlformats.org/presentationml/2006/main">
   <p:cSld>
@@ -235,7 +897,7 @@
           <a:p>
             <a:fld id="{A665B8CE-B7EA-48CF-8C87-0BE3186CB14D}" type="datetimeFigureOut">
               <a:rPr lang="en-US" smtClean="0"/>
-              <a:t>7/29/2021</a:t>
+              <a:t>7/30/2021</a:t>
             </a:fld>
             <a:endParaRPr lang="en-US"/>
           </a:p>
@@ -655,7 +1317,7 @@
           <a:p>
             <a:fld id="{8CE0AF47-EA74-41A7-80E0-2F285A07CDF7}" type="datetime1">
               <a:rPr lang="en-US" smtClean="0"/>
-              <a:t>7/29/2021</a:t>
+              <a:t>7/30/2021</a:t>
             </a:fld>
             <a:endParaRPr lang="en-US"/>
           </a:p>
@@ -857,7 +1519,7 @@
           <a:p>
             <a:fld id="{5BE0D661-6592-45BF-9F9B-140A66F2A8DF}" type="datetime1">
               <a:rPr lang="en-US" smtClean="0"/>
-              <a:t>7/29/2021</a:t>
+              <a:t>7/30/2021</a:t>
             </a:fld>
             <a:endParaRPr lang="en-US"/>
           </a:p>
@@ -1105,7 +1767,7 @@
           <a:p>
             <a:fld id="{8489D436-87DA-4914-B4D7-7F95396E6290}" type="datetime1">
               <a:rPr lang="en-US" smtClean="0"/>
-              <a:t>7/29/2021</a:t>
+              <a:t>7/30/2021</a:t>
             </a:fld>
             <a:endParaRPr lang="en-US"/>
           </a:p>
@@ -1345,7 +2007,7 @@
           <a:p>
             <a:fld id="{31026531-1782-42E1-BA6D-EB320236770C}" type="datetime1">
               <a:rPr lang="en-US" smtClean="0"/>
-              <a:t>7/29/2021</a:t>
+              <a:t>7/30/2021</a:t>
             </a:fld>
             <a:endParaRPr lang="en-US"/>
           </a:p>
@@ -1665,7 +2327,7 @@
           <a:p>
             <a:fld id="{870F9AF4-A28F-43E1-8B38-899E40FB890C}" type="datetime1">
               <a:rPr lang="en-US" smtClean="0"/>
-              <a:t>7/29/2021</a:t>
+              <a:t>7/30/2021</a:t>
             </a:fld>
             <a:endParaRPr lang="en-US"/>
           </a:p>
@@ -1933,7 +2595,7 @@
           <a:p>
             <a:fld id="{8DF15B70-4CF4-49DB-B971-0C528B80EBB8}" type="datetime1">
               <a:rPr lang="en-US" smtClean="0"/>
-              <a:t>7/29/2021</a:t>
+              <a:t>7/30/2021</a:t>
             </a:fld>
             <a:endParaRPr lang="en-US"/>
           </a:p>
@@ -2384,7 +3046,7 @@
           <a:p>
             <a:fld id="{58138131-BC32-479A-89CD-5B914C6E5F6B}" type="datetime1">
               <a:rPr lang="en-US" smtClean="0"/>
-              <a:t>7/29/2021</a:t>
+              <a:t>7/30/2021</a:t>
             </a:fld>
             <a:endParaRPr lang="en-US"/>
           </a:p>
@@ -2564,7 +3226,7 @@
           <a:p>
             <a:fld id="{678A65FA-25E4-41C2-86FF-29B58CDBC364}" type="datetime1">
               <a:rPr lang="en-US" smtClean="0"/>
-              <a:t>7/29/2021</a:t>
+              <a:t>7/30/2021</a:t>
             </a:fld>
             <a:endParaRPr lang="en-US"/>
           </a:p>
@@ -2716,7 +3378,7 @@
           <a:p>
             <a:fld id="{AA622C73-11C5-4109-A690-C0E12F23091D}" type="datetime1">
               <a:rPr lang="en-US" smtClean="0"/>
-              <a:t>7/29/2021</a:t>
+              <a:t>7/30/2021</a:t>
             </a:fld>
             <a:endParaRPr lang="en-US"/>
           </a:p>
@@ -3030,7 +3692,7 @@
           <a:p>
             <a:fld id="{D885AEDE-0B12-4C8F-8699-CD2CAA720354}" type="datetime1">
               <a:rPr lang="en-US" smtClean="0"/>
-              <a:t>7/29/2021</a:t>
+              <a:t>7/30/2021</a:t>
             </a:fld>
             <a:endParaRPr lang="en-US"/>
           </a:p>
@@ -3357,7 +4019,7 @@
           <a:p>
             <a:fld id="{5BD475CC-F05D-4FDA-AF67-3B2C90729A6E}" type="datetime1">
               <a:rPr lang="en-US" smtClean="0"/>
-              <a:t>7/29/2021</a:t>
+              <a:t>7/30/2021</a:t>
             </a:fld>
             <a:endParaRPr lang="en-US"/>
           </a:p>
@@ -3637,7 +4299,7 @@
           <a:p>
             <a:fld id="{918F5A97-4E10-40B9-B25D-F19CB7779816}" type="datetime1">
               <a:rPr lang="en-US" smtClean="0"/>
-              <a:t>7/29/2021</a:t>
+              <a:t>7/30/2021</a:t>
             </a:fld>
             <a:endParaRPr lang="en-US"/>
           </a:p>
@@ -4701,6 +5363,57 @@
           </a:ln>
         </p:spPr>
       </p:pic>
+      <mc:AlternateContent xmlns:mc="http://schemas.openxmlformats.org/markup-compatibility/2006">
+        <mc:Choice xmlns:p14="http://schemas.microsoft.com/office/powerpoint/2010/main" Requires="p14">
+          <p:contentPart p14:bwMode="auto" r:id="rId5">
+            <p14:nvContentPartPr>
+              <p14:cNvPr id="4" name="Ink 3">
+                <a:extLst>
+                  <a:ext uri="{FF2B5EF4-FFF2-40B4-BE49-F238E27FC236}">
+                    <a16:creationId xmlns:a16="http://schemas.microsoft.com/office/drawing/2014/main" id="{AD90FBB4-C2E4-4FFD-B62F-7EF7D34A88A9}"/>
+                  </a:ext>
+                </a:extLst>
+              </p14:cNvPr>
+              <p14:cNvContentPartPr/>
+              <p14:nvPr/>
+            </p14:nvContentPartPr>
+            <p14:xfrm>
+              <a:off x="743040" y="1314360"/>
+              <a:ext cx="11259000" cy="5226480"/>
+            </p14:xfrm>
+          </p:contentPart>
+        </mc:Choice>
+        <mc:Fallback>
+          <p:pic>
+            <p:nvPicPr>
+              <p:cNvPr id="4" name="Ink 3">
+                <a:extLst>
+                  <a:ext uri="{FF2B5EF4-FFF2-40B4-BE49-F238E27FC236}">
+                    <a16:creationId xmlns:a16="http://schemas.microsoft.com/office/drawing/2014/main" id="{AD90FBB4-C2E4-4FFD-B62F-7EF7D34A88A9}"/>
+                  </a:ext>
+                </a:extLst>
+              </p:cNvPr>
+              <p:cNvPicPr/>
+              <p:nvPr/>
+            </p:nvPicPr>
+            <p:blipFill>
+              <a:blip r:embed="rId6"/>
+              <a:stretch>
+                <a:fillRect/>
+              </a:stretch>
+            </p:blipFill>
+            <p:spPr>
+              <a:xfrm>
+                <a:off x="733680" y="1305000"/>
+                <a:ext cx="11277720" cy="5245200"/>
+              </a:xfrm>
+              <a:prstGeom prst="rect">
+                <a:avLst/>
+              </a:prstGeom>
+            </p:spPr>
+          </p:pic>
+        </mc:Fallback>
+      </mc:AlternateContent>
     </p:spTree>
     <p:extLst>
       <p:ext uri="{BB962C8B-B14F-4D97-AF65-F5344CB8AC3E}">
@@ -5194,6 +5907,57 @@
           </a:prstGeom>
         </p:spPr>
       </p:pic>
+      <mc:AlternateContent xmlns:mc="http://schemas.openxmlformats.org/markup-compatibility/2006">
+        <mc:Choice xmlns:p14="http://schemas.microsoft.com/office/powerpoint/2010/main" Requires="p14">
+          <p:contentPart p14:bwMode="auto" r:id="rId3">
+            <p14:nvContentPartPr>
+              <p14:cNvPr id="4" name="Ink 3">
+                <a:extLst>
+                  <a:ext uri="{FF2B5EF4-FFF2-40B4-BE49-F238E27FC236}">
+                    <a16:creationId xmlns:a16="http://schemas.microsoft.com/office/drawing/2014/main" id="{4B313362-0F22-4C6B-9EAE-ACF4E59AA29C}"/>
+                  </a:ext>
+                </a:extLst>
+              </p14:cNvPr>
+              <p14:cNvContentPartPr/>
+              <p14:nvPr/>
+            </p14:nvContentPartPr>
+            <p14:xfrm>
+              <a:off x="1365120" y="2438280"/>
+              <a:ext cx="10262160" cy="2972160"/>
+            </p14:xfrm>
+          </p:contentPart>
+        </mc:Choice>
+        <mc:Fallback>
+          <p:pic>
+            <p:nvPicPr>
+              <p:cNvPr id="4" name="Ink 3">
+                <a:extLst>
+                  <a:ext uri="{FF2B5EF4-FFF2-40B4-BE49-F238E27FC236}">
+                    <a16:creationId xmlns:a16="http://schemas.microsoft.com/office/drawing/2014/main" id="{4B313362-0F22-4C6B-9EAE-ACF4E59AA29C}"/>
+                  </a:ext>
+                </a:extLst>
+              </p:cNvPr>
+              <p:cNvPicPr/>
+              <p:nvPr/>
+            </p:nvPicPr>
+            <p:blipFill>
+              <a:blip r:embed="rId4"/>
+              <a:stretch>
+                <a:fillRect/>
+              </a:stretch>
+            </p:blipFill>
+            <p:spPr>
+              <a:xfrm>
+                <a:off x="1355760" y="2428920"/>
+                <a:ext cx="10280880" cy="2990880"/>
+              </a:xfrm>
+              <a:prstGeom prst="rect">
+                <a:avLst/>
+              </a:prstGeom>
+            </p:spPr>
+          </p:pic>
+        </mc:Fallback>
+      </mc:AlternateContent>
     </p:spTree>
     <p:extLst>
       <p:ext uri="{BB962C8B-B14F-4D97-AF65-F5344CB8AC3E}">
@@ -5417,6 +6181,57 @@
           </a:p>
         </p:txBody>
       </p:sp>
+      <mc:AlternateContent xmlns:mc="http://schemas.openxmlformats.org/markup-compatibility/2006">
+        <mc:Choice xmlns:p14="http://schemas.microsoft.com/office/powerpoint/2010/main" Requires="p14">
+          <p:contentPart p14:bwMode="auto" r:id="rId2">
+            <p14:nvContentPartPr>
+              <p14:cNvPr id="4" name="Ink 3">
+                <a:extLst>
+                  <a:ext uri="{FF2B5EF4-FFF2-40B4-BE49-F238E27FC236}">
+                    <a16:creationId xmlns:a16="http://schemas.microsoft.com/office/drawing/2014/main" id="{3C459F10-5291-4D14-A5D2-8E7F8C7058B2}"/>
+                  </a:ext>
+                </a:extLst>
+              </p14:cNvPr>
+              <p14:cNvContentPartPr/>
+              <p14:nvPr/>
+            </p14:nvContentPartPr>
+            <p14:xfrm>
+              <a:off x="1441440" y="4629240"/>
+              <a:ext cx="7137720" cy="1009800"/>
+            </p14:xfrm>
+          </p:contentPart>
+        </mc:Choice>
+        <mc:Fallback>
+          <p:pic>
+            <p:nvPicPr>
+              <p:cNvPr id="4" name="Ink 3">
+                <a:extLst>
+                  <a:ext uri="{FF2B5EF4-FFF2-40B4-BE49-F238E27FC236}">
+                    <a16:creationId xmlns:a16="http://schemas.microsoft.com/office/drawing/2014/main" id="{3C459F10-5291-4D14-A5D2-8E7F8C7058B2}"/>
+                  </a:ext>
+                </a:extLst>
+              </p:cNvPr>
+              <p:cNvPicPr/>
+              <p:nvPr/>
+            </p:nvPicPr>
+            <p:blipFill>
+              <a:blip r:embed="rId3"/>
+              <a:stretch>
+                <a:fillRect/>
+              </a:stretch>
+            </p:blipFill>
+            <p:spPr>
+              <a:xfrm>
+                <a:off x="1432080" y="4619880"/>
+                <a:ext cx="7156440" cy="1028520"/>
+              </a:xfrm>
+              <a:prstGeom prst="rect">
+                <a:avLst/>
+              </a:prstGeom>
+            </p:spPr>
+          </p:pic>
+        </mc:Fallback>
+      </mc:AlternateContent>
     </p:spTree>
     <p:extLst>
       <p:ext uri="{BB962C8B-B14F-4D97-AF65-F5344CB8AC3E}">
@@ -5617,6 +6432,57 @@
           </a:p>
         </p:txBody>
       </p:sp>
+      <mc:AlternateContent xmlns:mc="http://schemas.openxmlformats.org/markup-compatibility/2006">
+        <mc:Choice xmlns:p14="http://schemas.microsoft.com/office/powerpoint/2010/main" Requires="p14">
+          <p:contentPart p14:bwMode="auto" r:id="rId2">
+            <p14:nvContentPartPr>
+              <p14:cNvPr id="6" name="Ink 5">
+                <a:extLst>
+                  <a:ext uri="{FF2B5EF4-FFF2-40B4-BE49-F238E27FC236}">
+                    <a16:creationId xmlns:a16="http://schemas.microsoft.com/office/drawing/2014/main" id="{082F10EE-6448-499C-838D-62692BDAE00C}"/>
+                  </a:ext>
+                </a:extLst>
+              </p14:cNvPr>
+              <p14:cNvContentPartPr/>
+              <p14:nvPr/>
+            </p14:nvContentPartPr>
+            <p14:xfrm>
+              <a:off x="1149480" y="1244520"/>
+              <a:ext cx="9887040" cy="2864160"/>
+            </p14:xfrm>
+          </p:contentPart>
+        </mc:Choice>
+        <mc:Fallback>
+          <p:pic>
+            <p:nvPicPr>
+              <p:cNvPr id="6" name="Ink 5">
+                <a:extLst>
+                  <a:ext uri="{FF2B5EF4-FFF2-40B4-BE49-F238E27FC236}">
+                    <a16:creationId xmlns:a16="http://schemas.microsoft.com/office/drawing/2014/main" id="{082F10EE-6448-499C-838D-62692BDAE00C}"/>
+                  </a:ext>
+                </a:extLst>
+              </p:cNvPr>
+              <p:cNvPicPr/>
+              <p:nvPr/>
+            </p:nvPicPr>
+            <p:blipFill>
+              <a:blip r:embed="rId3"/>
+              <a:stretch>
+                <a:fillRect/>
+              </a:stretch>
+            </p:blipFill>
+            <p:spPr>
+              <a:xfrm>
+                <a:off x="1140120" y="1235160"/>
+                <a:ext cx="9905760" cy="2882880"/>
+              </a:xfrm>
+              <a:prstGeom prst="rect">
+                <a:avLst/>
+              </a:prstGeom>
+            </p:spPr>
+          </p:pic>
+        </mc:Fallback>
+      </mc:AlternateContent>
     </p:spTree>
     <p:extLst>
       <p:ext uri="{BB962C8B-B14F-4D97-AF65-F5344CB8AC3E}">
@@ -6047,6 +6913,57 @@
           </a:p>
         </p:txBody>
       </p:sp>
+      <mc:AlternateContent xmlns:mc="http://schemas.openxmlformats.org/markup-compatibility/2006">
+        <mc:Choice xmlns:p14="http://schemas.microsoft.com/office/powerpoint/2010/main" Requires="p14">
+          <p:contentPart p14:bwMode="auto" r:id="rId2">
+            <p14:nvContentPartPr>
+              <p14:cNvPr id="4" name="Ink 3">
+                <a:extLst>
+                  <a:ext uri="{FF2B5EF4-FFF2-40B4-BE49-F238E27FC236}">
+                    <a16:creationId xmlns:a16="http://schemas.microsoft.com/office/drawing/2014/main" id="{50B41B5F-BD9E-4EF9-A52B-BED3E0753C2C}"/>
+                  </a:ext>
+                </a:extLst>
+              </p14:cNvPr>
+              <p14:cNvContentPartPr/>
+              <p14:nvPr/>
+            </p14:nvContentPartPr>
+            <p14:xfrm>
+              <a:off x="2457360" y="1295280"/>
+              <a:ext cx="6959880" cy="4718520"/>
+            </p14:xfrm>
+          </p:contentPart>
+        </mc:Choice>
+        <mc:Fallback>
+          <p:pic>
+            <p:nvPicPr>
+              <p:cNvPr id="4" name="Ink 3">
+                <a:extLst>
+                  <a:ext uri="{FF2B5EF4-FFF2-40B4-BE49-F238E27FC236}">
+                    <a16:creationId xmlns:a16="http://schemas.microsoft.com/office/drawing/2014/main" id="{50B41B5F-BD9E-4EF9-A52B-BED3E0753C2C}"/>
+                  </a:ext>
+                </a:extLst>
+              </p:cNvPr>
+              <p:cNvPicPr/>
+              <p:nvPr/>
+            </p:nvPicPr>
+            <p:blipFill>
+              <a:blip r:embed="rId3"/>
+              <a:stretch>
+                <a:fillRect/>
+              </a:stretch>
+            </p:blipFill>
+            <p:spPr>
+              <a:xfrm>
+                <a:off x="2448000" y="1285920"/>
+                <a:ext cx="6978600" cy="4737240"/>
+              </a:xfrm>
+              <a:prstGeom prst="rect">
+                <a:avLst/>
+              </a:prstGeom>
+            </p:spPr>
+          </p:pic>
+        </mc:Fallback>
+      </mc:AlternateContent>
     </p:spTree>
     <p:extLst>
       <p:ext uri="{BB962C8B-B14F-4D97-AF65-F5344CB8AC3E}">
@@ -6492,6 +7409,57 @@
           </a:p>
         </p:txBody>
       </p:sp>
+      <mc:AlternateContent xmlns:mc="http://schemas.openxmlformats.org/markup-compatibility/2006">
+        <mc:Choice xmlns:p14="http://schemas.microsoft.com/office/powerpoint/2010/main" Requires="p14">
+          <p:contentPart p14:bwMode="auto" r:id="rId5">
+            <p14:nvContentPartPr>
+              <p14:cNvPr id="4" name="Ink 3">
+                <a:extLst>
+                  <a:ext uri="{FF2B5EF4-FFF2-40B4-BE49-F238E27FC236}">
+                    <a16:creationId xmlns:a16="http://schemas.microsoft.com/office/drawing/2014/main" id="{AED9D65A-FA1A-4916-841C-DDB29B7B7740}"/>
+                  </a:ext>
+                </a:extLst>
+              </p14:cNvPr>
+              <p14:cNvContentPartPr/>
+              <p14:nvPr/>
+            </p14:nvContentPartPr>
+            <p14:xfrm>
+              <a:off x="1289160" y="1917720"/>
+              <a:ext cx="10045800" cy="4565880"/>
+            </p14:xfrm>
+          </p:contentPart>
+        </mc:Choice>
+        <mc:Fallback>
+          <p:pic>
+            <p:nvPicPr>
+              <p:cNvPr id="4" name="Ink 3">
+                <a:extLst>
+                  <a:ext uri="{FF2B5EF4-FFF2-40B4-BE49-F238E27FC236}">
+                    <a16:creationId xmlns:a16="http://schemas.microsoft.com/office/drawing/2014/main" id="{AED9D65A-FA1A-4916-841C-DDB29B7B7740}"/>
+                  </a:ext>
+                </a:extLst>
+              </p:cNvPr>
+              <p:cNvPicPr/>
+              <p:nvPr/>
+            </p:nvPicPr>
+            <p:blipFill>
+              <a:blip r:embed="rId6"/>
+              <a:stretch>
+                <a:fillRect/>
+              </a:stretch>
+            </p:blipFill>
+            <p:spPr>
+              <a:xfrm>
+                <a:off x="1279800" y="1908360"/>
+                <a:ext cx="10064520" cy="4584600"/>
+              </a:xfrm>
+              <a:prstGeom prst="rect">
+                <a:avLst/>
+              </a:prstGeom>
+            </p:spPr>
+          </p:pic>
+        </mc:Fallback>
+      </mc:AlternateContent>
     </p:spTree>
     <p:extLst>
       <p:ext uri="{BB962C8B-B14F-4D97-AF65-F5344CB8AC3E}">
@@ -7654,6 +8622,57 @@
           </a:p>
         </p:txBody>
       </p:sp>
+      <mc:AlternateContent xmlns:mc="http://schemas.openxmlformats.org/markup-compatibility/2006">
+        <mc:Choice xmlns:p14="http://schemas.microsoft.com/office/powerpoint/2010/main" Requires="p14">
+          <p:contentPart p14:bwMode="auto" r:id="rId2">
+            <p14:nvContentPartPr>
+              <p14:cNvPr id="4" name="Ink 3">
+                <a:extLst>
+                  <a:ext uri="{FF2B5EF4-FFF2-40B4-BE49-F238E27FC236}">
+                    <a16:creationId xmlns:a16="http://schemas.microsoft.com/office/drawing/2014/main" id="{68E0A241-D12F-46DB-870E-9044306AA1E5}"/>
+                  </a:ext>
+                </a:extLst>
+              </p14:cNvPr>
+              <p14:cNvContentPartPr/>
+              <p14:nvPr/>
+            </p14:nvContentPartPr>
+            <p14:xfrm>
+              <a:off x="984240" y="1295280"/>
+              <a:ext cx="9201600" cy="5226480"/>
+            </p14:xfrm>
+          </p:contentPart>
+        </mc:Choice>
+        <mc:Fallback>
+          <p:pic>
+            <p:nvPicPr>
+              <p:cNvPr id="4" name="Ink 3">
+                <a:extLst>
+                  <a:ext uri="{FF2B5EF4-FFF2-40B4-BE49-F238E27FC236}">
+                    <a16:creationId xmlns:a16="http://schemas.microsoft.com/office/drawing/2014/main" id="{68E0A241-D12F-46DB-870E-9044306AA1E5}"/>
+                  </a:ext>
+                </a:extLst>
+              </p:cNvPr>
+              <p:cNvPicPr/>
+              <p:nvPr/>
+            </p:nvPicPr>
+            <p:blipFill>
+              <a:blip r:embed="rId3"/>
+              <a:stretch>
+                <a:fillRect/>
+              </a:stretch>
+            </p:blipFill>
+            <p:spPr>
+              <a:xfrm>
+                <a:off x="974880" y="1285920"/>
+                <a:ext cx="9220320" cy="5245200"/>
+              </a:xfrm>
+              <a:prstGeom prst="rect">
+                <a:avLst/>
+              </a:prstGeom>
+            </p:spPr>
+          </p:pic>
+        </mc:Fallback>
+      </mc:AlternateContent>
     </p:spTree>
     <p:extLst>
       <p:ext uri="{BB962C8B-B14F-4D97-AF65-F5344CB8AC3E}">
@@ -8166,6 +9185,57 @@
           </a:p>
         </p:txBody>
       </p:sp>
+      <mc:AlternateContent xmlns:mc="http://schemas.openxmlformats.org/markup-compatibility/2006">
+        <mc:Choice xmlns:p14="http://schemas.microsoft.com/office/powerpoint/2010/main" Requires="p14">
+          <p:contentPart p14:bwMode="auto" r:id="rId3">
+            <p14:nvContentPartPr>
+              <p14:cNvPr id="4" name="Ink 3">
+                <a:extLst>
+                  <a:ext uri="{FF2B5EF4-FFF2-40B4-BE49-F238E27FC236}">
+                    <a16:creationId xmlns:a16="http://schemas.microsoft.com/office/drawing/2014/main" id="{D51A4C12-23CE-4DCF-8EB8-EAB31E65A506}"/>
+                  </a:ext>
+                </a:extLst>
+              </p14:cNvPr>
+              <p14:cNvContentPartPr/>
+              <p14:nvPr/>
+            </p14:nvContentPartPr>
+            <p14:xfrm>
+              <a:off x="1289160" y="2946240"/>
+              <a:ext cx="7086960" cy="2089800"/>
+            </p14:xfrm>
+          </p:contentPart>
+        </mc:Choice>
+        <mc:Fallback>
+          <p:pic>
+            <p:nvPicPr>
+              <p:cNvPr id="4" name="Ink 3">
+                <a:extLst>
+                  <a:ext uri="{FF2B5EF4-FFF2-40B4-BE49-F238E27FC236}">
+                    <a16:creationId xmlns:a16="http://schemas.microsoft.com/office/drawing/2014/main" id="{D51A4C12-23CE-4DCF-8EB8-EAB31E65A506}"/>
+                  </a:ext>
+                </a:extLst>
+              </p:cNvPr>
+              <p:cNvPicPr/>
+              <p:nvPr/>
+            </p:nvPicPr>
+            <p:blipFill>
+              <a:blip r:embed="rId4"/>
+              <a:stretch>
+                <a:fillRect/>
+              </a:stretch>
+            </p:blipFill>
+            <p:spPr>
+              <a:xfrm>
+                <a:off x="1279800" y="2936880"/>
+                <a:ext cx="7105680" cy="2108520"/>
+              </a:xfrm>
+              <a:prstGeom prst="rect">
+                <a:avLst/>
+              </a:prstGeom>
+            </p:spPr>
+          </p:pic>
+        </mc:Fallback>
+      </mc:AlternateContent>
     </p:spTree>
     <p:extLst>
       <p:ext uri="{BB962C8B-B14F-4D97-AF65-F5344CB8AC3E}">
@@ -9064,6 +10134,57 @@
           </a:p>
         </p:txBody>
       </p:sp>
+      <mc:AlternateContent xmlns:mc="http://schemas.openxmlformats.org/markup-compatibility/2006">
+        <mc:Choice xmlns:p14="http://schemas.microsoft.com/office/powerpoint/2010/main" Requires="p14">
+          <p:contentPart p14:bwMode="auto" r:id="rId3">
+            <p14:nvContentPartPr>
+              <p14:cNvPr id="4" name="Ink 3">
+                <a:extLst>
+                  <a:ext uri="{FF2B5EF4-FFF2-40B4-BE49-F238E27FC236}">
+                    <a16:creationId xmlns:a16="http://schemas.microsoft.com/office/drawing/2014/main" id="{77512E60-FB76-4702-8C13-5D99B121F72C}"/>
+                  </a:ext>
+                </a:extLst>
+              </p14:cNvPr>
+              <p14:cNvContentPartPr/>
+              <p14:nvPr/>
+            </p14:nvContentPartPr>
+            <p14:xfrm>
+              <a:off x="1359000" y="2787480"/>
+              <a:ext cx="8217000" cy="2819880"/>
+            </p14:xfrm>
+          </p:contentPart>
+        </mc:Choice>
+        <mc:Fallback>
+          <p:pic>
+            <p:nvPicPr>
+              <p:cNvPr id="4" name="Ink 3">
+                <a:extLst>
+                  <a:ext uri="{FF2B5EF4-FFF2-40B4-BE49-F238E27FC236}">
+                    <a16:creationId xmlns:a16="http://schemas.microsoft.com/office/drawing/2014/main" id="{77512E60-FB76-4702-8C13-5D99B121F72C}"/>
+                  </a:ext>
+                </a:extLst>
+              </p:cNvPr>
+              <p:cNvPicPr/>
+              <p:nvPr/>
+            </p:nvPicPr>
+            <p:blipFill>
+              <a:blip r:embed="rId4"/>
+              <a:stretch>
+                <a:fillRect/>
+              </a:stretch>
+            </p:blipFill>
+            <p:spPr>
+              <a:xfrm>
+                <a:off x="1349640" y="2778120"/>
+                <a:ext cx="8235720" cy="2838600"/>
+              </a:xfrm>
+              <a:prstGeom prst="rect">
+                <a:avLst/>
+              </a:prstGeom>
+            </p:spPr>
+          </p:pic>
+        </mc:Fallback>
+      </mc:AlternateContent>
     </p:spTree>
     <p:extLst>
       <p:ext uri="{BB962C8B-B14F-4D97-AF65-F5344CB8AC3E}">
@@ -9270,6 +10391,57 @@
           </a:p>
         </p:txBody>
       </p:sp>
+      <mc:AlternateContent xmlns:mc="http://schemas.openxmlformats.org/markup-compatibility/2006">
+        <mc:Choice xmlns:p14="http://schemas.microsoft.com/office/powerpoint/2010/main" Requires="p14">
+          <p:contentPart p14:bwMode="auto" r:id="rId4">
+            <p14:nvContentPartPr>
+              <p14:cNvPr id="4" name="Ink 3">
+                <a:extLst>
+                  <a:ext uri="{FF2B5EF4-FFF2-40B4-BE49-F238E27FC236}">
+                    <a16:creationId xmlns:a16="http://schemas.microsoft.com/office/drawing/2014/main" id="{5921DA30-2DC9-4993-B213-FBB1F3492B60}"/>
+                  </a:ext>
+                </a:extLst>
+              </p14:cNvPr>
+              <p14:cNvContentPartPr/>
+              <p14:nvPr/>
+            </p14:nvContentPartPr>
+            <p14:xfrm>
+              <a:off x="1657440" y="3689280"/>
+              <a:ext cx="4794480" cy="1003680"/>
+            </p14:xfrm>
+          </p:contentPart>
+        </mc:Choice>
+        <mc:Fallback>
+          <p:pic>
+            <p:nvPicPr>
+              <p:cNvPr id="4" name="Ink 3">
+                <a:extLst>
+                  <a:ext uri="{FF2B5EF4-FFF2-40B4-BE49-F238E27FC236}">
+                    <a16:creationId xmlns:a16="http://schemas.microsoft.com/office/drawing/2014/main" id="{5921DA30-2DC9-4993-B213-FBB1F3492B60}"/>
+                  </a:ext>
+                </a:extLst>
+              </p:cNvPr>
+              <p:cNvPicPr/>
+              <p:nvPr/>
+            </p:nvPicPr>
+            <p:blipFill>
+              <a:blip r:embed="rId5"/>
+              <a:stretch>
+                <a:fillRect/>
+              </a:stretch>
+            </p:blipFill>
+            <p:spPr>
+              <a:xfrm>
+                <a:off x="1648080" y="3679920"/>
+                <a:ext cx="4813200" cy="1022400"/>
+              </a:xfrm>
+              <a:prstGeom prst="rect">
+                <a:avLst/>
+              </a:prstGeom>
+            </p:spPr>
+          </p:pic>
+        </mc:Fallback>
+      </mc:AlternateContent>
     </p:spTree>
     <p:extLst>
       <p:ext uri="{BB962C8B-B14F-4D97-AF65-F5344CB8AC3E}">
@@ -9583,6 +10755,57 @@
           </a:p>
         </p:txBody>
       </p:sp>
+      <mc:AlternateContent xmlns:mc="http://schemas.openxmlformats.org/markup-compatibility/2006">
+        <mc:Choice xmlns:p14="http://schemas.microsoft.com/office/powerpoint/2010/main" Requires="p14">
+          <p:contentPart p14:bwMode="auto" r:id="rId5">
+            <p14:nvContentPartPr>
+              <p14:cNvPr id="4" name="Ink 3">
+                <a:extLst>
+                  <a:ext uri="{FF2B5EF4-FFF2-40B4-BE49-F238E27FC236}">
+                    <a16:creationId xmlns:a16="http://schemas.microsoft.com/office/drawing/2014/main" id="{5B8F427F-CE42-4C21-B570-03F0503E9C7D}"/>
+                  </a:ext>
+                </a:extLst>
+              </p14:cNvPr>
+              <p14:cNvContentPartPr/>
+              <p14:nvPr/>
+            </p14:nvContentPartPr>
+            <p14:xfrm>
+              <a:off x="1447920" y="2286000"/>
+              <a:ext cx="4534200" cy="2394360"/>
+            </p14:xfrm>
+          </p:contentPart>
+        </mc:Choice>
+        <mc:Fallback>
+          <p:pic>
+            <p:nvPicPr>
+              <p:cNvPr id="4" name="Ink 3">
+                <a:extLst>
+                  <a:ext uri="{FF2B5EF4-FFF2-40B4-BE49-F238E27FC236}">
+                    <a16:creationId xmlns:a16="http://schemas.microsoft.com/office/drawing/2014/main" id="{5B8F427F-CE42-4C21-B570-03F0503E9C7D}"/>
+                  </a:ext>
+                </a:extLst>
+              </p:cNvPr>
+              <p:cNvPicPr/>
+              <p:nvPr/>
+            </p:nvPicPr>
+            <p:blipFill>
+              <a:blip r:embed="rId6"/>
+              <a:stretch>
+                <a:fillRect/>
+              </a:stretch>
+            </p:blipFill>
+            <p:spPr>
+              <a:xfrm>
+                <a:off x="1438560" y="2276640"/>
+                <a:ext cx="4552920" cy="2413080"/>
+              </a:xfrm>
+              <a:prstGeom prst="rect">
+                <a:avLst/>
+              </a:prstGeom>
+            </p:spPr>
+          </p:pic>
+        </mc:Fallback>
+      </mc:AlternateContent>
     </p:spTree>
     <p:extLst>
       <p:ext uri="{BB962C8B-B14F-4D97-AF65-F5344CB8AC3E}">
@@ -9837,6 +11060,57 @@
           </a:p>
         </p:txBody>
       </p:sp>
+      <mc:AlternateContent xmlns:mc="http://schemas.openxmlformats.org/markup-compatibility/2006">
+        <mc:Choice xmlns:p14="http://schemas.microsoft.com/office/powerpoint/2010/main" Requires="p14">
+          <p:contentPart p14:bwMode="auto" r:id="rId4">
+            <p14:nvContentPartPr>
+              <p14:cNvPr id="4" name="Ink 3">
+                <a:extLst>
+                  <a:ext uri="{FF2B5EF4-FFF2-40B4-BE49-F238E27FC236}">
+                    <a16:creationId xmlns:a16="http://schemas.microsoft.com/office/drawing/2014/main" id="{1F633F32-A628-4714-8CC8-D5BF38273B63}"/>
+                  </a:ext>
+                </a:extLst>
+              </p14:cNvPr>
+              <p14:cNvContentPartPr/>
+              <p14:nvPr/>
+            </p14:nvContentPartPr>
+            <p14:xfrm>
+              <a:off x="787320" y="2152800"/>
+              <a:ext cx="10477800" cy="3791160"/>
+            </p14:xfrm>
+          </p:contentPart>
+        </mc:Choice>
+        <mc:Fallback>
+          <p:pic>
+            <p:nvPicPr>
+              <p:cNvPr id="4" name="Ink 3">
+                <a:extLst>
+                  <a:ext uri="{FF2B5EF4-FFF2-40B4-BE49-F238E27FC236}">
+                    <a16:creationId xmlns:a16="http://schemas.microsoft.com/office/drawing/2014/main" id="{1F633F32-A628-4714-8CC8-D5BF38273B63}"/>
+                  </a:ext>
+                </a:extLst>
+              </p:cNvPr>
+              <p:cNvPicPr/>
+              <p:nvPr/>
+            </p:nvPicPr>
+            <p:blipFill>
+              <a:blip r:embed="rId5"/>
+              <a:stretch>
+                <a:fillRect/>
+              </a:stretch>
+            </p:blipFill>
+            <p:spPr>
+              <a:xfrm>
+                <a:off x="777960" y="2143440"/>
+                <a:ext cx="10496520" cy="3809880"/>
+              </a:xfrm>
+              <a:prstGeom prst="rect">
+                <a:avLst/>
+              </a:prstGeom>
+            </p:spPr>
+          </p:pic>
+        </mc:Fallback>
+      </mc:AlternateContent>
     </p:spTree>
     <p:extLst>
       <p:ext uri="{BB962C8B-B14F-4D97-AF65-F5344CB8AC3E}">
@@ -10301,6 +11575,57 @@
           </a:p>
         </p:txBody>
       </p:sp>
+      <mc:AlternateContent xmlns:mc="http://schemas.openxmlformats.org/markup-compatibility/2006">
+        <mc:Choice xmlns:p14="http://schemas.microsoft.com/office/powerpoint/2010/main" Requires="p14">
+          <p:contentPart p14:bwMode="auto" r:id="rId4">
+            <p14:nvContentPartPr>
+              <p14:cNvPr id="4" name="Ink 3">
+                <a:extLst>
+                  <a:ext uri="{FF2B5EF4-FFF2-40B4-BE49-F238E27FC236}">
+                    <a16:creationId xmlns:a16="http://schemas.microsoft.com/office/drawing/2014/main" id="{7E8A6888-2C7A-4357-8771-7CCE383C5EE3}"/>
+                  </a:ext>
+                </a:extLst>
+              </p14:cNvPr>
+              <p14:cNvContentPartPr/>
+              <p14:nvPr/>
+            </p14:nvContentPartPr>
+            <p14:xfrm>
+              <a:off x="952560" y="3098880"/>
+              <a:ext cx="7804440" cy="1511640"/>
+            </p14:xfrm>
+          </p:contentPart>
+        </mc:Choice>
+        <mc:Fallback>
+          <p:pic>
+            <p:nvPicPr>
+              <p:cNvPr id="4" name="Ink 3">
+                <a:extLst>
+                  <a:ext uri="{FF2B5EF4-FFF2-40B4-BE49-F238E27FC236}">
+                    <a16:creationId xmlns:a16="http://schemas.microsoft.com/office/drawing/2014/main" id="{7E8A6888-2C7A-4357-8771-7CCE383C5EE3}"/>
+                  </a:ext>
+                </a:extLst>
+              </p:cNvPr>
+              <p:cNvPicPr/>
+              <p:nvPr/>
+            </p:nvPicPr>
+            <p:blipFill>
+              <a:blip r:embed="rId5"/>
+              <a:stretch>
+                <a:fillRect/>
+              </a:stretch>
+            </p:blipFill>
+            <p:spPr>
+              <a:xfrm>
+                <a:off x="943200" y="3089520"/>
+                <a:ext cx="7823160" cy="1530360"/>
+              </a:xfrm>
+              <a:prstGeom prst="rect">
+                <a:avLst/>
+              </a:prstGeom>
+            </p:spPr>
+          </p:pic>
+        </mc:Fallback>
+      </mc:AlternateContent>
     </p:spTree>
     <p:extLst>
       <p:ext uri="{BB962C8B-B14F-4D97-AF65-F5344CB8AC3E}">
@@ -11992,6 +13317,57 @@
           </a:p>
         </p:txBody>
       </p:sp>
+      <mc:AlternateContent xmlns:mc="http://schemas.openxmlformats.org/markup-compatibility/2006">
+        <mc:Choice xmlns:p14="http://schemas.microsoft.com/office/powerpoint/2010/main" Requires="p14">
+          <p:contentPart p14:bwMode="auto" r:id="rId4">
+            <p14:nvContentPartPr>
+              <p14:cNvPr id="4" name="Ink 3">
+                <a:extLst>
+                  <a:ext uri="{FF2B5EF4-FFF2-40B4-BE49-F238E27FC236}">
+                    <a16:creationId xmlns:a16="http://schemas.microsoft.com/office/drawing/2014/main" id="{394FBDE7-9FE7-474B-B74A-23205D57E916}"/>
+                  </a:ext>
+                </a:extLst>
+              </p14:cNvPr>
+              <p14:cNvContentPartPr/>
+              <p14:nvPr/>
+            </p14:nvContentPartPr>
+            <p14:xfrm>
+              <a:off x="2311560" y="1797120"/>
+              <a:ext cx="7626600" cy="5035680"/>
+            </p14:xfrm>
+          </p:contentPart>
+        </mc:Choice>
+        <mc:Fallback>
+          <p:pic>
+            <p:nvPicPr>
+              <p:cNvPr id="4" name="Ink 3">
+                <a:extLst>
+                  <a:ext uri="{FF2B5EF4-FFF2-40B4-BE49-F238E27FC236}">
+                    <a16:creationId xmlns:a16="http://schemas.microsoft.com/office/drawing/2014/main" id="{394FBDE7-9FE7-474B-B74A-23205D57E916}"/>
+                  </a:ext>
+                </a:extLst>
+              </p:cNvPr>
+              <p:cNvPicPr/>
+              <p:nvPr/>
+            </p:nvPicPr>
+            <p:blipFill>
+              <a:blip r:embed="rId5"/>
+              <a:stretch>
+                <a:fillRect/>
+              </a:stretch>
+            </p:blipFill>
+            <p:spPr>
+              <a:xfrm>
+                <a:off x="2302200" y="1787760"/>
+                <a:ext cx="7645320" cy="5054400"/>
+              </a:xfrm>
+              <a:prstGeom prst="rect">
+                <a:avLst/>
+              </a:prstGeom>
+            </p:spPr>
+          </p:pic>
+        </mc:Fallback>
+      </mc:AlternateContent>
     </p:spTree>
     <p:extLst>
       <p:ext uri="{BB962C8B-B14F-4D97-AF65-F5344CB8AC3E}">
@@ -12576,6 +13952,57 @@
           </a:prstGeom>
         </p:spPr>
       </p:pic>
+      <mc:AlternateContent xmlns:mc="http://schemas.openxmlformats.org/markup-compatibility/2006">
+        <mc:Choice xmlns:p14="http://schemas.microsoft.com/office/powerpoint/2010/main" Requires="p14">
+          <p:contentPart p14:bwMode="auto" r:id="rId4">
+            <p14:nvContentPartPr>
+              <p14:cNvPr id="4" name="Ink 3">
+                <a:extLst>
+                  <a:ext uri="{FF2B5EF4-FFF2-40B4-BE49-F238E27FC236}">
+                    <a16:creationId xmlns:a16="http://schemas.microsoft.com/office/drawing/2014/main" id="{A1E30529-84E4-4D05-BC54-E6466F7B47F4}"/>
+                  </a:ext>
+                </a:extLst>
+              </p14:cNvPr>
+              <p14:cNvContentPartPr/>
+              <p14:nvPr/>
+            </p14:nvContentPartPr>
+            <p14:xfrm>
+              <a:off x="1771560" y="1987560"/>
+              <a:ext cx="9061920" cy="4864320"/>
+            </p14:xfrm>
+          </p:contentPart>
+        </mc:Choice>
+        <mc:Fallback>
+          <p:pic>
+            <p:nvPicPr>
+              <p:cNvPr id="4" name="Ink 3">
+                <a:extLst>
+                  <a:ext uri="{FF2B5EF4-FFF2-40B4-BE49-F238E27FC236}">
+                    <a16:creationId xmlns:a16="http://schemas.microsoft.com/office/drawing/2014/main" id="{A1E30529-84E4-4D05-BC54-E6466F7B47F4}"/>
+                  </a:ext>
+                </a:extLst>
+              </p:cNvPr>
+              <p:cNvPicPr/>
+              <p:nvPr/>
+            </p:nvPicPr>
+            <p:blipFill>
+              <a:blip r:embed="rId5"/>
+              <a:stretch>
+                <a:fillRect/>
+              </a:stretch>
+            </p:blipFill>
+            <p:spPr>
+              <a:xfrm>
+                <a:off x="1762200" y="1978200"/>
+                <a:ext cx="9080640" cy="4883040"/>
+              </a:xfrm>
+              <a:prstGeom prst="rect">
+                <a:avLst/>
+              </a:prstGeom>
+            </p:spPr>
+          </p:pic>
+        </mc:Fallback>
+      </mc:AlternateContent>
     </p:spTree>
     <p:extLst>
       <p:ext uri="{BB962C8B-B14F-4D97-AF65-F5344CB8AC3E}">
@@ -12794,6 +14221,57 @@
           </a:p>
         </p:txBody>
       </p:sp>
+      <mc:AlternateContent xmlns:mc="http://schemas.openxmlformats.org/markup-compatibility/2006">
+        <mc:Choice xmlns:p14="http://schemas.microsoft.com/office/powerpoint/2010/main" Requires="p14">
+          <p:contentPart p14:bwMode="auto" r:id="rId4">
+            <p14:nvContentPartPr>
+              <p14:cNvPr id="2" name="Ink 1">
+                <a:extLst>
+                  <a:ext uri="{FF2B5EF4-FFF2-40B4-BE49-F238E27FC236}">
+                    <a16:creationId xmlns:a16="http://schemas.microsoft.com/office/drawing/2014/main" id="{45DEAF60-F44C-484D-A5BF-E1EC5CFF2BC1}"/>
+                  </a:ext>
+                </a:extLst>
+              </p14:cNvPr>
+              <p14:cNvContentPartPr/>
+              <p14:nvPr/>
+            </p14:nvContentPartPr>
+            <p14:xfrm>
+              <a:off x="3193920" y="520560"/>
+              <a:ext cx="222840" cy="1518120"/>
+            </p14:xfrm>
+          </p:contentPart>
+        </mc:Choice>
+        <mc:Fallback>
+          <p:pic>
+            <p:nvPicPr>
+              <p:cNvPr id="2" name="Ink 1">
+                <a:extLst>
+                  <a:ext uri="{FF2B5EF4-FFF2-40B4-BE49-F238E27FC236}">
+                    <a16:creationId xmlns:a16="http://schemas.microsoft.com/office/drawing/2014/main" id="{45DEAF60-F44C-484D-A5BF-E1EC5CFF2BC1}"/>
+                  </a:ext>
+                </a:extLst>
+              </p:cNvPr>
+              <p:cNvPicPr/>
+              <p:nvPr/>
+            </p:nvPicPr>
+            <p:blipFill>
+              <a:blip r:embed="rId5"/>
+              <a:stretch>
+                <a:fillRect/>
+              </a:stretch>
+            </p:blipFill>
+            <p:spPr>
+              <a:xfrm>
+                <a:off x="3184560" y="511200"/>
+                <a:ext cx="241560" cy="1536840"/>
+              </a:xfrm>
+              <a:prstGeom prst="rect">
+                <a:avLst/>
+              </a:prstGeom>
+            </p:spPr>
+          </p:pic>
+        </mc:Fallback>
+      </mc:AlternateContent>
     </p:spTree>
     <p:extLst>
       <p:ext uri="{BB962C8B-B14F-4D97-AF65-F5344CB8AC3E}">
@@ -15513,6 +16991,57 @@
           </a:p>
         </p:txBody>
       </p:sp>
+      <mc:AlternateContent xmlns:mc="http://schemas.openxmlformats.org/markup-compatibility/2006">
+        <mc:Choice xmlns:p14="http://schemas.microsoft.com/office/powerpoint/2010/main" Requires="p14">
+          <p:contentPart p14:bwMode="auto" r:id="rId4">
+            <p14:nvContentPartPr>
+              <p14:cNvPr id="4" name="Ink 3">
+                <a:extLst>
+                  <a:ext uri="{FF2B5EF4-FFF2-40B4-BE49-F238E27FC236}">
+                    <a16:creationId xmlns:a16="http://schemas.microsoft.com/office/drawing/2014/main" id="{DDD420D1-AE30-4C3E-9E12-148642481AE1}"/>
+                  </a:ext>
+                </a:extLst>
+              </p14:cNvPr>
+              <p14:cNvContentPartPr/>
+              <p14:nvPr/>
+            </p14:nvContentPartPr>
+            <p14:xfrm>
+              <a:off x="558720" y="1911240"/>
+              <a:ext cx="7753680" cy="4674240"/>
+            </p14:xfrm>
+          </p:contentPart>
+        </mc:Choice>
+        <mc:Fallback>
+          <p:pic>
+            <p:nvPicPr>
+              <p:cNvPr id="4" name="Ink 3">
+                <a:extLst>
+                  <a:ext uri="{FF2B5EF4-FFF2-40B4-BE49-F238E27FC236}">
+                    <a16:creationId xmlns:a16="http://schemas.microsoft.com/office/drawing/2014/main" id="{DDD420D1-AE30-4C3E-9E12-148642481AE1}"/>
+                  </a:ext>
+                </a:extLst>
+              </p:cNvPr>
+              <p:cNvPicPr/>
+              <p:nvPr/>
+            </p:nvPicPr>
+            <p:blipFill>
+              <a:blip r:embed="rId5"/>
+              <a:stretch>
+                <a:fillRect/>
+              </a:stretch>
+            </p:blipFill>
+            <p:spPr>
+              <a:xfrm>
+                <a:off x="549360" y="1901880"/>
+                <a:ext cx="7772400" cy="4692960"/>
+              </a:xfrm>
+              <a:prstGeom prst="rect">
+                <a:avLst/>
+              </a:prstGeom>
+            </p:spPr>
+          </p:pic>
+        </mc:Fallback>
+      </mc:AlternateContent>
     </p:spTree>
     <p:extLst>
       <p:ext uri="{BB962C8B-B14F-4D97-AF65-F5344CB8AC3E}">
